--- a/LectureSlides/03a_ReviewOfProbability.pptx
+++ b/LectureSlides/03a_ReviewOfProbability.pptx
@@ -5,55 +5,54 @@
     <p:sldMasterId id="2147483648" r:id="rId1"/>
   </p:sldMasterIdLst>
   <p:sldIdLst>
-    <p:sldId id="256" r:id="rId2"/>
+    <p:sldId id="299" r:id="rId2"/>
     <p:sldId id="257" r:id="rId3"/>
     <p:sldId id="258" r:id="rId4"/>
     <p:sldId id="259" r:id="rId5"/>
     <p:sldId id="260" r:id="rId6"/>
     <p:sldId id="261" r:id="rId7"/>
-    <p:sldId id="262" r:id="rId8"/>
-    <p:sldId id="263" r:id="rId9"/>
-    <p:sldId id="264" r:id="rId10"/>
-    <p:sldId id="265" r:id="rId11"/>
-    <p:sldId id="266" r:id="rId12"/>
-    <p:sldId id="267" r:id="rId13"/>
-    <p:sldId id="268" r:id="rId14"/>
-    <p:sldId id="269" r:id="rId15"/>
-    <p:sldId id="270" r:id="rId16"/>
-    <p:sldId id="304" r:id="rId17"/>
-    <p:sldId id="271" r:id="rId18"/>
-    <p:sldId id="305" r:id="rId19"/>
-    <p:sldId id="273" r:id="rId20"/>
-    <p:sldId id="274" r:id="rId21"/>
-    <p:sldId id="275" r:id="rId22"/>
-    <p:sldId id="276" r:id="rId23"/>
-    <p:sldId id="277" r:id="rId24"/>
-    <p:sldId id="278" r:id="rId25"/>
-    <p:sldId id="279" r:id="rId26"/>
-    <p:sldId id="280" r:id="rId27"/>
-    <p:sldId id="281" r:id="rId28"/>
-    <p:sldId id="282" r:id="rId29"/>
-    <p:sldId id="283" r:id="rId30"/>
-    <p:sldId id="284" r:id="rId31"/>
-    <p:sldId id="285" r:id="rId32"/>
-    <p:sldId id="286" r:id="rId33"/>
-    <p:sldId id="287" r:id="rId34"/>
-    <p:sldId id="288" r:id="rId35"/>
-    <p:sldId id="289" r:id="rId36"/>
-    <p:sldId id="290" r:id="rId37"/>
-    <p:sldId id="291" r:id="rId38"/>
-    <p:sldId id="315" r:id="rId39"/>
-    <p:sldId id="313" r:id="rId40"/>
-    <p:sldId id="314" r:id="rId41"/>
-    <p:sldId id="316" r:id="rId42"/>
-    <p:sldId id="317" r:id="rId43"/>
-    <p:sldId id="318" r:id="rId44"/>
-    <p:sldId id="319" r:id="rId45"/>
-    <p:sldId id="320" r:id="rId46"/>
-    <p:sldId id="300" r:id="rId47"/>
-    <p:sldId id="301" r:id="rId48"/>
-    <p:sldId id="302" r:id="rId49"/>
-    <p:sldId id="303" r:id="rId50"/>
+    <p:sldId id="263" r:id="rId8"/>
+    <p:sldId id="264" r:id="rId9"/>
+    <p:sldId id="265" r:id="rId10"/>
+    <p:sldId id="266" r:id="rId11"/>
+    <p:sldId id="267" r:id="rId12"/>
+    <p:sldId id="268" r:id="rId13"/>
+    <p:sldId id="269" r:id="rId14"/>
+    <p:sldId id="270" r:id="rId15"/>
+    <p:sldId id="304" r:id="rId16"/>
+    <p:sldId id="271" r:id="rId17"/>
+    <p:sldId id="305" r:id="rId18"/>
+    <p:sldId id="273" r:id="rId19"/>
+    <p:sldId id="274" r:id="rId20"/>
+    <p:sldId id="275" r:id="rId21"/>
+    <p:sldId id="276" r:id="rId22"/>
+    <p:sldId id="277" r:id="rId23"/>
+    <p:sldId id="278" r:id="rId24"/>
+    <p:sldId id="279" r:id="rId25"/>
+    <p:sldId id="280" r:id="rId26"/>
+    <p:sldId id="281" r:id="rId27"/>
+    <p:sldId id="282" r:id="rId28"/>
+    <p:sldId id="283" r:id="rId29"/>
+    <p:sldId id="284" r:id="rId30"/>
+    <p:sldId id="285" r:id="rId31"/>
+    <p:sldId id="286" r:id="rId32"/>
+    <p:sldId id="287" r:id="rId33"/>
+    <p:sldId id="288" r:id="rId34"/>
+    <p:sldId id="289" r:id="rId35"/>
+    <p:sldId id="290" r:id="rId36"/>
+    <p:sldId id="291" r:id="rId37"/>
+    <p:sldId id="315" r:id="rId38"/>
+    <p:sldId id="313" r:id="rId39"/>
+    <p:sldId id="314" r:id="rId40"/>
+    <p:sldId id="316" r:id="rId41"/>
+    <p:sldId id="317" r:id="rId42"/>
+    <p:sldId id="318" r:id="rId43"/>
+    <p:sldId id="319" r:id="rId44"/>
+    <p:sldId id="320" r:id="rId45"/>
+    <p:sldId id="300" r:id="rId46"/>
+    <p:sldId id="301" r:id="rId47"/>
+    <p:sldId id="302" r:id="rId48"/>
+    <p:sldId id="303" r:id="rId49"/>
   </p:sldIdLst>
   <p:sldSz cx="9144000" cy="5143500" type="screen16x9"/>
   <p:notesSz cx="6858000" cy="9144000"/>
@@ -350,7 +349,7 @@
           <a:p>
             <a:fld id="{241EB5C9-1307-BA42-ABA2-0BC069CD8E7F}" type="datetimeFigureOut">
               <a:rPr lang="en-US" smtClean="0"/>
-              <a:t>8/4/2024</a:t>
+              <a:t>9/7/2024</a:t>
             </a:fld>
             <a:endParaRPr lang="en-US"/>
           </a:p>
@@ -518,7 +517,7 @@
           <a:p>
             <a:fld id="{241EB5C9-1307-BA42-ABA2-0BC069CD8E7F}" type="datetimeFigureOut">
               <a:rPr lang="en-US" smtClean="0"/>
-              <a:t>8/4/2024</a:t>
+              <a:t>9/7/2024</a:t>
             </a:fld>
             <a:endParaRPr lang="en-US"/>
           </a:p>
@@ -696,7 +695,7 @@
           <a:p>
             <a:fld id="{241EB5C9-1307-BA42-ABA2-0BC069CD8E7F}" type="datetimeFigureOut">
               <a:rPr lang="en-US" smtClean="0"/>
-              <a:t>8/4/2024</a:t>
+              <a:t>9/7/2024</a:t>
             </a:fld>
             <a:endParaRPr lang="en-US"/>
           </a:p>
@@ -864,7 +863,7 @@
           <a:p>
             <a:fld id="{241EB5C9-1307-BA42-ABA2-0BC069CD8E7F}" type="datetimeFigureOut">
               <a:rPr lang="en-US" smtClean="0"/>
-              <a:t>8/4/2024</a:t>
+              <a:t>9/7/2024</a:t>
             </a:fld>
             <a:endParaRPr lang="en-US"/>
           </a:p>
@@ -1109,7 +1108,7 @@
           <a:p>
             <a:fld id="{241EB5C9-1307-BA42-ABA2-0BC069CD8E7F}" type="datetimeFigureOut">
               <a:rPr lang="en-US" smtClean="0"/>
-              <a:t>8/4/2024</a:t>
+              <a:t>9/7/2024</a:t>
             </a:fld>
             <a:endParaRPr lang="en-US"/>
           </a:p>
@@ -1394,7 +1393,7 @@
           <a:p>
             <a:fld id="{241EB5C9-1307-BA42-ABA2-0BC069CD8E7F}" type="datetimeFigureOut">
               <a:rPr lang="en-US" smtClean="0"/>
-              <a:t>8/4/2024</a:t>
+              <a:t>9/7/2024</a:t>
             </a:fld>
             <a:endParaRPr lang="en-US"/>
           </a:p>
@@ -1813,7 +1812,7 @@
           <a:p>
             <a:fld id="{241EB5C9-1307-BA42-ABA2-0BC069CD8E7F}" type="datetimeFigureOut">
               <a:rPr lang="en-US" smtClean="0"/>
-              <a:t>8/4/2024</a:t>
+              <a:t>9/7/2024</a:t>
             </a:fld>
             <a:endParaRPr lang="en-US"/>
           </a:p>
@@ -1930,7 +1929,7 @@
           <a:p>
             <a:fld id="{241EB5C9-1307-BA42-ABA2-0BC069CD8E7F}" type="datetimeFigureOut">
               <a:rPr lang="en-US" smtClean="0"/>
-              <a:t>8/4/2024</a:t>
+              <a:t>9/7/2024</a:t>
             </a:fld>
             <a:endParaRPr lang="en-US"/>
           </a:p>
@@ -2025,7 +2024,7 @@
           <a:p>
             <a:fld id="{241EB5C9-1307-BA42-ABA2-0BC069CD8E7F}" type="datetimeFigureOut">
               <a:rPr lang="en-US" smtClean="0"/>
-              <a:t>8/4/2024</a:t>
+              <a:t>9/7/2024</a:t>
             </a:fld>
             <a:endParaRPr lang="en-US"/>
           </a:p>
@@ -2300,7 +2299,7 @@
           <a:p>
             <a:fld id="{241EB5C9-1307-BA42-ABA2-0BC069CD8E7F}" type="datetimeFigureOut">
               <a:rPr lang="en-US" smtClean="0"/>
-              <a:t>8/4/2024</a:t>
+              <a:t>9/7/2024</a:t>
             </a:fld>
             <a:endParaRPr lang="en-US"/>
           </a:p>
@@ -2552,7 +2551,7 @@
           <a:p>
             <a:fld id="{241EB5C9-1307-BA42-ABA2-0BC069CD8E7F}" type="datetimeFigureOut">
               <a:rPr lang="en-US" smtClean="0"/>
-              <a:t>8/4/2024</a:t>
+              <a:t>9/7/2024</a:t>
             </a:fld>
             <a:endParaRPr lang="en-US"/>
           </a:p>
@@ -2763,7 +2762,7 @@
           <a:p>
             <a:fld id="{241EB5C9-1307-BA42-ABA2-0BC069CD8E7F}" type="datetimeFigureOut">
               <a:rPr lang="en-US" smtClean="0"/>
-              <a:t>8/4/2024</a:t>
+              <a:t>9/7/2024</a:t>
             </a:fld>
             <a:endParaRPr lang="en-US"/>
           </a:p>
@@ -3150,8 +3149,8 @@
         </p:nvSpPr>
         <p:spPr>
           <a:xfrm>
-            <a:off x="685800" y="1597819"/>
-            <a:ext cx="7772400" cy="1102519"/>
+            <a:off x="685800" y="517003"/>
+            <a:ext cx="7772400" cy="1515861"/>
           </a:xfrm>
         </p:spPr>
         <p:txBody>
@@ -3162,8 +3161,10 @@
               <a:buNone/>
             </a:pPr>
             <a:r>
+              <a:rPr lang="en-US" b="1" dirty="0"/>
               <a:t>Review of Probability</a:t>
             </a:r>
+            <a:endParaRPr b="1" dirty="0"/>
           </a:p>
         </p:txBody>
       </p:sp>
@@ -3179,20 +3180,27 @@
         </p:nvSpPr>
         <p:spPr>
           <a:xfrm>
-            <a:off x="1371600" y="2914650"/>
-            <a:ext cx="6400800" cy="1314450"/>
+            <a:off x="1371600" y="1878957"/>
+            <a:ext cx="6400800" cy="563301"/>
           </a:xfrm>
         </p:spPr>
         <p:txBody>
-          <a:bodyPr/>
+          <a:bodyPr>
+            <a:normAutofit fontScale="32500" lnSpcReduction="20000"/>
+          </a:bodyPr>
           <a:lstStyle/>
           <a:p>
             <a:pPr marL="0" lvl="0" indent="0">
               <a:buNone/>
             </a:pPr>
-            <a:br/>
-            <a:br/>
+            <a:br>
+              <a:rPr dirty="0"/>
+            </a:br>
+            <a:br>
+              <a:rPr dirty="0"/>
+            </a:br>
             <a:r>
+              <a:rPr sz="5900" b="1" dirty="0"/>
               <a:t>Steve Elston</a:t>
             </a:r>
           </a:p>
@@ -3217,7 +3225,94 @@
               <a:buNone/>
             </a:pPr>
             <a:r>
-              <a:t>09/18/2023</a:t>
+              <a:t>09/04/2023</a:t>
+            </a:r>
+          </a:p>
+        </p:txBody>
+      </p:sp>
+      <p:pic>
+        <p:nvPicPr>
+          <p:cNvPr id="5" name="Picture 2" descr="Image result for harvard extension school logo">
+            <a:extLst>
+              <a:ext uri="{FF2B5EF4-FFF2-40B4-BE49-F238E27FC236}">
+                <a16:creationId xmlns:a16="http://schemas.microsoft.com/office/drawing/2014/main" id="{4589CD93-89FF-3DF6-420D-DE6D671B6DD7}"/>
+              </a:ext>
+            </a:extLst>
+          </p:cNvPr>
+          <p:cNvPicPr>
+            <a:picLocks noChangeAspect="1" noChangeArrowheads="1"/>
+          </p:cNvPicPr>
+          <p:nvPr/>
+        </p:nvPicPr>
+        <p:blipFill>
+          <a:blip r:embed="rId2">
+            <a:extLst>
+              <a:ext uri="{28A0092B-C50C-407E-A947-70E740481C1C}">
+                <a14:useLocalDpi xmlns:a14="http://schemas.microsoft.com/office/drawing/2010/main" val="0"/>
+              </a:ext>
+            </a:extLst>
+          </a:blip>
+          <a:srcRect/>
+          <a:stretch>
+            <a:fillRect/>
+          </a:stretch>
+        </p:blipFill>
+        <p:spPr bwMode="auto">
+          <a:xfrm>
+            <a:off x="3291067" y="3659436"/>
+            <a:ext cx="2345803" cy="965131"/>
+          </a:xfrm>
+          <a:prstGeom prst="rect">
+            <a:avLst/>
+          </a:prstGeom>
+          <a:noFill/>
+          <a:extLst>
+            <a:ext uri="{909E8E84-426E-40DD-AFC4-6F175D3DCCD1}">
+              <a14:hiddenFill xmlns:a14="http://schemas.microsoft.com/office/drawing/2010/main">
+                <a:solidFill>
+                  <a:srgbClr val="FFFFFF"/>
+                </a:solidFill>
+              </a14:hiddenFill>
+            </a:ext>
+          </a:extLst>
+        </p:spPr>
+      </p:pic>
+      <p:sp>
+        <p:nvSpPr>
+          <p:cNvPr id="6" name="TextBox 5">
+            <a:extLst>
+              <a:ext uri="{FF2B5EF4-FFF2-40B4-BE49-F238E27FC236}">
+                <a16:creationId xmlns:a16="http://schemas.microsoft.com/office/drawing/2014/main" id="{E74191BF-5D24-EFDF-F46A-91EA7CBF856B}"/>
+              </a:ext>
+            </a:extLst>
+          </p:cNvPr>
+          <p:cNvSpPr txBox="1"/>
+          <p:nvPr/>
+        </p:nvSpPr>
+        <p:spPr>
+          <a:xfrm>
+            <a:off x="1805276" y="4705706"/>
+            <a:ext cx="5744633" cy="369332"/>
+          </a:xfrm>
+          <a:prstGeom prst="rect">
+            <a:avLst/>
+          </a:prstGeom>
+          <a:noFill/>
+        </p:spPr>
+        <p:txBody>
+          <a:bodyPr wrap="square" rtlCol="0">
+            <a:spAutoFit/>
+          </a:bodyPr>
+          <a:lstStyle/>
+          <a:p>
+            <a:pPr algn="ctr"/>
+            <a:r>
+              <a:rPr lang="en-US" sz="1100" dirty="0"/>
+              <a:t>Copyright 2018, 2019, 2020, 2021, 2022, 2023 2024, Stephen F Elston. All rights reserved</a:t>
+            </a:r>
+            <a:r>
+              <a:rPr lang="en-US" dirty="0"/>
+              <a:t>.</a:t>
             </a:r>
           </a:p>
         </p:txBody>
@@ -3259,798 +3354,6 @@
         </p:nvSpPr>
         <p:spPr/>
         <p:txBody>
-          <a:bodyPr>
-            <a:normAutofit fontScale="90000"/>
-          </a:bodyPr>
-          <a:lstStyle/>
-          <a:p>
-            <a:pPr marL="0" lvl="0" indent="0">
-              <a:buNone/>
-            </a:pPr>
-            <a:r>
-              <a:t>Axioms of probability for continuous distributions</a:t>
-            </a:r>
-          </a:p>
-        </p:txBody>
-      </p:sp>
-      <mc:AlternateContent xmlns:mc="http://schemas.openxmlformats.org/markup-compatibility/2006">
-        <mc:Choice xmlns:a14="http://schemas.microsoft.com/office/drawing/2010/main" Requires="a14">
-          <p:sp>
-            <p:nvSpPr>
-              <p:cNvPr id="3" name="Content Placeholder 2"/>
-              <p:cNvSpPr>
-                <a:spLocks noGrp="1"/>
-              </p:cNvSpPr>
-              <p:nvPr>
-                <p:ph idx="1"/>
-              </p:nvPr>
-            </p:nvSpPr>
-            <p:spPr>
-              <a:xfrm>
-                <a:off x="457200" y="1063229"/>
-                <a:ext cx="8229600" cy="3874292"/>
-              </a:xfrm>
-            </p:spPr>
-            <p:txBody>
-              <a:bodyPr>
-                <a:normAutofit fontScale="85000" lnSpcReduction="10000"/>
-              </a:bodyPr>
-              <a:lstStyle/>
-              <a:p>
-                <a:pPr marL="0" lvl="0" indent="0">
-                  <a:buNone/>
-                </a:pPr>
-                <a:r>
-                  <a:rPr b="1" dirty="0"/>
-                  <a:t>Axioms of probability</a:t>
-                </a:r>
-                <a:r>
-                  <a:rPr dirty="0"/>
-                  <a:t> for continuous probability density function, </a:t>
-                </a:r>
-                <a14:m>
-                  <m:oMath xmlns:m="http://schemas.openxmlformats.org/officeDocument/2006/math">
-                    <m:r>
-                      <a:rPr>
-                        <a:latin typeface="Cambria Math" panose="02040503050406030204" pitchFamily="18" charset="0"/>
-                      </a:rPr>
-                      <m:t>𝑓</m:t>
-                    </m:r>
-                    <m:d>
-                      <m:dPr>
-                        <m:ctrlPr>
-                          <a:rPr i="1">
-                            <a:latin typeface="Cambria Math" panose="02040503050406030204" pitchFamily="18" charset="0"/>
-                          </a:rPr>
-                        </m:ctrlPr>
-                      </m:dPr>
-                      <m:e>
-                        <m:r>
-                          <a:rPr>
-                            <a:latin typeface="Cambria Math" panose="02040503050406030204" pitchFamily="18" charset="0"/>
-                          </a:rPr>
-                          <m:t>𝑥</m:t>
-                        </m:r>
-                      </m:e>
-                    </m:d>
-                  </m:oMath>
-                </a14:m>
-                <a:endParaRPr dirty="0"/>
-              </a:p>
-              <a:p>
-                <a:pPr marL="342900" lvl="0" indent="-342900">
-                  <a:buAutoNum type="arabicPeriod"/>
-                </a:pPr>
-                <a:r>
-                  <a:rPr dirty="0"/>
-                  <a:t>On the interval, </a:t>
-                </a:r>
-                <a14:m>
-                  <m:oMath xmlns:m="http://schemas.openxmlformats.org/officeDocument/2006/math">
-                    <m:r>
-                      <a:rPr>
-                        <a:latin typeface="Cambria Math" panose="02040503050406030204" pitchFamily="18" charset="0"/>
-                      </a:rPr>
-                      <m:t>{</m:t>
-                    </m:r>
-                    <m:sSub>
-                      <m:sSubPr>
-                        <m:ctrlPr>
-                          <a:rPr i="1">
-                            <a:latin typeface="Cambria Math" panose="02040503050406030204" pitchFamily="18" charset="0"/>
-                          </a:rPr>
-                        </m:ctrlPr>
-                      </m:sSubPr>
-                      <m:e>
-                        <m:r>
-                          <a:rPr>
-                            <a:latin typeface="Cambria Math" panose="02040503050406030204" pitchFamily="18" charset="0"/>
-                          </a:rPr>
-                          <m:t>𝑥</m:t>
-                        </m:r>
-                      </m:e>
-                      <m:sub>
-                        <m:r>
-                          <a:rPr>
-                            <a:latin typeface="Cambria Math" panose="02040503050406030204" pitchFamily="18" charset="0"/>
-                          </a:rPr>
-                          <m:t>1</m:t>
-                        </m:r>
-                      </m:sub>
-                    </m:sSub>
-                    <m:r>
-                      <a:rPr>
-                        <a:latin typeface="Cambria Math" panose="02040503050406030204" pitchFamily="18" charset="0"/>
-                      </a:rPr>
-                      <m:t>,</m:t>
-                    </m:r>
-                    <m:sSub>
-                      <m:sSubPr>
-                        <m:ctrlPr>
-                          <a:rPr i="1">
-                            <a:latin typeface="Cambria Math" panose="02040503050406030204" pitchFamily="18" charset="0"/>
-                          </a:rPr>
-                        </m:ctrlPr>
-                      </m:sSubPr>
-                      <m:e>
-                        <m:r>
-                          <a:rPr>
-                            <a:latin typeface="Cambria Math" panose="02040503050406030204" pitchFamily="18" charset="0"/>
-                          </a:rPr>
-                          <m:t>𝑥</m:t>
-                        </m:r>
-                      </m:e>
-                      <m:sub>
-                        <m:r>
-                          <a:rPr>
-                            <a:latin typeface="Cambria Math" panose="02040503050406030204" pitchFamily="18" charset="0"/>
-                          </a:rPr>
-                          <m:t>2</m:t>
-                        </m:r>
-                      </m:sub>
-                    </m:sSub>
-                    <m:r>
-                      <a:rPr>
-                        <a:latin typeface="Cambria Math" panose="02040503050406030204" pitchFamily="18" charset="0"/>
-                      </a:rPr>
-                      <m:t>}</m:t>
-                    </m:r>
-                  </m:oMath>
-                </a14:m>
-                <a:r>
-                  <a:rPr dirty="0"/>
-                  <a:t>, </a:t>
-                </a:r>
-                <a14:m>
-                  <m:oMath xmlns:m="http://schemas.openxmlformats.org/officeDocument/2006/math">
-                    <m:r>
-                      <a:rPr>
-                        <a:latin typeface="Cambria Math" panose="02040503050406030204" pitchFamily="18" charset="0"/>
-                      </a:rPr>
-                      <m:t>𝑃</m:t>
-                    </m:r>
-                    <m:d>
-                      <m:dPr>
-                        <m:ctrlPr>
-                          <a:rPr i="1">
-                            <a:latin typeface="Cambria Math" panose="02040503050406030204" pitchFamily="18" charset="0"/>
-                          </a:rPr>
-                        </m:ctrlPr>
-                      </m:dPr>
-                      <m:e>
-                        <m:r>
-                          <a:rPr>
-                            <a:latin typeface="Cambria Math" panose="02040503050406030204" pitchFamily="18" charset="0"/>
-                          </a:rPr>
-                          <m:t>𝑥</m:t>
-                        </m:r>
-                      </m:e>
-                    </m:d>
-                  </m:oMath>
-                </a14:m>
-                <a:r>
-                  <a:rPr dirty="0"/>
-                  <a:t>, must be bounded by 0 and 1:</a:t>
-                </a:r>
-              </a:p>
-              <a:p>
-                <a:pPr marL="0" lvl="0" indent="0">
-                  <a:buNone/>
-                </a:pPr>
-                <a14:m>
-                  <m:oMathPara xmlns:m="http://schemas.openxmlformats.org/officeDocument/2006/math">
-                    <m:oMathParaPr>
-                      <m:jc m:val="center"/>
-                    </m:oMathParaPr>
-                    <m:oMath xmlns:m="http://schemas.openxmlformats.org/officeDocument/2006/math">
-                      <m:r>
-                        <a:rPr>
-                          <a:latin typeface="Cambria Math" panose="02040503050406030204" pitchFamily="18" charset="0"/>
-                        </a:rPr>
-                        <m:t>0</m:t>
-                      </m:r>
-                      <m:r>
-                        <a:rPr>
-                          <a:latin typeface="Cambria Math" panose="02040503050406030204" pitchFamily="18" charset="0"/>
-                        </a:rPr>
-                        <m:t>≤</m:t>
-                      </m:r>
-                      <m:nary>
-                        <m:naryPr>
-                          <m:limLoc m:val="subSup"/>
-                          <m:ctrlPr>
-                            <a:rPr i="1">
-                              <a:latin typeface="Cambria Math" panose="02040503050406030204" pitchFamily="18" charset="0"/>
-                            </a:rPr>
-                          </m:ctrlPr>
-                        </m:naryPr>
-                        <m:sub>
-                          <m:sSub>
-                            <m:sSubPr>
-                              <m:ctrlPr>
-                                <a:rPr i="1">
-                                  <a:latin typeface="Cambria Math" panose="02040503050406030204" pitchFamily="18" charset="0"/>
-                                </a:rPr>
-                              </m:ctrlPr>
-                            </m:sSubPr>
-                            <m:e>
-                              <m:r>
-                                <a:rPr>
-                                  <a:latin typeface="Cambria Math" panose="02040503050406030204" pitchFamily="18" charset="0"/>
-                                </a:rPr>
-                                <m:t>𝑥</m:t>
-                              </m:r>
-                            </m:e>
-                            <m:sub>
-                              <m:r>
-                                <a:rPr>
-                                  <a:latin typeface="Cambria Math" panose="02040503050406030204" pitchFamily="18" charset="0"/>
-                                </a:rPr>
-                                <m:t>1</m:t>
-                              </m:r>
-                            </m:sub>
-                          </m:sSub>
-                        </m:sub>
-                        <m:sup>
-                          <m:sSub>
-                            <m:sSubPr>
-                              <m:ctrlPr>
-                                <a:rPr i="1">
-                                  <a:latin typeface="Cambria Math" panose="02040503050406030204" pitchFamily="18" charset="0"/>
-                                </a:rPr>
-                              </m:ctrlPr>
-                            </m:sSubPr>
-                            <m:e>
-                              <m:r>
-                                <a:rPr>
-                                  <a:latin typeface="Cambria Math" panose="02040503050406030204" pitchFamily="18" charset="0"/>
-                                </a:rPr>
-                                <m:t>𝑥</m:t>
-                              </m:r>
-                            </m:e>
-                            <m:sub>
-                              <m:r>
-                                <a:rPr>
-                                  <a:latin typeface="Cambria Math" panose="02040503050406030204" pitchFamily="18" charset="0"/>
-                                </a:rPr>
-                                <m:t>2</m:t>
-                              </m:r>
-                            </m:sub>
-                          </m:sSub>
-                        </m:sup>
-                        <m:e>
-                          <m:r>
-                            <a:rPr>
-                              <a:latin typeface="Cambria Math" panose="02040503050406030204" pitchFamily="18" charset="0"/>
-                            </a:rPr>
-                            <m:t>𝑓</m:t>
-                          </m:r>
-                        </m:e>
-                      </m:nary>
-                      <m:d>
-                        <m:dPr>
-                          <m:ctrlPr>
-                            <a:rPr i="1">
-                              <a:latin typeface="Cambria Math" panose="02040503050406030204" pitchFamily="18" charset="0"/>
-                            </a:rPr>
-                          </m:ctrlPr>
-                        </m:dPr>
-                        <m:e>
-                          <m:r>
-                            <a:rPr>
-                              <a:latin typeface="Cambria Math" panose="02040503050406030204" pitchFamily="18" charset="0"/>
-                            </a:rPr>
-                            <m:t>𝑥</m:t>
-                          </m:r>
-                        </m:e>
-                      </m:d>
-                      <m:r>
-                        <a:rPr>
-                          <a:latin typeface="Cambria Math" panose="02040503050406030204" pitchFamily="18" charset="0"/>
-                        </a:rPr>
-                        <m:t>𝑑𝑥</m:t>
-                      </m:r>
-                      <m:r>
-                        <a:rPr>
-                          <a:latin typeface="Cambria Math" panose="02040503050406030204" pitchFamily="18" charset="0"/>
-                        </a:rPr>
-                        <m:t> ≤</m:t>
-                      </m:r>
-                      <m:r>
-                        <a:rPr>
-                          <a:latin typeface="Cambria Math" panose="02040503050406030204" pitchFamily="18" charset="0"/>
-                        </a:rPr>
-                        <m:t>1</m:t>
-                      </m:r>
-                    </m:oMath>
-                  </m:oMathPara>
-                </a14:m>
-                <a:endParaRPr dirty="0"/>
-              </a:p>
-              <a:p>
-                <a:pPr marL="0" lvl="0" indent="0">
-                  <a:buNone/>
-                </a:pPr>
-                <a:r>
-                  <a:rPr b="1" dirty="0"/>
-                  <a:t>Note: </a:t>
-                </a:r>
-                <a:r>
-                  <a:rPr dirty="0"/>
-                  <a:t>if </a:t>
-                </a:r>
-                <a14:m>
-                  <m:oMath xmlns:m="http://schemas.openxmlformats.org/officeDocument/2006/math">
-                    <m:sSub>
-                      <m:sSubPr>
-                        <m:ctrlPr>
-                          <a:rPr>
-                            <a:latin typeface="Cambria Math" panose="02040503050406030204" pitchFamily="18" charset="0"/>
-                          </a:rPr>
-                        </m:ctrlPr>
-                      </m:sSubPr>
-                      <m:e>
-                        <m:r>
-                          <a:rPr>
-                            <a:latin typeface="Cambria Math" panose="02040503050406030204" pitchFamily="18" charset="0"/>
-                          </a:rPr>
-                          <m:t>𝑥</m:t>
-                        </m:r>
-                      </m:e>
-                      <m:sub>
-                        <m:r>
-                          <a:rPr>
-                            <a:latin typeface="Cambria Math" panose="02040503050406030204" pitchFamily="18" charset="0"/>
-                          </a:rPr>
-                          <m:t>1</m:t>
-                        </m:r>
-                      </m:sub>
-                    </m:sSub>
-                    <m:r>
-                      <a:rPr>
-                        <a:latin typeface="Cambria Math" panose="02040503050406030204" pitchFamily="18" charset="0"/>
-                      </a:rPr>
-                      <m:t>=</m:t>
-                    </m:r>
-                    <m:sSub>
-                      <m:sSubPr>
-                        <m:ctrlPr>
-                          <a:rPr i="1">
-                            <a:latin typeface="Cambria Math" panose="02040503050406030204" pitchFamily="18" charset="0"/>
-                          </a:rPr>
-                        </m:ctrlPr>
-                      </m:sSubPr>
-                      <m:e>
-                        <m:r>
-                          <a:rPr>
-                            <a:latin typeface="Cambria Math" panose="02040503050406030204" pitchFamily="18" charset="0"/>
-                          </a:rPr>
-                          <m:t>𝑥</m:t>
-                        </m:r>
-                      </m:e>
-                      <m:sub>
-                        <m:r>
-                          <a:rPr>
-                            <a:latin typeface="Cambria Math" panose="02040503050406030204" pitchFamily="18" charset="0"/>
-                          </a:rPr>
-                          <m:t>2</m:t>
-                        </m:r>
-                      </m:sub>
-                    </m:sSub>
-                  </m:oMath>
-                </a14:m>
-                <a:r>
-                  <a:rPr dirty="0"/>
-                  <a:t> the integral is 0</a:t>
-                </a:r>
-              </a:p>
-              <a:p>
-                <a:pPr marL="342900" lvl="0" indent="-342900">
-                  <a:buAutoNum type="arabicPeriod" startAt="2"/>
-                </a:pPr>
-                <a:r>
-                  <a:rPr dirty="0"/>
-                  <a:t>The area under the entire PDF over the limits must be equal to 1:</a:t>
-                </a:r>
-              </a:p>
-              <a:p>
-                <a:pPr marL="0" lvl="0" indent="0">
-                  <a:buNone/>
-                </a:pPr>
-                <a14:m>
-                  <m:oMathPara xmlns:m="http://schemas.openxmlformats.org/officeDocument/2006/math">
-                    <m:oMathParaPr>
-                      <m:jc m:val="center"/>
-                    </m:oMathParaPr>
-                    <m:oMath xmlns:m="http://schemas.openxmlformats.org/officeDocument/2006/math">
-                      <m:nary>
-                        <m:naryPr>
-                          <m:limLoc m:val="subSup"/>
-                          <m:ctrlPr>
-                            <a:rPr>
-                              <a:latin typeface="Cambria Math" panose="02040503050406030204" pitchFamily="18" charset="0"/>
-                            </a:rPr>
-                          </m:ctrlPr>
-                        </m:naryPr>
-                        <m:sub>
-                          <m:r>
-                            <a:rPr>
-                              <a:latin typeface="Cambria Math" panose="02040503050406030204" pitchFamily="18" charset="0"/>
-                            </a:rPr>
-                            <m:t>𝑙𝑜𝑤𝑒𝑟</m:t>
-                          </m:r>
-                        </m:sub>
-                        <m:sup>
-                          <m:r>
-                            <a:rPr>
-                              <a:latin typeface="Cambria Math" panose="02040503050406030204" pitchFamily="18" charset="0"/>
-                            </a:rPr>
-                            <m:t>𝑢𝑝𝑝𝑒𝑟</m:t>
-                          </m:r>
-                        </m:sup>
-                        <m:e>
-                          <m:r>
-                            <a:rPr>
-                              <a:latin typeface="Cambria Math" panose="02040503050406030204" pitchFamily="18" charset="0"/>
-                            </a:rPr>
-                            <m:t>𝑓</m:t>
-                          </m:r>
-                        </m:e>
-                      </m:nary>
-                      <m:d>
-                        <m:dPr>
-                          <m:ctrlPr>
-                            <a:rPr i="1">
-                              <a:latin typeface="Cambria Math" panose="02040503050406030204" pitchFamily="18" charset="0"/>
-                            </a:rPr>
-                          </m:ctrlPr>
-                        </m:dPr>
-                        <m:e>
-                          <m:r>
-                            <a:rPr>
-                              <a:latin typeface="Cambria Math" panose="02040503050406030204" pitchFamily="18" charset="0"/>
-                            </a:rPr>
-                            <m:t>𝑥</m:t>
-                          </m:r>
-                        </m:e>
-                      </m:d>
-                      <m:r>
-                        <a:rPr>
-                          <a:latin typeface="Cambria Math" panose="02040503050406030204" pitchFamily="18" charset="0"/>
-                        </a:rPr>
-                        <m:t>𝑑𝑥</m:t>
-                      </m:r>
-                      <m:r>
-                        <a:rPr>
-                          <a:latin typeface="Cambria Math" panose="02040503050406030204" pitchFamily="18" charset="0"/>
-                        </a:rPr>
-                        <m:t>=</m:t>
-                      </m:r>
-                      <m:r>
-                        <a:rPr>
-                          <a:latin typeface="Cambria Math" panose="02040503050406030204" pitchFamily="18" charset="0"/>
-                        </a:rPr>
-                        <m:t>1</m:t>
-                      </m:r>
-                    </m:oMath>
-                  </m:oMathPara>
-                </a14:m>
-                <a:endParaRPr dirty="0"/>
-              </a:p>
-              <a:p>
-                <a:pPr marL="0" lvl="0" indent="0">
-                  <a:buNone/>
-                </a:pPr>
-                <a:r>
-                  <a:rPr b="1" dirty="0"/>
-                  <a:t>Note: </a:t>
-                </a:r>
-                <a:r>
-                  <a:rPr dirty="0"/>
-                  <a:t>many distributions lower = </a:t>
-                </a:r>
-                <a14:m>
-                  <m:oMath xmlns:m="http://schemas.openxmlformats.org/officeDocument/2006/math">
-                    <m:r>
-                      <a:rPr>
-                        <a:latin typeface="Cambria Math" panose="02040503050406030204" pitchFamily="18" charset="0"/>
-                      </a:rPr>
-                      <m:t>0</m:t>
-                    </m:r>
-                  </m:oMath>
-                </a14:m>
-                <a:r>
-                  <a:rPr dirty="0"/>
-                  <a:t> or </a:t>
-                </a:r>
-                <a14:m>
-                  <m:oMath xmlns:m="http://schemas.openxmlformats.org/officeDocument/2006/math">
-                    <m:r>
-                      <a:rPr>
-                        <a:latin typeface="Cambria Math" panose="02040503050406030204" pitchFamily="18" charset="0"/>
-                      </a:rPr>
-                      <m:t>−</m:t>
-                    </m:r>
-                    <m:r>
-                      <a:rPr>
-                        <a:latin typeface="Cambria Math" panose="02040503050406030204" pitchFamily="18" charset="0"/>
-                      </a:rPr>
-                      <m:t>∞</m:t>
-                    </m:r>
-                  </m:oMath>
-                </a14:m>
-                <a:r>
-                  <a:rPr dirty="0"/>
-                  <a:t> and upper = </a:t>
-                </a:r>
-                <a14:m>
-                  <m:oMath xmlns:m="http://schemas.openxmlformats.org/officeDocument/2006/math">
-                    <m:r>
-                      <a:rPr>
-                        <a:latin typeface="Cambria Math" panose="02040503050406030204" pitchFamily="18" charset="0"/>
-                      </a:rPr>
-                      <m:t>∞</m:t>
-                    </m:r>
-                  </m:oMath>
-                </a14:m>
-                <a:endParaRPr dirty="0"/>
-              </a:p>
-              <a:p>
-                <a:pPr marL="342900" lvl="0" indent="-342900">
-                  <a:buAutoNum type="arabicPeriod" startAt="3"/>
-                </a:pPr>
-                <a:r>
-                  <a:rPr dirty="0"/>
-                  <a:t>If events A and B are mutually exclusive:</a:t>
-                </a:r>
-                <a:endParaRPr lang="en-US" dirty="0"/>
-              </a:p>
-              <a:p>
-                <a:pPr marL="0" lvl="0" indent="0">
-                  <a:buNone/>
-                </a:pPr>
-                <a14:m>
-                  <m:oMathPara xmlns:m="http://schemas.openxmlformats.org/officeDocument/2006/math">
-                    <m:oMathParaPr>
-                      <m:jc m:val="centerGroup"/>
-                    </m:oMathParaPr>
-                    <m:oMath xmlns:m="http://schemas.openxmlformats.org/officeDocument/2006/math">
-                      <m:r>
-                        <a:rPr lang="en-US" b="0" i="1" smtClean="0">
-                          <a:latin typeface="Cambria Math" panose="02040503050406030204" pitchFamily="18" charset="0"/>
-                        </a:rPr>
-                        <m:t>𝑃</m:t>
-                      </m:r>
-                      <m:d>
-                        <m:dPr>
-                          <m:ctrlPr>
-                            <a:rPr lang="en-US" b="0" i="1" smtClean="0">
-                              <a:latin typeface="Cambria Math" panose="02040503050406030204" pitchFamily="18" charset="0"/>
-                            </a:rPr>
-                          </m:ctrlPr>
-                        </m:dPr>
-                        <m:e>
-                          <m:r>
-                            <a:rPr lang="en-US" b="0" i="1" smtClean="0">
-                              <a:latin typeface="Cambria Math" panose="02040503050406030204" pitchFamily="18" charset="0"/>
-                            </a:rPr>
-                            <m:t>𝐴</m:t>
-                          </m:r>
-                          <m:r>
-                            <a:rPr lang="en-US" b="0" i="1" smtClean="0">
-                              <a:latin typeface="Cambria Math" panose="02040503050406030204" pitchFamily="18" charset="0"/>
-                              <a:ea typeface="Cambria Math" panose="02040503050406030204" pitchFamily="18" charset="0"/>
-                            </a:rPr>
-                            <m:t>∪</m:t>
-                          </m:r>
-                          <m:r>
-                            <a:rPr lang="en-US" b="0" i="1" smtClean="0">
-                              <a:latin typeface="Cambria Math" panose="02040503050406030204" pitchFamily="18" charset="0"/>
-                              <a:ea typeface="Cambria Math" panose="02040503050406030204" pitchFamily="18" charset="0"/>
-                            </a:rPr>
-                            <m:t>𝐵</m:t>
-                          </m:r>
-                        </m:e>
-                      </m:d>
-                      <m:r>
-                        <a:rPr lang="en-US" b="0" i="1" smtClean="0">
-                          <a:latin typeface="Cambria Math" panose="02040503050406030204" pitchFamily="18" charset="0"/>
-                        </a:rPr>
-                        <m:t>=</m:t>
-                      </m:r>
-                      <m:r>
-                        <a:rPr lang="en-US" b="0" i="1" smtClean="0">
-                          <a:latin typeface="Cambria Math" panose="02040503050406030204" pitchFamily="18" charset="0"/>
-                        </a:rPr>
-                        <m:t>𝑃</m:t>
-                      </m:r>
-                      <m:d>
-                        <m:dPr>
-                          <m:ctrlPr>
-                            <a:rPr lang="en-US" b="0" i="1" smtClean="0">
-                              <a:latin typeface="Cambria Math" panose="02040503050406030204" pitchFamily="18" charset="0"/>
-                            </a:rPr>
-                          </m:ctrlPr>
-                        </m:dPr>
-                        <m:e>
-                          <m:r>
-                            <a:rPr lang="en-US" b="0" i="1" smtClean="0">
-                              <a:latin typeface="Cambria Math" panose="02040503050406030204" pitchFamily="18" charset="0"/>
-                            </a:rPr>
-                            <m:t>𝐴</m:t>
-                          </m:r>
-                        </m:e>
-                      </m:d>
-                      <m:r>
-                        <a:rPr lang="en-US" b="0" i="1" smtClean="0">
-                          <a:latin typeface="Cambria Math" panose="02040503050406030204" pitchFamily="18" charset="0"/>
-                        </a:rPr>
-                        <m:t>+</m:t>
-                      </m:r>
-                      <m:r>
-                        <a:rPr lang="en-US" b="0" i="1" smtClean="0">
-                          <a:latin typeface="Cambria Math" panose="02040503050406030204" pitchFamily="18" charset="0"/>
-                        </a:rPr>
-                        <m:t>𝑃</m:t>
-                      </m:r>
-                      <m:d>
-                        <m:dPr>
-                          <m:ctrlPr>
-                            <a:rPr lang="en-US" b="0" i="1" smtClean="0">
-                              <a:latin typeface="Cambria Math" panose="02040503050406030204" pitchFamily="18" charset="0"/>
-                            </a:rPr>
-                          </m:ctrlPr>
-                        </m:dPr>
-                        <m:e>
-                          <m:r>
-                            <a:rPr lang="en-US" b="0" i="1" smtClean="0">
-                              <a:latin typeface="Cambria Math" panose="02040503050406030204" pitchFamily="18" charset="0"/>
-                            </a:rPr>
-                            <m:t>𝐵</m:t>
-                          </m:r>
-                        </m:e>
-                      </m:d>
-                      <m:r>
-                        <a:rPr lang="en-US" b="0" i="1" smtClean="0">
-                          <a:latin typeface="Cambria Math" panose="02040503050406030204" pitchFamily="18" charset="0"/>
-                        </a:rPr>
-                        <m:t>, </m:t>
-                      </m:r>
-                      <m:r>
-                        <a:rPr lang="en-US" b="0" i="1" smtClean="0">
-                          <a:latin typeface="Cambria Math" panose="02040503050406030204" pitchFamily="18" charset="0"/>
-                        </a:rPr>
-                        <m:t>𝑖𝑓</m:t>
-                      </m:r>
-                      <m:r>
-                        <a:rPr lang="en-US" b="0" i="1" smtClean="0">
-                          <a:latin typeface="Cambria Math" panose="02040503050406030204" pitchFamily="18" charset="0"/>
-                        </a:rPr>
-                        <m:t> </m:t>
-                      </m:r>
-                      <m:r>
-                        <a:rPr lang="en-US" b="0" i="1" smtClean="0">
-                          <a:latin typeface="Cambria Math" panose="02040503050406030204" pitchFamily="18" charset="0"/>
-                        </a:rPr>
-                        <m:t>𝐴</m:t>
-                      </m:r>
-                      <m:r>
-                        <a:rPr lang="en-US" b="0" i="1" smtClean="0">
-                          <a:latin typeface="Cambria Math" panose="02040503050406030204" pitchFamily="18" charset="0"/>
-                          <a:ea typeface="Cambria Math" panose="02040503050406030204" pitchFamily="18" charset="0"/>
-                        </a:rPr>
-                        <m:t>⊥</m:t>
-                      </m:r>
-                      <m:r>
-                        <a:rPr lang="en-US" b="0" i="1" smtClean="0">
-                          <a:latin typeface="Cambria Math" panose="02040503050406030204" pitchFamily="18" charset="0"/>
-                          <a:ea typeface="Cambria Math" panose="02040503050406030204" pitchFamily="18" charset="0"/>
-                        </a:rPr>
-                        <m:t>𝐵</m:t>
-                      </m:r>
-                    </m:oMath>
-                  </m:oMathPara>
-                </a14:m>
-                <a:endParaRPr dirty="0"/>
-              </a:p>
-            </p:txBody>
-          </p:sp>
-        </mc:Choice>
-        <mc:Fallback>
-          <p:sp>
-            <p:nvSpPr>
-              <p:cNvPr id="3" name="Content Placeholder 2"/>
-              <p:cNvSpPr>
-                <a:spLocks noGrp="1" noRot="1" noChangeAspect="1" noMove="1" noResize="1" noEditPoints="1" noAdjustHandles="1" noChangeArrowheads="1" noChangeShapeType="1" noTextEdit="1"/>
-              </p:cNvSpPr>
-              <p:nvPr>
-                <p:ph idx="1"/>
-              </p:nvPr>
-            </p:nvSpPr>
-            <p:spPr>
-              <a:xfrm>
-                <a:off x="457200" y="1063229"/>
-                <a:ext cx="8229600" cy="3874292"/>
-              </a:xfrm>
-              <a:blipFill>
-                <a:blip r:embed="rId2"/>
-                <a:stretch>
-                  <a:fillRect l="-815" t="-1572"/>
-                </a:stretch>
-              </a:blipFill>
-            </p:spPr>
-            <p:txBody>
-              <a:bodyPr/>
-              <a:lstStyle/>
-              <a:p>
-                <a:r>
-                  <a:rPr lang="en-US">
-                    <a:noFill/>
-                  </a:rPr>
-                  <a:t> </a:t>
-                </a:r>
-              </a:p>
-            </p:txBody>
-          </p:sp>
-        </mc:Fallback>
-      </mc:AlternateContent>
-    </p:spTree>
-  </p:cSld>
-  <p:clrMapOvr>
-    <a:masterClrMapping/>
-  </p:clrMapOvr>
-</p:sld>
-</file>
-
-<file path=ppt/slides/slide11.xml><?xml version="1.0" encoding="utf-8"?>
-<p:sld xmlns:a="http://schemas.openxmlformats.org/drawingml/2006/main" xmlns:r="http://schemas.openxmlformats.org/officeDocument/2006/relationships" xmlns:p="http://schemas.openxmlformats.org/presentationml/2006/main">
-  <p:cSld>
-    <p:spTree>
-      <p:nvGrpSpPr>
-        <p:cNvPr id="1" name=""/>
-        <p:cNvGrpSpPr/>
-        <p:nvPr/>
-      </p:nvGrpSpPr>
-      <p:grpSpPr>
-        <a:xfrm>
-          <a:off x="0" y="0"/>
-          <a:ext cx="0" cy="0"/>
-          <a:chOff x="0" y="0"/>
-          <a:chExt cx="0" cy="0"/>
-        </a:xfrm>
-      </p:grpSpPr>
-      <p:sp>
-        <p:nvSpPr>
-          <p:cNvPr id="2" name="Title 1"/>
-          <p:cNvSpPr>
-            <a:spLocks noGrp="1"/>
-          </p:cNvSpPr>
-          <p:nvPr>
-            <p:ph type="title"/>
-          </p:nvPr>
-        </p:nvSpPr>
-        <p:spPr/>
-        <p:txBody>
           <a:bodyPr/>
           <a:lstStyle/>
           <a:p>
@@ -4063,8 +3366,8 @@
           </a:p>
         </p:txBody>
       </p:sp>
-      <mc:AlternateContent xmlns:mc="http://schemas.openxmlformats.org/markup-compatibility/2006">
-        <mc:Choice xmlns:a14="http://schemas.microsoft.com/office/drawing/2010/main" Requires="a14">
+      <mc:AlternateContent xmlns:mc="http://schemas.openxmlformats.org/markup-compatibility/2006" xmlns:a14="http://schemas.microsoft.com/office/drawing/2010/main">
+        <mc:Choice Requires="a14">
           <p:sp>
             <p:nvSpPr>
               <p:cNvPr id="3" name="Content Placeholder 2"/>
@@ -4336,7 +3639,7 @@
             </p:txBody>
           </p:sp>
         </mc:Choice>
-        <mc:Fallback>
+        <mc:Fallback xmlns="">
           <p:sp>
             <p:nvSpPr>
               <p:cNvPr id="3" name="Content Placeholder 2"/>
@@ -4378,7 +3681,7 @@
 </p:sld>
 </file>
 
-<file path=ppt/slides/slide12.xml><?xml version="1.0" encoding="utf-8"?>
+<file path=ppt/slides/slide11.xml><?xml version="1.0" encoding="utf-8"?>
 <p:sld xmlns:a="http://schemas.openxmlformats.org/drawingml/2006/main" xmlns:r="http://schemas.openxmlformats.org/officeDocument/2006/relationships" xmlns:p="http://schemas.openxmlformats.org/presentationml/2006/main">
   <p:cSld>
     <p:spTree>
@@ -4441,7 +3744,7 @@
                 </a:pPr>
                 <a:r>
                   <a:rPr lang="en-US" dirty="0"/>
-                  <a:t>Bernoulli distributions model the results of a </a:t>
+                  <a:t>Bernoulli distributions model a </a:t>
                 </a:r>
                 <a:r>
                   <a:rPr lang="en-US" b="1" dirty="0"/>
@@ -4939,7 +4242,7 @@
               <a:blipFill>
                 <a:blip r:embed="rId2"/>
                 <a:stretch>
-                  <a:fillRect l="-1111" t="-1436" r="-1704"/>
+                  <a:fillRect l="-1111" t="-1436"/>
                 </a:stretch>
               </a:blipFill>
             </p:spPr>
@@ -4966,7 +4269,7 @@
 </p:sld>
 </file>
 
-<file path=ppt/slides/slide13.xml><?xml version="1.0" encoding="utf-8"?>
+<file path=ppt/slides/slide12.xml><?xml version="1.0" encoding="utf-8"?>
 <p:sld xmlns:a="http://schemas.openxmlformats.org/drawingml/2006/main" xmlns:r="http://schemas.openxmlformats.org/officeDocument/2006/relationships" xmlns:p="http://schemas.openxmlformats.org/presentationml/2006/main">
   <p:cSld>
     <p:spTree>
@@ -5032,7 +4335,9 @@
               </a:bodyPr>
               <a:lstStyle/>
               <a:p>
-                <a:pPr lvl="0"/>
+                <a:pPr marL="0" lvl="0" indent="0">
+                  <a:buNone/>
+                </a:pPr>
                 <a:r>
                   <a:rPr lang="en-US" dirty="0"/>
                   <a:t>Model the number of successful outcomes, </a:t>
@@ -5531,7 +4836,7 @@
               <a:blipFill>
                 <a:blip r:embed="rId3"/>
                 <a:stretch>
-                  <a:fillRect l="-815" t="-1923" r="-1333"/>
+                  <a:fillRect l="-963" t="-1923" r="-1333"/>
                 </a:stretch>
               </a:blipFill>
             </p:spPr>
@@ -5558,7 +4863,7 @@
 </p:sld>
 </file>
 
-<file path=ppt/slides/slide14.xml><?xml version="1.0" encoding="utf-8"?>
+<file path=ppt/slides/slide13.xml><?xml version="1.0" encoding="utf-8"?>
 <p:sld xmlns:a="http://schemas.openxmlformats.org/drawingml/2006/main" xmlns:r="http://schemas.openxmlformats.org/officeDocument/2006/relationships" xmlns:p="http://schemas.openxmlformats.org/presentationml/2006/main">
   <p:cSld>
     <p:spTree>
@@ -5662,427 +4967,7 @@
 </p:sld>
 </file>
 
-<file path=ppt/slides/slide15.xml><?xml version="1.0" encoding="utf-8"?>
-<p:sld xmlns:a="http://schemas.openxmlformats.org/drawingml/2006/main" xmlns:r="http://schemas.openxmlformats.org/officeDocument/2006/relationships" xmlns:p="http://schemas.openxmlformats.org/presentationml/2006/main">
-  <p:cSld>
-    <p:spTree>
-      <p:nvGrpSpPr>
-        <p:cNvPr id="1" name=""/>
-        <p:cNvGrpSpPr/>
-        <p:nvPr/>
-      </p:nvGrpSpPr>
-      <p:grpSpPr>
-        <a:xfrm>
-          <a:off x="0" y="0"/>
-          <a:ext cx="0" cy="0"/>
-          <a:chOff x="0" y="0"/>
-          <a:chExt cx="0" cy="0"/>
-        </a:xfrm>
-      </p:grpSpPr>
-      <p:sp>
-        <p:nvSpPr>
-          <p:cNvPr id="2" name="Title 1"/>
-          <p:cNvSpPr>
-            <a:spLocks noGrp="1"/>
-          </p:cNvSpPr>
-          <p:nvPr>
-            <p:ph type="title"/>
-          </p:nvPr>
-        </p:nvSpPr>
-        <p:spPr/>
-        <p:txBody>
-          <a:bodyPr/>
-          <a:lstStyle/>
-          <a:p>
-            <a:pPr marL="0" lvl="0" indent="0">
-              <a:buNone/>
-            </a:pPr>
-            <a:r>
-              <a:t>The Categorical distribution</a:t>
-            </a:r>
-          </a:p>
-        </p:txBody>
-      </p:sp>
-      <p:sp>
-        <p:nvSpPr>
-          <p:cNvPr id="3" name="Content Placeholder 2"/>
-          <p:cNvSpPr>
-            <a:spLocks noGrp="1"/>
-          </p:cNvSpPr>
-          <p:nvPr>
-            <p:ph idx="1"/>
-          </p:nvPr>
-        </p:nvSpPr>
-        <p:spPr/>
-        <p:txBody>
-          <a:bodyPr/>
-          <a:lstStyle/>
-          <a:p>
-            <a:pPr marL="0" lvl="0" indent="0">
-              <a:buNone/>
-            </a:pPr>
-            <a:r>
-              <a:t>Sample space of </a:t>
-            </a:r>
-            <a14:m xmlns:a14="http://schemas.microsoft.com/office/drawing/2010/main">
-              <m:oMath xmlns:m="http://schemas.openxmlformats.org/officeDocument/2006/math">
-                <m:r>
-                  <a:rPr>
-                    <a:latin typeface="Cambria Math" panose="02040503050406030204" pitchFamily="18" charset="0"/>
-                  </a:rPr>
-                  <m:t>𝑘</m:t>
-                </m:r>
-              </m:oMath>
-            </a14:m>
-            <a:r>
-              <a:t> possible outcomes, </a:t>
-            </a:r>
-            <a14:m xmlns:a14="http://schemas.microsoft.com/office/drawing/2010/main">
-              <m:oMath xmlns:m="http://schemas.openxmlformats.org/officeDocument/2006/math">
-                <m:r>
-                  <a:rPr>
-                    <a:latin typeface="Cambria Math" panose="02040503050406030204" pitchFamily="18" charset="0"/>
-                  </a:rPr>
-                  <m:t>𝒳</m:t>
-                </m:r>
-                <m:r>
-                  <a:rPr>
-                    <a:latin typeface="Cambria Math" panose="02040503050406030204" pitchFamily="18" charset="0"/>
-                  </a:rPr>
-                  <m:t>=</m:t>
-                </m:r>
-                <m:d>
-                  <m:dPr>
-                    <m:ctrlPr>
-                      <a:rPr i="1">
-                        <a:latin typeface="Cambria Math" panose="02040503050406030204" pitchFamily="18" charset="0"/>
-                      </a:rPr>
-                    </m:ctrlPr>
-                  </m:dPr>
-                  <m:e>
-                    <m:sSub>
-                      <m:sSubPr>
-                        <m:ctrlPr>
-                          <a:rPr i="1">
-                            <a:latin typeface="Cambria Math" panose="02040503050406030204" pitchFamily="18" charset="0"/>
-                          </a:rPr>
-                        </m:ctrlPr>
-                      </m:sSubPr>
-                      <m:e>
-                        <m:r>
-                          <a:rPr>
-                            <a:latin typeface="Cambria Math" panose="02040503050406030204" pitchFamily="18" charset="0"/>
-                          </a:rPr>
-                          <m:t>𝑒</m:t>
-                        </m:r>
-                      </m:e>
-                      <m:sub>
-                        <m:r>
-                          <a:rPr>
-                            <a:latin typeface="Cambria Math" panose="02040503050406030204" pitchFamily="18" charset="0"/>
-                          </a:rPr>
-                          <m:t>1</m:t>
-                        </m:r>
-                      </m:sub>
-                    </m:sSub>
-                    <m:r>
-                      <a:rPr>
-                        <a:latin typeface="Cambria Math" panose="02040503050406030204" pitchFamily="18" charset="0"/>
-                      </a:rPr>
-                      <m:t>,</m:t>
-                    </m:r>
-                    <m:sSub>
-                      <m:sSubPr>
-                        <m:ctrlPr>
-                          <a:rPr i="1">
-                            <a:latin typeface="Cambria Math" panose="02040503050406030204" pitchFamily="18" charset="0"/>
-                          </a:rPr>
-                        </m:ctrlPr>
-                      </m:sSubPr>
-                      <m:e>
-                        <m:r>
-                          <a:rPr>
-                            <a:latin typeface="Cambria Math" panose="02040503050406030204" pitchFamily="18" charset="0"/>
-                          </a:rPr>
-                          <m:t>𝑒</m:t>
-                        </m:r>
-                      </m:e>
-                      <m:sub>
-                        <m:r>
-                          <a:rPr>
-                            <a:latin typeface="Cambria Math" panose="02040503050406030204" pitchFamily="18" charset="0"/>
-                          </a:rPr>
-                          <m:t>2</m:t>
-                        </m:r>
-                      </m:sub>
-                    </m:sSub>
-                    <m:r>
-                      <a:rPr>
-                        <a:latin typeface="Cambria Math" panose="02040503050406030204" pitchFamily="18" charset="0"/>
-                      </a:rPr>
-                      <m:t>,…,</m:t>
-                    </m:r>
-                    <m:sSub>
-                      <m:sSubPr>
-                        <m:ctrlPr>
-                          <a:rPr i="1">
-                            <a:latin typeface="Cambria Math" panose="02040503050406030204" pitchFamily="18" charset="0"/>
-                          </a:rPr>
-                        </m:ctrlPr>
-                      </m:sSubPr>
-                      <m:e>
-                        <m:r>
-                          <a:rPr>
-                            <a:latin typeface="Cambria Math" panose="02040503050406030204" pitchFamily="18" charset="0"/>
-                          </a:rPr>
-                          <m:t>𝑒</m:t>
-                        </m:r>
-                      </m:e>
-                      <m:sub>
-                        <m:r>
-                          <a:rPr>
-                            <a:latin typeface="Cambria Math" panose="02040503050406030204" pitchFamily="18" charset="0"/>
-                          </a:rPr>
-                          <m:t>𝑘</m:t>
-                        </m:r>
-                      </m:sub>
-                    </m:sSub>
-                  </m:e>
-                </m:d>
-              </m:oMath>
-            </a14:m>
-            <a:r>
-              <a:t>.</a:t>
-            </a:r>
-          </a:p>
-          <a:p>
-            <a:pPr lvl="0"/>
-            <a:r>
-              <a:t>For each trial, there can only be one outcome</a:t>
-            </a:r>
-          </a:p>
-          <a:p>
-            <a:pPr lvl="0"/>
-            <a:r>
-              <a:t>For outcome </a:t>
-            </a:r>
-            <a14:m xmlns:a14="http://schemas.microsoft.com/office/drawing/2010/main">
-              <m:oMath xmlns:m="http://schemas.openxmlformats.org/officeDocument/2006/math">
-                <m:r>
-                  <a:rPr>
-                    <a:latin typeface="Cambria Math" panose="02040503050406030204" pitchFamily="18" charset="0"/>
-                  </a:rPr>
-                  <m:t>𝑖</m:t>
-                </m:r>
-              </m:oMath>
-            </a14:m>
-            <a:r>
-              <a:t> we can encode the results as:</a:t>
-            </a:r>
-          </a:p>
-          <a:p>
-            <a:pPr marL="0" lvl="0" indent="0">
-              <a:buNone/>
-            </a:pPr>
-            <a14:m xmlns:a14="http://schemas.microsoft.com/office/drawing/2010/main">
-              <m:oMathPara xmlns:m="http://schemas.openxmlformats.org/officeDocument/2006/math">
-                <m:oMathParaPr>
-                  <m:jc m:val="center"/>
-                </m:oMathParaPr>
-                <m:oMath xmlns:m="http://schemas.openxmlformats.org/officeDocument/2006/math">
-                  <m:sSub>
-                    <m:sSubPr>
-                      <m:ctrlPr>
-                        <a:rPr>
-                          <a:latin typeface="Cambria Math" panose="02040503050406030204" pitchFamily="18" charset="0"/>
-                        </a:rPr>
-                      </m:ctrlPr>
-                    </m:sSubPr>
-                    <m:e>
-                      <m:r>
-                        <a:rPr>
-                          <a:latin typeface="Cambria Math" panose="02040503050406030204" pitchFamily="18" charset="0"/>
-                        </a:rPr>
-                        <m:t>𝐞</m:t>
-                      </m:r>
-                    </m:e>
-                    <m:sub>
-                      <m:r>
-                        <a:rPr>
-                          <a:latin typeface="Cambria Math" panose="02040503050406030204" pitchFamily="18" charset="0"/>
-                        </a:rPr>
-                        <m:t>𝐢</m:t>
-                      </m:r>
-                    </m:sub>
-                  </m:sSub>
-                  <m:r>
-                    <a:rPr>
-                      <a:latin typeface="Cambria Math" panose="02040503050406030204" pitchFamily="18" charset="0"/>
-                    </a:rPr>
-                    <m:t>=</m:t>
-                  </m:r>
-                  <m:d>
-                    <m:dPr>
-                      <m:ctrlPr>
-                        <a:rPr i="1">
-                          <a:latin typeface="Cambria Math" panose="02040503050406030204" pitchFamily="18" charset="0"/>
-                        </a:rPr>
-                      </m:ctrlPr>
-                    </m:dPr>
-                    <m:e>
-                      <m:r>
-                        <a:rPr>
-                          <a:latin typeface="Cambria Math" panose="02040503050406030204" pitchFamily="18" charset="0"/>
-                        </a:rPr>
-                        <m:t>0</m:t>
-                      </m:r>
-                      <m:r>
-                        <a:rPr>
-                          <a:latin typeface="Cambria Math" panose="02040503050406030204" pitchFamily="18" charset="0"/>
-                        </a:rPr>
-                        <m:t>,</m:t>
-                      </m:r>
-                      <m:r>
-                        <a:rPr>
-                          <a:latin typeface="Cambria Math" panose="02040503050406030204" pitchFamily="18" charset="0"/>
-                        </a:rPr>
-                        <m:t>0</m:t>
-                      </m:r>
-                      <m:r>
-                        <a:rPr>
-                          <a:latin typeface="Cambria Math" panose="02040503050406030204" pitchFamily="18" charset="0"/>
-                        </a:rPr>
-                        <m:t>,…,</m:t>
-                      </m:r>
-                      <m:r>
-                        <a:rPr>
-                          <a:latin typeface="Cambria Math" panose="02040503050406030204" pitchFamily="18" charset="0"/>
-                        </a:rPr>
-                        <m:t>1</m:t>
-                      </m:r>
-                      <m:r>
-                        <a:rPr>
-                          <a:latin typeface="Cambria Math" panose="02040503050406030204" pitchFamily="18" charset="0"/>
-                        </a:rPr>
-                        <m:t>,…,</m:t>
-                      </m:r>
-                      <m:r>
-                        <a:rPr>
-                          <a:latin typeface="Cambria Math" panose="02040503050406030204" pitchFamily="18" charset="0"/>
-                        </a:rPr>
-                        <m:t>0</m:t>
-                      </m:r>
-                    </m:e>
-                  </m:d>
-                </m:oMath>
-              </m:oMathPara>
-            </a14:m>
-            <a:endParaRPr/>
-          </a:p>
-          <a:p>
-            <a:pPr lvl="0"/>
-            <a:r>
-              <a:t>Only </a:t>
-            </a:r>
-            <a14:m xmlns:a14="http://schemas.microsoft.com/office/drawing/2010/main">
-              <m:oMath xmlns:m="http://schemas.openxmlformats.org/officeDocument/2006/math">
-                <m:r>
-                  <a:rPr>
-                    <a:latin typeface="Cambria Math" panose="02040503050406030204" pitchFamily="18" charset="0"/>
-                  </a:rPr>
-                  <m:t>1</m:t>
-                </m:r>
-              </m:oMath>
-            </a14:m>
-            <a:r>
-              <a:t> value </a:t>
-            </a:r>
-            <a14:m xmlns:a14="http://schemas.microsoft.com/office/drawing/2010/main">
-              <m:oMath xmlns:m="http://schemas.openxmlformats.org/officeDocument/2006/math">
-                <m:sSub>
-                  <m:sSubPr>
-                    <m:ctrlPr>
-                      <a:rPr>
-                        <a:latin typeface="Cambria Math" panose="02040503050406030204" pitchFamily="18" charset="0"/>
-                      </a:rPr>
-                    </m:ctrlPr>
-                  </m:sSubPr>
-                  <m:e>
-                    <m:r>
-                      <a:rPr>
-                        <a:latin typeface="Cambria Math" panose="02040503050406030204" pitchFamily="18" charset="0"/>
-                      </a:rPr>
-                      <m:t>𝑒</m:t>
-                    </m:r>
-                  </m:e>
-                  <m:sub>
-                    <m:r>
-                      <a:rPr>
-                        <a:latin typeface="Cambria Math" panose="02040503050406030204" pitchFamily="18" charset="0"/>
-                      </a:rPr>
-                      <m:t>𝑖</m:t>
-                    </m:r>
-                  </m:sub>
-                </m:sSub>
-              </m:oMath>
-            </a14:m>
-            <a:r>
-              <a:t> has a value of </a:t>
-            </a:r>
-            <a14:m xmlns:a14="http://schemas.microsoft.com/office/drawing/2010/main">
-              <m:oMath xmlns:m="http://schemas.openxmlformats.org/officeDocument/2006/math">
-                <m:r>
-                  <a:rPr>
-                    <a:latin typeface="Cambria Math" panose="02040503050406030204" pitchFamily="18" charset="0"/>
-                  </a:rPr>
-                  <m:t>1</m:t>
-                </m:r>
-              </m:oMath>
-            </a14:m>
-            <a:r>
-              <a:t>; </a:t>
-            </a:r>
-            <a:r>
-              <a:rPr b="1"/>
-              <a:t>one hot encoding</a:t>
-            </a:r>
-          </a:p>
-          <a:p>
-            <a:pPr lvl="0"/>
-            <a:r>
-              <a:t>For a single trial the probabilities of the </a:t>
-            </a:r>
-            <a14:m xmlns:a14="http://schemas.microsoft.com/office/drawing/2010/main">
-              <m:oMath xmlns:m="http://schemas.openxmlformats.org/officeDocument/2006/math">
-                <m:r>
-                  <a:rPr>
-                    <a:latin typeface="Cambria Math" panose="02040503050406030204" pitchFamily="18" charset="0"/>
-                  </a:rPr>
-                  <m:t>𝑘</m:t>
-                </m:r>
-              </m:oMath>
-            </a14:m>
-            <a:r>
-              <a:t> possible outcomes are expressed:</a:t>
-            </a:r>
-          </a:p>
-          <a:p>
-            <a:pPr marL="0" lvl="0" indent="0">
-              <a:buNone/>
-            </a:pPr>
-            <a:endParaRPr/>
-          </a:p>
-        </p:txBody>
-      </p:sp>
-    </p:spTree>
-  </p:cSld>
-  <p:clrMapOvr>
-    <a:masterClrMapping/>
-  </p:clrMapOvr>
-</p:sld>
-</file>
-
-<file path=ppt/slides/slide16.xml><?xml version="1.0" encoding="utf-8"?>
+<file path=ppt/slides/slide14.xml><?xml version="1.0" encoding="utf-8"?>
 <p:sld xmlns:a="http://schemas.openxmlformats.org/drawingml/2006/main" xmlns:r="http://schemas.openxmlformats.org/officeDocument/2006/relationships" xmlns:p="http://schemas.openxmlformats.org/presentationml/2006/main">
   <p:cSld>
     <p:spTree>
@@ -6125,6 +5010,463 @@
       </p:sp>
       <mc:AlternateContent xmlns:mc="http://schemas.openxmlformats.org/markup-compatibility/2006">
         <mc:Choice xmlns:a14="http://schemas.microsoft.com/office/drawing/2010/main" Requires="a14">
+          <p:sp>
+            <p:nvSpPr>
+              <p:cNvPr id="3" name="Content Placeholder 2"/>
+              <p:cNvSpPr>
+                <a:spLocks noGrp="1"/>
+              </p:cNvSpPr>
+              <p:nvPr>
+                <p:ph idx="1"/>
+              </p:nvPr>
+            </p:nvSpPr>
+            <p:spPr/>
+            <p:txBody>
+              <a:bodyPr/>
+              <a:lstStyle/>
+              <a:p>
+                <a:pPr marL="0" lvl="0" indent="0">
+                  <a:buNone/>
+                </a:pPr>
+                <a:r>
+                  <a:t>Sample space of </a:t>
+                </a:r>
+                <a14:m>
+                  <m:oMath xmlns:m="http://schemas.openxmlformats.org/officeDocument/2006/math">
+                    <m:r>
+                      <a:rPr>
+                        <a:latin typeface="Cambria Math" panose="02040503050406030204" pitchFamily="18" charset="0"/>
+                      </a:rPr>
+                      <m:t>𝑘</m:t>
+                    </m:r>
+                  </m:oMath>
+                </a14:m>
+                <a:r>
+                  <a:t> possible outcomes, </a:t>
+                </a:r>
+                <a14:m>
+                  <m:oMath xmlns:m="http://schemas.openxmlformats.org/officeDocument/2006/math">
+                    <m:r>
+                      <a:rPr>
+                        <a:latin typeface="Cambria Math" panose="02040503050406030204" pitchFamily="18" charset="0"/>
+                      </a:rPr>
+                      <m:t>𝒳</m:t>
+                    </m:r>
+                    <m:r>
+                      <a:rPr>
+                        <a:latin typeface="Cambria Math" panose="02040503050406030204" pitchFamily="18" charset="0"/>
+                      </a:rPr>
+                      <m:t>=</m:t>
+                    </m:r>
+                    <m:d>
+                      <m:dPr>
+                        <m:ctrlPr>
+                          <a:rPr i="1">
+                            <a:latin typeface="Cambria Math" panose="02040503050406030204" pitchFamily="18" charset="0"/>
+                          </a:rPr>
+                        </m:ctrlPr>
+                      </m:dPr>
+                      <m:e>
+                        <m:sSub>
+                          <m:sSubPr>
+                            <m:ctrlPr>
+                              <a:rPr i="1">
+                                <a:latin typeface="Cambria Math" panose="02040503050406030204" pitchFamily="18" charset="0"/>
+                              </a:rPr>
+                            </m:ctrlPr>
+                          </m:sSubPr>
+                          <m:e>
+                            <m:r>
+                              <a:rPr>
+                                <a:latin typeface="Cambria Math" panose="02040503050406030204" pitchFamily="18" charset="0"/>
+                              </a:rPr>
+                              <m:t>𝑒</m:t>
+                            </m:r>
+                          </m:e>
+                          <m:sub>
+                            <m:r>
+                              <a:rPr>
+                                <a:latin typeface="Cambria Math" panose="02040503050406030204" pitchFamily="18" charset="0"/>
+                              </a:rPr>
+                              <m:t>1</m:t>
+                            </m:r>
+                          </m:sub>
+                        </m:sSub>
+                        <m:r>
+                          <a:rPr>
+                            <a:latin typeface="Cambria Math" panose="02040503050406030204" pitchFamily="18" charset="0"/>
+                          </a:rPr>
+                          <m:t>,</m:t>
+                        </m:r>
+                        <m:sSub>
+                          <m:sSubPr>
+                            <m:ctrlPr>
+                              <a:rPr i="1">
+                                <a:latin typeface="Cambria Math" panose="02040503050406030204" pitchFamily="18" charset="0"/>
+                              </a:rPr>
+                            </m:ctrlPr>
+                          </m:sSubPr>
+                          <m:e>
+                            <m:r>
+                              <a:rPr>
+                                <a:latin typeface="Cambria Math" panose="02040503050406030204" pitchFamily="18" charset="0"/>
+                              </a:rPr>
+                              <m:t>𝑒</m:t>
+                            </m:r>
+                          </m:e>
+                          <m:sub>
+                            <m:r>
+                              <a:rPr>
+                                <a:latin typeface="Cambria Math" panose="02040503050406030204" pitchFamily="18" charset="0"/>
+                              </a:rPr>
+                              <m:t>2</m:t>
+                            </m:r>
+                          </m:sub>
+                        </m:sSub>
+                        <m:r>
+                          <a:rPr>
+                            <a:latin typeface="Cambria Math" panose="02040503050406030204" pitchFamily="18" charset="0"/>
+                          </a:rPr>
+                          <m:t>,…,</m:t>
+                        </m:r>
+                        <m:sSub>
+                          <m:sSubPr>
+                            <m:ctrlPr>
+                              <a:rPr i="1">
+                                <a:latin typeface="Cambria Math" panose="02040503050406030204" pitchFamily="18" charset="0"/>
+                              </a:rPr>
+                            </m:ctrlPr>
+                          </m:sSubPr>
+                          <m:e>
+                            <m:r>
+                              <a:rPr>
+                                <a:latin typeface="Cambria Math" panose="02040503050406030204" pitchFamily="18" charset="0"/>
+                              </a:rPr>
+                              <m:t>𝑒</m:t>
+                            </m:r>
+                          </m:e>
+                          <m:sub>
+                            <m:r>
+                              <a:rPr>
+                                <a:latin typeface="Cambria Math" panose="02040503050406030204" pitchFamily="18" charset="0"/>
+                              </a:rPr>
+                              <m:t>𝑘</m:t>
+                            </m:r>
+                          </m:sub>
+                        </m:sSub>
+                      </m:e>
+                    </m:d>
+                  </m:oMath>
+                </a14:m>
+                <a:r>
+                  <a:t>.</a:t>
+                </a:r>
+              </a:p>
+              <a:p>
+                <a:pPr lvl="0"/>
+                <a:r>
+                  <a:t>For each trial, there can only be one outcome</a:t>
+                </a:r>
+              </a:p>
+              <a:p>
+                <a:pPr lvl="0"/>
+                <a:r>
+                  <a:t>For outcome </a:t>
+                </a:r>
+                <a14:m>
+                  <m:oMath xmlns:m="http://schemas.openxmlformats.org/officeDocument/2006/math">
+                    <m:r>
+                      <a:rPr>
+                        <a:latin typeface="Cambria Math" panose="02040503050406030204" pitchFamily="18" charset="0"/>
+                      </a:rPr>
+                      <m:t>𝑖</m:t>
+                    </m:r>
+                  </m:oMath>
+                </a14:m>
+                <a:r>
+                  <a:t> we can encode the results as:</a:t>
+                </a:r>
+              </a:p>
+              <a:p>
+                <a:pPr marL="0" lvl="0" indent="0">
+                  <a:buNone/>
+                </a:pPr>
+                <a14:m>
+                  <m:oMathPara xmlns:m="http://schemas.openxmlformats.org/officeDocument/2006/math">
+                    <m:oMathParaPr>
+                      <m:jc m:val="center"/>
+                    </m:oMathParaPr>
+                    <m:oMath xmlns:m="http://schemas.openxmlformats.org/officeDocument/2006/math">
+                      <m:sSub>
+                        <m:sSubPr>
+                          <m:ctrlPr>
+                            <a:rPr i="1">
+                              <a:latin typeface="Cambria Math" panose="02040503050406030204" pitchFamily="18" charset="0"/>
+                            </a:rPr>
+                          </m:ctrlPr>
+                        </m:sSubPr>
+                        <m:e>
+                          <m:r>
+                            <a:rPr>
+                              <a:latin typeface="Cambria Math" panose="02040503050406030204" pitchFamily="18" charset="0"/>
+                            </a:rPr>
+                            <m:t>𝐞</m:t>
+                          </m:r>
+                        </m:e>
+                        <m:sub>
+                          <m:r>
+                            <a:rPr>
+                              <a:latin typeface="Cambria Math" panose="02040503050406030204" pitchFamily="18" charset="0"/>
+                            </a:rPr>
+                            <m:t>𝐢</m:t>
+                          </m:r>
+                        </m:sub>
+                      </m:sSub>
+                      <m:r>
+                        <a:rPr>
+                          <a:latin typeface="Cambria Math" panose="02040503050406030204" pitchFamily="18" charset="0"/>
+                        </a:rPr>
+                        <m:t>=</m:t>
+                      </m:r>
+                      <m:d>
+                        <m:dPr>
+                          <m:ctrlPr>
+                            <a:rPr i="1">
+                              <a:latin typeface="Cambria Math" panose="02040503050406030204" pitchFamily="18" charset="0"/>
+                            </a:rPr>
+                          </m:ctrlPr>
+                        </m:dPr>
+                        <m:e>
+                          <m:r>
+                            <a:rPr>
+                              <a:latin typeface="Cambria Math" panose="02040503050406030204" pitchFamily="18" charset="0"/>
+                            </a:rPr>
+                            <m:t>0</m:t>
+                          </m:r>
+                          <m:r>
+                            <a:rPr>
+                              <a:latin typeface="Cambria Math" panose="02040503050406030204" pitchFamily="18" charset="0"/>
+                            </a:rPr>
+                            <m:t>,</m:t>
+                          </m:r>
+                          <m:r>
+                            <a:rPr>
+                              <a:latin typeface="Cambria Math" panose="02040503050406030204" pitchFamily="18" charset="0"/>
+                            </a:rPr>
+                            <m:t>0</m:t>
+                          </m:r>
+                          <m:r>
+                            <a:rPr>
+                              <a:latin typeface="Cambria Math" panose="02040503050406030204" pitchFamily="18" charset="0"/>
+                            </a:rPr>
+                            <m:t>,…,</m:t>
+                          </m:r>
+                          <m:r>
+                            <a:rPr>
+                              <a:latin typeface="Cambria Math" panose="02040503050406030204" pitchFamily="18" charset="0"/>
+                            </a:rPr>
+                            <m:t>1</m:t>
+                          </m:r>
+                          <m:r>
+                            <a:rPr>
+                              <a:latin typeface="Cambria Math" panose="02040503050406030204" pitchFamily="18" charset="0"/>
+                            </a:rPr>
+                            <m:t>,…,</m:t>
+                          </m:r>
+                          <m:r>
+                            <a:rPr>
+                              <a:latin typeface="Cambria Math" panose="02040503050406030204" pitchFamily="18" charset="0"/>
+                            </a:rPr>
+                            <m:t>0</m:t>
+                          </m:r>
+                        </m:e>
+                      </m:d>
+                    </m:oMath>
+                  </m:oMathPara>
+                </a14:m>
+                <a:endParaRPr/>
+              </a:p>
+              <a:p>
+                <a:pPr lvl="0"/>
+                <a:r>
+                  <a:t>Only </a:t>
+                </a:r>
+                <a14:m>
+                  <m:oMath xmlns:m="http://schemas.openxmlformats.org/officeDocument/2006/math">
+                    <m:r>
+                      <a:rPr>
+                        <a:latin typeface="Cambria Math" panose="02040503050406030204" pitchFamily="18" charset="0"/>
+                      </a:rPr>
+                      <m:t>1</m:t>
+                    </m:r>
+                  </m:oMath>
+                </a14:m>
+                <a:r>
+                  <a:t> value </a:t>
+                </a:r>
+                <a14:m>
+                  <m:oMath xmlns:m="http://schemas.openxmlformats.org/officeDocument/2006/math">
+                    <m:sSub>
+                      <m:sSubPr>
+                        <m:ctrlPr>
+                          <a:rPr i="1">
+                            <a:latin typeface="Cambria Math" panose="02040503050406030204" pitchFamily="18" charset="0"/>
+                          </a:rPr>
+                        </m:ctrlPr>
+                      </m:sSubPr>
+                      <m:e>
+                        <m:r>
+                          <a:rPr>
+                            <a:latin typeface="Cambria Math" panose="02040503050406030204" pitchFamily="18" charset="0"/>
+                          </a:rPr>
+                          <m:t>𝑒</m:t>
+                        </m:r>
+                      </m:e>
+                      <m:sub>
+                        <m:r>
+                          <a:rPr>
+                            <a:latin typeface="Cambria Math" panose="02040503050406030204" pitchFamily="18" charset="0"/>
+                          </a:rPr>
+                          <m:t>𝑖</m:t>
+                        </m:r>
+                      </m:sub>
+                    </m:sSub>
+                  </m:oMath>
+                </a14:m>
+                <a:r>
+                  <a:t> has a value of </a:t>
+                </a:r>
+                <a14:m>
+                  <m:oMath xmlns:m="http://schemas.openxmlformats.org/officeDocument/2006/math">
+                    <m:r>
+                      <a:rPr>
+                        <a:latin typeface="Cambria Math" panose="02040503050406030204" pitchFamily="18" charset="0"/>
+                      </a:rPr>
+                      <m:t>1</m:t>
+                    </m:r>
+                  </m:oMath>
+                </a14:m>
+                <a:r>
+                  <a:t>; </a:t>
+                </a:r>
+                <a:r>
+                  <a:rPr b="1"/>
+                  <a:t>one hot encoding</a:t>
+                </a:r>
+              </a:p>
+              <a:p>
+                <a:pPr lvl="0"/>
+                <a:r>
+                  <a:t>For a single trial the probabilities of the </a:t>
+                </a:r>
+                <a14:m>
+                  <m:oMath xmlns:m="http://schemas.openxmlformats.org/officeDocument/2006/math">
+                    <m:r>
+                      <a:rPr>
+                        <a:latin typeface="Cambria Math" panose="02040503050406030204" pitchFamily="18" charset="0"/>
+                      </a:rPr>
+                      <m:t>𝑘</m:t>
+                    </m:r>
+                  </m:oMath>
+                </a14:m>
+                <a:r>
+                  <a:t> possible outcomes are expressed:</a:t>
+                </a:r>
+              </a:p>
+              <a:p>
+                <a:pPr marL="0" lvl="0" indent="0">
+                  <a:buNone/>
+                </a:pPr>
+                <a:endParaRPr/>
+              </a:p>
+            </p:txBody>
+          </p:sp>
+        </mc:Choice>
+        <mc:Fallback>
+          <p:sp>
+            <p:nvSpPr>
+              <p:cNvPr id="3" name="Content Placeholder 2"/>
+              <p:cNvSpPr>
+                <a:spLocks noGrp="1" noRot="1" noChangeAspect="1" noMove="1" noResize="1" noEditPoints="1" noAdjustHandles="1" noChangeArrowheads="1" noChangeShapeType="1" noTextEdit="1"/>
+              </p:cNvSpPr>
+              <p:nvPr>
+                <p:ph idx="1"/>
+              </p:nvPr>
+            </p:nvSpPr>
+            <p:spPr>
+              <a:blipFill>
+                <a:blip r:embed="rId2"/>
+                <a:stretch>
+                  <a:fillRect l="-1111" t="-1436"/>
+                </a:stretch>
+              </a:blipFill>
+            </p:spPr>
+            <p:txBody>
+              <a:bodyPr/>
+              <a:lstStyle/>
+              <a:p>
+                <a:r>
+                  <a:rPr lang="en-US">
+                    <a:noFill/>
+                  </a:rPr>
+                  <a:t> </a:t>
+                </a:r>
+              </a:p>
+            </p:txBody>
+          </p:sp>
+        </mc:Fallback>
+      </mc:AlternateContent>
+    </p:spTree>
+  </p:cSld>
+  <p:clrMapOvr>
+    <a:masterClrMapping/>
+  </p:clrMapOvr>
+</p:sld>
+</file>
+
+<file path=ppt/slides/slide15.xml><?xml version="1.0" encoding="utf-8"?>
+<p:sld xmlns:a="http://schemas.openxmlformats.org/drawingml/2006/main" xmlns:r="http://schemas.openxmlformats.org/officeDocument/2006/relationships" xmlns:p="http://schemas.openxmlformats.org/presentationml/2006/main">
+  <p:cSld>
+    <p:spTree>
+      <p:nvGrpSpPr>
+        <p:cNvPr id="1" name=""/>
+        <p:cNvGrpSpPr/>
+        <p:nvPr/>
+      </p:nvGrpSpPr>
+      <p:grpSpPr>
+        <a:xfrm>
+          <a:off x="0" y="0"/>
+          <a:ext cx="0" cy="0"/>
+          <a:chOff x="0" y="0"/>
+          <a:chExt cx="0" cy="0"/>
+        </a:xfrm>
+      </p:grpSpPr>
+      <p:sp>
+        <p:nvSpPr>
+          <p:cNvPr id="2" name="Title 1"/>
+          <p:cNvSpPr>
+            <a:spLocks noGrp="1"/>
+          </p:cNvSpPr>
+          <p:nvPr>
+            <p:ph type="title"/>
+          </p:nvPr>
+        </p:nvSpPr>
+        <p:spPr/>
+        <p:txBody>
+          <a:bodyPr/>
+          <a:lstStyle/>
+          <a:p>
+            <a:pPr marL="0" lvl="0" indent="0">
+              <a:buNone/>
+            </a:pPr>
+            <a:r>
+              <a:t>The Categorical distribution</a:t>
+            </a:r>
+          </a:p>
+        </p:txBody>
+      </p:sp>
+      <mc:AlternateContent xmlns:mc="http://schemas.openxmlformats.org/markup-compatibility/2006" xmlns:a14="http://schemas.microsoft.com/office/drawing/2010/main">
+        <mc:Choice Requires="a14">
           <p:sp>
             <p:nvSpPr>
               <p:cNvPr id="3" name="Content Placeholder 2"/>
@@ -6768,7 +6110,7 @@
             </p:txBody>
           </p:sp>
         </mc:Choice>
-        <mc:Fallback>
+        <mc:Fallback xmlns="">
           <p:sp>
             <p:nvSpPr>
               <p:cNvPr id="3" name="Content Placeholder 2"/>
@@ -6815,7 +6157,7 @@
 </p:sld>
 </file>
 
-<file path=ppt/slides/slide17.xml><?xml version="1.0" encoding="utf-8"?>
+<file path=ppt/slides/slide16.xml><?xml version="1.0" encoding="utf-8"?>
 <p:sld xmlns:a="http://schemas.openxmlformats.org/drawingml/2006/main" xmlns:r="http://schemas.openxmlformats.org/officeDocument/2006/relationships" xmlns:p="http://schemas.openxmlformats.org/presentationml/2006/main">
   <p:cSld>
     <p:spTree>
@@ -6871,7 +6213,7 @@
             <p:spPr/>
             <p:txBody>
               <a:bodyPr>
-                <a:normAutofit fontScale="85000" lnSpcReduction="10000"/>
+                <a:normAutofit fontScale="92500" lnSpcReduction="20000"/>
               </a:bodyPr>
               <a:lstStyle/>
               <a:p>
@@ -6879,7 +6221,12 @@
                   <a:buNone/>
                 </a:pPr>
                 <a:r>
-                  <a:t>And consequently, we can write the simple probability mass function as:</a:t>
+                  <a:rPr lang="en-US" dirty="0"/>
+                  <a:t>We </a:t>
+                </a:r>
+                <a:r>
+                  <a:rPr dirty="0"/>
+                  <a:t>can write the probability mass function as:</a:t>
                 </a:r>
               </a:p>
               <a:p>
@@ -6980,19 +6327,20 @@
                     </m:oMath>
                   </m:oMathPara>
                 </a14:m>
-                <a:endParaRPr/>
+                <a:endParaRPr dirty="0"/>
               </a:p>
               <a:p>
                 <a:pPr marL="0" lvl="0" indent="0">
                   <a:buNone/>
                 </a:pPr>
                 <a:r>
-                  <a:t>For a series </a:t>
+                  <a:rPr dirty="0"/>
+                  <a:t>For a series of </a:t>
                 </a:r>
                 <a14:m>
                   <m:oMath xmlns:m="http://schemas.openxmlformats.org/officeDocument/2006/math">
                     <m:r>
-                      <a:rPr>
+                      <a:rPr lang="en-US">
                         <a:latin typeface="Cambria Math" panose="02040503050406030204" pitchFamily="18" charset="0"/>
                       </a:rPr>
                       <m:t>𝑁</m:t>
@@ -7000,14 +6348,19 @@
                   </m:oMath>
                 </a14:m>
                 <a:r>
-                  <a:t> of trials we can estimate each of the probabilities of the possible outcomes, </a:t>
+                  <a:rPr lang="en-US" dirty="0"/>
+                  <a:t> </a:t>
+                </a:r>
+                <a:r>
+                  <a:rPr dirty="0"/>
+                  <a:t>trials we can estimate each of the probabilities of the possible outcomes, </a:t>
                 </a:r>
                 <a14:m>
                   <m:oMath xmlns:m="http://schemas.openxmlformats.org/officeDocument/2006/math">
                     <m:d>
                       <m:dPr>
                         <m:ctrlPr>
-                          <a:rPr>
+                          <a:rPr i="1">
                             <a:latin typeface="Cambria Math" panose="02040503050406030204" pitchFamily="18" charset="0"/>
                           </a:rPr>
                         </m:ctrlPr>
@@ -7016,7 +6369,7 @@
                         <m:sSub>
                           <m:sSubPr>
                             <m:ctrlPr>
-                              <a:rPr>
+                              <a:rPr i="1">
                                 <a:latin typeface="Cambria Math" panose="02040503050406030204" pitchFamily="18" charset="0"/>
                               </a:rPr>
                             </m:ctrlPr>
@@ -7105,6 +6458,7 @@
                   </m:oMath>
                 </a14:m>
                 <a:r>
+                  <a:rPr dirty="0"/>
                   <a:t>:</a:t>
                 </a:r>
               </a:p>
@@ -7121,7 +6475,7 @@
                       <m:sSub>
                         <m:sSubPr>
                           <m:ctrlPr>
-                            <a:rPr>
+                            <a:rPr i="1">
                               <a:latin typeface="Cambria Math" panose="02040503050406030204" pitchFamily="18" charset="0"/>
                             </a:rPr>
                           </m:ctrlPr>
@@ -7202,13 +6556,14 @@
                     </m:oMath>
                   </m:oMathPara>
                 </a14:m>
-                <a:endParaRPr/>
+                <a:endParaRPr dirty="0"/>
               </a:p>
               <a:p>
                 <a:pPr marL="0" lvl="0" indent="0">
                   <a:buNone/>
                 </a:pPr>
                 <a:r>
+                  <a:rPr dirty="0"/>
                   <a:t>Where </a:t>
                 </a:r>
                 <a14:m>
@@ -7247,6 +6602,7 @@
                   </m:oMath>
                 </a14:m>
                 <a:r>
+                  <a:rPr dirty="0"/>
                   <a:t> is the count of outcome </a:t>
                 </a:r>
                 <a14:m>
@@ -7254,7 +6610,7 @@
                     <m:sSub>
                       <m:sSubPr>
                         <m:ctrlPr>
-                          <a:rPr>
+                          <a:rPr i="1">
                             <a:latin typeface="Cambria Math" panose="02040503050406030204" pitchFamily="18" charset="0"/>
                           </a:rPr>
                         </m:ctrlPr>
@@ -7279,19 +6635,26 @@
                   </m:oMath>
                 </a14:m>
                 <a:r>
+                  <a:rPr dirty="0"/>
                   <a:t>.</a:t>
                 </a:r>
               </a:p>
               <a:p>
                 <a:pPr lvl="0"/>
                 <a:r>
+                  <a:rPr dirty="0"/>
                   <a:t>The </a:t>
                 </a:r>
                 <a:r>
-                  <a:rPr b="1"/>
-                  <a:t>expected number of outcome i</a:t>
-                </a:r>
-                <a:r>
+                  <a:rPr b="1" dirty="0"/>
+                  <a:t>expected number of outcome </a:t>
+                </a:r>
+                <a:r>
+                  <a:rPr b="1" dirty="0" err="1"/>
+                  <a:t>i</a:t>
+                </a:r>
+                <a:r>
+                  <a:rPr dirty="0"/>
                   <a:t>, </a:t>
                 </a:r>
                 <a14:m>
@@ -7330,6 +6693,7 @@
                   </m:oMath>
                 </a14:m>
                 <a:r>
+                  <a:rPr dirty="0"/>
                   <a:t>, in </a:t>
                 </a:r>
                 <a14:m>
@@ -7343,6 +6707,7 @@
                   </m:oMath>
                 </a14:m>
                 <a:r>
+                  <a:rPr dirty="0"/>
                   <a:t> trials can be computed:</a:t>
                 </a:r>
               </a:p>
@@ -7433,7 +6798,7 @@
                     </m:oMath>
                   </m:oMathPara>
                 </a14:m>
-                <a:endParaRPr/>
+                <a:endParaRPr dirty="0"/>
               </a:p>
             </p:txBody>
           </p:sp>
@@ -7453,7 +6818,7 @@
               <a:blipFill>
                 <a:blip r:embed="rId2"/>
                 <a:stretch>
-                  <a:fillRect l="-741" t="-1975"/>
+                  <a:fillRect l="-963" t="-3052" r="-519"/>
                 </a:stretch>
               </a:blipFill>
             </p:spPr>
@@ -7480,7 +6845,7 @@
 </p:sld>
 </file>
 
-<file path=ppt/slides/slide18.xml><?xml version="1.0" encoding="utf-8"?>
+<file path=ppt/slides/slide17.xml><?xml version="1.0" encoding="utf-8"?>
 <p:sld xmlns:a="http://schemas.openxmlformats.org/drawingml/2006/main" xmlns:r="http://schemas.openxmlformats.org/officeDocument/2006/relationships" xmlns:p="http://schemas.openxmlformats.org/presentationml/2006/main">
   <p:cSld>
     <p:spTree>
@@ -7662,6 +7027,41 @@
                         <m:sSub>
                           <m:sSubPr>
                             <m:ctrlPr>
+                              <a:rPr lang="el-GR" sz="3200" i="1">
+                                <a:latin typeface="Cambria Math" panose="02040503050406030204" pitchFamily="18" charset="0"/>
+                                <a:ea typeface="Cambria Math" panose="02040503050406030204" pitchFamily="18" charset="0"/>
+                              </a:rPr>
+                            </m:ctrlPr>
+                          </m:sSubPr>
+                          <m:e>
+                            <m:r>
+                              <a:rPr lang="en-US" sz="3200" i="1">
+                                <a:latin typeface="Cambria Math" panose="02040503050406030204" pitchFamily="18" charset="0"/>
+                                <a:ea typeface="Cambria Math" panose="02040503050406030204" pitchFamily="18" charset="0"/>
+                              </a:rPr>
+                              <m:t>𝑒</m:t>
+                            </m:r>
+                          </m:e>
+                          <m:sub>
+                            <m:r>
+                              <a:rPr lang="en-US" sz="3200" i="1">
+                                <a:latin typeface="Cambria Math" panose="02040503050406030204" pitchFamily="18" charset="0"/>
+                                <a:ea typeface="Cambria Math" panose="02040503050406030204" pitchFamily="18" charset="0"/>
+                              </a:rPr>
+                              <m:t>1</m:t>
+                            </m:r>
+                          </m:sub>
+                        </m:sSub>
+                        <m:r>
+                          <a:rPr lang="en-US" sz="3200" b="0" i="1" smtClean="0">
+                            <a:latin typeface="Cambria Math" panose="02040503050406030204" pitchFamily="18" charset="0"/>
+                            <a:ea typeface="Cambria Math" panose="02040503050406030204" pitchFamily="18" charset="0"/>
+                          </a:rPr>
+                          <m:t>=</m:t>
+                        </m:r>
+                        <m:sSub>
+                          <m:sSubPr>
+                            <m:ctrlPr>
                               <a:rPr lang="el-GR" sz="3200" b="0" i="1" smtClean="0">
                                 <a:latin typeface="Cambria Math" panose="02040503050406030204" pitchFamily="18" charset="0"/>
                                 <a:ea typeface="Cambria Math" panose="02040503050406030204" pitchFamily="18" charset="0"/>
@@ -7699,7 +7099,7 @@
                             <a:latin typeface="Cambria Math" panose="02040503050406030204" pitchFamily="18" charset="0"/>
                             <a:ea typeface="Cambria Math" panose="02040503050406030204" pitchFamily="18" charset="0"/>
                           </a:rPr>
-                          <m:t>=</m:t>
+                          <m:t>, </m:t>
                         </m:r>
                         <m:sSub>
                           <m:sSubPr>
@@ -7711,41 +7111,41 @@
                             </m:ctrlPr>
                           </m:sSubPr>
                           <m:e>
+                            <m:sSub>
+                              <m:sSubPr>
+                                <m:ctrlPr>
+                                  <a:rPr lang="el-GR" sz="3200" i="1">
+                                    <a:latin typeface="Cambria Math" panose="02040503050406030204" pitchFamily="18" charset="0"/>
+                                    <a:ea typeface="Cambria Math" panose="02040503050406030204" pitchFamily="18" charset="0"/>
+                                  </a:rPr>
+                                </m:ctrlPr>
+                              </m:sSubPr>
+                              <m:e>
+                                <m:r>
+                                  <a:rPr lang="en-US" sz="3200" i="1">
+                                    <a:latin typeface="Cambria Math" panose="02040503050406030204" pitchFamily="18" charset="0"/>
+                                    <a:ea typeface="Cambria Math" panose="02040503050406030204" pitchFamily="18" charset="0"/>
+                                  </a:rPr>
+                                  <m:t>𝑒</m:t>
+                                </m:r>
+                              </m:e>
+                              <m:sub>
+                                <m:r>
+                                  <a:rPr lang="en-US" sz="3200" b="0" i="1" smtClean="0">
+                                    <a:latin typeface="Cambria Math" panose="02040503050406030204" pitchFamily="18" charset="0"/>
+                                    <a:ea typeface="Cambria Math" panose="02040503050406030204" pitchFamily="18" charset="0"/>
+                                  </a:rPr>
+                                  <m:t>2</m:t>
+                                </m:r>
+                              </m:sub>
+                            </m:sSub>
                             <m:r>
                               <a:rPr lang="en-US" sz="3200" b="0" i="1" smtClean="0">
                                 <a:latin typeface="Cambria Math" panose="02040503050406030204" pitchFamily="18" charset="0"/>
                                 <a:ea typeface="Cambria Math" panose="02040503050406030204" pitchFamily="18" charset="0"/>
                               </a:rPr>
-                              <m:t>𝑒</m:t>
+                              <m:t>=</m:t>
                             </m:r>
-                          </m:e>
-                          <m:sub>
-                            <m:r>
-                              <a:rPr lang="en-US" sz="3200" i="1">
-                                <a:latin typeface="Cambria Math" panose="02040503050406030204" pitchFamily="18" charset="0"/>
-                                <a:ea typeface="Cambria Math" panose="02040503050406030204" pitchFamily="18" charset="0"/>
-                              </a:rPr>
-                              <m:t>1</m:t>
-                            </m:r>
-                          </m:sub>
-                        </m:sSub>
-                        <m:r>
-                          <a:rPr lang="en-US" sz="3200" b="0" i="1" smtClean="0">
-                            <a:latin typeface="Cambria Math" panose="02040503050406030204" pitchFamily="18" charset="0"/>
-                            <a:ea typeface="Cambria Math" panose="02040503050406030204" pitchFamily="18" charset="0"/>
-                          </a:rPr>
-                          <m:t>,</m:t>
-                        </m:r>
-                        <m:sSub>
-                          <m:sSubPr>
-                            <m:ctrlPr>
-                              <a:rPr lang="el-GR" sz="3200" i="1">
-                                <a:latin typeface="Cambria Math" panose="02040503050406030204" pitchFamily="18" charset="0"/>
-                                <a:ea typeface="Cambria Math" panose="02040503050406030204" pitchFamily="18" charset="0"/>
-                              </a:rPr>
-                            </m:ctrlPr>
-                          </m:sSubPr>
-                          <m:e>
                             <m:r>
                               <a:rPr lang="el-GR" sz="3200" i="1">
                                 <a:latin typeface="Cambria Math" panose="02040503050406030204" pitchFamily="18" charset="0"/>
@@ -7772,11 +7172,11 @@
                           <m:t>𝑁</m:t>
                         </m:r>
                         <m:r>
-                          <a:rPr lang="en-US" sz="3200" i="1">
+                          <a:rPr lang="en-US" sz="3200" b="0" i="1" smtClean="0">
                             <a:latin typeface="Cambria Math" panose="02040503050406030204" pitchFamily="18" charset="0"/>
                             <a:ea typeface="Cambria Math" panose="02040503050406030204" pitchFamily="18" charset="0"/>
                           </a:rPr>
-                          <m:t>=</m:t>
+                          <m:t>,</m:t>
                         </m:r>
                         <m:sSub>
                           <m:sSubPr>
@@ -7802,7 +7202,7 @@
                                 <a:latin typeface="Cambria Math" panose="02040503050406030204" pitchFamily="18" charset="0"/>
                                 <a:ea typeface="Cambria Math" panose="02040503050406030204" pitchFamily="18" charset="0"/>
                               </a:rPr>
-                              <m:t>2</m:t>
+                              <m:t>3</m:t>
                             </m:r>
                           </m:sub>
                         </m:sSub>
@@ -7811,7 +7211,7 @@
                             <a:latin typeface="Cambria Math" panose="02040503050406030204" pitchFamily="18" charset="0"/>
                             <a:ea typeface="Cambria Math" panose="02040503050406030204" pitchFamily="18" charset="0"/>
                           </a:rPr>
-                          <m:t>,</m:t>
+                          <m:t>=</m:t>
                         </m:r>
                         <m:sSub>
                           <m:sSubPr>
@@ -7848,41 +7248,6 @@
                           </a:rPr>
                           <m:t>𝑁</m:t>
                         </m:r>
-                        <m:r>
-                          <a:rPr lang="en-US" sz="3200" i="1">
-                            <a:latin typeface="Cambria Math" panose="02040503050406030204" pitchFamily="18" charset="0"/>
-                            <a:ea typeface="Cambria Math" panose="02040503050406030204" pitchFamily="18" charset="0"/>
-                          </a:rPr>
-                          <m:t>=</m:t>
-                        </m:r>
-                        <m:sSub>
-                          <m:sSubPr>
-                            <m:ctrlPr>
-                              <a:rPr lang="el-GR" sz="3200" i="1">
-                                <a:latin typeface="Cambria Math" panose="02040503050406030204" pitchFamily="18" charset="0"/>
-                                <a:ea typeface="Cambria Math" panose="02040503050406030204" pitchFamily="18" charset="0"/>
-                              </a:rPr>
-                            </m:ctrlPr>
-                          </m:sSubPr>
-                          <m:e>
-                            <m:r>
-                              <a:rPr lang="en-US" sz="3200" i="1">
-                                <a:latin typeface="Cambria Math" panose="02040503050406030204" pitchFamily="18" charset="0"/>
-                                <a:ea typeface="Cambria Math" panose="02040503050406030204" pitchFamily="18" charset="0"/>
-                              </a:rPr>
-                              <m:t>𝑒</m:t>
-                            </m:r>
-                          </m:e>
-                          <m:sub>
-                            <m:r>
-                              <a:rPr lang="en-US" sz="3200" b="0" i="1" smtClean="0">
-                                <a:latin typeface="Cambria Math" panose="02040503050406030204" pitchFamily="18" charset="0"/>
-                                <a:ea typeface="Cambria Math" panose="02040503050406030204" pitchFamily="18" charset="0"/>
-                              </a:rPr>
-                              <m:t>3</m:t>
-                            </m:r>
-                          </m:sub>
-                        </m:sSub>
                       </m:e>
                     </m:d>
                   </m:oMath>
@@ -7943,6 +7308,443 @@
         <p14:creationId xmlns:p14="http://schemas.microsoft.com/office/powerpoint/2010/main" val="919225126"/>
       </p:ext>
     </p:extLst>
+  </p:cSld>
+  <p:clrMapOvr>
+    <a:masterClrMapping/>
+  </p:clrMapOvr>
+</p:sld>
+</file>
+
+<file path=ppt/slides/slide18.xml><?xml version="1.0" encoding="utf-8"?>
+<p:sld xmlns:a="http://schemas.openxmlformats.org/drawingml/2006/main" xmlns:r="http://schemas.openxmlformats.org/officeDocument/2006/relationships" xmlns:p="http://schemas.openxmlformats.org/presentationml/2006/main">
+  <p:cSld>
+    <p:spTree>
+      <p:nvGrpSpPr>
+        <p:cNvPr id="1" name=""/>
+        <p:cNvGrpSpPr/>
+        <p:nvPr/>
+      </p:nvGrpSpPr>
+      <p:grpSpPr>
+        <a:xfrm>
+          <a:off x="0" y="0"/>
+          <a:ext cx="0" cy="0"/>
+          <a:chOff x="0" y="0"/>
+          <a:chExt cx="0" cy="0"/>
+        </a:xfrm>
+      </p:grpSpPr>
+      <p:sp>
+        <p:nvSpPr>
+          <p:cNvPr id="2" name="Title 1"/>
+          <p:cNvSpPr>
+            <a:spLocks noGrp="1"/>
+          </p:cNvSpPr>
+          <p:nvPr>
+            <p:ph type="title"/>
+          </p:nvPr>
+        </p:nvSpPr>
+        <p:spPr/>
+        <p:txBody>
+          <a:bodyPr/>
+          <a:lstStyle/>
+          <a:p>
+            <a:pPr marL="0" lvl="0" indent="0">
+              <a:buNone/>
+            </a:pPr>
+            <a:r>
+              <a:t>Poisson distribution</a:t>
+            </a:r>
+          </a:p>
+        </p:txBody>
+      </p:sp>
+      <mc:AlternateContent xmlns:mc="http://schemas.openxmlformats.org/markup-compatibility/2006">
+        <mc:Choice xmlns:a14="http://schemas.microsoft.com/office/drawing/2010/main" Requires="a14">
+          <p:sp>
+            <p:nvSpPr>
+              <p:cNvPr id="3" name="Content Placeholder 2"/>
+              <p:cNvSpPr>
+                <a:spLocks noGrp="1"/>
+              </p:cNvSpPr>
+              <p:nvPr>
+                <p:ph idx="1"/>
+              </p:nvPr>
+            </p:nvSpPr>
+            <p:spPr>
+              <a:xfrm>
+                <a:off x="457200" y="1200151"/>
+                <a:ext cx="8229600" cy="3599484"/>
+              </a:xfrm>
+            </p:spPr>
+            <p:txBody>
+              <a:bodyPr>
+                <a:normAutofit fontScale="85000" lnSpcReduction="20000"/>
+              </a:bodyPr>
+              <a:lstStyle/>
+              <a:p>
+                <a:pPr marL="0" lvl="0" indent="0">
+                  <a:buNone/>
+                </a:pPr>
+                <a:r>
+                  <a:rPr lang="en-US" dirty="0"/>
+                  <a:t>Poisson distribution models the probability, </a:t>
+                </a:r>
+                <a14:m>
+                  <m:oMath xmlns:m="http://schemas.openxmlformats.org/officeDocument/2006/math">
+                    <m:r>
+                      <a:rPr lang="en-US">
+                        <a:latin typeface="Cambria Math" panose="02040503050406030204" pitchFamily="18" charset="0"/>
+                      </a:rPr>
+                      <m:t>𝑃</m:t>
+                    </m:r>
+                  </m:oMath>
+                </a14:m>
+                <a:r>
+                  <a:rPr lang="en-US" dirty="0"/>
+                  <a:t>, of x </a:t>
+                </a:r>
+                <a:r>
+                  <a:rPr lang="en-US" b="1" dirty="0"/>
+                  <a:t>arrivals</a:t>
+                </a:r>
+                <a:r>
+                  <a:rPr lang="en-US" dirty="0"/>
+                  <a:t> within the time period</a:t>
+                </a:r>
+              </a:p>
+              <a:p>
+                <a:pPr lvl="0"/>
+                <a:r>
+                  <a:rPr lang="en-US" dirty="0"/>
+                  <a:t>Poisson process is an example of a </a:t>
+                </a:r>
+                <a:r>
+                  <a:rPr lang="en-US" b="1" dirty="0"/>
+                  <a:t>point process</a:t>
+                </a:r>
+              </a:p>
+              <a:p>
+                <a:pPr lvl="0"/>
+                <a:r>
+                  <a:rPr lang="en-US" dirty="0"/>
+                  <a:t>The average number of arrivals of the Poisson process is referred to as the </a:t>
+                </a:r>
+                <a:r>
+                  <a:rPr lang="en-US" b="1" dirty="0"/>
+                  <a:t>intensity of the process</a:t>
+                </a:r>
+              </a:p>
+              <a:p>
+                <a:pPr lvl="0"/>
+                <a:r>
+                  <a:rPr lang="en-US" dirty="0"/>
+                  <a:t>Write the Poisson distribution in terms of the average arrival rate, </a:t>
+                </a:r>
+                <a14:m>
+                  <m:oMath xmlns:m="http://schemas.openxmlformats.org/officeDocument/2006/math">
+                    <m:r>
+                      <a:rPr lang="en-US">
+                        <a:latin typeface="Cambria Math" panose="02040503050406030204" pitchFamily="18" charset="0"/>
+                      </a:rPr>
+                      <m:t>𝜆</m:t>
+                    </m:r>
+                  </m:oMath>
+                </a14:m>
+                <a:r>
+                  <a:rPr lang="en-US" dirty="0"/>
+                  <a:t>:</a:t>
+                </a:r>
+              </a:p>
+              <a:p>
+                <a:pPr marL="0" lvl="0" indent="0">
+                  <a:buNone/>
+                </a:pPr>
+                <a14:m>
+                  <m:oMathPara xmlns:m="http://schemas.openxmlformats.org/officeDocument/2006/math">
+                    <m:oMathParaPr>
+                      <m:jc m:val="center"/>
+                    </m:oMathParaPr>
+                    <m:oMath xmlns:m="http://schemas.openxmlformats.org/officeDocument/2006/math">
+                      <m:r>
+                        <a:rPr lang="en-US">
+                          <a:latin typeface="Cambria Math" panose="02040503050406030204" pitchFamily="18" charset="0"/>
+                        </a:rPr>
+                        <m:t>𝑃</m:t>
+                      </m:r>
+                      <m:d>
+                        <m:dPr>
+                          <m:ctrlPr>
+                            <a:rPr lang="ar-AE" i="1">
+                              <a:latin typeface="Cambria Math" panose="02040503050406030204" pitchFamily="18" charset="0"/>
+                            </a:rPr>
+                          </m:ctrlPr>
+                        </m:dPr>
+                        <m:e>
+                          <m:r>
+                            <a:rPr lang="ar-AE">
+                              <a:latin typeface="Cambria Math" panose="02040503050406030204" pitchFamily="18" charset="0"/>
+                            </a:rPr>
+                            <m:t>𝑥</m:t>
+                          </m:r>
+                          <m:r>
+                            <a:rPr lang="ar-AE">
+                              <a:latin typeface="Cambria Math" panose="02040503050406030204" pitchFamily="18" charset="0"/>
+                            </a:rPr>
+                            <m:t> | </m:t>
+                          </m:r>
+                          <m:r>
+                            <a:rPr lang="ar-AE">
+                              <a:latin typeface="Cambria Math" panose="02040503050406030204" pitchFamily="18" charset="0"/>
+                            </a:rPr>
+                            <m:t>𝜆</m:t>
+                          </m:r>
+                        </m:e>
+                      </m:d>
+                      <m:r>
+                        <a:rPr lang="ar-AE">
+                          <a:latin typeface="Cambria Math" panose="02040503050406030204" pitchFamily="18" charset="0"/>
+                        </a:rPr>
+                        <m:t>=</m:t>
+                      </m:r>
+                      <m:f>
+                        <m:fPr>
+                          <m:ctrlPr>
+                            <a:rPr lang="ar-AE" i="1">
+                              <a:latin typeface="Cambria Math" panose="02040503050406030204" pitchFamily="18" charset="0"/>
+                            </a:rPr>
+                          </m:ctrlPr>
+                        </m:fPr>
+                        <m:num>
+                          <m:sSup>
+                            <m:sSupPr>
+                              <m:ctrlPr>
+                                <a:rPr lang="ar-AE" i="1">
+                                  <a:latin typeface="Cambria Math" panose="02040503050406030204" pitchFamily="18" charset="0"/>
+                                </a:rPr>
+                              </m:ctrlPr>
+                            </m:sSupPr>
+                            <m:e>
+                              <m:r>
+                                <a:rPr lang="ar-AE">
+                                  <a:latin typeface="Cambria Math" panose="02040503050406030204" pitchFamily="18" charset="0"/>
+                                </a:rPr>
+                                <m:t>𝜆</m:t>
+                              </m:r>
+                            </m:e>
+                            <m:sup>
+                              <m:r>
+                                <a:rPr lang="ar-AE">
+                                  <a:latin typeface="Cambria Math" panose="02040503050406030204" pitchFamily="18" charset="0"/>
+                                </a:rPr>
+                                <m:t>𝑥</m:t>
+                              </m:r>
+                            </m:sup>
+                          </m:sSup>
+                        </m:num>
+                        <m:den>
+                          <m:r>
+                            <a:rPr lang="ar-AE">
+                              <a:latin typeface="Cambria Math" panose="02040503050406030204" pitchFamily="18" charset="0"/>
+                            </a:rPr>
+                            <m:t>𝑥</m:t>
+                          </m:r>
+                          <m:r>
+                            <a:rPr lang="ar-AE">
+                              <a:latin typeface="Cambria Math" panose="02040503050406030204" pitchFamily="18" charset="0"/>
+                            </a:rPr>
+                            <m:t>!</m:t>
+                          </m:r>
+                        </m:den>
+                      </m:f>
+                      <m:sSup>
+                        <m:sSupPr>
+                          <m:ctrlPr>
+                            <a:rPr lang="ar-AE" i="1">
+                              <a:latin typeface="Cambria Math" panose="02040503050406030204" pitchFamily="18" charset="0"/>
+                            </a:rPr>
+                          </m:ctrlPr>
+                        </m:sSupPr>
+                        <m:e>
+                          <m:r>
+                            <m:rPr>
+                              <m:sty m:val="p"/>
+                            </m:rPr>
+                            <a:rPr lang="en-US">
+                              <a:latin typeface="Cambria Math" panose="02040503050406030204" pitchFamily="18" charset="0"/>
+                            </a:rPr>
+                            <m:t>exp</m:t>
+                          </m:r>
+                        </m:e>
+                        <m:sup>
+                          <m:r>
+                            <a:rPr lang="ar-AE">
+                              <a:latin typeface="Cambria Math" panose="02040503050406030204" pitchFamily="18" charset="0"/>
+                            </a:rPr>
+                            <m:t>−</m:t>
+                          </m:r>
+                          <m:r>
+                            <a:rPr lang="ar-AE">
+                              <a:latin typeface="Cambria Math" panose="02040503050406030204" pitchFamily="18" charset="0"/>
+                            </a:rPr>
+                            <m:t>𝜆</m:t>
+                          </m:r>
+                        </m:sup>
+                      </m:sSup>
+                    </m:oMath>
+                  </m:oMathPara>
+                </a14:m>
+                <a:endParaRPr lang="ar-AE" dirty="0"/>
+              </a:p>
+              <a:p>
+                <a:r>
+                  <a:rPr lang="en-US" dirty="0"/>
+                  <a:t>The mean and variance of the Poisson distribution are both equal to the parameter </a:t>
+                </a:r>
+                <a14:m>
+                  <m:oMath xmlns:m="http://schemas.openxmlformats.org/officeDocument/2006/math">
+                    <m:r>
+                      <a:rPr lang="en-US">
+                        <a:latin typeface="Cambria Math" panose="02040503050406030204" pitchFamily="18" charset="0"/>
+                      </a:rPr>
+                      <m:t>𝜆</m:t>
+                    </m:r>
+                  </m:oMath>
+                </a14:m>
+                <a:r>
+                  <a:rPr lang="en-US" dirty="0"/>
+                  <a:t>, or:</a:t>
+                </a:r>
+              </a:p>
+              <a:p>
+                <a:pPr marL="0" lvl="0" indent="0">
+                  <a:buNone/>
+                </a:pPr>
+                <a14:m>
+                  <m:oMathPara xmlns:m="http://schemas.openxmlformats.org/officeDocument/2006/math">
+                    <m:oMathParaPr>
+                      <m:jc m:val="centerGroup"/>
+                    </m:oMathParaPr>
+                    <m:oMath xmlns:m="http://schemas.openxmlformats.org/officeDocument/2006/math">
+                      <m:r>
+                        <a:rPr lang="en-US" b="0" i="1" smtClean="0">
+                          <a:latin typeface="Cambria Math" panose="02040503050406030204" pitchFamily="18" charset="0"/>
+                        </a:rPr>
+                        <m:t>𝑚𝑒𝑎𝑛</m:t>
+                      </m:r>
+                      <m:r>
+                        <a:rPr lang="en-US" b="0" i="1" smtClean="0">
+                          <a:latin typeface="Cambria Math" panose="02040503050406030204" pitchFamily="18" charset="0"/>
+                        </a:rPr>
+                        <m:t>=</m:t>
+                      </m:r>
+                      <m:r>
+                        <a:rPr lang="en-US" b="0" i="1" smtClean="0">
+                          <a:latin typeface="Cambria Math" panose="02040503050406030204" pitchFamily="18" charset="0"/>
+                          <a:ea typeface="Cambria Math" panose="02040503050406030204" pitchFamily="18" charset="0"/>
+                        </a:rPr>
+                        <m:t>𝜆</m:t>
+                      </m:r>
+                    </m:oMath>
+                  </m:oMathPara>
+                </a14:m>
+                <a:endParaRPr lang="en-US" b="0" dirty="0">
+                  <a:ea typeface="Cambria Math" panose="02040503050406030204" pitchFamily="18" charset="0"/>
+                </a:endParaRPr>
+              </a:p>
+              <a:p>
+                <a:pPr marL="0" indent="0">
+                  <a:buNone/>
+                </a:pPr>
+                <a14:m>
+                  <m:oMathPara xmlns:m="http://schemas.openxmlformats.org/officeDocument/2006/math">
+                    <m:oMathParaPr>
+                      <m:jc m:val="centerGroup"/>
+                    </m:oMathParaPr>
+                    <m:oMath xmlns:m="http://schemas.openxmlformats.org/officeDocument/2006/math">
+                      <m:r>
+                        <a:rPr lang="en-US" b="0" i="1" smtClean="0">
+                          <a:latin typeface="Cambria Math" panose="02040503050406030204" pitchFamily="18" charset="0"/>
+                        </a:rPr>
+                        <m:t>𝑣𝑎𝑟𝑖𝑎𝑛𝑐𝑒</m:t>
+                      </m:r>
+                      <m:r>
+                        <a:rPr lang="en-US" b="0" i="1" smtClean="0">
+                          <a:latin typeface="Cambria Math" panose="02040503050406030204" pitchFamily="18" charset="0"/>
+                        </a:rPr>
+                        <m:t>=</m:t>
+                      </m:r>
+                      <m:r>
+                        <a:rPr lang="en-US" b="0" i="1" smtClean="0">
+                          <a:latin typeface="Cambria Math" panose="02040503050406030204" pitchFamily="18" charset="0"/>
+                          <a:ea typeface="Cambria Math" panose="02040503050406030204" pitchFamily="18" charset="0"/>
+                        </a:rPr>
+                        <m:t>𝜆</m:t>
+                      </m:r>
+                    </m:oMath>
+                  </m:oMathPara>
+                </a14:m>
+                <a:endParaRPr lang="en-US" b="0" dirty="0">
+                  <a:ea typeface="Cambria Math" panose="02040503050406030204" pitchFamily="18" charset="0"/>
+                </a:endParaRPr>
+              </a:p>
+              <a:p>
+                <a:pPr marL="0" lvl="0" indent="0">
+                  <a:buNone/>
+                </a:pPr>
+                <a:endParaRPr lang="en-US" dirty="0"/>
+              </a:p>
+              <a:p>
+                <a:pPr marL="0" lvl="0" indent="0">
+                  <a:buNone/>
+                </a:pPr>
+                <a:endParaRPr lang="en-US" dirty="0"/>
+              </a:p>
+              <a:p>
+                <a:pPr marL="0" lvl="0" indent="0">
+                  <a:buNone/>
+                </a:pPr>
+                <a:endParaRPr dirty="0"/>
+              </a:p>
+            </p:txBody>
+          </p:sp>
+        </mc:Choice>
+        <mc:Fallback>
+          <p:sp>
+            <p:nvSpPr>
+              <p:cNvPr id="3" name="Content Placeholder 2"/>
+              <p:cNvSpPr>
+                <a:spLocks noGrp="1" noRot="1" noChangeAspect="1" noMove="1" noResize="1" noEditPoints="1" noAdjustHandles="1" noChangeArrowheads="1" noChangeShapeType="1" noTextEdit="1"/>
+              </p:cNvSpPr>
+              <p:nvPr>
+                <p:ph idx="1"/>
+              </p:nvPr>
+            </p:nvSpPr>
+            <p:spPr>
+              <a:xfrm>
+                <a:off x="457200" y="1200151"/>
+                <a:ext cx="8229600" cy="3599484"/>
+              </a:xfrm>
+              <a:blipFill>
+                <a:blip r:embed="rId2"/>
+                <a:stretch>
+                  <a:fillRect l="-741" t="-2542" r="-519"/>
+                </a:stretch>
+              </a:blipFill>
+            </p:spPr>
+            <p:txBody>
+              <a:bodyPr/>
+              <a:lstStyle/>
+              <a:p>
+                <a:r>
+                  <a:rPr lang="en-US">
+                    <a:noFill/>
+                  </a:rPr>
+                  <a:t> </a:t>
+                </a:r>
+              </a:p>
+            </p:txBody>
+          </p:sp>
+        </mc:Fallback>
+      </mc:AlternateContent>
+    </p:spTree>
   </p:cSld>
   <p:clrMapOvr>
     <a:masterClrMapping/>
@@ -8006,13 +7808,11 @@
             <p:spPr>
               <a:xfrm>
                 <a:off x="457200" y="1200151"/>
-                <a:ext cx="8229600" cy="3599484"/>
+                <a:ext cx="2374739" cy="3394472"/>
               </a:xfrm>
             </p:spPr>
             <p:txBody>
-              <a:bodyPr>
-                <a:normAutofit fontScale="85000" lnSpcReduction="20000"/>
-              </a:bodyPr>
+              <a:bodyPr/>
               <a:lstStyle/>
               <a:p>
                 <a:pPr marL="0" lvl="0" indent="0">
@@ -8030,312 +7830,41 @@
                       </a:rPr>
                       <m:t>𝑃</m:t>
                     </m:r>
-                  </m:oMath>
-                </a14:m>
-                <a:r>
-                  <a:rPr lang="en-US" dirty="0"/>
-                  <a:t>, of x </a:t>
-                </a:r>
-                <a:r>
-                  <a:rPr lang="en-US" b="1" dirty="0"/>
-                  <a:t>arrivals</a:t>
-                </a:r>
-                <a:r>
-                  <a:rPr lang="en-US" dirty="0"/>
-                  <a:t> within the time period</a:t>
-                </a:r>
-              </a:p>
-              <a:p>
-                <a:pPr lvl="0"/>
-                <a:r>
-                  <a:rPr lang="en-US" dirty="0"/>
-                  <a:t>Poisson process is an example of a </a:t>
-                </a:r>
-                <a:r>
-                  <a:rPr lang="en-US" b="1" dirty="0"/>
-                  <a:t>point process</a:t>
-                </a:r>
-              </a:p>
-              <a:p>
-                <a:pPr lvl="0"/>
-                <a:r>
-                  <a:rPr lang="en-US" dirty="0"/>
-                  <a:t>The average number of arrivals of the Poisson process is referred to as the </a:t>
-                </a:r>
-                <a:r>
-                  <a:rPr lang="en-US" b="1" dirty="0"/>
-                  <a:t>intensity of the process</a:t>
-                </a:r>
-              </a:p>
-              <a:p>
-                <a:pPr lvl="0"/>
-                <a:r>
-                  <a:rPr lang="en-US" dirty="0"/>
-                  <a:t>Write the Poisson distribution in terms of the average arrival rate, </a:t>
-                </a:r>
-                <a14:m>
-                  <m:oMath xmlns:m="http://schemas.openxmlformats.org/officeDocument/2006/math">
                     <m:r>
-                      <a:rPr lang="en-US">
+                      <a:rPr lang="en-US" b="0" i="0" smtClean="0">
                         <a:latin typeface="Cambria Math" panose="02040503050406030204" pitchFamily="18" charset="0"/>
                       </a:rPr>
-                      <m:t>𝜆</m:t>
+                      <m:t>(</m:t>
+                    </m:r>
+                    <m:r>
+                      <m:rPr>
+                        <m:sty m:val="p"/>
+                      </m:rPr>
+                      <a:rPr lang="en-US" b="0" i="0" smtClean="0">
+                        <a:latin typeface="Cambria Math" panose="02040503050406030204" pitchFamily="18" charset="0"/>
+                      </a:rPr>
+                      <m:t>x</m:t>
+                    </m:r>
+                    <m:r>
+                      <a:rPr lang="en-US" b="0" i="0" smtClean="0">
+                        <a:latin typeface="Cambria Math" panose="02040503050406030204" pitchFamily="18" charset="0"/>
+                      </a:rPr>
+                      <m:t>)</m:t>
                     </m:r>
                   </m:oMath>
                 </a14:m>
                 <a:r>
                   <a:rPr lang="en-US" dirty="0"/>
-                  <a:t> as:</a:t>
-                </a:r>
-              </a:p>
-              <a:p>
-                <a:pPr marL="0" lvl="0" indent="0">
-                  <a:buNone/>
-                </a:pPr>
-                <a14:m>
-                  <m:oMathPara xmlns:m="http://schemas.openxmlformats.org/officeDocument/2006/math">
-                    <m:oMathParaPr>
-                      <m:jc m:val="center"/>
-                    </m:oMathParaPr>
-                    <m:oMath xmlns:m="http://schemas.openxmlformats.org/officeDocument/2006/math">
-                      <m:r>
-                        <a:rPr lang="en-US">
-                          <a:latin typeface="Cambria Math" panose="02040503050406030204" pitchFamily="18" charset="0"/>
-                        </a:rPr>
-                        <m:t>𝑃</m:t>
-                      </m:r>
-                      <m:d>
-                        <m:dPr>
-                          <m:ctrlPr>
-                            <a:rPr lang="ar-AE" i="1">
-                              <a:latin typeface="Cambria Math" panose="02040503050406030204" pitchFamily="18" charset="0"/>
-                            </a:rPr>
-                          </m:ctrlPr>
-                        </m:dPr>
-                        <m:e>
-                          <m:r>
-                            <a:rPr lang="ar-AE">
-                              <a:latin typeface="Cambria Math" panose="02040503050406030204" pitchFamily="18" charset="0"/>
-                            </a:rPr>
-                            <m:t>𝑥</m:t>
-                          </m:r>
-                          <m:r>
-                            <a:rPr lang="ar-AE">
-                              <a:latin typeface="Cambria Math" panose="02040503050406030204" pitchFamily="18" charset="0"/>
-                            </a:rPr>
-                            <m:t> | </m:t>
-                          </m:r>
-                          <m:r>
-                            <a:rPr lang="ar-AE">
-                              <a:latin typeface="Cambria Math" panose="02040503050406030204" pitchFamily="18" charset="0"/>
-                            </a:rPr>
-                            <m:t>𝜆</m:t>
-                          </m:r>
-                        </m:e>
-                      </m:d>
-                      <m:r>
-                        <a:rPr lang="ar-AE">
-                          <a:latin typeface="Cambria Math" panose="02040503050406030204" pitchFamily="18" charset="0"/>
-                        </a:rPr>
-                        <m:t>=</m:t>
-                      </m:r>
-                      <m:f>
-                        <m:fPr>
-                          <m:ctrlPr>
-                            <a:rPr lang="ar-AE" i="1">
-                              <a:latin typeface="Cambria Math" panose="02040503050406030204" pitchFamily="18" charset="0"/>
-                            </a:rPr>
-                          </m:ctrlPr>
-                        </m:fPr>
-                        <m:num>
-                          <m:sSup>
-                            <m:sSupPr>
-                              <m:ctrlPr>
-                                <a:rPr lang="ar-AE" i="1">
-                                  <a:latin typeface="Cambria Math" panose="02040503050406030204" pitchFamily="18" charset="0"/>
-                                </a:rPr>
-                              </m:ctrlPr>
-                            </m:sSupPr>
-                            <m:e>
-                              <m:r>
-                                <a:rPr lang="ar-AE">
-                                  <a:latin typeface="Cambria Math" panose="02040503050406030204" pitchFamily="18" charset="0"/>
-                                </a:rPr>
-                                <m:t>𝜆</m:t>
-                              </m:r>
-                            </m:e>
-                            <m:sup>
-                              <m:r>
-                                <a:rPr lang="ar-AE">
-                                  <a:latin typeface="Cambria Math" panose="02040503050406030204" pitchFamily="18" charset="0"/>
-                                </a:rPr>
-                                <m:t>𝑥</m:t>
-                              </m:r>
-                            </m:sup>
-                          </m:sSup>
-                        </m:num>
-                        <m:den>
-                          <m:r>
-                            <a:rPr lang="ar-AE">
-                              <a:latin typeface="Cambria Math" panose="02040503050406030204" pitchFamily="18" charset="0"/>
-                            </a:rPr>
-                            <m:t>𝑥</m:t>
-                          </m:r>
-                          <m:r>
-                            <a:rPr lang="ar-AE">
-                              <a:latin typeface="Cambria Math" panose="02040503050406030204" pitchFamily="18" charset="0"/>
-                            </a:rPr>
-                            <m:t>!</m:t>
-                          </m:r>
-                        </m:den>
-                      </m:f>
-                      <m:sSup>
-                        <m:sSupPr>
-                          <m:ctrlPr>
-                            <a:rPr lang="ar-AE" i="1">
-                              <a:latin typeface="Cambria Math" panose="02040503050406030204" pitchFamily="18" charset="0"/>
-                            </a:rPr>
-                          </m:ctrlPr>
-                        </m:sSupPr>
-                        <m:e>
-                          <m:r>
-                            <m:rPr>
-                              <m:sty m:val="p"/>
-                            </m:rPr>
-                            <a:rPr lang="en-US">
-                              <a:latin typeface="Cambria Math" panose="02040503050406030204" pitchFamily="18" charset="0"/>
-                            </a:rPr>
-                            <m:t>exp</m:t>
-                          </m:r>
-                        </m:e>
-                        <m:sup>
-                          <m:r>
-                            <a:rPr lang="ar-AE">
-                              <a:latin typeface="Cambria Math" panose="02040503050406030204" pitchFamily="18" charset="0"/>
-                            </a:rPr>
-                            <m:t>−</m:t>
-                          </m:r>
-                          <m:r>
-                            <a:rPr lang="ar-AE">
-                              <a:latin typeface="Cambria Math" panose="02040503050406030204" pitchFamily="18" charset="0"/>
-                            </a:rPr>
-                            <m:t>𝜆</m:t>
-                          </m:r>
-                        </m:sup>
-                      </m:sSup>
-                    </m:oMath>
-                  </m:oMathPara>
-                </a14:m>
-                <a:endParaRPr lang="ar-AE" dirty="0"/>
-              </a:p>
-              <a:p>
+                  <a:t>, of x </a:t>
+                </a:r>
+                <a:r>
+                  <a:rPr lang="en-US" b="1" dirty="0"/>
+                  <a:t>arrivals</a:t>
+                </a:r>
                 <a:r>
                   <a:rPr lang="en-US" dirty="0"/>
-                  <a:t>The mean and variance of the Poisson distribution are both equal to the parameter </a:t>
-                </a:r>
-                <a14:m>
-                  <m:oMath xmlns:m="http://schemas.openxmlformats.org/officeDocument/2006/math">
-                    <m:r>
-                      <a:rPr lang="en-US">
-                        <a:latin typeface="Cambria Math" panose="02040503050406030204" pitchFamily="18" charset="0"/>
-                      </a:rPr>
-                      <m:t>𝜆</m:t>
-                    </m:r>
-                  </m:oMath>
-                </a14:m>
-                <a:r>
-                  <a:rPr lang="en-US" dirty="0"/>
-                  <a:t>, or:</a:t>
-                </a:r>
-              </a:p>
-              <a:p>
-                <a:pPr marL="0" lvl="0" indent="0">
-                  <a:buNone/>
-                </a:pPr>
-                <a14:m>
-                  <m:oMathPara xmlns:m="http://schemas.openxmlformats.org/officeDocument/2006/math">
-                    <m:oMathParaPr>
-                      <m:jc m:val="centerGroup"/>
-                    </m:oMathParaPr>
-                    <m:oMath xmlns:m="http://schemas.openxmlformats.org/officeDocument/2006/math">
-                      <m:r>
-                        <a:rPr lang="en-US" b="0" i="1" smtClean="0">
-                          <a:latin typeface="Cambria Math" panose="02040503050406030204" pitchFamily="18" charset="0"/>
-                        </a:rPr>
-                        <m:t>𝑚𝑒𝑎𝑛</m:t>
-                      </m:r>
-                      <m:r>
-                        <a:rPr lang="en-US" b="0" i="1" smtClean="0">
-                          <a:latin typeface="Cambria Math" panose="02040503050406030204" pitchFamily="18" charset="0"/>
-                        </a:rPr>
-                        <m:t>=</m:t>
-                      </m:r>
-                      <m:r>
-                        <a:rPr lang="en-US" b="0" i="1" smtClean="0">
-                          <a:latin typeface="Cambria Math" panose="02040503050406030204" pitchFamily="18" charset="0"/>
-                          <a:ea typeface="Cambria Math" panose="02040503050406030204" pitchFamily="18" charset="0"/>
-                        </a:rPr>
-                        <m:t>𝜆</m:t>
-                      </m:r>
-                    </m:oMath>
-                  </m:oMathPara>
-                </a14:m>
-                <a:endParaRPr lang="en-US" b="0" dirty="0">
-                  <a:ea typeface="Cambria Math" panose="02040503050406030204" pitchFamily="18" charset="0"/>
-                </a:endParaRPr>
-              </a:p>
-              <a:p>
-                <a:pPr marL="0" indent="0">
-                  <a:buNone/>
-                </a:pPr>
-                <a14:m>
-                  <m:oMathPara xmlns:m="http://schemas.openxmlformats.org/officeDocument/2006/math">
-                    <m:oMathParaPr>
-                      <m:jc m:val="centerGroup"/>
-                    </m:oMathParaPr>
-                    <m:oMath xmlns:m="http://schemas.openxmlformats.org/officeDocument/2006/math">
-                      <m:r>
-                        <a:rPr lang="en-US" b="0" i="1" smtClean="0">
-                          <a:latin typeface="Cambria Math" panose="02040503050406030204" pitchFamily="18" charset="0"/>
-                        </a:rPr>
-                        <m:t>𝑣𝑎𝑟𝑖𝑎𝑛𝑐𝑒</m:t>
-                      </m:r>
-                      <m:r>
-                        <a:rPr lang="en-US" b="0" i="1" smtClean="0">
-                          <a:latin typeface="Cambria Math" panose="02040503050406030204" pitchFamily="18" charset="0"/>
-                        </a:rPr>
-                        <m:t>=</m:t>
-                      </m:r>
-                      <m:r>
-                        <a:rPr lang="en-US" b="0" i="1" smtClean="0">
-                          <a:latin typeface="Cambria Math" panose="02040503050406030204" pitchFamily="18" charset="0"/>
-                          <a:ea typeface="Cambria Math" panose="02040503050406030204" pitchFamily="18" charset="0"/>
-                        </a:rPr>
-                        <m:t>𝜆</m:t>
-                      </m:r>
-                    </m:oMath>
-                  </m:oMathPara>
-                </a14:m>
-                <a:endParaRPr lang="en-US" b="0" dirty="0">
-                  <a:ea typeface="Cambria Math" panose="02040503050406030204" pitchFamily="18" charset="0"/>
-                </a:endParaRPr>
-              </a:p>
-              <a:p>
-                <a:pPr marL="0" lvl="0" indent="0">
-                  <a:buNone/>
-                </a:pPr>
-                <a:endParaRPr lang="en-US" dirty="0"/>
-              </a:p>
-              <a:p>
-                <a:pPr marL="0" lvl="0" indent="0">
-                  <a:buNone/>
-                </a:pPr>
-                <a:endParaRPr lang="en-US" dirty="0"/>
-              </a:p>
-              <a:p>
-                <a:pPr marL="0" lvl="0" indent="0">
-                  <a:buNone/>
-                </a:pPr>
+                  <a:t> within a time period</a:t>
+                </a:r>
                 <a:endParaRPr dirty="0"/>
               </a:p>
             </p:txBody>
@@ -8355,12 +7884,12 @@
             <p:spPr>
               <a:xfrm>
                 <a:off x="457200" y="1200151"/>
-                <a:ext cx="8229600" cy="3599484"/>
+                <a:ext cx="2374739" cy="3394472"/>
               </a:xfrm>
               <a:blipFill>
                 <a:blip r:embed="rId2"/>
                 <a:stretch>
-                  <a:fillRect l="-741" t="-2542" r="-519"/>
+                  <a:fillRect l="-3846" t="-1436" r="-4103"/>
                 </a:stretch>
               </a:blipFill>
             </p:spPr>
@@ -8379,6 +7908,66 @@
           </p:sp>
         </mc:Fallback>
       </mc:AlternateContent>
+      <p:pic>
+        <p:nvPicPr>
+          <p:cNvPr id="4" name="Picture 1" descr="../images/PoissonExample.PNG"/>
+          <p:cNvPicPr>
+            <a:picLocks noGrp="1" noChangeAspect="1"/>
+          </p:cNvPicPr>
+          <p:nvPr/>
+        </p:nvPicPr>
+        <p:blipFill>
+          <a:blip r:embed="rId3"/>
+          <a:stretch>
+            <a:fillRect/>
+          </a:stretch>
+        </p:blipFill>
+        <p:spPr bwMode="auto">
+          <a:xfrm>
+            <a:off x="2862804" y="1020666"/>
+            <a:ext cx="5914663" cy="3580343"/>
+          </a:xfrm>
+          <a:prstGeom prst="rect">
+            <a:avLst/>
+          </a:prstGeom>
+          <a:noFill/>
+          <a:ln w="9525">
+            <a:noFill/>
+            <a:headEnd/>
+            <a:tailEnd/>
+          </a:ln>
+        </p:spPr>
+      </p:pic>
+      <p:sp>
+        <p:nvSpPr>
+          <p:cNvPr id="5" name="TextBox 3"/>
+          <p:cNvSpPr txBox="1"/>
+          <p:nvPr/>
+        </p:nvSpPr>
+        <p:spPr>
+          <a:xfrm>
+            <a:off x="2928394" y="4594623"/>
+            <a:ext cx="5727539" cy="508000"/>
+          </a:xfrm>
+          <a:prstGeom prst="rect">
+            <a:avLst/>
+          </a:prstGeom>
+          <a:noFill/>
+        </p:spPr>
+        <p:txBody>
+          <a:bodyPr/>
+          <a:lstStyle/>
+          <a:p>
+            <a:pPr marL="0" lvl="0" indent="0" algn="ctr">
+              <a:buNone/>
+            </a:pPr>
+            <a:r>
+              <a:rPr dirty="0"/>
+              <a:t>Poisson distribution for several arrival rates</a:t>
+            </a:r>
+          </a:p>
+        </p:txBody>
+      </p:sp>
     </p:spTree>
   </p:cSld>
   <p:clrMapOvr>
@@ -8532,230 +8121,6 @@
               <a:buNone/>
             </a:pPr>
             <a:r>
-              <a:t>Poisson distribution</a:t>
-            </a:r>
-          </a:p>
-        </p:txBody>
-      </p:sp>
-      <mc:AlternateContent xmlns:mc="http://schemas.openxmlformats.org/markup-compatibility/2006">
-        <mc:Choice xmlns:a14="http://schemas.microsoft.com/office/drawing/2010/main" Requires="a14">
-          <p:sp>
-            <p:nvSpPr>
-              <p:cNvPr id="3" name="Content Placeholder 2"/>
-              <p:cNvSpPr>
-                <a:spLocks noGrp="1"/>
-              </p:cNvSpPr>
-              <p:nvPr>
-                <p:ph idx="1"/>
-              </p:nvPr>
-            </p:nvSpPr>
-            <p:spPr>
-              <a:xfrm>
-                <a:off x="457200" y="1200151"/>
-                <a:ext cx="2374739" cy="3394472"/>
-              </a:xfrm>
-            </p:spPr>
-            <p:txBody>
-              <a:bodyPr/>
-              <a:lstStyle/>
-              <a:p>
-                <a:pPr marL="0" lvl="0" indent="0">
-                  <a:buNone/>
-                </a:pPr>
-                <a:r>
-                  <a:rPr lang="en-US" dirty="0"/>
-                  <a:t>Poisson distribution models the probability, </a:t>
-                </a:r>
-                <a14:m>
-                  <m:oMath xmlns:m="http://schemas.openxmlformats.org/officeDocument/2006/math">
-                    <m:r>
-                      <a:rPr lang="en-US">
-                        <a:latin typeface="Cambria Math" panose="02040503050406030204" pitchFamily="18" charset="0"/>
-                      </a:rPr>
-                      <m:t>𝑃</m:t>
-                    </m:r>
-                    <m:r>
-                      <a:rPr lang="en-US" b="0" i="0" smtClean="0">
-                        <a:latin typeface="Cambria Math" panose="02040503050406030204" pitchFamily="18" charset="0"/>
-                      </a:rPr>
-                      <m:t>(</m:t>
-                    </m:r>
-                    <m:r>
-                      <m:rPr>
-                        <m:sty m:val="p"/>
-                      </m:rPr>
-                      <a:rPr lang="en-US" b="0" i="0" smtClean="0">
-                        <a:latin typeface="Cambria Math" panose="02040503050406030204" pitchFamily="18" charset="0"/>
-                      </a:rPr>
-                      <m:t>x</m:t>
-                    </m:r>
-                    <m:r>
-                      <a:rPr lang="en-US" b="0" i="0" smtClean="0">
-                        <a:latin typeface="Cambria Math" panose="02040503050406030204" pitchFamily="18" charset="0"/>
-                      </a:rPr>
-                      <m:t>)</m:t>
-                    </m:r>
-                  </m:oMath>
-                </a14:m>
-                <a:r>
-                  <a:rPr lang="en-US" dirty="0"/>
-                  <a:t>, of x </a:t>
-                </a:r>
-                <a:r>
-                  <a:rPr lang="en-US" b="1" dirty="0"/>
-                  <a:t>arrivals</a:t>
-                </a:r>
-                <a:r>
-                  <a:rPr lang="en-US" dirty="0"/>
-                  <a:t> within the time period</a:t>
-                </a:r>
-                <a:endParaRPr dirty="0"/>
-              </a:p>
-            </p:txBody>
-          </p:sp>
-        </mc:Choice>
-        <mc:Fallback>
-          <p:sp>
-            <p:nvSpPr>
-              <p:cNvPr id="3" name="Content Placeholder 2"/>
-              <p:cNvSpPr>
-                <a:spLocks noGrp="1" noRot="1" noChangeAspect="1" noMove="1" noResize="1" noEditPoints="1" noAdjustHandles="1" noChangeArrowheads="1" noChangeShapeType="1" noTextEdit="1"/>
-              </p:cNvSpPr>
-              <p:nvPr>
-                <p:ph idx="1"/>
-              </p:nvPr>
-            </p:nvSpPr>
-            <p:spPr>
-              <a:xfrm>
-                <a:off x="457200" y="1200151"/>
-                <a:ext cx="2374739" cy="3394472"/>
-              </a:xfrm>
-              <a:blipFill>
-                <a:blip r:embed="rId2"/>
-                <a:stretch>
-                  <a:fillRect l="-3846" t="-1436" r="-4103"/>
-                </a:stretch>
-              </a:blipFill>
-            </p:spPr>
-            <p:txBody>
-              <a:bodyPr/>
-              <a:lstStyle/>
-              <a:p>
-                <a:r>
-                  <a:rPr lang="en-US">
-                    <a:noFill/>
-                  </a:rPr>
-                  <a:t> </a:t>
-                </a:r>
-              </a:p>
-            </p:txBody>
-          </p:sp>
-        </mc:Fallback>
-      </mc:AlternateContent>
-      <p:pic>
-        <p:nvPicPr>
-          <p:cNvPr id="4" name="Picture 1" descr="../images/PoissonExample.PNG"/>
-          <p:cNvPicPr>
-            <a:picLocks noGrp="1" noChangeAspect="1"/>
-          </p:cNvPicPr>
-          <p:nvPr/>
-        </p:nvPicPr>
-        <p:blipFill>
-          <a:blip r:embed="rId3"/>
-          <a:stretch>
-            <a:fillRect/>
-          </a:stretch>
-        </p:blipFill>
-        <p:spPr bwMode="auto">
-          <a:xfrm>
-            <a:off x="2862804" y="1020666"/>
-            <a:ext cx="5914663" cy="3580343"/>
-          </a:xfrm>
-          <a:prstGeom prst="rect">
-            <a:avLst/>
-          </a:prstGeom>
-          <a:noFill/>
-          <a:ln w="9525">
-            <a:noFill/>
-            <a:headEnd/>
-            <a:tailEnd/>
-          </a:ln>
-        </p:spPr>
-      </p:pic>
-      <p:sp>
-        <p:nvSpPr>
-          <p:cNvPr id="5" name="TextBox 3"/>
-          <p:cNvSpPr txBox="1"/>
-          <p:nvPr/>
-        </p:nvSpPr>
-        <p:spPr>
-          <a:xfrm>
-            <a:off x="2928394" y="4594623"/>
-            <a:ext cx="5727539" cy="508000"/>
-          </a:xfrm>
-          <a:prstGeom prst="rect">
-            <a:avLst/>
-          </a:prstGeom>
-          <a:noFill/>
-        </p:spPr>
-        <p:txBody>
-          <a:bodyPr/>
-          <a:lstStyle/>
-          <a:p>
-            <a:pPr marL="0" lvl="0" indent="0" algn="ctr">
-              <a:buNone/>
-            </a:pPr>
-            <a:r>
-              <a:rPr dirty="0"/>
-              <a:t>Poisson distribution for several arrival rates</a:t>
-            </a:r>
-          </a:p>
-        </p:txBody>
-      </p:sp>
-    </p:spTree>
-  </p:cSld>
-  <p:clrMapOvr>
-    <a:masterClrMapping/>
-  </p:clrMapOvr>
-</p:sld>
-</file>
-
-<file path=ppt/slides/slide21.xml><?xml version="1.0" encoding="utf-8"?>
-<p:sld xmlns:a="http://schemas.openxmlformats.org/drawingml/2006/main" xmlns:r="http://schemas.openxmlformats.org/officeDocument/2006/relationships" xmlns:p="http://schemas.openxmlformats.org/presentationml/2006/main">
-  <p:cSld>
-    <p:spTree>
-      <p:nvGrpSpPr>
-        <p:cNvPr id="1" name=""/>
-        <p:cNvGrpSpPr/>
-        <p:nvPr/>
-      </p:nvGrpSpPr>
-      <p:grpSpPr>
-        <a:xfrm>
-          <a:off x="0" y="0"/>
-          <a:ext cx="0" cy="0"/>
-          <a:chOff x="0" y="0"/>
-          <a:chExt cx="0" cy="0"/>
-        </a:xfrm>
-      </p:grpSpPr>
-      <p:sp>
-        <p:nvSpPr>
-          <p:cNvPr id="2" name="Title 1"/>
-          <p:cNvSpPr>
-            <a:spLocks noGrp="1"/>
-          </p:cNvSpPr>
-          <p:nvPr>
-            <p:ph type="title"/>
-          </p:nvPr>
-        </p:nvSpPr>
-        <p:spPr/>
-        <p:txBody>
-          <a:bodyPr/>
-          <a:lstStyle/>
-          <a:p>
-            <a:pPr marL="0" lvl="0" indent="0">
-              <a:buNone/>
-            </a:pPr>
-            <a:r>
               <a:t>Uniform distribution</a:t>
             </a:r>
           </a:p>
@@ -8843,12 +8208,9 @@
                 </a:r>
               </a:p>
               <a:p>
-                <a:pPr marL="0" lvl="0" indent="0">
-                  <a:buNone/>
-                </a:pPr>
                 <a:r>
                   <a:rPr lang="en-US" dirty="0"/>
-                  <a:t>Write the probability of the Uniform distribution as:</a:t>
+                  <a:t>Write the probability density of the Uniform distribution as:</a:t>
                 </a:r>
               </a:p>
               <a:p>
@@ -9072,9 +8434,6 @@
                 <a:endParaRPr lang="ar-AE" dirty="0"/>
               </a:p>
               <a:p>
-                <a:pPr marL="0" lvl="0" indent="0">
-                  <a:buNone/>
-                </a:pPr>
                 <a:r>
                   <a:rPr lang="en-US" dirty="0"/>
                   <a:t>Uniform distribution has the following properties:</a:t>
@@ -9298,7 +8657,7 @@
 </p:sld>
 </file>
 
-<file path=ppt/slides/slide22.xml><?xml version="1.0" encoding="utf-8"?>
+<file path=ppt/slides/slide21.xml><?xml version="1.0" encoding="utf-8"?>
 <p:sld xmlns:a="http://schemas.openxmlformats.org/drawingml/2006/main" xmlns:r="http://schemas.openxmlformats.org/officeDocument/2006/relationships" xmlns:p="http://schemas.openxmlformats.org/presentationml/2006/main">
   <p:cSld>
     <p:spTree>
@@ -9339,8 +8698,8 @@
           </a:p>
         </p:txBody>
       </p:sp>
-      <mc:AlternateContent xmlns:mc="http://schemas.openxmlformats.org/markup-compatibility/2006">
-        <mc:Choice xmlns:a14="http://schemas.microsoft.com/office/drawing/2010/main" Requires="a14">
+      <mc:AlternateContent xmlns:mc="http://schemas.openxmlformats.org/markup-compatibility/2006" xmlns:a14="http://schemas.microsoft.com/office/drawing/2010/main">
+        <mc:Choice Requires="a14">
           <p:sp>
             <p:nvSpPr>
               <p:cNvPr id="3" name="Content Placeholder 2"/>
@@ -9795,7 +9154,7 @@
             </p:txBody>
           </p:sp>
         </mc:Choice>
-        <mc:Fallback>
+        <mc:Fallback xmlns="">
           <p:sp>
             <p:nvSpPr>
               <p:cNvPr id="3" name="Content Placeholder 2"/>
@@ -9837,7 +9196,7 @@
 </p:sld>
 </file>
 
-<file path=ppt/slides/slide23.xml><?xml version="1.0" encoding="utf-8"?>
+<file path=ppt/slides/slide22.xml><?xml version="1.0" encoding="utf-8"?>
 <p:sld xmlns:a="http://schemas.openxmlformats.org/drawingml/2006/main" xmlns:r="http://schemas.openxmlformats.org/officeDocument/2006/relationships" xmlns:p="http://schemas.openxmlformats.org/presentationml/2006/main">
   <p:cSld>
     <p:spTree>
@@ -9946,7 +9305,7 @@
 </p:sld>
 </file>
 
-<file path=ppt/slides/slide24.xml><?xml version="1.0" encoding="utf-8"?>
+<file path=ppt/slides/slide23.xml><?xml version="1.0" encoding="utf-8"?>
 <p:sld xmlns:a="http://schemas.openxmlformats.org/drawingml/2006/main" xmlns:r="http://schemas.openxmlformats.org/officeDocument/2006/relationships" xmlns:p="http://schemas.openxmlformats.org/presentationml/2006/main">
   <p:cSld>
     <p:spTree>
@@ -10076,7 +9435,17 @@
                                 </a:rPr>
                               </m:ctrlPr>
                             </m:radPr>
-                            <m:deg/>
+                            <m:deg>
+                              <m:r>
+                                <m:rPr>
+                                  <m:brk m:alnAt="7"/>
+                                </m:rPr>
+                                <a:rPr lang="en-US" b="0" i="1" smtClean="0">
+                                  <a:latin typeface="Cambria Math" panose="02040503050406030204" pitchFamily="18" charset="0"/>
+                                </a:rPr>
+                                <m:t> </m:t>
+                              </m:r>
+                            </m:deg>
                             <m:e>
                               <m:r>
                                 <a:rPr lang="ar-AE">
@@ -10476,7 +9845,7 @@
 </p:sld>
 </file>
 
-<file path=ppt/slides/slide25.xml><?xml version="1.0" encoding="utf-8"?>
+<file path=ppt/slides/slide24.xml><?xml version="1.0" encoding="utf-8"?>
 <p:sld xmlns:a="http://schemas.openxmlformats.org/drawingml/2006/main" xmlns:r="http://schemas.openxmlformats.org/officeDocument/2006/relationships" xmlns:p="http://schemas.openxmlformats.org/presentationml/2006/main">
   <p:cSld>
     <p:spTree>
@@ -10593,7 +9962,7 @@
 </p:sld>
 </file>
 
-<file path=ppt/slides/slide26.xml><?xml version="1.0" encoding="utf-8"?>
+<file path=ppt/slides/slide25.xml><?xml version="1.0" encoding="utf-8"?>
 <p:sld xmlns:a="http://schemas.openxmlformats.org/drawingml/2006/main" xmlns:r="http://schemas.openxmlformats.org/officeDocument/2006/relationships" xmlns:p="http://schemas.openxmlformats.org/presentationml/2006/main">
   <p:cSld>
     <p:spTree>
@@ -10685,7 +10054,7 @@
                     <m:sSup>
                       <m:sSupPr>
                         <m:ctrlPr>
-                          <a:rPr lang="ar-AE">
+                          <a:rPr lang="ar-AE" i="1">
                             <a:latin typeface="Cambria Math" panose="02040503050406030204" pitchFamily="18" charset="0"/>
                           </a:rPr>
                         </m:ctrlPr>
@@ -10755,7 +10124,7 @@
                       <m:accPr>
                         <m:chr m:val="⃗"/>
                         <m:ctrlPr>
-                          <a:rPr lang="ar-AE">
+                          <a:rPr lang="ar-AE" i="1">
                             <a:latin typeface="Cambria Math" panose="02040503050406030204" pitchFamily="18" charset="0"/>
                           </a:rPr>
                         </m:ctrlPr>
@@ -10841,7 +10210,7 @@
                     <m:sSup>
                       <m:sSupPr>
                         <m:ctrlPr>
-                          <a:rPr lang="ar-AE">
+                          <a:rPr lang="ar-AE" i="1">
                             <a:latin typeface="Cambria Math" panose="02040503050406030204" pitchFamily="18" charset="0"/>
                           </a:rPr>
                         </m:ctrlPr>
@@ -11132,12 +10501,41 @@
                               </m:r>
                             </m:sup>
                           </m:sSup>
-                          <m:r>
-                            <a:rPr lang="ar-AE">
-                              <a:latin typeface="Cambria Math" panose="02040503050406030204" pitchFamily="18" charset="0"/>
-                            </a:rPr>
-                            <m:t>𝚺</m:t>
-                          </m:r>
+                          <m:sSup>
+                            <m:sSupPr>
+                              <m:ctrlPr>
+                                <a:rPr lang="ar-AE" i="1" smtClean="0">
+                                  <a:latin typeface="Cambria Math" panose="02040503050406030204" pitchFamily="18" charset="0"/>
+                                </a:rPr>
+                              </m:ctrlPr>
+                            </m:sSupPr>
+                            <m:e>
+                              <m:r>
+                                <m:rPr>
+                                  <m:sty m:val="p"/>
+                                </m:rPr>
+                                <a:rPr lang="el-GR" i="1" smtClean="0">
+                                  <a:latin typeface="Cambria Math" panose="02040503050406030204" pitchFamily="18" charset="0"/>
+                                  <a:ea typeface="Cambria Math" panose="02040503050406030204" pitchFamily="18" charset="0"/>
+                                </a:rPr>
+                                <m:t>Σ</m:t>
+                              </m:r>
+                            </m:e>
+                            <m:sup>
+                              <m:r>
+                                <a:rPr lang="en-US" b="0" i="1" smtClean="0">
+                                  <a:latin typeface="Cambria Math" panose="02040503050406030204" pitchFamily="18" charset="0"/>
+                                </a:rPr>
+                                <m:t>−</m:t>
+                              </m:r>
+                              <m:r>
+                                <a:rPr lang="en-US" b="0" i="1" smtClean="0">
+                                  <a:latin typeface="Cambria Math" panose="02040503050406030204" pitchFamily="18" charset="0"/>
+                                </a:rPr>
+                                <m:t>1</m:t>
+                              </m:r>
+                            </m:sup>
+                          </m:sSup>
                           <m:d>
                             <m:dPr>
                               <m:ctrlPr>
@@ -11207,7 +10605,7 @@
                         <m:begChr m:val="|"/>
                         <m:endChr m:val="|"/>
                         <m:ctrlPr>
-                          <a:rPr lang="ar-AE">
+                          <a:rPr lang="ar-AE" i="1">
                             <a:latin typeface="Cambria Math" panose="02040503050406030204" pitchFamily="18" charset="0"/>
                           </a:rPr>
                         </m:ctrlPr>
@@ -11271,7 +10669,7 @@
                     <m:sSub>
                       <m:sSubPr>
                         <m:ctrlPr>
-                          <a:rPr lang="ar-AE">
+                          <a:rPr lang="ar-AE" i="1">
                             <a:latin typeface="Cambria Math" panose="02040503050406030204" pitchFamily="18" charset="0"/>
                           </a:rPr>
                         </m:ctrlPr>
@@ -11388,7 +10786,7 @@
 </p:sld>
 </file>
 
-<file path=ppt/slides/slide27.xml><?xml version="1.0" encoding="utf-8"?>
+<file path=ppt/slides/slide26.xml><?xml version="1.0" encoding="utf-8"?>
 <p:sld xmlns:a="http://schemas.openxmlformats.org/drawingml/2006/main" xmlns:r="http://schemas.openxmlformats.org/officeDocument/2006/relationships" xmlns:p="http://schemas.openxmlformats.org/presentationml/2006/main">
   <p:cSld>
     <p:spTree>
@@ -11429,8 +10827,8 @@
           </a:p>
         </p:txBody>
       </p:sp>
-      <mc:AlternateContent xmlns:mc="http://schemas.openxmlformats.org/markup-compatibility/2006">
-        <mc:Choice xmlns:a14="http://schemas.microsoft.com/office/drawing/2010/main" Requires="a14">
+      <mc:AlternateContent xmlns:mc="http://schemas.openxmlformats.org/markup-compatibility/2006" xmlns:a14="http://schemas.microsoft.com/office/drawing/2010/main">
+        <mc:Choice Requires="a14">
           <p:sp>
             <p:nvSpPr>
               <p:cNvPr id="3" name="Content Placeholder 2"/>
@@ -11941,7 +11339,7 @@
                     <m:sSub>
                       <m:sSubPr>
                         <m:ctrlPr>
-                          <a:rPr lang="ar-AE">
+                          <a:rPr lang="ar-AE" i="1">
                             <a:latin typeface="Cambria Math" panose="02040503050406030204" pitchFamily="18" charset="0"/>
                           </a:rPr>
                         </m:ctrlPr>
@@ -12836,7 +12234,7 @@
                       <m:accPr>
                         <m:chr m:val="‾"/>
                         <m:ctrlPr>
-                          <a:rPr lang="ar-AE">
+                          <a:rPr lang="ar-AE" i="1">
                             <a:latin typeface="Cambria Math" panose="02040503050406030204" pitchFamily="18" charset="0"/>
                           </a:rPr>
                         </m:ctrlPr>
@@ -12845,7 +12243,7 @@
                         <m:sSub>
                           <m:sSubPr>
                             <m:ctrlPr>
-                              <a:rPr lang="ar-AE">
+                              <a:rPr lang="ar-AE" i="1">
                                 <a:latin typeface="Cambria Math" panose="02040503050406030204" pitchFamily="18" charset="0"/>
                               </a:rPr>
                             </m:ctrlPr>
@@ -12885,7 +12283,7 @@
                       <m:accPr>
                         <m:chr m:val="⃗"/>
                         <m:ctrlPr>
-                          <a:rPr lang="ar-AE">
+                          <a:rPr lang="ar-AE" i="1">
                             <a:latin typeface="Cambria Math" panose="02040503050406030204" pitchFamily="18" charset="0"/>
                           </a:rPr>
                         </m:ctrlPr>
@@ -12894,7 +12292,7 @@
                         <m:sSub>
                           <m:sSubPr>
                             <m:ctrlPr>
-                              <a:rPr lang="ar-AE">
+                              <a:rPr lang="ar-AE" i="1">
                                 <a:latin typeface="Cambria Math" panose="02040503050406030204" pitchFamily="18" charset="0"/>
                               </a:rPr>
                             </m:ctrlPr>
@@ -12929,7 +12327,7 @@
             </p:txBody>
           </p:sp>
         </mc:Choice>
-        <mc:Fallback>
+        <mc:Fallback xmlns="">
           <p:sp>
             <p:nvSpPr>
               <p:cNvPr id="3" name="Content Placeholder 2"/>
@@ -12971,7 +12369,7 @@
 </p:sld>
 </file>
 
-<file path=ppt/slides/slide28.xml><?xml version="1.0" encoding="utf-8"?>
+<file path=ppt/slides/slide27.xml><?xml version="1.0" encoding="utf-8"?>
 <p:sld xmlns:a="http://schemas.openxmlformats.org/drawingml/2006/main" xmlns:r="http://schemas.openxmlformats.org/officeDocument/2006/relationships" xmlns:p="http://schemas.openxmlformats.org/presentationml/2006/main">
   <p:cSld>
     <p:spTree>
@@ -13020,8 +12418,8 @@
           </a:p>
         </p:txBody>
       </p:sp>
-      <mc:AlternateContent xmlns:mc="http://schemas.openxmlformats.org/markup-compatibility/2006">
-        <mc:Choice xmlns:a14="http://schemas.microsoft.com/office/drawing/2010/main" Requires="a14">
+      <mc:AlternateContent xmlns:mc="http://schemas.openxmlformats.org/markup-compatibility/2006" xmlns:a14="http://schemas.microsoft.com/office/drawing/2010/main">
+        <mc:Choice Requires="a14">
           <p:sp>
             <p:nvSpPr>
               <p:cNvPr id="4" name="Text Placeholder 3"/>
@@ -13254,7 +12652,7 @@
             </p:txBody>
           </p:sp>
         </mc:Choice>
-        <mc:Fallback>
+        <mc:Fallback xmlns="">
           <p:sp>
             <p:nvSpPr>
               <p:cNvPr id="4" name="Text Placeholder 3"/>
@@ -13330,7 +12728,7 @@
 </p:sld>
 </file>
 
-<file path=ppt/slides/slide29.xml><?xml version="1.0" encoding="utf-8"?>
+<file path=ppt/slides/slide28.xml><?xml version="1.0" encoding="utf-8"?>
 <p:sld xmlns:a="http://schemas.openxmlformats.org/drawingml/2006/main" xmlns:r="http://schemas.openxmlformats.org/officeDocument/2006/relationships" xmlns:p="http://schemas.openxmlformats.org/presentationml/2006/main">
   <p:cSld>
     <p:spTree>
@@ -13409,8 +12807,8 @@
           </a:ln>
         </p:spPr>
       </p:pic>
-      <mc:AlternateContent xmlns:mc="http://schemas.openxmlformats.org/markup-compatibility/2006">
-        <mc:Choice xmlns:a14="http://schemas.microsoft.com/office/drawing/2010/main" Requires="a14">
+      <mc:AlternateContent xmlns:mc="http://schemas.openxmlformats.org/markup-compatibility/2006" xmlns:a14="http://schemas.microsoft.com/office/drawing/2010/main">
+        <mc:Choice Requires="a14">
           <p:sp>
             <p:nvSpPr>
               <p:cNvPr id="5" name="Text Placeholder 3">
@@ -13582,6 +12980,7 @@
                 </a:r>
               </a:p>
               <a:p>
+                <a:pPr/>
                 <a14:m>
                   <m:oMathPara xmlns:m="http://schemas.openxmlformats.org/officeDocument/2006/math">
                     <m:oMathParaPr>
@@ -13639,6 +13038,7 @@
                 </a:endParaRPr>
               </a:p>
               <a:p>
+                <a:pPr/>
                 <a14:m>
                   <m:oMathPara xmlns:m="http://schemas.openxmlformats.org/officeDocument/2006/math">
                     <m:oMathParaPr>
@@ -13779,7 +13179,7 @@
             </p:txBody>
           </p:sp>
         </mc:Choice>
-        <mc:Fallback>
+        <mc:Fallback xmlns="">
           <p:sp>
             <p:nvSpPr>
               <p:cNvPr id="5" name="Text Placeholder 3">
@@ -13830,6 +13230,535 @@
             <a:extLst>
               <a:ext uri="{FF2B5EF4-FFF2-40B4-BE49-F238E27FC236}">
                 <a16:creationId xmlns:a16="http://schemas.microsoft.com/office/drawing/2014/main" id="{DC9657E6-9B31-3D74-E743-7A75D109D63A}"/>
+              </a:ext>
+            </a:extLst>
+          </p:cNvPr>
+          <p:cNvSpPr>
+            <a:spLocks noGrp="1"/>
+          </p:cNvSpPr>
+          <p:nvPr>
+            <p:ph type="body" sz="half" idx="2"/>
+          </p:nvPr>
+        </p:nvSpPr>
+        <p:spPr/>
+        <p:txBody>
+          <a:bodyPr/>
+          <a:lstStyle/>
+          <a:p>
+            <a:endParaRPr lang="en-US"/>
+          </a:p>
+        </p:txBody>
+      </p:sp>
+    </p:spTree>
+  </p:cSld>
+  <p:clrMapOvr>
+    <a:masterClrMapping/>
+  </p:clrMapOvr>
+</p:sld>
+</file>
+
+<file path=ppt/slides/slide29.xml><?xml version="1.0" encoding="utf-8"?>
+<p:sld xmlns:a="http://schemas.openxmlformats.org/drawingml/2006/main" xmlns:r="http://schemas.openxmlformats.org/officeDocument/2006/relationships" xmlns:p="http://schemas.openxmlformats.org/presentationml/2006/main">
+  <p:cSld>
+    <p:spTree>
+      <p:nvGrpSpPr>
+        <p:cNvPr id="1" name=""/>
+        <p:cNvGrpSpPr/>
+        <p:nvPr/>
+      </p:nvGrpSpPr>
+      <p:grpSpPr>
+        <a:xfrm>
+          <a:off x="0" y="0"/>
+          <a:ext cx="0" cy="0"/>
+          <a:chOff x="0" y="0"/>
+          <a:chExt cx="0" cy="0"/>
+        </a:xfrm>
+      </p:grpSpPr>
+      <p:sp>
+        <p:nvSpPr>
+          <p:cNvPr id="2" name="Title 1"/>
+          <p:cNvSpPr>
+            <a:spLocks noGrp="1"/>
+          </p:cNvSpPr>
+          <p:nvPr>
+            <p:ph type="title"/>
+          </p:nvPr>
+        </p:nvSpPr>
+        <p:spPr>
+          <a:xfrm>
+            <a:off x="457201" y="204787"/>
+            <a:ext cx="3821574" cy="871538"/>
+          </a:xfrm>
+        </p:spPr>
+        <p:txBody>
+          <a:bodyPr>
+            <a:normAutofit/>
+          </a:bodyPr>
+          <a:lstStyle/>
+          <a:p>
+            <a:pPr marL="0" lvl="0" indent="0">
+              <a:buNone/>
+            </a:pPr>
+            <a:r>
+              <a:rPr sz="2800" dirty="0"/>
+              <a:t>Multivariate Normal</a:t>
+            </a:r>
+          </a:p>
+        </p:txBody>
+      </p:sp>
+      <p:pic>
+        <p:nvPicPr>
+          <p:cNvPr id="3" name="Picture 1" descr="03a_ReviewOfProbability_files/figure-pptx/unnamed-chunk-4-5.png"/>
+          <p:cNvPicPr>
+            <a:picLocks noGrp="1" noChangeAspect="1"/>
+          </p:cNvPicPr>
+          <p:nvPr/>
+        </p:nvPicPr>
+        <p:blipFill>
+          <a:blip r:embed="rId2"/>
+          <a:stretch>
+            <a:fillRect/>
+          </a:stretch>
+        </p:blipFill>
+        <p:spPr bwMode="auto">
+          <a:xfrm>
+            <a:off x="3936999" y="59479"/>
+            <a:ext cx="5037239" cy="5037239"/>
+          </a:xfrm>
+          <a:prstGeom prst="rect">
+            <a:avLst/>
+          </a:prstGeom>
+          <a:noFill/>
+          <a:ln w="9525">
+            <a:noFill/>
+            <a:headEnd/>
+            <a:tailEnd/>
+          </a:ln>
+        </p:spPr>
+      </p:pic>
+      <mc:AlternateContent xmlns:mc="http://schemas.openxmlformats.org/markup-compatibility/2006" xmlns:a14="http://schemas.microsoft.com/office/drawing/2010/main">
+        <mc:Choice Requires="a14">
+          <p:sp>
+            <p:nvSpPr>
+              <p:cNvPr id="5" name="Text Placeholder 3">
+                <a:extLst>
+                  <a:ext uri="{FF2B5EF4-FFF2-40B4-BE49-F238E27FC236}">
+                    <a16:creationId xmlns:a16="http://schemas.microsoft.com/office/drawing/2014/main" id="{3E4652D9-335D-5F42-E8F5-DC3A51D58250}"/>
+                  </a:ext>
+                </a:extLst>
+              </p:cNvPr>
+              <p:cNvSpPr txBox="1">
+                <a:spLocks/>
+              </p:cNvSpPr>
+              <p:nvPr/>
+            </p:nvSpPr>
+            <p:spPr>
+              <a:xfrm>
+                <a:off x="457201" y="1659039"/>
+                <a:ext cx="3543781" cy="1589590"/>
+              </a:xfrm>
+              <a:prstGeom prst="rect">
+                <a:avLst/>
+              </a:prstGeom>
+            </p:spPr>
+            <p:txBody>
+              <a:bodyPr vert="horz" lIns="91440" tIns="45720" rIns="91440" bIns="45720" rtlCol="0">
+                <a:normAutofit/>
+              </a:bodyPr>
+              <a:lstStyle>
+                <a:lvl1pPr marL="0" indent="0" algn="l" defTabSz="342900" rtl="0" eaLnBrk="1" latinLnBrk="0" hangingPunct="1">
+                  <a:spcBef>
+                    <a:spcPct val="20000"/>
+                  </a:spcBef>
+                  <a:buFont typeface="Arial"/>
+                  <a:buNone/>
+                  <a:defRPr sz="1050" kern="1200">
+                    <a:solidFill>
+                      <a:schemeClr val="tx1"/>
+                    </a:solidFill>
+                    <a:latin typeface="+mn-lt"/>
+                    <a:ea typeface="+mn-ea"/>
+                    <a:cs typeface="+mn-cs"/>
+                  </a:defRPr>
+                </a:lvl1pPr>
+                <a:lvl2pPr marL="342900" indent="0" algn="l" defTabSz="342900" rtl="0" eaLnBrk="1" latinLnBrk="0" hangingPunct="1">
+                  <a:spcBef>
+                    <a:spcPct val="20000"/>
+                  </a:spcBef>
+                  <a:buFont typeface="Arial"/>
+                  <a:buNone/>
+                  <a:defRPr sz="900" kern="1200">
+                    <a:solidFill>
+                      <a:schemeClr val="tx1"/>
+                    </a:solidFill>
+                    <a:latin typeface="+mn-lt"/>
+                    <a:ea typeface="+mn-ea"/>
+                    <a:cs typeface="+mn-cs"/>
+                  </a:defRPr>
+                </a:lvl2pPr>
+                <a:lvl3pPr marL="685800" indent="0" algn="l" defTabSz="342900" rtl="0" eaLnBrk="1" latinLnBrk="0" hangingPunct="1">
+                  <a:spcBef>
+                    <a:spcPct val="20000"/>
+                  </a:spcBef>
+                  <a:buFont typeface="Arial"/>
+                  <a:buNone/>
+                  <a:defRPr sz="750" kern="1200">
+                    <a:solidFill>
+                      <a:schemeClr val="tx1"/>
+                    </a:solidFill>
+                    <a:latin typeface="+mn-lt"/>
+                    <a:ea typeface="+mn-ea"/>
+                    <a:cs typeface="+mn-cs"/>
+                  </a:defRPr>
+                </a:lvl3pPr>
+                <a:lvl4pPr marL="1028700" indent="0" algn="l" defTabSz="342900" rtl="0" eaLnBrk="1" latinLnBrk="0" hangingPunct="1">
+                  <a:spcBef>
+                    <a:spcPct val="20000"/>
+                  </a:spcBef>
+                  <a:buFont typeface="Arial"/>
+                  <a:buNone/>
+                  <a:defRPr sz="675" kern="1200">
+                    <a:solidFill>
+                      <a:schemeClr val="tx1"/>
+                    </a:solidFill>
+                    <a:latin typeface="+mn-lt"/>
+                    <a:ea typeface="+mn-ea"/>
+                    <a:cs typeface="+mn-cs"/>
+                  </a:defRPr>
+                </a:lvl4pPr>
+                <a:lvl5pPr marL="1371600" indent="0" algn="l" defTabSz="342900" rtl="0" eaLnBrk="1" latinLnBrk="0" hangingPunct="1">
+                  <a:spcBef>
+                    <a:spcPct val="20000"/>
+                  </a:spcBef>
+                  <a:buFont typeface="Arial"/>
+                  <a:buNone/>
+                  <a:defRPr sz="675" kern="1200">
+                    <a:solidFill>
+                      <a:schemeClr val="tx1"/>
+                    </a:solidFill>
+                    <a:latin typeface="+mn-lt"/>
+                    <a:ea typeface="+mn-ea"/>
+                    <a:cs typeface="+mn-cs"/>
+                  </a:defRPr>
+                </a:lvl5pPr>
+                <a:lvl6pPr marL="1714500" indent="0" algn="l" defTabSz="342900" rtl="0" eaLnBrk="1" latinLnBrk="0" hangingPunct="1">
+                  <a:spcBef>
+                    <a:spcPct val="20000"/>
+                  </a:spcBef>
+                  <a:buFont typeface="Arial"/>
+                  <a:buNone/>
+                  <a:defRPr sz="675" kern="1200">
+                    <a:solidFill>
+                      <a:schemeClr val="tx1"/>
+                    </a:solidFill>
+                    <a:latin typeface="+mn-lt"/>
+                    <a:ea typeface="+mn-ea"/>
+                    <a:cs typeface="+mn-cs"/>
+                  </a:defRPr>
+                </a:lvl6pPr>
+                <a:lvl7pPr marL="2057400" indent="0" algn="l" defTabSz="342900" rtl="0" eaLnBrk="1" latinLnBrk="0" hangingPunct="1">
+                  <a:spcBef>
+                    <a:spcPct val="20000"/>
+                  </a:spcBef>
+                  <a:buFont typeface="Arial"/>
+                  <a:buNone/>
+                  <a:defRPr sz="675" kern="1200">
+                    <a:solidFill>
+                      <a:schemeClr val="tx1"/>
+                    </a:solidFill>
+                    <a:latin typeface="+mn-lt"/>
+                    <a:ea typeface="+mn-ea"/>
+                    <a:cs typeface="+mn-cs"/>
+                  </a:defRPr>
+                </a:lvl7pPr>
+                <a:lvl8pPr marL="2400300" indent="0" algn="l" defTabSz="342900" rtl="0" eaLnBrk="1" latinLnBrk="0" hangingPunct="1">
+                  <a:spcBef>
+                    <a:spcPct val="20000"/>
+                  </a:spcBef>
+                  <a:buFont typeface="Arial"/>
+                  <a:buNone/>
+                  <a:defRPr sz="675" kern="1200">
+                    <a:solidFill>
+                      <a:schemeClr val="tx1"/>
+                    </a:solidFill>
+                    <a:latin typeface="+mn-lt"/>
+                    <a:ea typeface="+mn-ea"/>
+                    <a:cs typeface="+mn-cs"/>
+                  </a:defRPr>
+                </a:lvl8pPr>
+                <a:lvl9pPr marL="2743200" indent="0" algn="l" defTabSz="342900" rtl="0" eaLnBrk="1" latinLnBrk="0" hangingPunct="1">
+                  <a:spcBef>
+                    <a:spcPct val="20000"/>
+                  </a:spcBef>
+                  <a:buFont typeface="Arial"/>
+                  <a:buNone/>
+                  <a:defRPr sz="675" kern="1200">
+                    <a:solidFill>
+                      <a:schemeClr val="tx1"/>
+                    </a:solidFill>
+                    <a:latin typeface="+mn-lt"/>
+                    <a:ea typeface="+mn-ea"/>
+                    <a:cs typeface="+mn-cs"/>
+                  </a:defRPr>
+                </a:lvl9pPr>
+              </a:lstStyle>
+              <a:p>
+                <a:r>
+                  <a:rPr lang="en-US" sz="2000" dirty="0"/>
+                  <a:t>2-dimensional Normal:</a:t>
+                </a:r>
+              </a:p>
+              <a:p>
+                <a:pPr/>
+                <a14:m>
+                  <m:oMathPara xmlns:m="http://schemas.openxmlformats.org/officeDocument/2006/math">
+                    <m:oMathParaPr>
+                      <m:jc m:val="centerGroup"/>
+                    </m:oMathParaPr>
+                    <m:oMath xmlns:m="http://schemas.openxmlformats.org/officeDocument/2006/math">
+                      <m:r>
+                        <a:rPr lang="en-US" sz="2000">
+                          <a:latin typeface="Cambria Math" panose="02040503050406030204" pitchFamily="18" charset="0"/>
+                        </a:rPr>
+                        <m:t>𝜇</m:t>
+                      </m:r>
+                      <m:r>
+                        <a:rPr lang="en-US" sz="2000">
+                          <a:latin typeface="Cambria Math" panose="02040503050406030204" pitchFamily="18" charset="0"/>
+                        </a:rPr>
+                        <m:t>=</m:t>
+                      </m:r>
+                      <m:d>
+                        <m:dPr>
+                          <m:begChr m:val="["/>
+                          <m:endChr m:val="]"/>
+                          <m:ctrlPr>
+                            <a:rPr lang="ar-AE" sz="2000" i="1">
+                              <a:latin typeface="Cambria Math" panose="02040503050406030204" pitchFamily="18" charset="0"/>
+                            </a:rPr>
+                          </m:ctrlPr>
+                        </m:dPr>
+                        <m:e>
+                          <m:r>
+                            <a:rPr lang="ar-AE" sz="2000">
+                              <a:latin typeface="Cambria Math" panose="02040503050406030204" pitchFamily="18" charset="0"/>
+                            </a:rPr>
+                            <m:t>0</m:t>
+                          </m:r>
+                          <m:r>
+                            <a:rPr lang="ar-AE" sz="2000">
+                              <a:latin typeface="Cambria Math" panose="02040503050406030204" pitchFamily="18" charset="0"/>
+                            </a:rPr>
+                            <m:t>,</m:t>
+                          </m:r>
+                          <m:r>
+                            <a:rPr lang="ar-AE" sz="2000">
+                              <a:latin typeface="Cambria Math" panose="02040503050406030204" pitchFamily="18" charset="0"/>
+                            </a:rPr>
+                            <m:t>0</m:t>
+                          </m:r>
+                        </m:e>
+                      </m:d>
+                    </m:oMath>
+                  </m:oMathPara>
+                </a14:m>
+                <a:endParaRPr lang="ar-AE" sz="2000" i="1" dirty="0">
+                  <a:latin typeface="Cambria Math" panose="02040503050406030204" pitchFamily="18" charset="0"/>
+                </a:endParaRPr>
+              </a:p>
+              <a:p>
+                <a:pPr/>
+                <a14:m>
+                  <m:oMathPara xmlns:m="http://schemas.openxmlformats.org/officeDocument/2006/math">
+                    <m:oMathParaPr>
+                      <m:jc m:val="centerGroup"/>
+                    </m:oMathParaPr>
+                    <m:oMath xmlns:m="http://schemas.openxmlformats.org/officeDocument/2006/math">
+                      <m:r>
+                        <a:rPr lang="ar-AE" sz="2000">
+                          <a:latin typeface="Cambria Math" panose="02040503050406030204" pitchFamily="18" charset="0"/>
+                        </a:rPr>
+                        <m:t>𝚺</m:t>
+                      </m:r>
+                      <m:r>
+                        <a:rPr lang="ar-AE" sz="2000">
+                          <a:latin typeface="Cambria Math" panose="02040503050406030204" pitchFamily="18" charset="0"/>
+                        </a:rPr>
+                        <m:t>=</m:t>
+                      </m:r>
+                      <m:d>
+                        <m:dPr>
+                          <m:begChr m:val="["/>
+                          <m:endChr m:val="]"/>
+                          <m:ctrlPr>
+                            <a:rPr lang="ar-AE" sz="2000" i="1">
+                              <a:latin typeface="Cambria Math" panose="02040503050406030204" pitchFamily="18" charset="0"/>
+                            </a:rPr>
+                          </m:ctrlPr>
+                        </m:dPr>
+                        <m:e>
+                          <m:m>
+                            <m:mPr>
+                              <m:mcs>
+                                <m:mc>
+                                  <m:mcPr>
+                                    <m:count m:val="2"/>
+                                    <m:mcJc m:val="center"/>
+                                  </m:mcPr>
+                                </m:mc>
+                              </m:mcs>
+                              <m:ctrlPr>
+                                <a:rPr lang="ar-AE" sz="2000" i="1">
+                                  <a:latin typeface="Cambria Math" panose="02040503050406030204" pitchFamily="18" charset="0"/>
+                                </a:rPr>
+                              </m:ctrlPr>
+                            </m:mPr>
+                            <m:mr>
+                              <m:e>
+                                <m:r>
+                                  <a:rPr lang="ar-AE" sz="2000">
+                                    <a:latin typeface="Cambria Math" panose="02040503050406030204" pitchFamily="18" charset="0"/>
+                                  </a:rPr>
+                                  <m:t>1</m:t>
+                                </m:r>
+                                <m:r>
+                                  <a:rPr lang="ar-AE" sz="2000">
+                                    <a:latin typeface="Cambria Math" panose="02040503050406030204" pitchFamily="18" charset="0"/>
+                                  </a:rPr>
+                                  <m:t>.</m:t>
+                                </m:r>
+                                <m:r>
+                                  <a:rPr lang="ar-AE" sz="2000">
+                                    <a:latin typeface="Cambria Math" panose="02040503050406030204" pitchFamily="18" charset="0"/>
+                                  </a:rPr>
+                                  <m:t>0</m:t>
+                                </m:r>
+                              </m:e>
+                              <m:e>
+                                <m:r>
+                                  <a:rPr lang="ar-AE" sz="2000">
+                                    <a:latin typeface="Cambria Math" panose="02040503050406030204" pitchFamily="18" charset="0"/>
+                                  </a:rPr>
+                                  <m:t>0</m:t>
+                                </m:r>
+                                <m:r>
+                                  <a:rPr lang="ar-AE" sz="2000">
+                                    <a:latin typeface="Cambria Math" panose="02040503050406030204" pitchFamily="18" charset="0"/>
+                                  </a:rPr>
+                                  <m:t>.</m:t>
+                                </m:r>
+                                <m:r>
+                                  <a:rPr lang="en-US" sz="2000" b="0" i="1" smtClean="0">
+                                    <a:latin typeface="Cambria Math" panose="02040503050406030204" pitchFamily="18" charset="0"/>
+                                  </a:rPr>
+                                  <m:t>5</m:t>
+                                </m:r>
+                              </m:e>
+                            </m:mr>
+                            <m:mr>
+                              <m:e>
+                                <m:r>
+                                  <a:rPr lang="ar-AE" sz="2000">
+                                    <a:latin typeface="Cambria Math" panose="02040503050406030204" pitchFamily="18" charset="0"/>
+                                  </a:rPr>
+                                  <m:t>0</m:t>
+                                </m:r>
+                                <m:r>
+                                  <a:rPr lang="ar-AE" sz="2000">
+                                    <a:latin typeface="Cambria Math" panose="02040503050406030204" pitchFamily="18" charset="0"/>
+                                  </a:rPr>
+                                  <m:t>.</m:t>
+                                </m:r>
+                                <m:r>
+                                  <a:rPr lang="en-US" sz="2000" b="0" i="1" smtClean="0">
+                                    <a:latin typeface="Cambria Math" panose="02040503050406030204" pitchFamily="18" charset="0"/>
+                                  </a:rPr>
+                                  <m:t>5</m:t>
+                                </m:r>
+                              </m:e>
+                              <m:e>
+                                <m:r>
+                                  <a:rPr lang="ar-AE" sz="2000">
+                                    <a:latin typeface="Cambria Math" panose="02040503050406030204" pitchFamily="18" charset="0"/>
+                                  </a:rPr>
+                                  <m:t>1</m:t>
+                                </m:r>
+                                <m:r>
+                                  <a:rPr lang="ar-AE" sz="2000">
+                                    <a:latin typeface="Cambria Math" panose="02040503050406030204" pitchFamily="18" charset="0"/>
+                                  </a:rPr>
+                                  <m:t>.</m:t>
+                                </m:r>
+                                <m:r>
+                                  <a:rPr lang="ar-AE" sz="2000">
+                                    <a:latin typeface="Cambria Math" panose="02040503050406030204" pitchFamily="18" charset="0"/>
+                                  </a:rPr>
+                                  <m:t>0</m:t>
+                                </m:r>
+                              </m:e>
+                            </m:mr>
+                          </m:m>
+                        </m:e>
+                      </m:d>
+                    </m:oMath>
+                  </m:oMathPara>
+                </a14:m>
+                <a:endParaRPr lang="ar-AE" sz="2000" dirty="0"/>
+              </a:p>
+            </p:txBody>
+          </p:sp>
+        </mc:Choice>
+        <mc:Fallback xmlns="">
+          <p:sp>
+            <p:nvSpPr>
+              <p:cNvPr id="5" name="Text Placeholder 3">
+                <a:extLst>
+                  <a:ext uri="{FF2B5EF4-FFF2-40B4-BE49-F238E27FC236}">
+                    <a16:creationId xmlns:a16="http://schemas.microsoft.com/office/drawing/2014/main" id="{3E4652D9-335D-5F42-E8F5-DC3A51D58250}"/>
+                  </a:ext>
+                </a:extLst>
+              </p:cNvPr>
+              <p:cNvSpPr txBox="1">
+                <a:spLocks noRot="1" noChangeAspect="1" noMove="1" noResize="1" noEditPoints="1" noAdjustHandles="1" noChangeArrowheads="1" noChangeShapeType="1" noTextEdit="1"/>
+              </p:cNvSpPr>
+              <p:nvPr/>
+            </p:nvSpPr>
+            <p:spPr>
+              <a:xfrm>
+                <a:off x="457201" y="1659039"/>
+                <a:ext cx="3543781" cy="1589590"/>
+              </a:xfrm>
+              <a:prstGeom prst="rect">
+                <a:avLst/>
+              </a:prstGeom>
+              <a:blipFill>
+                <a:blip r:embed="rId3"/>
+                <a:stretch>
+                  <a:fillRect l="-1721" t="-1916"/>
+                </a:stretch>
+              </a:blipFill>
+            </p:spPr>
+            <p:txBody>
+              <a:bodyPr/>
+              <a:lstStyle/>
+              <a:p>
+                <a:r>
+                  <a:rPr lang="en-US">
+                    <a:noFill/>
+                  </a:rPr>
+                  <a:t> </a:t>
+                </a:r>
+              </a:p>
+            </p:txBody>
+          </p:sp>
+        </mc:Fallback>
+      </mc:AlternateContent>
+      <p:sp>
+        <p:nvSpPr>
+          <p:cNvPr id="7" name="Text Placeholder 6">
+            <a:extLst>
+              <a:ext uri="{FF2B5EF4-FFF2-40B4-BE49-F238E27FC236}">
+                <a16:creationId xmlns:a16="http://schemas.microsoft.com/office/drawing/2014/main" id="{0075CBB7-C7F5-D7B7-159F-3A631AE4EBA0}"/>
               </a:ext>
             </a:extLst>
           </p:cNvPr>
@@ -14030,533 +13959,6 @@
         <p:spPr>
           <a:xfrm>
             <a:off x="457201" y="204787"/>
-            <a:ext cx="3821574" cy="871538"/>
-          </a:xfrm>
-        </p:spPr>
-        <p:txBody>
-          <a:bodyPr>
-            <a:normAutofit/>
-          </a:bodyPr>
-          <a:lstStyle/>
-          <a:p>
-            <a:pPr marL="0" lvl="0" indent="0">
-              <a:buNone/>
-            </a:pPr>
-            <a:r>
-              <a:rPr sz="2800" dirty="0"/>
-              <a:t>Multivariate Normal</a:t>
-            </a:r>
-          </a:p>
-        </p:txBody>
-      </p:sp>
-      <p:pic>
-        <p:nvPicPr>
-          <p:cNvPr id="3" name="Picture 1" descr="03a_ReviewOfProbability_files/figure-pptx/unnamed-chunk-4-5.png"/>
-          <p:cNvPicPr>
-            <a:picLocks noGrp="1" noChangeAspect="1"/>
-          </p:cNvPicPr>
-          <p:nvPr/>
-        </p:nvPicPr>
-        <p:blipFill>
-          <a:blip r:embed="rId2"/>
-          <a:stretch>
-            <a:fillRect/>
-          </a:stretch>
-        </p:blipFill>
-        <p:spPr bwMode="auto">
-          <a:xfrm>
-            <a:off x="3936999" y="59479"/>
-            <a:ext cx="5037239" cy="5037239"/>
-          </a:xfrm>
-          <a:prstGeom prst="rect">
-            <a:avLst/>
-          </a:prstGeom>
-          <a:noFill/>
-          <a:ln w="9525">
-            <a:noFill/>
-            <a:headEnd/>
-            <a:tailEnd/>
-          </a:ln>
-        </p:spPr>
-      </p:pic>
-      <mc:AlternateContent xmlns:mc="http://schemas.openxmlformats.org/markup-compatibility/2006">
-        <mc:Choice xmlns:a14="http://schemas.microsoft.com/office/drawing/2010/main" Requires="a14">
-          <p:sp>
-            <p:nvSpPr>
-              <p:cNvPr id="5" name="Text Placeholder 3">
-                <a:extLst>
-                  <a:ext uri="{FF2B5EF4-FFF2-40B4-BE49-F238E27FC236}">
-                    <a16:creationId xmlns:a16="http://schemas.microsoft.com/office/drawing/2014/main" id="{3E4652D9-335D-5F42-E8F5-DC3A51D58250}"/>
-                  </a:ext>
-                </a:extLst>
-              </p:cNvPr>
-              <p:cNvSpPr txBox="1">
-                <a:spLocks/>
-              </p:cNvSpPr>
-              <p:nvPr/>
-            </p:nvSpPr>
-            <p:spPr>
-              <a:xfrm>
-                <a:off x="457201" y="1659039"/>
-                <a:ext cx="3543781" cy="1589590"/>
-              </a:xfrm>
-              <a:prstGeom prst="rect">
-                <a:avLst/>
-              </a:prstGeom>
-            </p:spPr>
-            <p:txBody>
-              <a:bodyPr vert="horz" lIns="91440" tIns="45720" rIns="91440" bIns="45720" rtlCol="0">
-                <a:normAutofit/>
-              </a:bodyPr>
-              <a:lstStyle>
-                <a:lvl1pPr marL="0" indent="0" algn="l" defTabSz="342900" rtl="0" eaLnBrk="1" latinLnBrk="0" hangingPunct="1">
-                  <a:spcBef>
-                    <a:spcPct val="20000"/>
-                  </a:spcBef>
-                  <a:buFont typeface="Arial"/>
-                  <a:buNone/>
-                  <a:defRPr sz="1050" kern="1200">
-                    <a:solidFill>
-                      <a:schemeClr val="tx1"/>
-                    </a:solidFill>
-                    <a:latin typeface="+mn-lt"/>
-                    <a:ea typeface="+mn-ea"/>
-                    <a:cs typeface="+mn-cs"/>
-                  </a:defRPr>
-                </a:lvl1pPr>
-                <a:lvl2pPr marL="342900" indent="0" algn="l" defTabSz="342900" rtl="0" eaLnBrk="1" latinLnBrk="0" hangingPunct="1">
-                  <a:spcBef>
-                    <a:spcPct val="20000"/>
-                  </a:spcBef>
-                  <a:buFont typeface="Arial"/>
-                  <a:buNone/>
-                  <a:defRPr sz="900" kern="1200">
-                    <a:solidFill>
-                      <a:schemeClr val="tx1"/>
-                    </a:solidFill>
-                    <a:latin typeface="+mn-lt"/>
-                    <a:ea typeface="+mn-ea"/>
-                    <a:cs typeface="+mn-cs"/>
-                  </a:defRPr>
-                </a:lvl2pPr>
-                <a:lvl3pPr marL="685800" indent="0" algn="l" defTabSz="342900" rtl="0" eaLnBrk="1" latinLnBrk="0" hangingPunct="1">
-                  <a:spcBef>
-                    <a:spcPct val="20000"/>
-                  </a:spcBef>
-                  <a:buFont typeface="Arial"/>
-                  <a:buNone/>
-                  <a:defRPr sz="750" kern="1200">
-                    <a:solidFill>
-                      <a:schemeClr val="tx1"/>
-                    </a:solidFill>
-                    <a:latin typeface="+mn-lt"/>
-                    <a:ea typeface="+mn-ea"/>
-                    <a:cs typeface="+mn-cs"/>
-                  </a:defRPr>
-                </a:lvl3pPr>
-                <a:lvl4pPr marL="1028700" indent="0" algn="l" defTabSz="342900" rtl="0" eaLnBrk="1" latinLnBrk="0" hangingPunct="1">
-                  <a:spcBef>
-                    <a:spcPct val="20000"/>
-                  </a:spcBef>
-                  <a:buFont typeface="Arial"/>
-                  <a:buNone/>
-                  <a:defRPr sz="675" kern="1200">
-                    <a:solidFill>
-                      <a:schemeClr val="tx1"/>
-                    </a:solidFill>
-                    <a:latin typeface="+mn-lt"/>
-                    <a:ea typeface="+mn-ea"/>
-                    <a:cs typeface="+mn-cs"/>
-                  </a:defRPr>
-                </a:lvl4pPr>
-                <a:lvl5pPr marL="1371600" indent="0" algn="l" defTabSz="342900" rtl="0" eaLnBrk="1" latinLnBrk="0" hangingPunct="1">
-                  <a:spcBef>
-                    <a:spcPct val="20000"/>
-                  </a:spcBef>
-                  <a:buFont typeface="Arial"/>
-                  <a:buNone/>
-                  <a:defRPr sz="675" kern="1200">
-                    <a:solidFill>
-                      <a:schemeClr val="tx1"/>
-                    </a:solidFill>
-                    <a:latin typeface="+mn-lt"/>
-                    <a:ea typeface="+mn-ea"/>
-                    <a:cs typeface="+mn-cs"/>
-                  </a:defRPr>
-                </a:lvl5pPr>
-                <a:lvl6pPr marL="1714500" indent="0" algn="l" defTabSz="342900" rtl="0" eaLnBrk="1" latinLnBrk="0" hangingPunct="1">
-                  <a:spcBef>
-                    <a:spcPct val="20000"/>
-                  </a:spcBef>
-                  <a:buFont typeface="Arial"/>
-                  <a:buNone/>
-                  <a:defRPr sz="675" kern="1200">
-                    <a:solidFill>
-                      <a:schemeClr val="tx1"/>
-                    </a:solidFill>
-                    <a:latin typeface="+mn-lt"/>
-                    <a:ea typeface="+mn-ea"/>
-                    <a:cs typeface="+mn-cs"/>
-                  </a:defRPr>
-                </a:lvl6pPr>
-                <a:lvl7pPr marL="2057400" indent="0" algn="l" defTabSz="342900" rtl="0" eaLnBrk="1" latinLnBrk="0" hangingPunct="1">
-                  <a:spcBef>
-                    <a:spcPct val="20000"/>
-                  </a:spcBef>
-                  <a:buFont typeface="Arial"/>
-                  <a:buNone/>
-                  <a:defRPr sz="675" kern="1200">
-                    <a:solidFill>
-                      <a:schemeClr val="tx1"/>
-                    </a:solidFill>
-                    <a:latin typeface="+mn-lt"/>
-                    <a:ea typeface="+mn-ea"/>
-                    <a:cs typeface="+mn-cs"/>
-                  </a:defRPr>
-                </a:lvl7pPr>
-                <a:lvl8pPr marL="2400300" indent="0" algn="l" defTabSz="342900" rtl="0" eaLnBrk="1" latinLnBrk="0" hangingPunct="1">
-                  <a:spcBef>
-                    <a:spcPct val="20000"/>
-                  </a:spcBef>
-                  <a:buFont typeface="Arial"/>
-                  <a:buNone/>
-                  <a:defRPr sz="675" kern="1200">
-                    <a:solidFill>
-                      <a:schemeClr val="tx1"/>
-                    </a:solidFill>
-                    <a:latin typeface="+mn-lt"/>
-                    <a:ea typeface="+mn-ea"/>
-                    <a:cs typeface="+mn-cs"/>
-                  </a:defRPr>
-                </a:lvl8pPr>
-                <a:lvl9pPr marL="2743200" indent="0" algn="l" defTabSz="342900" rtl="0" eaLnBrk="1" latinLnBrk="0" hangingPunct="1">
-                  <a:spcBef>
-                    <a:spcPct val="20000"/>
-                  </a:spcBef>
-                  <a:buFont typeface="Arial"/>
-                  <a:buNone/>
-                  <a:defRPr sz="675" kern="1200">
-                    <a:solidFill>
-                      <a:schemeClr val="tx1"/>
-                    </a:solidFill>
-                    <a:latin typeface="+mn-lt"/>
-                    <a:ea typeface="+mn-ea"/>
-                    <a:cs typeface="+mn-cs"/>
-                  </a:defRPr>
-                </a:lvl9pPr>
-              </a:lstStyle>
-              <a:p>
-                <a:r>
-                  <a:rPr lang="en-US" sz="2000" dirty="0"/>
-                  <a:t>2-dimensional Normal:</a:t>
-                </a:r>
-              </a:p>
-              <a:p>
-                <a14:m>
-                  <m:oMathPara xmlns:m="http://schemas.openxmlformats.org/officeDocument/2006/math">
-                    <m:oMathParaPr>
-                      <m:jc m:val="centerGroup"/>
-                    </m:oMathParaPr>
-                    <m:oMath xmlns:m="http://schemas.openxmlformats.org/officeDocument/2006/math">
-                      <m:r>
-                        <a:rPr lang="en-US" sz="2000">
-                          <a:latin typeface="Cambria Math" panose="02040503050406030204" pitchFamily="18" charset="0"/>
-                        </a:rPr>
-                        <m:t>𝜇</m:t>
-                      </m:r>
-                      <m:r>
-                        <a:rPr lang="en-US" sz="2000">
-                          <a:latin typeface="Cambria Math" panose="02040503050406030204" pitchFamily="18" charset="0"/>
-                        </a:rPr>
-                        <m:t>=</m:t>
-                      </m:r>
-                      <m:d>
-                        <m:dPr>
-                          <m:begChr m:val="["/>
-                          <m:endChr m:val="]"/>
-                          <m:ctrlPr>
-                            <a:rPr lang="ar-AE" sz="2000" i="1">
-                              <a:latin typeface="Cambria Math" panose="02040503050406030204" pitchFamily="18" charset="0"/>
-                            </a:rPr>
-                          </m:ctrlPr>
-                        </m:dPr>
-                        <m:e>
-                          <m:r>
-                            <a:rPr lang="ar-AE" sz="2000">
-                              <a:latin typeface="Cambria Math" panose="02040503050406030204" pitchFamily="18" charset="0"/>
-                            </a:rPr>
-                            <m:t>0</m:t>
-                          </m:r>
-                          <m:r>
-                            <a:rPr lang="ar-AE" sz="2000">
-                              <a:latin typeface="Cambria Math" panose="02040503050406030204" pitchFamily="18" charset="0"/>
-                            </a:rPr>
-                            <m:t>,</m:t>
-                          </m:r>
-                          <m:r>
-                            <a:rPr lang="ar-AE" sz="2000">
-                              <a:latin typeface="Cambria Math" panose="02040503050406030204" pitchFamily="18" charset="0"/>
-                            </a:rPr>
-                            <m:t>0</m:t>
-                          </m:r>
-                        </m:e>
-                      </m:d>
-                    </m:oMath>
-                  </m:oMathPara>
-                </a14:m>
-                <a:endParaRPr lang="ar-AE" sz="2000" i="1" dirty="0">
-                  <a:latin typeface="Cambria Math" panose="02040503050406030204" pitchFamily="18" charset="0"/>
-                </a:endParaRPr>
-              </a:p>
-              <a:p>
-                <a14:m>
-                  <m:oMathPara xmlns:m="http://schemas.openxmlformats.org/officeDocument/2006/math">
-                    <m:oMathParaPr>
-                      <m:jc m:val="centerGroup"/>
-                    </m:oMathParaPr>
-                    <m:oMath xmlns:m="http://schemas.openxmlformats.org/officeDocument/2006/math">
-                      <m:r>
-                        <a:rPr lang="ar-AE" sz="2000">
-                          <a:latin typeface="Cambria Math" panose="02040503050406030204" pitchFamily="18" charset="0"/>
-                        </a:rPr>
-                        <m:t>𝚺</m:t>
-                      </m:r>
-                      <m:r>
-                        <a:rPr lang="ar-AE" sz="2000">
-                          <a:latin typeface="Cambria Math" panose="02040503050406030204" pitchFamily="18" charset="0"/>
-                        </a:rPr>
-                        <m:t>=</m:t>
-                      </m:r>
-                      <m:d>
-                        <m:dPr>
-                          <m:begChr m:val="["/>
-                          <m:endChr m:val="]"/>
-                          <m:ctrlPr>
-                            <a:rPr lang="ar-AE" sz="2000" i="1">
-                              <a:latin typeface="Cambria Math" panose="02040503050406030204" pitchFamily="18" charset="0"/>
-                            </a:rPr>
-                          </m:ctrlPr>
-                        </m:dPr>
-                        <m:e>
-                          <m:m>
-                            <m:mPr>
-                              <m:mcs>
-                                <m:mc>
-                                  <m:mcPr>
-                                    <m:count m:val="2"/>
-                                    <m:mcJc m:val="center"/>
-                                  </m:mcPr>
-                                </m:mc>
-                              </m:mcs>
-                              <m:ctrlPr>
-                                <a:rPr lang="ar-AE" sz="2000" i="1">
-                                  <a:latin typeface="Cambria Math" panose="02040503050406030204" pitchFamily="18" charset="0"/>
-                                </a:rPr>
-                              </m:ctrlPr>
-                            </m:mPr>
-                            <m:mr>
-                              <m:e>
-                                <m:r>
-                                  <a:rPr lang="ar-AE" sz="2000">
-                                    <a:latin typeface="Cambria Math" panose="02040503050406030204" pitchFamily="18" charset="0"/>
-                                  </a:rPr>
-                                  <m:t>1</m:t>
-                                </m:r>
-                                <m:r>
-                                  <a:rPr lang="ar-AE" sz="2000">
-                                    <a:latin typeface="Cambria Math" panose="02040503050406030204" pitchFamily="18" charset="0"/>
-                                  </a:rPr>
-                                  <m:t>.</m:t>
-                                </m:r>
-                                <m:r>
-                                  <a:rPr lang="ar-AE" sz="2000">
-                                    <a:latin typeface="Cambria Math" panose="02040503050406030204" pitchFamily="18" charset="0"/>
-                                  </a:rPr>
-                                  <m:t>0</m:t>
-                                </m:r>
-                              </m:e>
-                              <m:e>
-                                <m:r>
-                                  <a:rPr lang="ar-AE" sz="2000">
-                                    <a:latin typeface="Cambria Math" panose="02040503050406030204" pitchFamily="18" charset="0"/>
-                                  </a:rPr>
-                                  <m:t>0</m:t>
-                                </m:r>
-                                <m:r>
-                                  <a:rPr lang="ar-AE" sz="2000">
-                                    <a:latin typeface="Cambria Math" panose="02040503050406030204" pitchFamily="18" charset="0"/>
-                                  </a:rPr>
-                                  <m:t>.</m:t>
-                                </m:r>
-                                <m:r>
-                                  <a:rPr lang="en-US" sz="2000" b="0" i="1" smtClean="0">
-                                    <a:latin typeface="Cambria Math" panose="02040503050406030204" pitchFamily="18" charset="0"/>
-                                  </a:rPr>
-                                  <m:t>5</m:t>
-                                </m:r>
-                              </m:e>
-                            </m:mr>
-                            <m:mr>
-                              <m:e>
-                                <m:r>
-                                  <a:rPr lang="ar-AE" sz="2000">
-                                    <a:latin typeface="Cambria Math" panose="02040503050406030204" pitchFamily="18" charset="0"/>
-                                  </a:rPr>
-                                  <m:t>0</m:t>
-                                </m:r>
-                                <m:r>
-                                  <a:rPr lang="ar-AE" sz="2000">
-                                    <a:latin typeface="Cambria Math" panose="02040503050406030204" pitchFamily="18" charset="0"/>
-                                  </a:rPr>
-                                  <m:t>.</m:t>
-                                </m:r>
-                                <m:r>
-                                  <a:rPr lang="en-US" sz="2000" b="0" i="1" smtClean="0">
-                                    <a:latin typeface="Cambria Math" panose="02040503050406030204" pitchFamily="18" charset="0"/>
-                                  </a:rPr>
-                                  <m:t>5</m:t>
-                                </m:r>
-                              </m:e>
-                              <m:e>
-                                <m:r>
-                                  <a:rPr lang="ar-AE" sz="2000">
-                                    <a:latin typeface="Cambria Math" panose="02040503050406030204" pitchFamily="18" charset="0"/>
-                                  </a:rPr>
-                                  <m:t>1</m:t>
-                                </m:r>
-                                <m:r>
-                                  <a:rPr lang="ar-AE" sz="2000">
-                                    <a:latin typeface="Cambria Math" panose="02040503050406030204" pitchFamily="18" charset="0"/>
-                                  </a:rPr>
-                                  <m:t>.</m:t>
-                                </m:r>
-                                <m:r>
-                                  <a:rPr lang="ar-AE" sz="2000">
-                                    <a:latin typeface="Cambria Math" panose="02040503050406030204" pitchFamily="18" charset="0"/>
-                                  </a:rPr>
-                                  <m:t>0</m:t>
-                                </m:r>
-                              </m:e>
-                            </m:mr>
-                          </m:m>
-                        </m:e>
-                      </m:d>
-                    </m:oMath>
-                  </m:oMathPara>
-                </a14:m>
-                <a:endParaRPr lang="ar-AE" sz="2000" dirty="0"/>
-              </a:p>
-            </p:txBody>
-          </p:sp>
-        </mc:Choice>
-        <mc:Fallback>
-          <p:sp>
-            <p:nvSpPr>
-              <p:cNvPr id="5" name="Text Placeholder 3">
-                <a:extLst>
-                  <a:ext uri="{FF2B5EF4-FFF2-40B4-BE49-F238E27FC236}">
-                    <a16:creationId xmlns:a16="http://schemas.microsoft.com/office/drawing/2014/main" id="{3E4652D9-335D-5F42-E8F5-DC3A51D58250}"/>
-                  </a:ext>
-                </a:extLst>
-              </p:cNvPr>
-              <p:cNvSpPr txBox="1">
-                <a:spLocks noRot="1" noChangeAspect="1" noMove="1" noResize="1" noEditPoints="1" noAdjustHandles="1" noChangeArrowheads="1" noChangeShapeType="1" noTextEdit="1"/>
-              </p:cNvSpPr>
-              <p:nvPr/>
-            </p:nvSpPr>
-            <p:spPr>
-              <a:xfrm>
-                <a:off x="457201" y="1659039"/>
-                <a:ext cx="3543781" cy="1589590"/>
-              </a:xfrm>
-              <a:prstGeom prst="rect">
-                <a:avLst/>
-              </a:prstGeom>
-              <a:blipFill>
-                <a:blip r:embed="rId3"/>
-                <a:stretch>
-                  <a:fillRect l="-1721" t="-1916"/>
-                </a:stretch>
-              </a:blipFill>
-            </p:spPr>
-            <p:txBody>
-              <a:bodyPr/>
-              <a:lstStyle/>
-              <a:p>
-                <a:r>
-                  <a:rPr lang="en-US">
-                    <a:noFill/>
-                  </a:rPr>
-                  <a:t> </a:t>
-                </a:r>
-              </a:p>
-            </p:txBody>
-          </p:sp>
-        </mc:Fallback>
-      </mc:AlternateContent>
-      <p:sp>
-        <p:nvSpPr>
-          <p:cNvPr id="7" name="Text Placeholder 6">
-            <a:extLst>
-              <a:ext uri="{FF2B5EF4-FFF2-40B4-BE49-F238E27FC236}">
-                <a16:creationId xmlns:a16="http://schemas.microsoft.com/office/drawing/2014/main" id="{0075CBB7-C7F5-D7B7-159F-3A631AE4EBA0}"/>
-              </a:ext>
-            </a:extLst>
-          </p:cNvPr>
-          <p:cNvSpPr>
-            <a:spLocks noGrp="1"/>
-          </p:cNvSpPr>
-          <p:nvPr>
-            <p:ph type="body" sz="half" idx="2"/>
-          </p:nvPr>
-        </p:nvSpPr>
-        <p:spPr/>
-        <p:txBody>
-          <a:bodyPr/>
-          <a:lstStyle/>
-          <a:p>
-            <a:endParaRPr lang="en-US"/>
-          </a:p>
-        </p:txBody>
-      </p:sp>
-    </p:spTree>
-  </p:cSld>
-  <p:clrMapOvr>
-    <a:masterClrMapping/>
-  </p:clrMapOvr>
-</p:sld>
-</file>
-
-<file path=ppt/slides/slide31.xml><?xml version="1.0" encoding="utf-8"?>
-<p:sld xmlns:a="http://schemas.openxmlformats.org/drawingml/2006/main" xmlns:r="http://schemas.openxmlformats.org/officeDocument/2006/relationships" xmlns:p="http://schemas.openxmlformats.org/presentationml/2006/main">
-  <p:cSld>
-    <p:spTree>
-      <p:nvGrpSpPr>
-        <p:cNvPr id="1" name=""/>
-        <p:cNvGrpSpPr/>
-        <p:nvPr/>
-      </p:nvGrpSpPr>
-      <p:grpSpPr>
-        <a:xfrm>
-          <a:off x="0" y="0"/>
-          <a:ext cx="0" cy="0"/>
-          <a:chOff x="0" y="0"/>
-          <a:chExt cx="0" cy="0"/>
-        </a:xfrm>
-      </p:grpSpPr>
-      <p:sp>
-        <p:nvSpPr>
-          <p:cNvPr id="2" name="Title 1"/>
-          <p:cNvSpPr>
-            <a:spLocks noGrp="1"/>
-          </p:cNvSpPr>
-          <p:nvPr>
-            <p:ph type="title"/>
-          </p:nvPr>
-        </p:nvSpPr>
-        <p:spPr>
-          <a:xfrm>
-            <a:off x="457201" y="204787"/>
             <a:ext cx="3728976" cy="871538"/>
           </a:xfrm>
         </p:spPr>
@@ -14606,8 +14008,8 @@
           </a:ln>
         </p:spPr>
       </p:pic>
-      <mc:AlternateContent xmlns:mc="http://schemas.openxmlformats.org/markup-compatibility/2006">
-        <mc:Choice xmlns:a14="http://schemas.microsoft.com/office/drawing/2010/main" Requires="a14">
+      <mc:AlternateContent xmlns:mc="http://schemas.openxmlformats.org/markup-compatibility/2006" xmlns:a14="http://schemas.microsoft.com/office/drawing/2010/main">
+        <mc:Choice Requires="a14">
           <p:sp>
             <p:nvSpPr>
               <p:cNvPr id="5" name="Text Placeholder 3">
@@ -14779,6 +14181,7 @@
                 </a:r>
               </a:p>
               <a:p>
+                <a:pPr/>
                 <a14:m>
                   <m:oMathPara xmlns:m="http://schemas.openxmlformats.org/officeDocument/2006/math">
                     <m:oMathParaPr>
@@ -14836,6 +14239,7 @@
                 </a:endParaRPr>
               </a:p>
               <a:p>
+                <a:pPr/>
                 <a14:m>
                   <m:oMathPara xmlns:m="http://schemas.openxmlformats.org/officeDocument/2006/math">
                     <m:oMathParaPr>
@@ -14988,7 +14392,7 @@
             </p:txBody>
           </p:sp>
         </mc:Choice>
-        <mc:Fallback>
+        <mc:Fallback xmlns="">
           <p:sp>
             <p:nvSpPr>
               <p:cNvPr id="5" name="Text Placeholder 3">
@@ -15066,7 +14470,7 @@
 </p:sld>
 </file>
 
-<file path=ppt/slides/slide32.xml><?xml version="1.0" encoding="utf-8"?>
+<file path=ppt/slides/slide31.xml><?xml version="1.0" encoding="utf-8"?>
 <p:sld xmlns:a="http://schemas.openxmlformats.org/drawingml/2006/main" xmlns:r="http://schemas.openxmlformats.org/officeDocument/2006/relationships" xmlns:p="http://schemas.openxmlformats.org/presentationml/2006/main">
   <p:cSld>
     <p:spTree>
@@ -15145,8 +14549,8 @@
           </a:ln>
         </p:spPr>
       </p:pic>
-      <mc:AlternateContent xmlns:mc="http://schemas.openxmlformats.org/markup-compatibility/2006">
-        <mc:Choice xmlns:a14="http://schemas.microsoft.com/office/drawing/2010/main" Requires="a14">
+      <mc:AlternateContent xmlns:mc="http://schemas.openxmlformats.org/markup-compatibility/2006" xmlns:a14="http://schemas.microsoft.com/office/drawing/2010/main">
+        <mc:Choice Requires="a14">
           <p:sp>
             <p:nvSpPr>
               <p:cNvPr id="5" name="Text Placeholder 3">
@@ -15318,6 +14722,7 @@
                 </a:r>
               </a:p>
               <a:p>
+                <a:pPr/>
                 <a14:m>
                   <m:oMathPara xmlns:m="http://schemas.openxmlformats.org/officeDocument/2006/math">
                     <m:oMathParaPr>
@@ -15375,6 +14780,7 @@
                 </a:endParaRPr>
               </a:p>
               <a:p>
+                <a:pPr/>
                 <a14:m>
                   <m:oMathPara xmlns:m="http://schemas.openxmlformats.org/officeDocument/2006/math">
                     <m:oMathParaPr>
@@ -15515,7 +14921,7 @@
             </p:txBody>
           </p:sp>
         </mc:Choice>
-        <mc:Fallback>
+        <mc:Fallback xmlns="">
           <p:sp>
             <p:nvSpPr>
               <p:cNvPr id="5" name="Text Placeholder 3">
@@ -15593,7 +14999,7 @@
 </p:sld>
 </file>
 
-<file path=ppt/slides/slide33.xml><?xml version="1.0" encoding="utf-8"?>
+<file path=ppt/slides/slide32.xml><?xml version="1.0" encoding="utf-8"?>
 <p:sld xmlns:a="http://schemas.openxmlformats.org/drawingml/2006/main" xmlns:r="http://schemas.openxmlformats.org/officeDocument/2006/relationships" xmlns:p="http://schemas.openxmlformats.org/presentationml/2006/main">
   <p:cSld>
     <p:spTree>
@@ -15634,8 +15040,8 @@
           </a:p>
         </p:txBody>
       </p:sp>
-      <mc:AlternateContent xmlns:mc="http://schemas.openxmlformats.org/markup-compatibility/2006">
-        <mc:Choice xmlns:a14="http://schemas.microsoft.com/office/drawing/2010/main" Requires="a14">
+      <mc:AlternateContent xmlns:mc="http://schemas.openxmlformats.org/markup-compatibility/2006" xmlns:a14="http://schemas.microsoft.com/office/drawing/2010/main">
+        <mc:Choice Requires="a14">
           <p:sp>
             <p:nvSpPr>
               <p:cNvPr id="3" name="Content Placeholder 2"/>
@@ -15962,7 +15368,7 @@
             </p:txBody>
           </p:sp>
         </mc:Choice>
-        <mc:Fallback>
+        <mc:Fallback xmlns="">
           <p:sp>
             <p:nvSpPr>
               <p:cNvPr id="3" name="Content Placeholder 2"/>
@@ -16004,7 +15410,7 @@
 </p:sld>
 </file>
 
-<file path=ppt/slides/slide34.xml><?xml version="1.0" encoding="utf-8"?>
+<file path=ppt/slides/slide33.xml><?xml version="1.0" encoding="utf-8"?>
 <p:sld xmlns:a="http://schemas.openxmlformats.org/drawingml/2006/main" xmlns:r="http://schemas.openxmlformats.org/officeDocument/2006/relationships" xmlns:p="http://schemas.openxmlformats.org/presentationml/2006/main">
   <p:cSld>
     <p:spTree>
@@ -16113,7 +15519,7 @@
 </p:sld>
 </file>
 
-<file path=ppt/slides/slide35.xml><?xml version="1.0" encoding="utf-8"?>
+<file path=ppt/slides/slide34.xml><?xml version="1.0" encoding="utf-8"?>
 <p:sld xmlns:a="http://schemas.openxmlformats.org/drawingml/2006/main" xmlns:r="http://schemas.openxmlformats.org/officeDocument/2006/relationships" xmlns:p="http://schemas.openxmlformats.org/presentationml/2006/main">
   <p:cSld>
     <p:spTree>
@@ -16155,8 +15561,8 @@
           </a:p>
         </p:txBody>
       </p:sp>
-      <mc:AlternateContent xmlns:mc="http://schemas.openxmlformats.org/markup-compatibility/2006">
-        <mc:Choice xmlns:a14="http://schemas.microsoft.com/office/drawing/2010/main" Requires="a14">
+      <mc:AlternateContent xmlns:mc="http://schemas.openxmlformats.org/markup-compatibility/2006" xmlns:a14="http://schemas.microsoft.com/office/drawing/2010/main">
+        <mc:Choice Requires="a14">
           <p:sp>
             <p:nvSpPr>
               <p:cNvPr id="3" name="Content Placeholder 2"/>
@@ -16657,7 +16063,7 @@
             </p:txBody>
           </p:sp>
         </mc:Choice>
-        <mc:Fallback>
+        <mc:Fallback xmlns="">
           <p:sp>
             <p:nvSpPr>
               <p:cNvPr id="3" name="Content Placeholder 2"/>
@@ -16699,7 +16105,7 @@
 </p:sld>
 </file>
 
-<file path=ppt/slides/slide36.xml><?xml version="1.0" encoding="utf-8"?>
+<file path=ppt/slides/slide35.xml><?xml version="1.0" encoding="utf-8"?>
 <p:sld xmlns:a="http://schemas.openxmlformats.org/drawingml/2006/main" xmlns:r="http://schemas.openxmlformats.org/officeDocument/2006/relationships" xmlns:p="http://schemas.openxmlformats.org/presentationml/2006/main">
   <p:cSld>
     <p:spTree>
@@ -16741,8 +16147,8 @@
           </a:p>
         </p:txBody>
       </p:sp>
-      <mc:AlternateContent xmlns:mc="http://schemas.openxmlformats.org/markup-compatibility/2006">
-        <mc:Choice xmlns:a14="http://schemas.microsoft.com/office/drawing/2010/main" Requires="a14">
+      <mc:AlternateContent xmlns:mc="http://schemas.openxmlformats.org/markup-compatibility/2006" xmlns:a14="http://schemas.microsoft.com/office/drawing/2010/main">
+        <mc:Choice Requires="a14">
           <p:sp>
             <p:nvSpPr>
               <p:cNvPr id="3" name="Content Placeholder 2"/>
@@ -16837,7 +16243,7 @@
             </p:txBody>
           </p:sp>
         </mc:Choice>
-        <mc:Fallback>
+        <mc:Fallback xmlns="">
           <p:sp>
             <p:nvSpPr>
               <p:cNvPr id="3" name="Content Placeholder 2"/>
@@ -16913,7 +16319,7 @@
 </p:sld>
 </file>
 
-<file path=ppt/slides/slide37.xml><?xml version="1.0" encoding="utf-8"?>
+<file path=ppt/slides/slide36.xml><?xml version="1.0" encoding="utf-8"?>
 <p:sld xmlns:a="http://schemas.openxmlformats.org/drawingml/2006/main" xmlns:r="http://schemas.openxmlformats.org/officeDocument/2006/relationships" xmlns:p="http://schemas.openxmlformats.org/presentationml/2006/main">
   <p:cSld>
     <p:spTree>
@@ -16930,8 +16336,8 @@
           <a:chExt cx="0" cy="0"/>
         </a:xfrm>
       </p:grpSpPr>
-      <mc:AlternateContent xmlns:mc="http://schemas.openxmlformats.org/markup-compatibility/2006">
-        <mc:Choice xmlns:a14="http://schemas.microsoft.com/office/drawing/2010/main" Requires="a14">
+      <mc:AlternateContent xmlns:mc="http://schemas.openxmlformats.org/markup-compatibility/2006" xmlns:a14="http://schemas.microsoft.com/office/drawing/2010/main">
+        <mc:Choice Requires="a14">
           <p:sp>
             <p:nvSpPr>
               <p:cNvPr id="2" name="Title 1"/>
@@ -17003,7 +16409,7 @@
             </p:txBody>
           </p:sp>
         </mc:Choice>
-        <mc:Fallback>
+        <mc:Fallback xmlns="">
           <p:sp>
             <p:nvSpPr>
               <p:cNvPr id="2" name="Title 1"/>
@@ -17041,8 +16447,8 @@
           </p:sp>
         </mc:Fallback>
       </mc:AlternateContent>
-      <mc:AlternateContent xmlns:mc="http://schemas.openxmlformats.org/markup-compatibility/2006">
-        <mc:Choice xmlns:a14="http://schemas.microsoft.com/office/drawing/2010/main" Requires="a14">
+      <mc:AlternateContent xmlns:mc="http://schemas.openxmlformats.org/markup-compatibility/2006" xmlns:a14="http://schemas.microsoft.com/office/drawing/2010/main">
+        <mc:Choice Requires="a14">
           <p:sp>
             <p:nvSpPr>
               <p:cNvPr id="3" name="Title 1">
@@ -17169,7 +16575,7 @@
             </p:txBody>
           </p:sp>
         </mc:Choice>
-        <mc:Fallback>
+        <mc:Fallback xmlns="">
           <p:sp>
             <p:nvSpPr>
               <p:cNvPr id="3" name="Title 1">
@@ -17222,7 +16628,7 @@
 </p:sld>
 </file>
 
-<file path=ppt/slides/slide38.xml><?xml version="1.0" encoding="utf-8"?>
+<file path=ppt/slides/slide37.xml><?xml version="1.0" encoding="utf-8"?>
 <p:sld xmlns:a="http://schemas.openxmlformats.org/drawingml/2006/main" xmlns:r="http://schemas.openxmlformats.org/officeDocument/2006/relationships" xmlns:p="http://schemas.openxmlformats.org/presentationml/2006/main">
   <p:cSld>
     <p:spTree>
@@ -17260,16 +16666,12 @@
                   <a:buNone/>
                 </a:pPr>
                 <a:r>
+                  <a:rPr lang="en-US"/>
+                  <a:t>The Gamma </a:t>
+                </a:r>
+                <a:r>
                   <a:rPr lang="en-US" dirty="0"/>
-                  <a:t>The </a:t>
-                </a:r>
-                <a:r>
-                  <a:rPr lang="en-US" dirty="0" err="1"/>
-                  <a:t>Ga,mma</a:t>
-                </a:r>
-                <a:r>
-                  <a:rPr lang="en-US" dirty="0"/>
-                  <a:t> and </a:t>
+                  <a:t>and </a:t>
                 </a:r>
                 <a14:m>
                   <m:oMath xmlns:m="http://schemas.openxmlformats.org/officeDocument/2006/math">
@@ -17347,8 +16749,8 @@
           </p:sp>
         </mc:Fallback>
       </mc:AlternateContent>
-      <mc:AlternateContent xmlns:mc="http://schemas.openxmlformats.org/markup-compatibility/2006">
-        <mc:Choice xmlns:a14="http://schemas.microsoft.com/office/drawing/2010/main" Requires="a14">
+      <mc:AlternateContent xmlns:mc="http://schemas.openxmlformats.org/markup-compatibility/2006" xmlns:a14="http://schemas.microsoft.com/office/drawing/2010/main">
+        <mc:Choice Requires="a14">
           <p:sp>
             <p:nvSpPr>
               <p:cNvPr id="3" name="Content Placeholder 2"/>
@@ -17893,7 +17295,7 @@
             </p:txBody>
           </p:sp>
         </mc:Choice>
-        <mc:Fallback>
+        <mc:Fallback xmlns="">
           <p:sp>
             <p:nvSpPr>
               <p:cNvPr id="3" name="Content Placeholder 2"/>
@@ -17940,7 +17342,7 @@
 </p:sld>
 </file>
 
-<file path=ppt/slides/slide39.xml><?xml version="1.0" encoding="utf-8"?>
+<file path=ppt/slides/slide38.xml><?xml version="1.0" encoding="utf-8"?>
 <p:sld xmlns:a="http://schemas.openxmlformats.org/drawingml/2006/main" xmlns:r="http://schemas.openxmlformats.org/officeDocument/2006/relationships" xmlns:p="http://schemas.openxmlformats.org/presentationml/2006/main">
   <p:cSld>
     <p:spTree>
@@ -17957,8 +17359,8 @@
           <a:chExt cx="0" cy="0"/>
         </a:xfrm>
       </p:grpSpPr>
-      <mc:AlternateContent xmlns:mc="http://schemas.openxmlformats.org/markup-compatibility/2006">
-        <mc:Choice xmlns:a14="http://schemas.microsoft.com/office/drawing/2010/main" Requires="a14">
+      <mc:AlternateContent xmlns:mc="http://schemas.openxmlformats.org/markup-compatibility/2006" xmlns:a14="http://schemas.microsoft.com/office/drawing/2010/main">
+        <mc:Choice Requires="a14">
           <p:sp>
             <p:nvSpPr>
               <p:cNvPr id="2" name="Title 1"/>
@@ -18023,7 +17425,7 @@
             </p:txBody>
           </p:sp>
         </mc:Choice>
-        <mc:Fallback>
+        <mc:Fallback xmlns="">
           <p:sp>
             <p:nvSpPr>
               <p:cNvPr id="2" name="Title 1"/>
@@ -18057,8 +17459,8 @@
           </p:sp>
         </mc:Fallback>
       </mc:AlternateContent>
-      <mc:AlternateContent xmlns:mc="http://schemas.openxmlformats.org/markup-compatibility/2006">
-        <mc:Choice xmlns:a14="http://schemas.microsoft.com/office/drawing/2010/main" Requires="a14">
+      <mc:AlternateContent xmlns:mc="http://schemas.openxmlformats.org/markup-compatibility/2006" xmlns:a14="http://schemas.microsoft.com/office/drawing/2010/main">
+        <mc:Choice Requires="a14">
           <p:sp>
             <p:nvSpPr>
               <p:cNvPr id="3" name="Content Placeholder 2"/>
@@ -18867,7 +18269,7 @@
             </p:txBody>
           </p:sp>
         </mc:Choice>
-        <mc:Fallback>
+        <mc:Fallback xmlns="">
           <p:sp>
             <p:nvSpPr>
               <p:cNvPr id="3" name="Content Placeholder 2"/>
@@ -18905,6 +18307,256 @@
     <p:extLst>
       <p:ext uri="{BB962C8B-B14F-4D97-AF65-F5344CB8AC3E}">
         <p14:creationId xmlns:p14="http://schemas.microsoft.com/office/powerpoint/2010/main" val="187673283"/>
+      </p:ext>
+    </p:extLst>
+  </p:cSld>
+  <p:clrMapOvr>
+    <a:masterClrMapping/>
+  </p:clrMapOvr>
+</p:sld>
+</file>
+
+<file path=ppt/slides/slide39.xml><?xml version="1.0" encoding="utf-8"?>
+<p:sld xmlns:a="http://schemas.openxmlformats.org/drawingml/2006/main" xmlns:r="http://schemas.openxmlformats.org/officeDocument/2006/relationships" xmlns:p="http://schemas.openxmlformats.org/presentationml/2006/main">
+  <p:cSld>
+    <p:spTree>
+      <p:nvGrpSpPr>
+        <p:cNvPr id="1" name=""/>
+        <p:cNvGrpSpPr/>
+        <p:nvPr/>
+      </p:nvGrpSpPr>
+      <p:grpSpPr>
+        <a:xfrm>
+          <a:off x="0" y="0"/>
+          <a:ext cx="0" cy="0"/>
+          <a:chOff x="0" y="0"/>
+          <a:chExt cx="0" cy="0"/>
+        </a:xfrm>
+      </p:grpSpPr>
+      <mc:AlternateContent xmlns:mc="http://schemas.openxmlformats.org/markup-compatibility/2006" xmlns:a14="http://schemas.microsoft.com/office/drawing/2010/main">
+        <mc:Choice Requires="a14">
+          <p:sp>
+            <p:nvSpPr>
+              <p:cNvPr id="2" name="Title 1"/>
+              <p:cNvSpPr>
+                <a:spLocks noGrp="1"/>
+              </p:cNvSpPr>
+              <p:nvPr>
+                <p:ph type="title"/>
+              </p:nvPr>
+            </p:nvSpPr>
+            <p:spPr/>
+            <p:txBody>
+              <a:bodyPr/>
+              <a:lstStyle/>
+              <a:p>
+                <a:pPr marL="0" lvl="0" indent="0">
+                  <a:buNone/>
+                </a:pPr>
+                <a:r>
+                  <a:rPr lang="en-US" dirty="0"/>
+                  <a:t>The </a:t>
+                </a:r>
+                <a14:m>
+                  <m:oMath xmlns:m="http://schemas.openxmlformats.org/officeDocument/2006/math">
+                    <m:sSup>
+                      <m:sSupPr>
+                        <m:ctrlPr>
+                          <a:rPr lang="en-US" i="1" smtClean="0">
+                            <a:latin typeface="Cambria Math" panose="02040503050406030204" pitchFamily="18" charset="0"/>
+                          </a:rPr>
+                        </m:ctrlPr>
+                      </m:sSupPr>
+                      <m:e>
+                        <m:r>
+                          <m:rPr>
+                            <m:sty m:val="p"/>
+                          </m:rPr>
+                          <a:rPr lang="el-GR" i="1" smtClean="0">
+                            <a:latin typeface="Cambria Math" panose="02040503050406030204" pitchFamily="18" charset="0"/>
+                            <a:ea typeface="Cambria Math" panose="02040503050406030204" pitchFamily="18" charset="0"/>
+                          </a:rPr>
+                          <m:t>Χ</m:t>
+                        </m:r>
+                      </m:e>
+                      <m:sup>
+                        <m:r>
+                          <a:rPr lang="en-US" b="0" i="1" smtClean="0">
+                            <a:latin typeface="Cambria Math" panose="02040503050406030204" pitchFamily="18" charset="0"/>
+                          </a:rPr>
+                          <m:t>2</m:t>
+                        </m:r>
+                      </m:sup>
+                    </m:sSup>
+                  </m:oMath>
+                </a14:m>
+                <a:r>
+                  <a:rPr lang="en-US" dirty="0"/>
+                  <a:t>distribution</a:t>
+                </a:r>
+                <a:endParaRPr dirty="0"/>
+              </a:p>
+            </p:txBody>
+          </p:sp>
+        </mc:Choice>
+        <mc:Fallback xmlns="">
+          <p:sp>
+            <p:nvSpPr>
+              <p:cNvPr id="2" name="Title 1"/>
+              <p:cNvSpPr>
+                <a:spLocks noGrp="1" noRot="1" noChangeAspect="1" noMove="1" noResize="1" noEditPoints="1" noAdjustHandles="1" noChangeArrowheads="1" noChangeShapeType="1" noTextEdit="1"/>
+              </p:cNvSpPr>
+              <p:nvPr>
+                <p:ph type="title"/>
+              </p:nvPr>
+            </p:nvSpPr>
+            <p:spPr>
+              <a:blipFill>
+                <a:blip r:embed="rId2"/>
+                <a:stretch>
+                  <a:fillRect b="-10714"/>
+                </a:stretch>
+              </a:blipFill>
+            </p:spPr>
+            <p:txBody>
+              <a:bodyPr/>
+              <a:lstStyle/>
+              <a:p>
+                <a:r>
+                  <a:rPr lang="en-US">
+                    <a:noFill/>
+                  </a:rPr>
+                  <a:t> </a:t>
+                </a:r>
+              </a:p>
+            </p:txBody>
+          </p:sp>
+        </mc:Fallback>
+      </mc:AlternateContent>
+      <mc:AlternateContent xmlns:mc="http://schemas.openxmlformats.org/markup-compatibility/2006" xmlns:a14="http://schemas.microsoft.com/office/drawing/2010/main">
+        <mc:Choice Requires="a14">
+          <p:sp>
+            <p:nvSpPr>
+              <p:cNvPr id="3" name="Content Placeholder 2"/>
+              <p:cNvSpPr>
+                <a:spLocks noGrp="1"/>
+              </p:cNvSpPr>
+              <p:nvPr>
+                <p:ph idx="1"/>
+              </p:nvPr>
+            </p:nvSpPr>
+            <p:spPr/>
+            <p:txBody>
+              <a:bodyPr>
+                <a:normAutofit/>
+              </a:bodyPr>
+              <a:lstStyle/>
+              <a:p>
+                <a:pPr marL="0" indent="0">
+                  <a:buNone/>
+                </a:pPr>
+                <a:r>
+                  <a:rPr lang="en-US" dirty="0"/>
+                  <a:t>The </a:t>
+                </a:r>
+                <a14:m>
+                  <m:oMath xmlns:m="http://schemas.openxmlformats.org/officeDocument/2006/math">
+                    <m:sSup>
+                      <m:sSupPr>
+                        <m:ctrlPr>
+                          <a:rPr lang="en-US" i="1" smtClean="0">
+                            <a:latin typeface="Cambria Math" panose="02040503050406030204" pitchFamily="18" charset="0"/>
+                          </a:rPr>
+                        </m:ctrlPr>
+                      </m:sSupPr>
+                      <m:e>
+                        <m:r>
+                          <m:rPr>
+                            <m:sty m:val="p"/>
+                          </m:rPr>
+                          <a:rPr lang="el-GR" i="1" smtClean="0">
+                            <a:latin typeface="Cambria Math" panose="02040503050406030204" pitchFamily="18" charset="0"/>
+                            <a:ea typeface="Cambria Math" panose="02040503050406030204" pitchFamily="18" charset="0"/>
+                          </a:rPr>
+                          <m:t>Χ</m:t>
+                        </m:r>
+                      </m:e>
+                      <m:sup>
+                        <m:r>
+                          <a:rPr lang="en-US" b="0" i="1" smtClean="0">
+                            <a:latin typeface="Cambria Math" panose="02040503050406030204" pitchFamily="18" charset="0"/>
+                          </a:rPr>
+                          <m:t>2</m:t>
+                        </m:r>
+                      </m:sup>
+                    </m:sSup>
+                  </m:oMath>
+                </a14:m>
+                <a:r>
+                  <a:rPr lang="en-US" dirty="0"/>
+                  <a:t> distribution is used to construct parametric hypothesis tests of differences in counts between groups and also:  </a:t>
+                </a:r>
+              </a:p>
+              <a:p>
+                <a:r>
+                  <a:rPr lang="en-US" dirty="0"/>
+                  <a:t>Constructing tests for the significance of fits of observed values to probability distributions</a:t>
+                </a:r>
+              </a:p>
+              <a:p>
+                <a:r>
+                  <a:rPr lang="en-US" dirty="0"/>
+                  <a:t>The likelihood ratio test for the significance of differences between nested models</a:t>
+                </a:r>
+              </a:p>
+              <a:p>
+                <a:r>
+                  <a:rPr lang="en-US" dirty="0"/>
+                  <a:t>Computing confidence intervals for empirical (as opposed to theoretical) variance estimates of observed values</a:t>
+                </a:r>
+                <a:endParaRPr dirty="0"/>
+              </a:p>
+            </p:txBody>
+          </p:sp>
+        </mc:Choice>
+        <mc:Fallback xmlns="">
+          <p:sp>
+            <p:nvSpPr>
+              <p:cNvPr id="3" name="Content Placeholder 2"/>
+              <p:cNvSpPr>
+                <a:spLocks noGrp="1" noRot="1" noChangeAspect="1" noMove="1" noResize="1" noEditPoints="1" noAdjustHandles="1" noChangeArrowheads="1" noChangeShapeType="1" noTextEdit="1"/>
+              </p:cNvSpPr>
+              <p:nvPr>
+                <p:ph idx="1"/>
+              </p:nvPr>
+            </p:nvSpPr>
+            <p:spPr>
+              <a:blipFill>
+                <a:blip r:embed="rId3"/>
+                <a:stretch>
+                  <a:fillRect l="-1111" t="-1436"/>
+                </a:stretch>
+              </a:blipFill>
+            </p:spPr>
+            <p:txBody>
+              <a:bodyPr/>
+              <a:lstStyle/>
+              <a:p>
+                <a:r>
+                  <a:rPr lang="en-US">
+                    <a:noFill/>
+                  </a:rPr>
+                  <a:t> </a:t>
+                </a:r>
+              </a:p>
+            </p:txBody>
+          </p:sp>
+        </mc:Fallback>
+      </mc:AlternateContent>
+    </p:spTree>
+    <p:extLst>
+      <p:ext uri="{BB962C8B-B14F-4D97-AF65-F5344CB8AC3E}">
+        <p14:creationId xmlns:p14="http://schemas.microsoft.com/office/powerpoint/2010/main" val="3313638990"/>
       </p:ext>
     </p:extLst>
   </p:cSld>
@@ -18971,7 +18623,7 @@
             <p:spPr/>
             <p:txBody>
               <a:bodyPr>
-                <a:normAutofit fontScale="92500" lnSpcReduction="20000"/>
+                <a:normAutofit lnSpcReduction="10000"/>
               </a:bodyPr>
               <a:lstStyle/>
               <a:p>
@@ -19106,23 +18758,12 @@
                 </a:r>
                 <a:r>
                   <a:rPr lang="en-US" dirty="0"/>
-                  <a:t> The mapping can be a count</a:t>
-                </a:r>
-              </a:p>
-              <a:p>
-                <a:pPr lvl="0"/>
-                <a:r>
-                  <a:rPr lang="en-US" b="1" dirty="0"/>
-                  <a:t>Example:</a:t>
-                </a:r>
-                <a:r>
-                  <a:rPr lang="en-US" dirty="0"/>
-                  <a:t> The function maps event, </a:t>
+                  <a:t> The mapping from, </a:t>
                 </a:r>
                 <a14:m>
                   <m:oMath xmlns:m="http://schemas.openxmlformats.org/officeDocument/2006/math">
                     <m:r>
-                      <a:rPr lang="en-US">
+                      <a:rPr lang="en-US" smtClean="0">
                         <a:latin typeface="Cambria Math" panose="02040503050406030204" pitchFamily="18" charset="0"/>
                       </a:rPr>
                       <m:t>𝜔</m:t>
@@ -19131,7 +18772,7 @@
                 </a14:m>
                 <a:r>
                   <a:rPr lang="en-US" dirty="0"/>
-                  <a:t>, to a real number, </a:t>
+                  <a:t>, a count in </a:t>
                 </a:r>
                 <a14:m>
                   <m:oMath xmlns:m="http://schemas.openxmlformats.org/officeDocument/2006/math">
@@ -19178,7 +18819,7 @@
               <a:blipFill>
                 <a:blip r:embed="rId2"/>
                 <a:stretch>
-                  <a:fillRect l="-963" t="-3052"/>
+                  <a:fillRect l="-1111" t="-2513" b="-3770"/>
                 </a:stretch>
               </a:blipFill>
             </p:spPr>
@@ -19222,8 +18863,8 @@
           <a:chExt cx="0" cy="0"/>
         </a:xfrm>
       </p:grpSpPr>
-      <mc:AlternateContent xmlns:mc="http://schemas.openxmlformats.org/markup-compatibility/2006">
-        <mc:Choice xmlns:a14="http://schemas.microsoft.com/office/drawing/2010/main" Requires="a14">
+      <mc:AlternateContent xmlns:mc="http://schemas.openxmlformats.org/markup-compatibility/2006" xmlns:a14="http://schemas.microsoft.com/office/drawing/2010/main">
+        <mc:Choice Requires="a14">
           <p:sp>
             <p:nvSpPr>
               <p:cNvPr id="2" name="Title 1"/>
@@ -19288,7 +18929,7 @@
             </p:txBody>
           </p:sp>
         </mc:Choice>
-        <mc:Fallback>
+        <mc:Fallback xmlns="">
           <p:sp>
             <p:nvSpPr>
               <p:cNvPr id="2" name="Title 1"/>
@@ -19322,258 +18963,8 @@
           </p:sp>
         </mc:Fallback>
       </mc:AlternateContent>
-      <mc:AlternateContent xmlns:mc="http://schemas.openxmlformats.org/markup-compatibility/2006">
-        <mc:Choice xmlns:a14="http://schemas.microsoft.com/office/drawing/2010/main" Requires="a14">
-          <p:sp>
-            <p:nvSpPr>
-              <p:cNvPr id="3" name="Content Placeholder 2"/>
-              <p:cNvSpPr>
-                <a:spLocks noGrp="1"/>
-              </p:cNvSpPr>
-              <p:nvPr>
-                <p:ph idx="1"/>
-              </p:nvPr>
-            </p:nvSpPr>
-            <p:spPr/>
-            <p:txBody>
-              <a:bodyPr>
-                <a:normAutofit/>
-              </a:bodyPr>
-              <a:lstStyle/>
-              <a:p>
-                <a:pPr marL="0" indent="0">
-                  <a:buNone/>
-                </a:pPr>
-                <a:r>
-                  <a:rPr lang="en-US" dirty="0"/>
-                  <a:t>The </a:t>
-                </a:r>
-                <a14:m>
-                  <m:oMath xmlns:m="http://schemas.openxmlformats.org/officeDocument/2006/math">
-                    <m:sSup>
-                      <m:sSupPr>
-                        <m:ctrlPr>
-                          <a:rPr lang="en-US" i="1" smtClean="0">
-                            <a:latin typeface="Cambria Math" panose="02040503050406030204" pitchFamily="18" charset="0"/>
-                          </a:rPr>
-                        </m:ctrlPr>
-                      </m:sSupPr>
-                      <m:e>
-                        <m:r>
-                          <m:rPr>
-                            <m:sty m:val="p"/>
-                          </m:rPr>
-                          <a:rPr lang="el-GR" i="1" smtClean="0">
-                            <a:latin typeface="Cambria Math" panose="02040503050406030204" pitchFamily="18" charset="0"/>
-                            <a:ea typeface="Cambria Math" panose="02040503050406030204" pitchFamily="18" charset="0"/>
-                          </a:rPr>
-                          <m:t>Χ</m:t>
-                        </m:r>
-                      </m:e>
-                      <m:sup>
-                        <m:r>
-                          <a:rPr lang="en-US" b="0" i="1" smtClean="0">
-                            <a:latin typeface="Cambria Math" panose="02040503050406030204" pitchFamily="18" charset="0"/>
-                          </a:rPr>
-                          <m:t>2</m:t>
-                        </m:r>
-                      </m:sup>
-                    </m:sSup>
-                  </m:oMath>
-                </a14:m>
-                <a:r>
-                  <a:rPr lang="en-US" dirty="0"/>
-                  <a:t> distribution is used to construct parametric hypothesis tests of differences in counts between groups and also:  </a:t>
-                </a:r>
-              </a:p>
-              <a:p>
-                <a:r>
-                  <a:rPr lang="en-US" dirty="0"/>
-                  <a:t>Constructing tests for the significance of fits of observed values to probability distributions</a:t>
-                </a:r>
-              </a:p>
-              <a:p>
-                <a:r>
-                  <a:rPr lang="en-US" dirty="0"/>
-                  <a:t>The likelihood ratio test for the significance of differences between nested models</a:t>
-                </a:r>
-              </a:p>
-              <a:p>
-                <a:r>
-                  <a:rPr lang="en-US" dirty="0"/>
-                  <a:t>Computing confidence intervals for empirical (as opposed to theoretical) variance estimates of observed values</a:t>
-                </a:r>
-                <a:endParaRPr dirty="0"/>
-              </a:p>
-            </p:txBody>
-          </p:sp>
-        </mc:Choice>
-        <mc:Fallback>
-          <p:sp>
-            <p:nvSpPr>
-              <p:cNvPr id="3" name="Content Placeholder 2"/>
-              <p:cNvSpPr>
-                <a:spLocks noGrp="1" noRot="1" noChangeAspect="1" noMove="1" noResize="1" noEditPoints="1" noAdjustHandles="1" noChangeArrowheads="1" noChangeShapeType="1" noTextEdit="1"/>
-              </p:cNvSpPr>
-              <p:nvPr>
-                <p:ph idx="1"/>
-              </p:nvPr>
-            </p:nvSpPr>
-            <p:spPr>
-              <a:blipFill>
-                <a:blip r:embed="rId3"/>
-                <a:stretch>
-                  <a:fillRect l="-1111" t="-1436"/>
-                </a:stretch>
-              </a:blipFill>
-            </p:spPr>
-            <p:txBody>
-              <a:bodyPr/>
-              <a:lstStyle/>
-              <a:p>
-                <a:r>
-                  <a:rPr lang="en-US">
-                    <a:noFill/>
-                  </a:rPr>
-                  <a:t> </a:t>
-                </a:r>
-              </a:p>
-            </p:txBody>
-          </p:sp>
-        </mc:Fallback>
-      </mc:AlternateContent>
-    </p:spTree>
-    <p:extLst>
-      <p:ext uri="{BB962C8B-B14F-4D97-AF65-F5344CB8AC3E}">
-        <p14:creationId xmlns:p14="http://schemas.microsoft.com/office/powerpoint/2010/main" val="3313638990"/>
-      </p:ext>
-    </p:extLst>
-  </p:cSld>
-  <p:clrMapOvr>
-    <a:masterClrMapping/>
-  </p:clrMapOvr>
-</p:sld>
-</file>
-
-<file path=ppt/slides/slide41.xml><?xml version="1.0" encoding="utf-8"?>
-<p:sld xmlns:a="http://schemas.openxmlformats.org/drawingml/2006/main" xmlns:r="http://schemas.openxmlformats.org/officeDocument/2006/relationships" xmlns:p="http://schemas.openxmlformats.org/presentationml/2006/main">
-  <p:cSld>
-    <p:spTree>
-      <p:nvGrpSpPr>
-        <p:cNvPr id="1" name=""/>
-        <p:cNvGrpSpPr/>
-        <p:nvPr/>
-      </p:nvGrpSpPr>
-      <p:grpSpPr>
-        <a:xfrm>
-          <a:off x="0" y="0"/>
-          <a:ext cx="0" cy="0"/>
-          <a:chOff x="0" y="0"/>
-          <a:chExt cx="0" cy="0"/>
-        </a:xfrm>
-      </p:grpSpPr>
-      <mc:AlternateContent xmlns:mc="http://schemas.openxmlformats.org/markup-compatibility/2006">
-        <mc:Choice xmlns:a14="http://schemas.microsoft.com/office/drawing/2010/main" Requires="a14">
-          <p:sp>
-            <p:nvSpPr>
-              <p:cNvPr id="2" name="Title 1"/>
-              <p:cNvSpPr>
-                <a:spLocks noGrp="1"/>
-              </p:cNvSpPr>
-              <p:nvPr>
-                <p:ph type="title"/>
-              </p:nvPr>
-            </p:nvSpPr>
-            <p:spPr/>
-            <p:txBody>
-              <a:bodyPr/>
-              <a:lstStyle/>
-              <a:p>
-                <a:pPr marL="0" lvl="0" indent="0">
-                  <a:buNone/>
-                </a:pPr>
-                <a:r>
-                  <a:rPr lang="en-US" dirty="0"/>
-                  <a:t>The </a:t>
-                </a:r>
-                <a14:m>
-                  <m:oMath xmlns:m="http://schemas.openxmlformats.org/officeDocument/2006/math">
-                    <m:sSup>
-                      <m:sSupPr>
-                        <m:ctrlPr>
-                          <a:rPr lang="en-US" i="1" smtClean="0">
-                            <a:latin typeface="Cambria Math" panose="02040503050406030204" pitchFamily="18" charset="0"/>
-                          </a:rPr>
-                        </m:ctrlPr>
-                      </m:sSupPr>
-                      <m:e>
-                        <m:r>
-                          <m:rPr>
-                            <m:sty m:val="p"/>
-                          </m:rPr>
-                          <a:rPr lang="el-GR" i="1" smtClean="0">
-                            <a:latin typeface="Cambria Math" panose="02040503050406030204" pitchFamily="18" charset="0"/>
-                            <a:ea typeface="Cambria Math" panose="02040503050406030204" pitchFamily="18" charset="0"/>
-                          </a:rPr>
-                          <m:t>Χ</m:t>
-                        </m:r>
-                      </m:e>
-                      <m:sup>
-                        <m:r>
-                          <a:rPr lang="en-US" b="0" i="1" smtClean="0">
-                            <a:latin typeface="Cambria Math" panose="02040503050406030204" pitchFamily="18" charset="0"/>
-                          </a:rPr>
-                          <m:t>2</m:t>
-                        </m:r>
-                      </m:sup>
-                    </m:sSup>
-                  </m:oMath>
-                </a14:m>
-                <a:r>
-                  <a:rPr lang="en-US" dirty="0"/>
-                  <a:t>distribution</a:t>
-                </a:r>
-                <a:endParaRPr dirty="0"/>
-              </a:p>
-            </p:txBody>
-          </p:sp>
-        </mc:Choice>
-        <mc:Fallback>
-          <p:sp>
-            <p:nvSpPr>
-              <p:cNvPr id="2" name="Title 1"/>
-              <p:cNvSpPr>
-                <a:spLocks noGrp="1" noRot="1" noChangeAspect="1" noMove="1" noResize="1" noEditPoints="1" noAdjustHandles="1" noChangeArrowheads="1" noChangeShapeType="1" noTextEdit="1"/>
-              </p:cNvSpPr>
-              <p:nvPr>
-                <p:ph type="title"/>
-              </p:nvPr>
-            </p:nvSpPr>
-            <p:spPr>
-              <a:blipFill>
-                <a:blip r:embed="rId2"/>
-                <a:stretch>
-                  <a:fillRect b="-10714"/>
-                </a:stretch>
-              </a:blipFill>
-            </p:spPr>
-            <p:txBody>
-              <a:bodyPr/>
-              <a:lstStyle/>
-              <a:p>
-                <a:r>
-                  <a:rPr lang="en-US">
-                    <a:noFill/>
-                  </a:rPr>
-                  <a:t> </a:t>
-                </a:r>
-              </a:p>
-            </p:txBody>
-          </p:sp>
-        </mc:Fallback>
-      </mc:AlternateContent>
-      <mc:AlternateContent xmlns:mc="http://schemas.openxmlformats.org/markup-compatibility/2006">
-        <mc:Choice xmlns:a14="http://schemas.microsoft.com/office/drawing/2010/main" Requires="a14">
+      <mc:AlternateContent xmlns:mc="http://schemas.openxmlformats.org/markup-compatibility/2006" xmlns:a14="http://schemas.microsoft.com/office/drawing/2010/main">
+        <mc:Choice Requires="a14">
           <p:sp>
             <p:nvSpPr>
               <p:cNvPr id="3" name="Content Placeholder 2"/>
@@ -20120,7 +19511,7 @@
             </p:txBody>
           </p:sp>
         </mc:Choice>
-        <mc:Fallback>
+        <mc:Fallback xmlns="">
           <p:sp>
             <p:nvSpPr>
               <p:cNvPr id="3" name="Content Placeholder 2"/>
@@ -20167,7 +19558,7 @@
 </p:sld>
 </file>
 
-<file path=ppt/slides/slide42.xml><?xml version="1.0" encoding="utf-8"?>
+<file path=ppt/slides/slide41.xml><?xml version="1.0" encoding="utf-8"?>
 <p:sld xmlns:a="http://schemas.openxmlformats.org/drawingml/2006/main" xmlns:r="http://schemas.openxmlformats.org/officeDocument/2006/relationships" xmlns:p="http://schemas.openxmlformats.org/presentationml/2006/main">
   <p:cSld>
     <p:spTree>
@@ -20184,8 +19575,8 @@
           <a:chExt cx="0" cy="0"/>
         </a:xfrm>
       </p:grpSpPr>
-      <mc:AlternateContent xmlns:mc="http://schemas.openxmlformats.org/markup-compatibility/2006">
-        <mc:Choice xmlns:a14="http://schemas.microsoft.com/office/drawing/2010/main" Requires="a14">
+      <mc:AlternateContent xmlns:mc="http://schemas.openxmlformats.org/markup-compatibility/2006" xmlns:a14="http://schemas.microsoft.com/office/drawing/2010/main">
+        <mc:Choice Requires="a14">
           <p:sp>
             <p:nvSpPr>
               <p:cNvPr id="2" name="Title 1"/>
@@ -20250,7 +19641,7 @@
             </p:txBody>
           </p:sp>
         </mc:Choice>
-        <mc:Fallback>
+        <mc:Fallback xmlns="">
           <p:sp>
             <p:nvSpPr>
               <p:cNvPr id="2" name="Title 1"/>
@@ -20284,8 +19675,8 @@
           </p:sp>
         </mc:Fallback>
       </mc:AlternateContent>
-      <mc:AlternateContent xmlns:mc="http://schemas.openxmlformats.org/markup-compatibility/2006">
-        <mc:Choice xmlns:a14="http://schemas.microsoft.com/office/drawing/2010/main" Requires="a14">
+      <mc:AlternateContent xmlns:mc="http://schemas.openxmlformats.org/markup-compatibility/2006" xmlns:a14="http://schemas.microsoft.com/office/drawing/2010/main">
+        <mc:Choice Requires="a14">
           <p:sp>
             <p:nvSpPr>
               <p:cNvPr id="3" name="Content Placeholder 2"/>
@@ -20832,7 +20223,7 @@
             </p:txBody>
           </p:sp>
         </mc:Choice>
-        <mc:Fallback>
+        <mc:Fallback xmlns="">
           <p:sp>
             <p:nvSpPr>
               <p:cNvPr id="3" name="Content Placeholder 2"/>
@@ -20879,7 +20270,7 @@
 </p:sld>
 </file>
 
-<file path=ppt/slides/slide43.xml><?xml version="1.0" encoding="utf-8"?>
+<file path=ppt/slides/slide42.xml><?xml version="1.0" encoding="utf-8"?>
 <p:sld xmlns:a="http://schemas.openxmlformats.org/drawingml/2006/main" xmlns:r="http://schemas.openxmlformats.org/officeDocument/2006/relationships" xmlns:p="http://schemas.openxmlformats.org/presentationml/2006/main">
   <p:cSld>
     <p:spTree>
@@ -20896,8 +20287,8 @@
           <a:chExt cx="0" cy="0"/>
         </a:xfrm>
       </p:grpSpPr>
-      <mc:AlternateContent xmlns:mc="http://schemas.openxmlformats.org/markup-compatibility/2006">
-        <mc:Choice xmlns:a14="http://schemas.microsoft.com/office/drawing/2010/main" Requires="a14">
+      <mc:AlternateContent xmlns:mc="http://schemas.openxmlformats.org/markup-compatibility/2006" xmlns:a14="http://schemas.microsoft.com/office/drawing/2010/main">
+        <mc:Choice Requires="a14">
           <p:sp>
             <p:nvSpPr>
               <p:cNvPr id="2" name="Title 1"/>
@@ -20962,7 +20353,7 @@
             </p:txBody>
           </p:sp>
         </mc:Choice>
-        <mc:Fallback>
+        <mc:Fallback xmlns="">
           <p:sp>
             <p:nvSpPr>
               <p:cNvPr id="2" name="Title 1"/>
@@ -20996,8 +20387,8 @@
           </p:sp>
         </mc:Fallback>
       </mc:AlternateContent>
-      <mc:AlternateContent xmlns:mc="http://schemas.openxmlformats.org/markup-compatibility/2006">
-        <mc:Choice xmlns:a14="http://schemas.microsoft.com/office/drawing/2010/main" Requires="a14">
+      <mc:AlternateContent xmlns:mc="http://schemas.openxmlformats.org/markup-compatibility/2006" xmlns:a14="http://schemas.microsoft.com/office/drawing/2010/main">
+        <mc:Choice Requires="a14">
           <p:sp>
             <p:nvSpPr>
               <p:cNvPr id="3" name="Content Placeholder 2"/>
@@ -21198,7 +20589,7 @@
             </p:txBody>
           </p:sp>
         </mc:Choice>
-        <mc:Fallback>
+        <mc:Fallback xmlns="">
           <p:sp>
             <p:nvSpPr>
               <p:cNvPr id="3" name="Content Placeholder 2"/>
@@ -21279,7 +20670,7 @@
 </p:sld>
 </file>
 
-<file path=ppt/slides/slide44.xml><?xml version="1.0" encoding="utf-8"?>
+<file path=ppt/slides/slide43.xml><?xml version="1.0" encoding="utf-8"?>
 <p:sld xmlns:a="http://schemas.openxmlformats.org/drawingml/2006/main" xmlns:r="http://schemas.openxmlformats.org/officeDocument/2006/relationships" xmlns:p="http://schemas.openxmlformats.org/presentationml/2006/main">
   <p:cSld>
     <p:spTree>
@@ -21296,8 +20687,8 @@
           <a:chExt cx="0" cy="0"/>
         </a:xfrm>
       </p:grpSpPr>
-      <mc:AlternateContent xmlns:mc="http://schemas.openxmlformats.org/markup-compatibility/2006">
-        <mc:Choice xmlns:a14="http://schemas.microsoft.com/office/drawing/2010/main" Requires="a14">
+      <mc:AlternateContent xmlns:mc="http://schemas.openxmlformats.org/markup-compatibility/2006" xmlns:a14="http://schemas.microsoft.com/office/drawing/2010/main">
+        <mc:Choice Requires="a14">
           <p:sp>
             <p:nvSpPr>
               <p:cNvPr id="2" name="Title 1"/>
@@ -21362,7 +20753,7 @@
             </p:txBody>
           </p:sp>
         </mc:Choice>
-        <mc:Fallback>
+        <mc:Fallback xmlns="">
           <p:sp>
             <p:nvSpPr>
               <p:cNvPr id="2" name="Title 1"/>
@@ -21396,8 +20787,8 @@
           </p:sp>
         </mc:Fallback>
       </mc:AlternateContent>
-      <mc:AlternateContent xmlns:mc="http://schemas.openxmlformats.org/markup-compatibility/2006">
-        <mc:Choice xmlns:a14="http://schemas.microsoft.com/office/drawing/2010/main" Requires="a14">
+      <mc:AlternateContent xmlns:mc="http://schemas.openxmlformats.org/markup-compatibility/2006" xmlns:a14="http://schemas.microsoft.com/office/drawing/2010/main">
+        <mc:Choice Requires="a14">
           <p:sp>
             <p:nvSpPr>
               <p:cNvPr id="3" name="Content Placeholder 2"/>
@@ -21500,7 +20891,7 @@
             </p:txBody>
           </p:sp>
         </mc:Choice>
-        <mc:Fallback>
+        <mc:Fallback xmlns="">
           <p:sp>
             <p:nvSpPr>
               <p:cNvPr id="3" name="Content Placeholder 2"/>
@@ -21581,7 +20972,7 @@
 </p:sld>
 </file>
 
-<file path=ppt/slides/slide45.xml><?xml version="1.0" encoding="utf-8"?>
+<file path=ppt/slides/slide44.xml><?xml version="1.0" encoding="utf-8"?>
 <p:sld xmlns:a="http://schemas.openxmlformats.org/drawingml/2006/main" xmlns:r="http://schemas.openxmlformats.org/officeDocument/2006/relationships" xmlns:p="http://schemas.openxmlformats.org/presentationml/2006/main">
   <p:cSld>
     <p:spTree>
@@ -21598,8 +20989,8 @@
           <a:chExt cx="0" cy="0"/>
         </a:xfrm>
       </p:grpSpPr>
-      <mc:AlternateContent xmlns:mc="http://schemas.openxmlformats.org/markup-compatibility/2006">
-        <mc:Choice xmlns:a14="http://schemas.microsoft.com/office/drawing/2010/main" Requires="a14">
+      <mc:AlternateContent xmlns:mc="http://schemas.openxmlformats.org/markup-compatibility/2006" xmlns:a14="http://schemas.microsoft.com/office/drawing/2010/main">
+        <mc:Choice Requires="a14">
           <p:sp>
             <p:nvSpPr>
               <p:cNvPr id="2" name="Title 1"/>
@@ -21664,7 +21055,7 @@
             </p:txBody>
           </p:sp>
         </mc:Choice>
-        <mc:Fallback>
+        <mc:Fallback xmlns="">
           <p:sp>
             <p:nvSpPr>
               <p:cNvPr id="2" name="Title 1"/>
@@ -21698,8 +21089,8 @@
           </p:sp>
         </mc:Fallback>
       </mc:AlternateContent>
-      <mc:AlternateContent xmlns:mc="http://schemas.openxmlformats.org/markup-compatibility/2006">
-        <mc:Choice xmlns:a14="http://schemas.microsoft.com/office/drawing/2010/main" Requires="a14">
+      <mc:AlternateContent xmlns:mc="http://schemas.openxmlformats.org/markup-compatibility/2006" xmlns:a14="http://schemas.microsoft.com/office/drawing/2010/main">
+        <mc:Choice Requires="a14">
           <p:sp>
             <p:nvSpPr>
               <p:cNvPr id="3" name="Content Placeholder 2"/>
@@ -21846,7 +21237,7 @@
             </p:txBody>
           </p:sp>
         </mc:Choice>
-        <mc:Fallback>
+        <mc:Fallback xmlns="">
           <p:sp>
             <p:nvSpPr>
               <p:cNvPr id="3" name="Content Placeholder 2"/>
@@ -21920,6 +21311,203 @@
         <p14:creationId xmlns:p14="http://schemas.microsoft.com/office/powerpoint/2010/main" val="2777306314"/>
       </p:ext>
     </p:extLst>
+  </p:cSld>
+  <p:clrMapOvr>
+    <a:masterClrMapping/>
+  </p:clrMapOvr>
+</p:sld>
+</file>
+
+<file path=ppt/slides/slide45.xml><?xml version="1.0" encoding="utf-8"?>
+<p:sld xmlns:a="http://schemas.openxmlformats.org/drawingml/2006/main" xmlns:r="http://schemas.openxmlformats.org/officeDocument/2006/relationships" xmlns:p="http://schemas.openxmlformats.org/presentationml/2006/main">
+  <p:cSld>
+    <p:spTree>
+      <p:nvGrpSpPr>
+        <p:cNvPr id="1" name=""/>
+        <p:cNvGrpSpPr/>
+        <p:nvPr/>
+      </p:nvGrpSpPr>
+      <p:grpSpPr>
+        <a:xfrm>
+          <a:off x="0" y="0"/>
+          <a:ext cx="0" cy="0"/>
+          <a:chOff x="0" y="0"/>
+          <a:chExt cx="0" cy="0"/>
+        </a:xfrm>
+      </p:grpSpPr>
+      <p:sp>
+        <p:nvSpPr>
+          <p:cNvPr id="2" name="Title 1"/>
+          <p:cNvSpPr>
+            <a:spLocks noGrp="1"/>
+          </p:cNvSpPr>
+          <p:nvPr>
+            <p:ph type="title"/>
+          </p:nvPr>
+        </p:nvSpPr>
+        <p:spPr/>
+        <p:txBody>
+          <a:bodyPr/>
+          <a:lstStyle/>
+          <a:p>
+            <a:pPr marL="0" lvl="0" indent="0">
+              <a:buNone/>
+            </a:pPr>
+            <a:r>
+              <a:t>Odds</a:t>
+            </a:r>
+          </a:p>
+        </p:txBody>
+      </p:sp>
+      <mc:AlternateContent xmlns:mc="http://schemas.openxmlformats.org/markup-compatibility/2006">
+        <mc:Choice xmlns:a14="http://schemas.microsoft.com/office/drawing/2010/main" Requires="a14">
+          <p:sp>
+            <p:nvSpPr>
+              <p:cNvPr id="3" name="Content Placeholder 2"/>
+              <p:cNvSpPr>
+                <a:spLocks noGrp="1"/>
+              </p:cNvSpPr>
+              <p:nvPr>
+                <p:ph idx="1"/>
+              </p:nvPr>
+            </p:nvSpPr>
+            <p:spPr/>
+            <p:txBody>
+              <a:bodyPr/>
+              <a:lstStyle/>
+              <a:p>
+                <a:pPr marL="0" lvl="0" indent="0">
+                  <a:buNone/>
+                </a:pPr>
+                <a:r>
+                  <a:rPr b="1"/>
+                  <a:t>Odds</a:t>
+                </a:r>
+                <a:r>
+                  <a:t> are the ratio of the number of ways an event occurs to the number of ways it does not occur</a:t>
+                </a:r>
+              </a:p>
+              <a:p>
+                <a:pPr lvl="0"/>
+                <a:r>
+                  <a:t>Can say that </a:t>
+                </a:r>
+                <a:r>
+                  <a:rPr b="1"/>
+                  <a:t>odds</a:t>
+                </a:r>
+                <a:r>
+                  <a:t> are the count of events in favor of an event vs. the count against the event</a:t>
+                </a:r>
+              </a:p>
+              <a:p>
+                <a:pPr lvl="0"/>
+                <a:r>
+                  <a:rPr b="1"/>
+                  <a:t>Example:</a:t>
+                </a:r>
+                <a:r>
+                  <a:t> Flip a fair coin, odds of getting heads are </a:t>
+                </a:r>
+                <a14:m>
+                  <m:oMath xmlns:m="http://schemas.openxmlformats.org/officeDocument/2006/math">
+                    <m:r>
+                      <a:rPr>
+                        <a:latin typeface="Cambria Math" panose="02040503050406030204" pitchFamily="18" charset="0"/>
+                      </a:rPr>
+                      <m:t>1</m:t>
+                    </m:r>
+                    <m:r>
+                      <a:rPr>
+                        <a:latin typeface="Cambria Math" panose="02040503050406030204" pitchFamily="18" charset="0"/>
+                      </a:rPr>
+                      <m:t>:</m:t>
+                    </m:r>
+                    <m:r>
+                      <a:rPr>
+                        <a:latin typeface="Cambria Math" panose="02040503050406030204" pitchFamily="18" charset="0"/>
+                      </a:rPr>
+                      <m:t>1</m:t>
+                    </m:r>
+                  </m:oMath>
+                </a14:m>
+                <a:r>
+                  <a:t> (1 in 1)</a:t>
+                </a:r>
+              </a:p>
+              <a:p>
+                <a:pPr lvl="0"/>
+                <a:r>
+                  <a:rPr b="1"/>
+                  <a:t>Example:</a:t>
+                </a:r>
+                <a:r>
+                  <a:t> Roll a single fair die your odds of rolling a 6 are </a:t>
+                </a:r>
+                <a14:m>
+                  <m:oMath xmlns:m="http://schemas.openxmlformats.org/officeDocument/2006/math">
+                    <m:r>
+                      <a:rPr>
+                        <a:latin typeface="Cambria Math" panose="02040503050406030204" pitchFamily="18" charset="0"/>
+                      </a:rPr>
+                      <m:t>1</m:t>
+                    </m:r>
+                    <m:r>
+                      <a:rPr>
+                        <a:latin typeface="Cambria Math" panose="02040503050406030204" pitchFamily="18" charset="0"/>
+                      </a:rPr>
+                      <m:t>:</m:t>
+                    </m:r>
+                    <m:r>
+                      <a:rPr>
+                        <a:latin typeface="Cambria Math" panose="02040503050406030204" pitchFamily="18" charset="0"/>
+                      </a:rPr>
+                      <m:t>5</m:t>
+                    </m:r>
+                  </m:oMath>
+                </a14:m>
+                <a:r>
+                  <a:t> (1 in 5), or 0.2</a:t>
+                </a:r>
+              </a:p>
+            </p:txBody>
+          </p:sp>
+        </mc:Choice>
+        <mc:Fallback>
+          <p:sp>
+            <p:nvSpPr>
+              <p:cNvPr id="3" name="Content Placeholder 2"/>
+              <p:cNvSpPr>
+                <a:spLocks noGrp="1" noRot="1" noChangeAspect="1" noMove="1" noResize="1" noEditPoints="1" noAdjustHandles="1" noChangeArrowheads="1" noChangeShapeType="1" noTextEdit="1"/>
+              </p:cNvSpPr>
+              <p:nvPr>
+                <p:ph idx="1"/>
+              </p:nvPr>
+            </p:nvSpPr>
+            <p:spPr>
+              <a:blipFill>
+                <a:blip r:embed="rId2"/>
+                <a:stretch>
+                  <a:fillRect l="-1111" t="-1436" r="-815"/>
+                </a:stretch>
+              </a:blipFill>
+            </p:spPr>
+            <p:txBody>
+              <a:bodyPr/>
+              <a:lstStyle/>
+              <a:p>
+                <a:r>
+                  <a:rPr lang="en-US">
+                    <a:noFill/>
+                  </a:rPr>
+                  <a:t> </a:t>
+                </a:r>
+              </a:p>
+            </p:txBody>
+          </p:sp>
+        </mc:Fallback>
+      </mc:AlternateContent>
+    </p:spTree>
   </p:cSld>
   <p:clrMapOvr>
     <a:masterClrMapping/>
@@ -21968,168 +21556,8 @@
           </a:p>
         </p:txBody>
       </p:sp>
-      <p:sp>
-        <p:nvSpPr>
-          <p:cNvPr id="3" name="Content Placeholder 2"/>
-          <p:cNvSpPr>
-            <a:spLocks noGrp="1"/>
-          </p:cNvSpPr>
-          <p:nvPr>
-            <p:ph idx="1"/>
-          </p:nvPr>
-        </p:nvSpPr>
-        <p:spPr/>
-        <p:txBody>
-          <a:bodyPr/>
-          <a:lstStyle/>
-          <a:p>
-            <a:pPr marL="0" lvl="0" indent="0">
-              <a:buNone/>
-            </a:pPr>
-            <a:r>
-              <a:rPr b="1"/>
-              <a:t>Odds</a:t>
-            </a:r>
-            <a:r>
-              <a:t> are the ratio of the number of ways an event occurs to the number of ways it does not occur</a:t>
-            </a:r>
-          </a:p>
-          <a:p>
-            <a:pPr lvl="0"/>
-            <a:r>
-              <a:t>Can say that </a:t>
-            </a:r>
-            <a:r>
-              <a:rPr b="1"/>
-              <a:t>odds</a:t>
-            </a:r>
-            <a:r>
-              <a:t> are the count of events in favor of an event vs. the count against the event</a:t>
-            </a:r>
-          </a:p>
-          <a:p>
-            <a:pPr lvl="0"/>
-            <a:r>
-              <a:rPr b="1"/>
-              <a:t>Example:</a:t>
-            </a:r>
-            <a:r>
-              <a:t> Flip a fair coin, odds of getting heads are </a:t>
-            </a:r>
-            <a14:m xmlns:a14="http://schemas.microsoft.com/office/drawing/2010/main">
-              <m:oMath xmlns:m="http://schemas.openxmlformats.org/officeDocument/2006/math">
-                <m:r>
-                  <a:rPr>
-                    <a:latin typeface="Cambria Math" panose="02040503050406030204" pitchFamily="18" charset="0"/>
-                  </a:rPr>
-                  <m:t>1</m:t>
-                </m:r>
-                <m:r>
-                  <a:rPr>
-                    <a:latin typeface="Cambria Math" panose="02040503050406030204" pitchFamily="18" charset="0"/>
-                  </a:rPr>
-                  <m:t>:</m:t>
-                </m:r>
-                <m:r>
-                  <a:rPr>
-                    <a:latin typeface="Cambria Math" panose="02040503050406030204" pitchFamily="18" charset="0"/>
-                  </a:rPr>
-                  <m:t>1</m:t>
-                </m:r>
-              </m:oMath>
-            </a14:m>
-            <a:r>
-              <a:t> (1 in 1)</a:t>
-            </a:r>
-          </a:p>
-          <a:p>
-            <a:pPr lvl="0"/>
-            <a:r>
-              <a:rPr b="1"/>
-              <a:t>Example:</a:t>
-            </a:r>
-            <a:r>
-              <a:t> Roll a single fair die your odds of rolling a 6 are </a:t>
-            </a:r>
-            <a14:m xmlns:a14="http://schemas.microsoft.com/office/drawing/2010/main">
-              <m:oMath xmlns:m="http://schemas.openxmlformats.org/officeDocument/2006/math">
-                <m:r>
-                  <a:rPr>
-                    <a:latin typeface="Cambria Math" panose="02040503050406030204" pitchFamily="18" charset="0"/>
-                  </a:rPr>
-                  <m:t>1</m:t>
-                </m:r>
-                <m:r>
-                  <a:rPr>
-                    <a:latin typeface="Cambria Math" panose="02040503050406030204" pitchFamily="18" charset="0"/>
-                  </a:rPr>
-                  <m:t>:</m:t>
-                </m:r>
-                <m:r>
-                  <a:rPr>
-                    <a:latin typeface="Cambria Math" panose="02040503050406030204" pitchFamily="18" charset="0"/>
-                  </a:rPr>
-                  <m:t>5</m:t>
-                </m:r>
-              </m:oMath>
-            </a14:m>
-            <a:r>
-              <a:t> (1 in 5), or 0.2</a:t>
-            </a:r>
-          </a:p>
-        </p:txBody>
-      </p:sp>
-    </p:spTree>
-  </p:cSld>
-  <p:clrMapOvr>
-    <a:masterClrMapping/>
-  </p:clrMapOvr>
-</p:sld>
-</file>
-
-<file path=ppt/slides/slide47.xml><?xml version="1.0" encoding="utf-8"?>
-<p:sld xmlns:a="http://schemas.openxmlformats.org/drawingml/2006/main" xmlns:r="http://schemas.openxmlformats.org/officeDocument/2006/relationships" xmlns:p="http://schemas.openxmlformats.org/presentationml/2006/main">
-  <p:cSld>
-    <p:spTree>
-      <p:nvGrpSpPr>
-        <p:cNvPr id="1" name=""/>
-        <p:cNvGrpSpPr/>
-        <p:nvPr/>
-      </p:nvGrpSpPr>
-      <p:grpSpPr>
-        <a:xfrm>
-          <a:off x="0" y="0"/>
-          <a:ext cx="0" cy="0"/>
-          <a:chOff x="0" y="0"/>
-          <a:chExt cx="0" cy="0"/>
-        </a:xfrm>
-      </p:grpSpPr>
-      <p:sp>
-        <p:nvSpPr>
-          <p:cNvPr id="2" name="Title 1"/>
-          <p:cNvSpPr>
-            <a:spLocks noGrp="1"/>
-          </p:cNvSpPr>
-          <p:nvPr>
-            <p:ph type="title"/>
-          </p:nvPr>
-        </p:nvSpPr>
-        <p:spPr/>
-        <p:txBody>
-          <a:bodyPr/>
-          <a:lstStyle/>
-          <a:p>
-            <a:pPr marL="0" lvl="0" indent="0">
-              <a:buNone/>
-            </a:pPr>
-            <a:r>
-              <a:t>Odds</a:t>
-            </a:r>
-          </a:p>
-        </p:txBody>
-      </p:sp>
-      <mc:AlternateContent xmlns:mc="http://schemas.openxmlformats.org/markup-compatibility/2006">
-        <mc:Choice xmlns:a14="http://schemas.microsoft.com/office/drawing/2010/main" Requires="a14">
+      <mc:AlternateContent xmlns:mc="http://schemas.openxmlformats.org/markup-compatibility/2006" xmlns:a14="http://schemas.microsoft.com/office/drawing/2010/main">
+        <mc:Choice Requires="a14">
           <p:sp>
             <p:nvSpPr>
               <p:cNvPr id="3" name="Content Placeholder 2"/>
@@ -22815,7 +22243,7 @@
                     <m:f>
                       <m:fPr>
                         <m:ctrlPr>
-                          <a:rPr lang="ar-AE">
+                          <a:rPr lang="ar-AE" i="1">
                             <a:latin typeface="Cambria Math" panose="02040503050406030204" pitchFamily="18" charset="0"/>
                           </a:rPr>
                         </m:ctrlPr>
@@ -22864,7 +22292,7 @@
             </p:txBody>
           </p:sp>
         </mc:Choice>
-        <mc:Fallback>
+        <mc:Fallback xmlns="">
           <p:sp>
             <p:nvSpPr>
               <p:cNvPr id="3" name="Content Placeholder 2"/>
@@ -22884,6 +22312,655 @@
                 <a:blip r:embed="rId3"/>
                 <a:stretch>
                   <a:fillRect l="-444" t="-1645"/>
+                </a:stretch>
+              </a:blipFill>
+            </p:spPr>
+            <p:txBody>
+              <a:bodyPr/>
+              <a:lstStyle/>
+              <a:p>
+                <a:r>
+                  <a:rPr lang="en-US">
+                    <a:noFill/>
+                  </a:rPr>
+                  <a:t> </a:t>
+                </a:r>
+              </a:p>
+            </p:txBody>
+          </p:sp>
+        </mc:Fallback>
+      </mc:AlternateContent>
+    </p:spTree>
+  </p:cSld>
+  <p:clrMapOvr>
+    <a:masterClrMapping/>
+  </p:clrMapOvr>
+</p:sld>
+</file>
+
+<file path=ppt/slides/slide47.xml><?xml version="1.0" encoding="utf-8"?>
+<p:sld xmlns:a="http://schemas.openxmlformats.org/drawingml/2006/main" xmlns:r="http://schemas.openxmlformats.org/officeDocument/2006/relationships" xmlns:p="http://schemas.openxmlformats.org/presentationml/2006/main">
+  <p:cSld>
+    <p:spTree>
+      <p:nvGrpSpPr>
+        <p:cNvPr id="1" name=""/>
+        <p:cNvGrpSpPr/>
+        <p:nvPr/>
+      </p:nvGrpSpPr>
+      <p:grpSpPr>
+        <a:xfrm>
+          <a:off x="0" y="0"/>
+          <a:ext cx="0" cy="0"/>
+          <a:chOff x="0" y="0"/>
+          <a:chExt cx="0" cy="0"/>
+        </a:xfrm>
+      </p:grpSpPr>
+      <p:sp>
+        <p:nvSpPr>
+          <p:cNvPr id="2" name="Title 1"/>
+          <p:cNvSpPr>
+            <a:spLocks noGrp="1"/>
+          </p:cNvSpPr>
+          <p:nvPr>
+            <p:ph type="title"/>
+          </p:nvPr>
+        </p:nvSpPr>
+        <p:spPr/>
+        <p:txBody>
+          <a:bodyPr/>
+          <a:lstStyle/>
+          <a:p>
+            <a:pPr marL="0" lvl="0" indent="0">
+              <a:buNone/>
+            </a:pPr>
+            <a:r>
+              <a:t>Summary</a:t>
+            </a:r>
+          </a:p>
+        </p:txBody>
+      </p:sp>
+      <mc:AlternateContent xmlns:mc="http://schemas.openxmlformats.org/markup-compatibility/2006" xmlns:a14="http://schemas.microsoft.com/office/drawing/2010/main">
+        <mc:Choice Requires="a14">
+          <p:sp>
+            <p:nvSpPr>
+              <p:cNvPr id="3" name="Content Placeholder 2"/>
+              <p:cNvSpPr>
+                <a:spLocks noGrp="1"/>
+              </p:cNvSpPr>
+              <p:nvPr>
+                <p:ph idx="1"/>
+              </p:nvPr>
+            </p:nvSpPr>
+            <p:spPr/>
+            <p:txBody>
+              <a:bodyPr>
+                <a:normAutofit fontScale="92500"/>
+              </a:bodyPr>
+              <a:lstStyle/>
+              <a:p>
+                <a:pPr lvl="0"/>
+                <a:r>
+                  <a:rPr dirty="0"/>
+                  <a:t>Axioms of probability; for discrete distribution</a:t>
+                </a:r>
+              </a:p>
+              <a:p>
+                <a:pPr marL="0" lvl="0" indent="0">
+                  <a:buNone/>
+                </a:pPr>
+                <a14:m>
+                  <m:oMathPara xmlns:m="http://schemas.openxmlformats.org/officeDocument/2006/math">
+                    <m:oMathParaPr>
+                      <m:jc m:val="center"/>
+                    </m:oMathParaPr>
+                    <m:oMath xmlns:m="http://schemas.openxmlformats.org/officeDocument/2006/math">
+                      <m:r>
+                        <a:rPr>
+                          <a:latin typeface="Cambria Math" panose="02040503050406030204" pitchFamily="18" charset="0"/>
+                        </a:rPr>
+                        <m:t>0</m:t>
+                      </m:r>
+                      <m:r>
+                        <a:rPr>
+                          <a:latin typeface="Cambria Math" panose="02040503050406030204" pitchFamily="18" charset="0"/>
+                        </a:rPr>
+                        <m:t>&lt;</m:t>
+                      </m:r>
+                      <m:r>
+                        <a:rPr>
+                          <a:latin typeface="Cambria Math" panose="02040503050406030204" pitchFamily="18" charset="0"/>
+                        </a:rPr>
+                        <m:t>𝑃</m:t>
+                      </m:r>
+                      <m:d>
+                        <m:dPr>
+                          <m:ctrlPr>
+                            <a:rPr i="1">
+                              <a:latin typeface="Cambria Math" panose="02040503050406030204" pitchFamily="18" charset="0"/>
+                            </a:rPr>
+                          </m:ctrlPr>
+                        </m:dPr>
+                        <m:e>
+                          <m:r>
+                            <a:rPr>
+                              <a:latin typeface="Cambria Math" panose="02040503050406030204" pitchFamily="18" charset="0"/>
+                            </a:rPr>
+                            <m:t>𝐴</m:t>
+                          </m:r>
+                        </m:e>
+                      </m:d>
+                      <m:r>
+                        <a:rPr>
+                          <a:latin typeface="Cambria Math" panose="02040503050406030204" pitchFamily="18" charset="0"/>
+                        </a:rPr>
+                        <m:t>≤</m:t>
+                      </m:r>
+                      <m:r>
+                        <a:rPr>
+                          <a:latin typeface="Cambria Math" panose="02040503050406030204" pitchFamily="18" charset="0"/>
+                        </a:rPr>
+                        <m:t>1</m:t>
+                      </m:r>
+                    </m:oMath>
+                  </m:oMathPara>
+                </a14:m>
+                <a:endParaRPr dirty="0"/>
+              </a:p>
+              <a:p>
+                <a:pPr marL="0" lvl="0" indent="0">
+                  <a:buNone/>
+                </a:pPr>
+                <a14:m>
+                  <m:oMathPara xmlns:m="http://schemas.openxmlformats.org/officeDocument/2006/math">
+                    <m:oMathParaPr>
+                      <m:jc m:val="center"/>
+                    </m:oMathParaPr>
+                    <m:oMath xmlns:m="http://schemas.openxmlformats.org/officeDocument/2006/math">
+                      <m:r>
+                        <a:rPr>
+                          <a:latin typeface="Cambria Math" panose="02040503050406030204" pitchFamily="18" charset="0"/>
+                        </a:rPr>
+                        <m:t>𝑃</m:t>
+                      </m:r>
+                      <m:d>
+                        <m:dPr>
+                          <m:ctrlPr>
+                            <a:rPr i="1">
+                              <a:latin typeface="Cambria Math" panose="02040503050406030204" pitchFamily="18" charset="0"/>
+                            </a:rPr>
+                          </m:ctrlPr>
+                        </m:dPr>
+                        <m:e>
+                          <m:r>
+                            <a:rPr>
+                              <a:latin typeface="Cambria Math" panose="02040503050406030204" pitchFamily="18" charset="0"/>
+                            </a:rPr>
+                            <m:t>𝑆</m:t>
+                          </m:r>
+                        </m:e>
+                      </m:d>
+                      <m:r>
+                        <a:rPr>
+                          <a:latin typeface="Cambria Math" panose="02040503050406030204" pitchFamily="18" charset="0"/>
+                        </a:rPr>
+                        <m:t>=</m:t>
+                      </m:r>
+                      <m:nary>
+                        <m:naryPr>
+                          <m:chr m:val="∑"/>
+                          <m:limLoc m:val="undOvr"/>
+                          <m:ctrlPr>
+                            <a:rPr i="1">
+                              <a:latin typeface="Cambria Math" panose="02040503050406030204" pitchFamily="18" charset="0"/>
+                            </a:rPr>
+                          </m:ctrlPr>
+                        </m:naryPr>
+                        <m:sub>
+                          <m:sSub>
+                            <m:sSubPr>
+                              <m:ctrlPr>
+                                <a:rPr i="1">
+                                  <a:latin typeface="Cambria Math" panose="02040503050406030204" pitchFamily="18" charset="0"/>
+                                </a:rPr>
+                              </m:ctrlPr>
+                            </m:sSubPr>
+                            <m:e>
+                              <m:r>
+                                <a:rPr>
+                                  <a:latin typeface="Cambria Math" panose="02040503050406030204" pitchFamily="18" charset="0"/>
+                                </a:rPr>
+                                <m:t>𝑎</m:t>
+                              </m:r>
+                            </m:e>
+                            <m:sub>
+                              <m:r>
+                                <a:rPr>
+                                  <a:latin typeface="Cambria Math" panose="02040503050406030204" pitchFamily="18" charset="0"/>
+                                </a:rPr>
+                                <m:t>𝑖</m:t>
+                              </m:r>
+                            </m:sub>
+                          </m:sSub>
+                          <m:r>
+                            <a:rPr>
+                              <a:latin typeface="Cambria Math" panose="02040503050406030204" pitchFamily="18" charset="0"/>
+                            </a:rPr>
+                            <m:t>∈</m:t>
+                          </m:r>
+                          <m:r>
+                            <a:rPr>
+                              <a:latin typeface="Cambria Math" panose="02040503050406030204" pitchFamily="18" charset="0"/>
+                            </a:rPr>
+                            <m:t>𝐴</m:t>
+                          </m:r>
+                        </m:sub>
+                        <m:sup>
+                          <m:r>
+                            <a:rPr>
+                              <a:latin typeface="Cambria Math" panose="02040503050406030204" pitchFamily="18" charset="0"/>
+                            </a:rPr>
+                            <m:t>​</m:t>
+                          </m:r>
+                        </m:sup>
+                        <m:e>
+                          <m:r>
+                            <a:rPr>
+                              <a:latin typeface="Cambria Math" panose="02040503050406030204" pitchFamily="18" charset="0"/>
+                            </a:rPr>
+                            <m:t>𝑃</m:t>
+                          </m:r>
+                        </m:e>
+                      </m:nary>
+                      <m:d>
+                        <m:dPr>
+                          <m:ctrlPr>
+                            <a:rPr i="1">
+                              <a:latin typeface="Cambria Math" panose="02040503050406030204" pitchFamily="18" charset="0"/>
+                            </a:rPr>
+                          </m:ctrlPr>
+                        </m:dPr>
+                        <m:e>
+                          <m:sSub>
+                            <m:sSubPr>
+                              <m:ctrlPr>
+                                <a:rPr i="1">
+                                  <a:latin typeface="Cambria Math" panose="02040503050406030204" pitchFamily="18" charset="0"/>
+                                </a:rPr>
+                              </m:ctrlPr>
+                            </m:sSubPr>
+                            <m:e>
+                              <m:r>
+                                <a:rPr>
+                                  <a:latin typeface="Cambria Math" panose="02040503050406030204" pitchFamily="18" charset="0"/>
+                                </a:rPr>
+                                <m:t>𝑎</m:t>
+                              </m:r>
+                            </m:e>
+                            <m:sub>
+                              <m:r>
+                                <a:rPr>
+                                  <a:latin typeface="Cambria Math" panose="02040503050406030204" pitchFamily="18" charset="0"/>
+                                </a:rPr>
+                                <m:t>𝑖</m:t>
+                              </m:r>
+                            </m:sub>
+                          </m:sSub>
+                        </m:e>
+                      </m:d>
+                      <m:r>
+                        <a:rPr>
+                          <a:latin typeface="Cambria Math" panose="02040503050406030204" pitchFamily="18" charset="0"/>
+                        </a:rPr>
+                        <m:t>=</m:t>
+                      </m:r>
+                      <m:r>
+                        <a:rPr>
+                          <a:latin typeface="Cambria Math" panose="02040503050406030204" pitchFamily="18" charset="0"/>
+                        </a:rPr>
+                        <m:t>1</m:t>
+                      </m:r>
+                    </m:oMath>
+                  </m:oMathPara>
+                </a14:m>
+                <a:endParaRPr dirty="0"/>
+              </a:p>
+              <a:p>
+                <a:pPr marL="0" indent="0">
+                  <a:buNone/>
+                </a:pPr>
+                <a14:m>
+                  <m:oMathPara xmlns:m="http://schemas.openxmlformats.org/officeDocument/2006/math">
+                    <m:oMathParaPr>
+                      <m:jc m:val="centerGroup"/>
+                    </m:oMathParaPr>
+                    <m:oMath xmlns:m="http://schemas.openxmlformats.org/officeDocument/2006/math">
+                      <m:r>
+                        <a:rPr lang="en-US" b="0" i="1" smtClean="0">
+                          <a:latin typeface="Cambria Math" panose="02040503050406030204" pitchFamily="18" charset="0"/>
+                        </a:rPr>
+                        <m:t>𝑃</m:t>
+                      </m:r>
+                      <m:d>
+                        <m:dPr>
+                          <m:ctrlPr>
+                            <a:rPr lang="en-US" b="0" i="1" smtClean="0">
+                              <a:latin typeface="Cambria Math" panose="02040503050406030204" pitchFamily="18" charset="0"/>
+                            </a:rPr>
+                          </m:ctrlPr>
+                        </m:dPr>
+                        <m:e>
+                          <m:r>
+                            <a:rPr lang="en-US" b="0" i="1" smtClean="0">
+                              <a:latin typeface="Cambria Math" panose="02040503050406030204" pitchFamily="18" charset="0"/>
+                            </a:rPr>
+                            <m:t>𝐴</m:t>
+                          </m:r>
+                          <m:r>
+                            <a:rPr lang="en-US" b="0" i="1" smtClean="0">
+                              <a:latin typeface="Cambria Math" panose="02040503050406030204" pitchFamily="18" charset="0"/>
+                              <a:ea typeface="Cambria Math" panose="02040503050406030204" pitchFamily="18" charset="0"/>
+                            </a:rPr>
+                            <m:t>∪</m:t>
+                          </m:r>
+                          <m:r>
+                            <a:rPr lang="en-US" b="0" i="1" smtClean="0">
+                              <a:latin typeface="Cambria Math" panose="02040503050406030204" pitchFamily="18" charset="0"/>
+                              <a:ea typeface="Cambria Math" panose="02040503050406030204" pitchFamily="18" charset="0"/>
+                            </a:rPr>
+                            <m:t>𝐵</m:t>
+                          </m:r>
+                        </m:e>
+                      </m:d>
+                      <m:r>
+                        <a:rPr lang="en-US" b="0" i="1" smtClean="0">
+                          <a:latin typeface="Cambria Math" panose="02040503050406030204" pitchFamily="18" charset="0"/>
+                        </a:rPr>
+                        <m:t>=</m:t>
+                      </m:r>
+                      <m:r>
+                        <a:rPr lang="en-US" b="0" i="1" smtClean="0">
+                          <a:latin typeface="Cambria Math" panose="02040503050406030204" pitchFamily="18" charset="0"/>
+                        </a:rPr>
+                        <m:t>𝑃</m:t>
+                      </m:r>
+                      <m:d>
+                        <m:dPr>
+                          <m:ctrlPr>
+                            <a:rPr lang="en-US" b="0" i="1" smtClean="0">
+                              <a:latin typeface="Cambria Math" panose="02040503050406030204" pitchFamily="18" charset="0"/>
+                            </a:rPr>
+                          </m:ctrlPr>
+                        </m:dPr>
+                        <m:e>
+                          <m:r>
+                            <a:rPr lang="en-US" b="0" i="1" smtClean="0">
+                              <a:latin typeface="Cambria Math" panose="02040503050406030204" pitchFamily="18" charset="0"/>
+                            </a:rPr>
+                            <m:t>𝐴</m:t>
+                          </m:r>
+                        </m:e>
+                      </m:d>
+                      <m:r>
+                        <a:rPr lang="en-US" b="0" i="1" smtClean="0">
+                          <a:latin typeface="Cambria Math" panose="02040503050406030204" pitchFamily="18" charset="0"/>
+                        </a:rPr>
+                        <m:t>+</m:t>
+                      </m:r>
+                      <m:r>
+                        <a:rPr lang="en-US" b="0" i="1" smtClean="0">
+                          <a:latin typeface="Cambria Math" panose="02040503050406030204" pitchFamily="18" charset="0"/>
+                        </a:rPr>
+                        <m:t>𝑃</m:t>
+                      </m:r>
+                      <m:d>
+                        <m:dPr>
+                          <m:ctrlPr>
+                            <a:rPr lang="en-US" b="0" i="1" smtClean="0">
+                              <a:latin typeface="Cambria Math" panose="02040503050406030204" pitchFamily="18" charset="0"/>
+                            </a:rPr>
+                          </m:ctrlPr>
+                        </m:dPr>
+                        <m:e>
+                          <m:r>
+                            <a:rPr lang="en-US" b="0" i="1" smtClean="0">
+                              <a:latin typeface="Cambria Math" panose="02040503050406030204" pitchFamily="18" charset="0"/>
+                            </a:rPr>
+                            <m:t>𝐵</m:t>
+                          </m:r>
+                        </m:e>
+                      </m:d>
+                      <m:r>
+                        <a:rPr lang="en-US" b="0" i="1" smtClean="0">
+                          <a:latin typeface="Cambria Math" panose="02040503050406030204" pitchFamily="18" charset="0"/>
+                        </a:rPr>
+                        <m:t>, </m:t>
+                      </m:r>
+                      <m:r>
+                        <a:rPr lang="en-US" b="0" i="1" smtClean="0">
+                          <a:latin typeface="Cambria Math" panose="02040503050406030204" pitchFamily="18" charset="0"/>
+                        </a:rPr>
+                        <m:t>𝑖𝑓</m:t>
+                      </m:r>
+                      <m:r>
+                        <a:rPr lang="en-US" b="0" i="1" smtClean="0">
+                          <a:latin typeface="Cambria Math" panose="02040503050406030204" pitchFamily="18" charset="0"/>
+                        </a:rPr>
+                        <m:t> </m:t>
+                      </m:r>
+                      <m:r>
+                        <a:rPr lang="en-US" b="0" i="1" smtClean="0">
+                          <a:latin typeface="Cambria Math" panose="02040503050406030204" pitchFamily="18" charset="0"/>
+                        </a:rPr>
+                        <m:t>𝐴</m:t>
+                      </m:r>
+                      <m:r>
+                        <a:rPr lang="en-US" b="0" i="1" smtClean="0">
+                          <a:latin typeface="Cambria Math" panose="02040503050406030204" pitchFamily="18" charset="0"/>
+                          <a:ea typeface="Cambria Math" panose="02040503050406030204" pitchFamily="18" charset="0"/>
+                        </a:rPr>
+                        <m:t>⊥</m:t>
+                      </m:r>
+                      <m:r>
+                        <a:rPr lang="en-US" b="0" i="1" smtClean="0">
+                          <a:latin typeface="Cambria Math" panose="02040503050406030204" pitchFamily="18" charset="0"/>
+                          <a:ea typeface="Cambria Math" panose="02040503050406030204" pitchFamily="18" charset="0"/>
+                        </a:rPr>
+                        <m:t>𝐵</m:t>
+                      </m:r>
+                    </m:oMath>
+                  </m:oMathPara>
+                </a14:m>
+                <a:endParaRPr dirty="0"/>
+              </a:p>
+              <a:p>
+                <a:pPr lvl="0"/>
+                <a:r>
+                  <a:rPr dirty="0"/>
+                  <a:t>Expectation</a:t>
+                </a:r>
+              </a:p>
+              <a:p>
+                <a:pPr marL="0" lvl="0" indent="0">
+                  <a:buNone/>
+                </a:pPr>
+                <a14:m>
+                  <m:oMathPara xmlns:m="http://schemas.openxmlformats.org/officeDocument/2006/math">
+                    <m:oMathParaPr>
+                      <m:jc m:val="center"/>
+                    </m:oMathParaPr>
+                    <m:oMath xmlns:m="http://schemas.openxmlformats.org/officeDocument/2006/math">
+                      <m:r>
+                        <m:rPr>
+                          <m:sty m:val="p"/>
+                        </m:rPr>
+                        <a:rPr>
+                          <a:latin typeface="Cambria Math" panose="02040503050406030204" pitchFamily="18" charset="0"/>
+                        </a:rPr>
+                        <m:t>E</m:t>
+                      </m:r>
+                      <m:d>
+                        <m:dPr>
+                          <m:begChr m:val="["/>
+                          <m:endChr m:val="]"/>
+                          <m:ctrlPr>
+                            <a:rPr i="1">
+                              <a:latin typeface="Cambria Math" panose="02040503050406030204" pitchFamily="18" charset="0"/>
+                            </a:rPr>
+                          </m:ctrlPr>
+                        </m:dPr>
+                        <m:e>
+                          <m:r>
+                            <a:rPr>
+                              <a:latin typeface="Cambria Math" panose="02040503050406030204" pitchFamily="18" charset="0"/>
+                            </a:rPr>
+                            <m:t>𝐗</m:t>
+                          </m:r>
+                        </m:e>
+                      </m:d>
+                      <m:r>
+                        <a:rPr>
+                          <a:latin typeface="Cambria Math" panose="02040503050406030204" pitchFamily="18" charset="0"/>
+                        </a:rPr>
+                        <m:t>=</m:t>
+                      </m:r>
+                      <m:nary>
+                        <m:naryPr>
+                          <m:chr m:val="∑"/>
+                          <m:limLoc m:val="undOvr"/>
+                          <m:ctrlPr>
+                            <a:rPr i="1">
+                              <a:latin typeface="Cambria Math" panose="02040503050406030204" pitchFamily="18" charset="0"/>
+                            </a:rPr>
+                          </m:ctrlPr>
+                        </m:naryPr>
+                        <m:sub>
+                          <m:r>
+                            <a:rPr>
+                              <a:latin typeface="Cambria Math" panose="02040503050406030204" pitchFamily="18" charset="0"/>
+                            </a:rPr>
+                            <m:t>𝑖</m:t>
+                          </m:r>
+                          <m:r>
+                            <a:rPr>
+                              <a:latin typeface="Cambria Math" panose="02040503050406030204" pitchFamily="18" charset="0"/>
+                            </a:rPr>
+                            <m:t>=</m:t>
+                          </m:r>
+                          <m:r>
+                            <a:rPr>
+                              <a:latin typeface="Cambria Math" panose="02040503050406030204" pitchFamily="18" charset="0"/>
+                            </a:rPr>
+                            <m:t>1</m:t>
+                          </m:r>
+                        </m:sub>
+                        <m:sup>
+                          <m:r>
+                            <a:rPr>
+                              <a:latin typeface="Cambria Math" panose="02040503050406030204" pitchFamily="18" charset="0"/>
+                            </a:rPr>
+                            <m:t>𝑛</m:t>
+                          </m:r>
+                        </m:sup>
+                        <m:e>
+                          <m:sSub>
+                            <m:sSubPr>
+                              <m:ctrlPr>
+                                <a:rPr i="1">
+                                  <a:latin typeface="Cambria Math" panose="02040503050406030204" pitchFamily="18" charset="0"/>
+                                </a:rPr>
+                              </m:ctrlPr>
+                            </m:sSubPr>
+                            <m:e>
+                              <m:r>
+                                <a:rPr>
+                                  <a:latin typeface="Cambria Math" panose="02040503050406030204" pitchFamily="18" charset="0"/>
+                                </a:rPr>
+                                <m:t>𝑥</m:t>
+                              </m:r>
+                            </m:e>
+                            <m:sub>
+                              <m:r>
+                                <a:rPr>
+                                  <a:latin typeface="Cambria Math" panose="02040503050406030204" pitchFamily="18" charset="0"/>
+                                </a:rPr>
+                                <m:t>𝑖</m:t>
+                              </m:r>
+                            </m:sub>
+                          </m:sSub>
+                        </m:e>
+                      </m:nary>
+                      <m:r>
+                        <a:rPr>
+                          <a:latin typeface="Cambria Math" panose="02040503050406030204" pitchFamily="18" charset="0"/>
+                        </a:rPr>
+                        <m:t> </m:t>
+                      </m:r>
+                      <m:r>
+                        <a:rPr>
+                          <a:latin typeface="Cambria Math" panose="02040503050406030204" pitchFamily="18" charset="0"/>
+                        </a:rPr>
+                        <m:t>𝑝</m:t>
+                      </m:r>
+                      <m:d>
+                        <m:dPr>
+                          <m:ctrlPr>
+                            <a:rPr i="1">
+                              <a:latin typeface="Cambria Math" panose="02040503050406030204" pitchFamily="18" charset="0"/>
+                            </a:rPr>
+                          </m:ctrlPr>
+                        </m:dPr>
+                        <m:e>
+                          <m:sSub>
+                            <m:sSubPr>
+                              <m:ctrlPr>
+                                <a:rPr i="1">
+                                  <a:latin typeface="Cambria Math" panose="02040503050406030204" pitchFamily="18" charset="0"/>
+                                </a:rPr>
+                              </m:ctrlPr>
+                            </m:sSubPr>
+                            <m:e>
+                              <m:r>
+                                <a:rPr>
+                                  <a:latin typeface="Cambria Math" panose="02040503050406030204" pitchFamily="18" charset="0"/>
+                                </a:rPr>
+                                <m:t>𝑥</m:t>
+                              </m:r>
+                            </m:e>
+                            <m:sub>
+                              <m:r>
+                                <a:rPr>
+                                  <a:latin typeface="Cambria Math" panose="02040503050406030204" pitchFamily="18" charset="0"/>
+                                </a:rPr>
+                                <m:t>𝑖</m:t>
+                              </m:r>
+                            </m:sub>
+                          </m:sSub>
+                        </m:e>
+                      </m:d>
+                    </m:oMath>
+                  </m:oMathPara>
+                </a14:m>
+                <a:endParaRPr dirty="0"/>
+              </a:p>
+            </p:txBody>
+          </p:sp>
+        </mc:Choice>
+        <mc:Fallback xmlns="">
+          <p:sp>
+            <p:nvSpPr>
+              <p:cNvPr id="3" name="Content Placeholder 2"/>
+              <p:cNvSpPr>
+                <a:spLocks noGrp="1" noRot="1" noChangeAspect="1" noMove="1" noResize="1" noEditPoints="1" noAdjustHandles="1" noChangeArrowheads="1" noChangeShapeType="1" noTextEdit="1"/>
+              </p:cNvSpPr>
+              <p:nvPr>
+                <p:ph idx="1"/>
+              </p:nvPr>
+            </p:nvSpPr>
+            <p:spPr>
+              <a:blipFill>
+                <a:blip r:embed="rId2"/>
+                <a:stretch>
+                  <a:fillRect l="-815" t="-1257"/>
                 </a:stretch>
               </a:blipFill>
             </p:spPr>
@@ -22951,657 +23028,8 @@
           </a:p>
         </p:txBody>
       </p:sp>
-      <mc:AlternateContent xmlns:mc="http://schemas.openxmlformats.org/markup-compatibility/2006">
-        <mc:Choice xmlns:a14="http://schemas.microsoft.com/office/drawing/2010/main" Requires="a14">
-          <p:sp>
-            <p:nvSpPr>
-              <p:cNvPr id="3" name="Content Placeholder 2"/>
-              <p:cNvSpPr>
-                <a:spLocks noGrp="1"/>
-              </p:cNvSpPr>
-              <p:nvPr>
-                <p:ph idx="1"/>
-              </p:nvPr>
-            </p:nvSpPr>
-            <p:spPr/>
-            <p:txBody>
-              <a:bodyPr>
-                <a:normAutofit fontScale="92500"/>
-              </a:bodyPr>
-              <a:lstStyle/>
-              <a:p>
-                <a:pPr lvl="0"/>
-                <a:r>
-                  <a:rPr dirty="0"/>
-                  <a:t>Axioms of probability; for discrete distribution</a:t>
-                </a:r>
-              </a:p>
-              <a:p>
-                <a:pPr marL="0" lvl="0" indent="0">
-                  <a:buNone/>
-                </a:pPr>
-                <a14:m>
-                  <m:oMathPara xmlns:m="http://schemas.openxmlformats.org/officeDocument/2006/math">
-                    <m:oMathParaPr>
-                      <m:jc m:val="center"/>
-                    </m:oMathParaPr>
-                    <m:oMath xmlns:m="http://schemas.openxmlformats.org/officeDocument/2006/math">
-                      <m:r>
-                        <a:rPr>
-                          <a:latin typeface="Cambria Math" panose="02040503050406030204" pitchFamily="18" charset="0"/>
-                        </a:rPr>
-                        <m:t>0</m:t>
-                      </m:r>
-                      <m:r>
-                        <a:rPr>
-                          <a:latin typeface="Cambria Math" panose="02040503050406030204" pitchFamily="18" charset="0"/>
-                        </a:rPr>
-                        <m:t>&lt;</m:t>
-                      </m:r>
-                      <m:r>
-                        <a:rPr>
-                          <a:latin typeface="Cambria Math" panose="02040503050406030204" pitchFamily="18" charset="0"/>
-                        </a:rPr>
-                        <m:t>𝑃</m:t>
-                      </m:r>
-                      <m:d>
-                        <m:dPr>
-                          <m:ctrlPr>
-                            <a:rPr i="1">
-                              <a:latin typeface="Cambria Math" panose="02040503050406030204" pitchFamily="18" charset="0"/>
-                            </a:rPr>
-                          </m:ctrlPr>
-                        </m:dPr>
-                        <m:e>
-                          <m:r>
-                            <a:rPr>
-                              <a:latin typeface="Cambria Math" panose="02040503050406030204" pitchFamily="18" charset="0"/>
-                            </a:rPr>
-                            <m:t>𝐴</m:t>
-                          </m:r>
-                        </m:e>
-                      </m:d>
-                      <m:r>
-                        <a:rPr>
-                          <a:latin typeface="Cambria Math" panose="02040503050406030204" pitchFamily="18" charset="0"/>
-                        </a:rPr>
-                        <m:t>≤</m:t>
-                      </m:r>
-                      <m:r>
-                        <a:rPr>
-                          <a:latin typeface="Cambria Math" panose="02040503050406030204" pitchFamily="18" charset="0"/>
-                        </a:rPr>
-                        <m:t>1</m:t>
-                      </m:r>
-                    </m:oMath>
-                  </m:oMathPara>
-                </a14:m>
-                <a:endParaRPr dirty="0"/>
-              </a:p>
-              <a:p>
-                <a:pPr marL="0" lvl="0" indent="0">
-                  <a:buNone/>
-                </a:pPr>
-                <a14:m>
-                  <m:oMathPara xmlns:m="http://schemas.openxmlformats.org/officeDocument/2006/math">
-                    <m:oMathParaPr>
-                      <m:jc m:val="center"/>
-                    </m:oMathParaPr>
-                    <m:oMath xmlns:m="http://schemas.openxmlformats.org/officeDocument/2006/math">
-                      <m:r>
-                        <a:rPr>
-                          <a:latin typeface="Cambria Math" panose="02040503050406030204" pitchFamily="18" charset="0"/>
-                        </a:rPr>
-                        <m:t>𝑃</m:t>
-                      </m:r>
-                      <m:d>
-                        <m:dPr>
-                          <m:ctrlPr>
-                            <a:rPr i="1">
-                              <a:latin typeface="Cambria Math" panose="02040503050406030204" pitchFamily="18" charset="0"/>
-                            </a:rPr>
-                          </m:ctrlPr>
-                        </m:dPr>
-                        <m:e>
-                          <m:r>
-                            <a:rPr>
-                              <a:latin typeface="Cambria Math" panose="02040503050406030204" pitchFamily="18" charset="0"/>
-                            </a:rPr>
-                            <m:t>𝑆</m:t>
-                          </m:r>
-                        </m:e>
-                      </m:d>
-                      <m:r>
-                        <a:rPr>
-                          <a:latin typeface="Cambria Math" panose="02040503050406030204" pitchFamily="18" charset="0"/>
-                        </a:rPr>
-                        <m:t>=</m:t>
-                      </m:r>
-                      <m:nary>
-                        <m:naryPr>
-                          <m:chr m:val="∑"/>
-                          <m:limLoc m:val="undOvr"/>
-                          <m:ctrlPr>
-                            <a:rPr i="1">
-                              <a:latin typeface="Cambria Math" panose="02040503050406030204" pitchFamily="18" charset="0"/>
-                            </a:rPr>
-                          </m:ctrlPr>
-                        </m:naryPr>
-                        <m:sub>
-                          <m:sSub>
-                            <m:sSubPr>
-                              <m:ctrlPr>
-                                <a:rPr i="1">
-                                  <a:latin typeface="Cambria Math" panose="02040503050406030204" pitchFamily="18" charset="0"/>
-                                </a:rPr>
-                              </m:ctrlPr>
-                            </m:sSubPr>
-                            <m:e>
-                              <m:r>
-                                <a:rPr>
-                                  <a:latin typeface="Cambria Math" panose="02040503050406030204" pitchFamily="18" charset="0"/>
-                                </a:rPr>
-                                <m:t>𝑎</m:t>
-                              </m:r>
-                            </m:e>
-                            <m:sub>
-                              <m:r>
-                                <a:rPr>
-                                  <a:latin typeface="Cambria Math" panose="02040503050406030204" pitchFamily="18" charset="0"/>
-                                </a:rPr>
-                                <m:t>𝑖</m:t>
-                              </m:r>
-                            </m:sub>
-                          </m:sSub>
-                          <m:r>
-                            <a:rPr>
-                              <a:latin typeface="Cambria Math" panose="02040503050406030204" pitchFamily="18" charset="0"/>
-                            </a:rPr>
-                            <m:t>∈</m:t>
-                          </m:r>
-                          <m:r>
-                            <a:rPr>
-                              <a:latin typeface="Cambria Math" panose="02040503050406030204" pitchFamily="18" charset="0"/>
-                            </a:rPr>
-                            <m:t>𝐴</m:t>
-                          </m:r>
-                        </m:sub>
-                        <m:sup>
-                          <m:r>
-                            <a:rPr>
-                              <a:latin typeface="Cambria Math" panose="02040503050406030204" pitchFamily="18" charset="0"/>
-                            </a:rPr>
-                            <m:t>​</m:t>
-                          </m:r>
-                        </m:sup>
-                        <m:e>
-                          <m:r>
-                            <a:rPr>
-                              <a:latin typeface="Cambria Math" panose="02040503050406030204" pitchFamily="18" charset="0"/>
-                            </a:rPr>
-                            <m:t>𝑃</m:t>
-                          </m:r>
-                        </m:e>
-                      </m:nary>
-                      <m:d>
-                        <m:dPr>
-                          <m:ctrlPr>
-                            <a:rPr i="1">
-                              <a:latin typeface="Cambria Math" panose="02040503050406030204" pitchFamily="18" charset="0"/>
-                            </a:rPr>
-                          </m:ctrlPr>
-                        </m:dPr>
-                        <m:e>
-                          <m:sSub>
-                            <m:sSubPr>
-                              <m:ctrlPr>
-                                <a:rPr i="1">
-                                  <a:latin typeface="Cambria Math" panose="02040503050406030204" pitchFamily="18" charset="0"/>
-                                </a:rPr>
-                              </m:ctrlPr>
-                            </m:sSubPr>
-                            <m:e>
-                              <m:r>
-                                <a:rPr>
-                                  <a:latin typeface="Cambria Math" panose="02040503050406030204" pitchFamily="18" charset="0"/>
-                                </a:rPr>
-                                <m:t>𝑎</m:t>
-                              </m:r>
-                            </m:e>
-                            <m:sub>
-                              <m:r>
-                                <a:rPr>
-                                  <a:latin typeface="Cambria Math" panose="02040503050406030204" pitchFamily="18" charset="0"/>
-                                </a:rPr>
-                                <m:t>𝑖</m:t>
-                              </m:r>
-                            </m:sub>
-                          </m:sSub>
-                        </m:e>
-                      </m:d>
-                      <m:r>
-                        <a:rPr>
-                          <a:latin typeface="Cambria Math" panose="02040503050406030204" pitchFamily="18" charset="0"/>
-                        </a:rPr>
-                        <m:t>=</m:t>
-                      </m:r>
-                      <m:r>
-                        <a:rPr>
-                          <a:latin typeface="Cambria Math" panose="02040503050406030204" pitchFamily="18" charset="0"/>
-                        </a:rPr>
-                        <m:t>1</m:t>
-                      </m:r>
-                    </m:oMath>
-                  </m:oMathPara>
-                </a14:m>
-                <a:endParaRPr dirty="0"/>
-              </a:p>
-              <a:p>
-                <a:pPr marL="0" indent="0">
-                  <a:buNone/>
-                </a:pPr>
-                <a14:m>
-                  <m:oMathPara xmlns:m="http://schemas.openxmlformats.org/officeDocument/2006/math">
-                    <m:oMathParaPr>
-                      <m:jc m:val="centerGroup"/>
-                    </m:oMathParaPr>
-                    <m:oMath xmlns:m="http://schemas.openxmlformats.org/officeDocument/2006/math">
-                      <m:r>
-                        <a:rPr lang="en-US" b="0" i="1" smtClean="0">
-                          <a:latin typeface="Cambria Math" panose="02040503050406030204" pitchFamily="18" charset="0"/>
-                        </a:rPr>
-                        <m:t>𝑃</m:t>
-                      </m:r>
-                      <m:d>
-                        <m:dPr>
-                          <m:ctrlPr>
-                            <a:rPr lang="en-US" b="0" i="1" smtClean="0">
-                              <a:latin typeface="Cambria Math" panose="02040503050406030204" pitchFamily="18" charset="0"/>
-                            </a:rPr>
-                          </m:ctrlPr>
-                        </m:dPr>
-                        <m:e>
-                          <m:r>
-                            <a:rPr lang="en-US" b="0" i="1" smtClean="0">
-                              <a:latin typeface="Cambria Math" panose="02040503050406030204" pitchFamily="18" charset="0"/>
-                            </a:rPr>
-                            <m:t>𝐴</m:t>
-                          </m:r>
-                          <m:r>
-                            <a:rPr lang="en-US" b="0" i="1" smtClean="0">
-                              <a:latin typeface="Cambria Math" panose="02040503050406030204" pitchFamily="18" charset="0"/>
-                              <a:ea typeface="Cambria Math" panose="02040503050406030204" pitchFamily="18" charset="0"/>
-                            </a:rPr>
-                            <m:t>∪</m:t>
-                          </m:r>
-                          <m:r>
-                            <a:rPr lang="en-US" b="0" i="1" smtClean="0">
-                              <a:latin typeface="Cambria Math" panose="02040503050406030204" pitchFamily="18" charset="0"/>
-                              <a:ea typeface="Cambria Math" panose="02040503050406030204" pitchFamily="18" charset="0"/>
-                            </a:rPr>
-                            <m:t>𝐵</m:t>
-                          </m:r>
-                        </m:e>
-                      </m:d>
-                      <m:r>
-                        <a:rPr lang="en-US" b="0" i="1" smtClean="0">
-                          <a:latin typeface="Cambria Math" panose="02040503050406030204" pitchFamily="18" charset="0"/>
-                        </a:rPr>
-                        <m:t>=</m:t>
-                      </m:r>
-                      <m:r>
-                        <a:rPr lang="en-US" b="0" i="1" smtClean="0">
-                          <a:latin typeface="Cambria Math" panose="02040503050406030204" pitchFamily="18" charset="0"/>
-                        </a:rPr>
-                        <m:t>𝑃</m:t>
-                      </m:r>
-                      <m:d>
-                        <m:dPr>
-                          <m:ctrlPr>
-                            <a:rPr lang="en-US" b="0" i="1" smtClean="0">
-                              <a:latin typeface="Cambria Math" panose="02040503050406030204" pitchFamily="18" charset="0"/>
-                            </a:rPr>
-                          </m:ctrlPr>
-                        </m:dPr>
-                        <m:e>
-                          <m:r>
-                            <a:rPr lang="en-US" b="0" i="1" smtClean="0">
-                              <a:latin typeface="Cambria Math" panose="02040503050406030204" pitchFamily="18" charset="0"/>
-                            </a:rPr>
-                            <m:t>𝐴</m:t>
-                          </m:r>
-                        </m:e>
-                      </m:d>
-                      <m:r>
-                        <a:rPr lang="en-US" b="0" i="1" smtClean="0">
-                          <a:latin typeface="Cambria Math" panose="02040503050406030204" pitchFamily="18" charset="0"/>
-                        </a:rPr>
-                        <m:t>+</m:t>
-                      </m:r>
-                      <m:r>
-                        <a:rPr lang="en-US" b="0" i="1" smtClean="0">
-                          <a:latin typeface="Cambria Math" panose="02040503050406030204" pitchFamily="18" charset="0"/>
-                        </a:rPr>
-                        <m:t>𝑃</m:t>
-                      </m:r>
-                      <m:d>
-                        <m:dPr>
-                          <m:ctrlPr>
-                            <a:rPr lang="en-US" b="0" i="1" smtClean="0">
-                              <a:latin typeface="Cambria Math" panose="02040503050406030204" pitchFamily="18" charset="0"/>
-                            </a:rPr>
-                          </m:ctrlPr>
-                        </m:dPr>
-                        <m:e>
-                          <m:r>
-                            <a:rPr lang="en-US" b="0" i="1" smtClean="0">
-                              <a:latin typeface="Cambria Math" panose="02040503050406030204" pitchFamily="18" charset="0"/>
-                            </a:rPr>
-                            <m:t>𝐵</m:t>
-                          </m:r>
-                        </m:e>
-                      </m:d>
-                      <m:r>
-                        <a:rPr lang="en-US" b="0" i="1" smtClean="0">
-                          <a:latin typeface="Cambria Math" panose="02040503050406030204" pitchFamily="18" charset="0"/>
-                        </a:rPr>
-                        <m:t>, </m:t>
-                      </m:r>
-                      <m:r>
-                        <a:rPr lang="en-US" b="0" i="1" smtClean="0">
-                          <a:latin typeface="Cambria Math" panose="02040503050406030204" pitchFamily="18" charset="0"/>
-                        </a:rPr>
-                        <m:t>𝑖𝑓</m:t>
-                      </m:r>
-                      <m:r>
-                        <a:rPr lang="en-US" b="0" i="1" smtClean="0">
-                          <a:latin typeface="Cambria Math" panose="02040503050406030204" pitchFamily="18" charset="0"/>
-                        </a:rPr>
-                        <m:t> </m:t>
-                      </m:r>
-                      <m:r>
-                        <a:rPr lang="en-US" b="0" i="1" smtClean="0">
-                          <a:latin typeface="Cambria Math" panose="02040503050406030204" pitchFamily="18" charset="0"/>
-                        </a:rPr>
-                        <m:t>𝐴</m:t>
-                      </m:r>
-                      <m:r>
-                        <a:rPr lang="en-US" b="0" i="1" smtClean="0">
-                          <a:latin typeface="Cambria Math" panose="02040503050406030204" pitchFamily="18" charset="0"/>
-                          <a:ea typeface="Cambria Math" panose="02040503050406030204" pitchFamily="18" charset="0"/>
-                        </a:rPr>
-                        <m:t>⊥</m:t>
-                      </m:r>
-                      <m:r>
-                        <a:rPr lang="en-US" b="0" i="1" smtClean="0">
-                          <a:latin typeface="Cambria Math" panose="02040503050406030204" pitchFamily="18" charset="0"/>
-                          <a:ea typeface="Cambria Math" panose="02040503050406030204" pitchFamily="18" charset="0"/>
-                        </a:rPr>
-                        <m:t>𝐵</m:t>
-                      </m:r>
-                    </m:oMath>
-                  </m:oMathPara>
-                </a14:m>
-                <a:endParaRPr dirty="0"/>
-              </a:p>
-              <a:p>
-                <a:pPr lvl="0"/>
-                <a:r>
-                  <a:rPr dirty="0"/>
-                  <a:t>Expectation</a:t>
-                </a:r>
-              </a:p>
-              <a:p>
-                <a:pPr marL="0" lvl="0" indent="0">
-                  <a:buNone/>
-                </a:pPr>
-                <a14:m>
-                  <m:oMathPara xmlns:m="http://schemas.openxmlformats.org/officeDocument/2006/math">
-                    <m:oMathParaPr>
-                      <m:jc m:val="center"/>
-                    </m:oMathParaPr>
-                    <m:oMath xmlns:m="http://schemas.openxmlformats.org/officeDocument/2006/math">
-                      <m:r>
-                        <m:rPr>
-                          <m:sty m:val="p"/>
-                        </m:rPr>
-                        <a:rPr>
-                          <a:latin typeface="Cambria Math" panose="02040503050406030204" pitchFamily="18" charset="0"/>
-                        </a:rPr>
-                        <m:t>E</m:t>
-                      </m:r>
-                      <m:d>
-                        <m:dPr>
-                          <m:begChr m:val="["/>
-                          <m:endChr m:val="]"/>
-                          <m:ctrlPr>
-                            <a:rPr i="1">
-                              <a:latin typeface="Cambria Math" panose="02040503050406030204" pitchFamily="18" charset="0"/>
-                            </a:rPr>
-                          </m:ctrlPr>
-                        </m:dPr>
-                        <m:e>
-                          <m:r>
-                            <a:rPr>
-                              <a:latin typeface="Cambria Math" panose="02040503050406030204" pitchFamily="18" charset="0"/>
-                            </a:rPr>
-                            <m:t>𝐗</m:t>
-                          </m:r>
-                        </m:e>
-                      </m:d>
-                      <m:r>
-                        <a:rPr>
-                          <a:latin typeface="Cambria Math" panose="02040503050406030204" pitchFamily="18" charset="0"/>
-                        </a:rPr>
-                        <m:t>=</m:t>
-                      </m:r>
-                      <m:nary>
-                        <m:naryPr>
-                          <m:chr m:val="∑"/>
-                          <m:limLoc m:val="undOvr"/>
-                          <m:ctrlPr>
-                            <a:rPr i="1">
-                              <a:latin typeface="Cambria Math" panose="02040503050406030204" pitchFamily="18" charset="0"/>
-                            </a:rPr>
-                          </m:ctrlPr>
-                        </m:naryPr>
-                        <m:sub>
-                          <m:r>
-                            <a:rPr>
-                              <a:latin typeface="Cambria Math" panose="02040503050406030204" pitchFamily="18" charset="0"/>
-                            </a:rPr>
-                            <m:t>𝑖</m:t>
-                          </m:r>
-                          <m:r>
-                            <a:rPr>
-                              <a:latin typeface="Cambria Math" panose="02040503050406030204" pitchFamily="18" charset="0"/>
-                            </a:rPr>
-                            <m:t>=</m:t>
-                          </m:r>
-                          <m:r>
-                            <a:rPr>
-                              <a:latin typeface="Cambria Math" panose="02040503050406030204" pitchFamily="18" charset="0"/>
-                            </a:rPr>
-                            <m:t>1</m:t>
-                          </m:r>
-                        </m:sub>
-                        <m:sup>
-                          <m:r>
-                            <a:rPr>
-                              <a:latin typeface="Cambria Math" panose="02040503050406030204" pitchFamily="18" charset="0"/>
-                            </a:rPr>
-                            <m:t>𝑛</m:t>
-                          </m:r>
-                        </m:sup>
-                        <m:e>
-                          <m:sSub>
-                            <m:sSubPr>
-                              <m:ctrlPr>
-                                <a:rPr i="1">
-                                  <a:latin typeface="Cambria Math" panose="02040503050406030204" pitchFamily="18" charset="0"/>
-                                </a:rPr>
-                              </m:ctrlPr>
-                            </m:sSubPr>
-                            <m:e>
-                              <m:r>
-                                <a:rPr>
-                                  <a:latin typeface="Cambria Math" panose="02040503050406030204" pitchFamily="18" charset="0"/>
-                                </a:rPr>
-                                <m:t>𝑥</m:t>
-                              </m:r>
-                            </m:e>
-                            <m:sub>
-                              <m:r>
-                                <a:rPr>
-                                  <a:latin typeface="Cambria Math" panose="02040503050406030204" pitchFamily="18" charset="0"/>
-                                </a:rPr>
-                                <m:t>𝑖</m:t>
-                              </m:r>
-                            </m:sub>
-                          </m:sSub>
-                        </m:e>
-                      </m:nary>
-                      <m:r>
-                        <a:rPr>
-                          <a:latin typeface="Cambria Math" panose="02040503050406030204" pitchFamily="18" charset="0"/>
-                        </a:rPr>
-                        <m:t> </m:t>
-                      </m:r>
-                      <m:r>
-                        <a:rPr>
-                          <a:latin typeface="Cambria Math" panose="02040503050406030204" pitchFamily="18" charset="0"/>
-                        </a:rPr>
-                        <m:t>𝑝</m:t>
-                      </m:r>
-                      <m:d>
-                        <m:dPr>
-                          <m:ctrlPr>
-                            <a:rPr i="1">
-                              <a:latin typeface="Cambria Math" panose="02040503050406030204" pitchFamily="18" charset="0"/>
-                            </a:rPr>
-                          </m:ctrlPr>
-                        </m:dPr>
-                        <m:e>
-                          <m:sSub>
-                            <m:sSubPr>
-                              <m:ctrlPr>
-                                <a:rPr i="1">
-                                  <a:latin typeface="Cambria Math" panose="02040503050406030204" pitchFamily="18" charset="0"/>
-                                </a:rPr>
-                              </m:ctrlPr>
-                            </m:sSubPr>
-                            <m:e>
-                              <m:r>
-                                <a:rPr>
-                                  <a:latin typeface="Cambria Math" panose="02040503050406030204" pitchFamily="18" charset="0"/>
-                                </a:rPr>
-                                <m:t>𝑥</m:t>
-                              </m:r>
-                            </m:e>
-                            <m:sub>
-                              <m:r>
-                                <a:rPr>
-                                  <a:latin typeface="Cambria Math" panose="02040503050406030204" pitchFamily="18" charset="0"/>
-                                </a:rPr>
-                                <m:t>𝑖</m:t>
-                              </m:r>
-                            </m:sub>
-                          </m:sSub>
-                        </m:e>
-                      </m:d>
-                    </m:oMath>
-                  </m:oMathPara>
-                </a14:m>
-                <a:endParaRPr dirty="0"/>
-              </a:p>
-            </p:txBody>
-          </p:sp>
-        </mc:Choice>
-        <mc:Fallback>
-          <p:sp>
-            <p:nvSpPr>
-              <p:cNvPr id="3" name="Content Placeholder 2"/>
-              <p:cNvSpPr>
-                <a:spLocks noGrp="1" noRot="1" noChangeAspect="1" noMove="1" noResize="1" noEditPoints="1" noAdjustHandles="1" noChangeArrowheads="1" noChangeShapeType="1" noTextEdit="1"/>
-              </p:cNvSpPr>
-              <p:nvPr>
-                <p:ph idx="1"/>
-              </p:nvPr>
-            </p:nvSpPr>
-            <p:spPr>
-              <a:blipFill>
-                <a:blip r:embed="rId2"/>
-                <a:stretch>
-                  <a:fillRect l="-815" t="-1257"/>
-                </a:stretch>
-              </a:blipFill>
-            </p:spPr>
-            <p:txBody>
-              <a:bodyPr/>
-              <a:lstStyle/>
-              <a:p>
-                <a:r>
-                  <a:rPr lang="en-US">
-                    <a:noFill/>
-                  </a:rPr>
-                  <a:t> </a:t>
-                </a:r>
-              </a:p>
-            </p:txBody>
-          </p:sp>
-        </mc:Fallback>
-      </mc:AlternateContent>
-    </p:spTree>
-  </p:cSld>
-  <p:clrMapOvr>
-    <a:masterClrMapping/>
-  </p:clrMapOvr>
-</p:sld>
-</file>
-
-<file path=ppt/slides/slide49.xml><?xml version="1.0" encoding="utf-8"?>
-<p:sld xmlns:a="http://schemas.openxmlformats.org/drawingml/2006/main" xmlns:r="http://schemas.openxmlformats.org/officeDocument/2006/relationships" xmlns:p="http://schemas.openxmlformats.org/presentationml/2006/main">
-  <p:cSld>
-    <p:spTree>
-      <p:nvGrpSpPr>
-        <p:cNvPr id="1" name=""/>
-        <p:cNvGrpSpPr/>
-        <p:nvPr/>
-      </p:nvGrpSpPr>
-      <p:grpSpPr>
-        <a:xfrm>
-          <a:off x="0" y="0"/>
-          <a:ext cx="0" cy="0"/>
-          <a:chOff x="0" y="0"/>
-          <a:chExt cx="0" cy="0"/>
-        </a:xfrm>
-      </p:grpSpPr>
-      <p:sp>
-        <p:nvSpPr>
-          <p:cNvPr id="2" name="Title 1"/>
-          <p:cNvSpPr>
-            <a:spLocks noGrp="1"/>
-          </p:cNvSpPr>
-          <p:nvPr>
-            <p:ph type="title"/>
-          </p:nvPr>
-        </p:nvSpPr>
-        <p:spPr/>
-        <p:txBody>
-          <a:bodyPr/>
-          <a:lstStyle/>
-          <a:p>
-            <a:pPr marL="0" lvl="0" indent="0">
-              <a:buNone/>
-            </a:pPr>
-            <a:r>
-              <a:t>Summary</a:t>
-            </a:r>
-          </a:p>
-        </p:txBody>
-      </p:sp>
-      <mc:AlternateContent xmlns:mc="http://schemas.openxmlformats.org/markup-compatibility/2006">
-        <mc:Choice xmlns:a14="http://schemas.microsoft.com/office/drawing/2010/main" Requires="a14">
+      <mc:AlternateContent xmlns:mc="http://schemas.openxmlformats.org/markup-compatibility/2006" xmlns:a14="http://schemas.microsoft.com/office/drawing/2010/main">
+        <mc:Choice Requires="a14">
           <p:sp>
             <p:nvSpPr>
               <p:cNvPr id="3" name="Content Placeholder 2"/>
@@ -23661,7 +23089,7 @@
                     <m:sSub>
                       <m:sSubPr>
                         <m:ctrlPr>
-                          <a:rPr lang="ar-AE">
+                          <a:rPr lang="ar-AE" i="1">
                             <a:latin typeface="Cambria Math" panose="02040503050406030204" pitchFamily="18" charset="0"/>
                           </a:rPr>
                         </m:ctrlPr>
@@ -24012,7 +23440,7 @@
                       <m:accPr>
                         <m:chr m:val="⃗"/>
                         <m:ctrlPr>
-                          <a:rPr lang="ar-AE">
+                          <a:rPr lang="ar-AE" i="1">
                             <a:latin typeface="Cambria Math" panose="02040503050406030204" pitchFamily="18" charset="0"/>
                           </a:rPr>
                         </m:ctrlPr>
@@ -24414,7 +23842,7 @@
             </p:txBody>
           </p:sp>
         </mc:Choice>
-        <mc:Fallback>
+        <mc:Fallback xmlns="">
           <p:sp>
             <p:nvSpPr>
               <p:cNvPr id="3" name="Content Placeholder 2"/>
@@ -24621,8 +24049,8 @@
           </a:p>
         </p:txBody>
       </p:sp>
-      <mc:AlternateContent xmlns:mc="http://schemas.openxmlformats.org/markup-compatibility/2006">
-        <mc:Choice xmlns:a14="http://schemas.microsoft.com/office/drawing/2010/main" Requires="a14">
+      <mc:AlternateContent xmlns:mc="http://schemas.openxmlformats.org/markup-compatibility/2006" xmlns:a14="http://schemas.microsoft.com/office/drawing/2010/main">
+        <mc:Choice Requires="a14">
           <p:sp>
             <p:nvSpPr>
               <p:cNvPr id="3" name="Content Placeholder 2"/>
@@ -25067,7 +24495,7 @@
             </p:txBody>
           </p:sp>
         </mc:Choice>
-        <mc:Fallback>
+        <mc:Fallback xmlns="">
           <p:sp>
             <p:nvSpPr>
               <p:cNvPr id="3" name="Content Placeholder 2"/>
@@ -25179,116 +24607,13 @@
               <a:buNone/>
             </a:pPr>
             <a:r>
-              <a:t>Axioms of Probability</a:t>
-            </a:r>
-          </a:p>
-        </p:txBody>
-      </p:sp>
-      <p:sp>
-        <p:nvSpPr>
-          <p:cNvPr id="3" name="Content Placeholder 2"/>
-          <p:cNvSpPr>
-            <a:spLocks noGrp="1"/>
-          </p:cNvSpPr>
-          <p:nvPr>
-            <p:ph idx="1"/>
-          </p:nvPr>
-        </p:nvSpPr>
-        <p:spPr/>
-        <p:txBody>
-          <a:bodyPr/>
-          <a:lstStyle/>
-          <a:p>
-            <a:pPr marL="0" lvl="0" indent="0">
-              <a:buNone/>
-            </a:pPr>
-            <a:r>
-              <a:rPr dirty="0"/>
-              <a:t>From these three axioms we can draw some useful conclusions</a:t>
-            </a:r>
-          </a:p>
-          <a:p>
-            <a:pPr lvl="0"/>
-            <a:r>
-              <a:rPr dirty="0"/>
-              <a:t>Events which cannot occur have probability 0</a:t>
-            </a:r>
-          </a:p>
-          <a:p>
-            <a:pPr lvl="0"/>
-            <a:r>
-              <a:rPr dirty="0"/>
-              <a:t>Events that must occur have probability 1</a:t>
-            </a:r>
-          </a:p>
-          <a:p>
-            <a:pPr lvl="0"/>
-            <a:r>
-              <a:rPr dirty="0"/>
-              <a:t>Events must have a probability mass function</a:t>
-            </a:r>
-            <a:r>
-              <a:rPr lang="en-US" dirty="0"/>
-              <a:t> </a:t>
-            </a:r>
-            <a:r>
-              <a:rPr dirty="0"/>
-              <a:t>between 0 and 1</a:t>
-            </a:r>
-          </a:p>
-        </p:txBody>
-      </p:sp>
-    </p:spTree>
-  </p:cSld>
-  <p:clrMapOvr>
-    <a:masterClrMapping/>
-  </p:clrMapOvr>
-</p:sld>
-</file>
-
-<file path=ppt/slides/slide8.xml><?xml version="1.0" encoding="utf-8"?>
-<p:sld xmlns:a="http://schemas.openxmlformats.org/drawingml/2006/main" xmlns:r="http://schemas.openxmlformats.org/officeDocument/2006/relationships" xmlns:p="http://schemas.openxmlformats.org/presentationml/2006/main">
-  <p:cSld>
-    <p:spTree>
-      <p:nvGrpSpPr>
-        <p:cNvPr id="1" name=""/>
-        <p:cNvGrpSpPr/>
-        <p:nvPr/>
-      </p:nvGrpSpPr>
-      <p:grpSpPr>
-        <a:xfrm>
-          <a:off x="0" y="0"/>
-          <a:ext cx="0" cy="0"/>
-          <a:chOff x="0" y="0"/>
-          <a:chExt cx="0" cy="0"/>
-        </a:xfrm>
-      </p:grpSpPr>
-      <p:sp>
-        <p:nvSpPr>
-          <p:cNvPr id="2" name="Title 1"/>
-          <p:cNvSpPr>
-            <a:spLocks noGrp="1"/>
-          </p:cNvSpPr>
-          <p:nvPr>
-            <p:ph type="title"/>
-          </p:nvPr>
-        </p:nvSpPr>
-        <p:spPr/>
-        <p:txBody>
-          <a:bodyPr/>
-          <a:lstStyle/>
-          <a:p>
-            <a:pPr marL="0" lvl="0" indent="0">
-              <a:buNone/>
-            </a:pPr>
-            <a:r>
               <a:t>What do you expect: discrete distributions</a:t>
             </a:r>
           </a:p>
         </p:txBody>
       </p:sp>
-      <mc:AlternateContent xmlns:mc="http://schemas.openxmlformats.org/markup-compatibility/2006">
-        <mc:Choice xmlns:a14="http://schemas.microsoft.com/office/drawing/2010/main" Requires="a14">
+      <mc:AlternateContent xmlns:mc="http://schemas.openxmlformats.org/markup-compatibility/2006" xmlns:a14="http://schemas.microsoft.com/office/drawing/2010/main">
+        <mc:Choice Requires="a14">
           <p:sp>
             <p:nvSpPr>
               <p:cNvPr id="3" name="Content Placeholder 2"/>
@@ -25701,6 +25026,441 @@
             </p:txBody>
           </p:sp>
         </mc:Choice>
+        <mc:Fallback xmlns="">
+          <p:sp>
+            <p:nvSpPr>
+              <p:cNvPr id="3" name="Content Placeholder 2"/>
+              <p:cNvSpPr>
+                <a:spLocks noGrp="1" noRot="1" noChangeAspect="1" noMove="1" noResize="1" noEditPoints="1" noAdjustHandles="1" noChangeArrowheads="1" noChangeShapeType="1" noTextEdit="1"/>
+              </p:cNvSpPr>
+              <p:nvPr>
+                <p:ph idx="1"/>
+              </p:nvPr>
+            </p:nvSpPr>
+            <p:spPr>
+              <a:blipFill>
+                <a:blip r:embed="rId2"/>
+                <a:stretch>
+                  <a:fillRect l="-741" t="-2693"/>
+                </a:stretch>
+              </a:blipFill>
+            </p:spPr>
+            <p:txBody>
+              <a:bodyPr/>
+              <a:lstStyle/>
+              <a:p>
+                <a:r>
+                  <a:rPr lang="en-US">
+                    <a:noFill/>
+                  </a:rPr>
+                  <a:t> </a:t>
+                </a:r>
+              </a:p>
+            </p:txBody>
+          </p:sp>
+        </mc:Fallback>
+      </mc:AlternateContent>
+    </p:spTree>
+  </p:cSld>
+  <p:clrMapOvr>
+    <a:masterClrMapping/>
+  </p:clrMapOvr>
+</p:sld>
+</file>
+
+<file path=ppt/slides/slide8.xml><?xml version="1.0" encoding="utf-8"?>
+<p:sld xmlns:a="http://schemas.openxmlformats.org/drawingml/2006/main" xmlns:r="http://schemas.openxmlformats.org/officeDocument/2006/relationships" xmlns:p="http://schemas.openxmlformats.org/presentationml/2006/main">
+  <p:cSld>
+    <p:spTree>
+      <p:nvGrpSpPr>
+        <p:cNvPr id="1" name=""/>
+        <p:cNvGrpSpPr/>
+        <p:nvPr/>
+      </p:nvGrpSpPr>
+      <p:grpSpPr>
+        <a:xfrm>
+          <a:off x="0" y="0"/>
+          <a:ext cx="0" cy="0"/>
+          <a:chOff x="0" y="0"/>
+          <a:chExt cx="0" cy="0"/>
+        </a:xfrm>
+      </p:grpSpPr>
+      <p:sp>
+        <p:nvSpPr>
+          <p:cNvPr id="2" name="Title 1"/>
+          <p:cNvSpPr>
+            <a:spLocks noGrp="1"/>
+          </p:cNvSpPr>
+          <p:nvPr>
+            <p:ph type="title"/>
+          </p:nvPr>
+        </p:nvSpPr>
+        <p:spPr/>
+        <p:txBody>
+          <a:bodyPr/>
+          <a:lstStyle/>
+          <a:p>
+            <a:pPr marL="0" lvl="0" indent="0">
+              <a:buNone/>
+            </a:pPr>
+            <a:r>
+              <a:t>Properties of Expectation</a:t>
+            </a:r>
+          </a:p>
+        </p:txBody>
+      </p:sp>
+      <mc:AlternateContent xmlns:mc="http://schemas.openxmlformats.org/markup-compatibility/2006">
+        <mc:Choice xmlns:a14="http://schemas.microsoft.com/office/drawing/2010/main" Requires="a14">
+          <p:sp>
+            <p:nvSpPr>
+              <p:cNvPr id="3" name="Content Placeholder 2"/>
+              <p:cNvSpPr>
+                <a:spLocks noGrp="1"/>
+              </p:cNvSpPr>
+              <p:nvPr>
+                <p:ph idx="1"/>
+              </p:nvPr>
+            </p:nvSpPr>
+            <p:spPr/>
+            <p:txBody>
+              <a:bodyPr/>
+              <a:lstStyle/>
+              <a:p>
+                <a:pPr marL="0" lvl="0" indent="0">
+                  <a:buNone/>
+                </a:pPr>
+                <a:r>
+                  <a:t>Useful properties of expectation</a:t>
+                </a:r>
+              </a:p>
+              <a:p>
+                <a:pPr marL="342900" lvl="0" indent="-342900">
+                  <a:buAutoNum type="arabicPeriod"/>
+                </a:pPr>
+                <a:r>
+                  <a:t>The relationship is linear in probability</a:t>
+                </a:r>
+              </a:p>
+              <a:p>
+                <a:pPr marL="342900" lvl="0" indent="-342900">
+                  <a:buAutoNum type="arabicPeriod"/>
+                </a:pPr>
+                <a:r>
+                  <a:t>The expectation of the sum of two random variables, </a:t>
+                </a:r>
+                <a14:m>
+                  <m:oMath xmlns:m="http://schemas.openxmlformats.org/officeDocument/2006/math">
+                    <m:r>
+                      <a:rPr>
+                        <a:latin typeface="Cambria Math" panose="02040503050406030204" pitchFamily="18" charset="0"/>
+                      </a:rPr>
+                      <m:t>𝑋</m:t>
+                    </m:r>
+                  </m:oMath>
+                </a14:m>
+                <a:r>
+                  <a:t> and </a:t>
+                </a:r>
+                <a14:m>
+                  <m:oMath xmlns:m="http://schemas.openxmlformats.org/officeDocument/2006/math">
+                    <m:r>
+                      <a:rPr>
+                        <a:latin typeface="Cambria Math" panose="02040503050406030204" pitchFamily="18" charset="0"/>
+                      </a:rPr>
+                      <m:t>𝑌</m:t>
+                    </m:r>
+                  </m:oMath>
+                </a14:m>
+                <a:r>
+                  <a:t>, is the sum of the expectations:</a:t>
+                </a:r>
+              </a:p>
+              <a:p>
+                <a:pPr marL="0" lvl="0" indent="0">
+                  <a:buNone/>
+                </a:pPr>
+                <a14:m>
+                  <m:oMathPara xmlns:m="http://schemas.openxmlformats.org/officeDocument/2006/math">
+                    <m:oMathParaPr>
+                      <m:jc m:val="center"/>
+                    </m:oMathParaPr>
+                    <m:oMath xmlns:m="http://schemas.openxmlformats.org/officeDocument/2006/math">
+                      <m:r>
+                        <m:rPr>
+                          <m:sty m:val="p"/>
+                        </m:rPr>
+                        <a:rPr>
+                          <a:latin typeface="Cambria Math" panose="02040503050406030204" pitchFamily="18" charset="0"/>
+                        </a:rPr>
+                        <m:t>E</m:t>
+                      </m:r>
+                      <m:d>
+                        <m:dPr>
+                          <m:begChr m:val="["/>
+                          <m:endChr m:val="]"/>
+                          <m:ctrlPr>
+                            <a:rPr i="1">
+                              <a:latin typeface="Cambria Math" panose="02040503050406030204" pitchFamily="18" charset="0"/>
+                            </a:rPr>
+                          </m:ctrlPr>
+                        </m:dPr>
+                        <m:e>
+                          <m:r>
+                            <a:rPr>
+                              <a:latin typeface="Cambria Math" panose="02040503050406030204" pitchFamily="18" charset="0"/>
+                            </a:rPr>
+                            <m:t>𝐗</m:t>
+                          </m:r>
+                          <m:r>
+                            <a:rPr>
+                              <a:latin typeface="Cambria Math" panose="02040503050406030204" pitchFamily="18" charset="0"/>
+                            </a:rPr>
+                            <m:t>+</m:t>
+                          </m:r>
+                          <m:r>
+                            <a:rPr>
+                              <a:latin typeface="Cambria Math" panose="02040503050406030204" pitchFamily="18" charset="0"/>
+                            </a:rPr>
+                            <m:t>𝐘</m:t>
+                          </m:r>
+                        </m:e>
+                      </m:d>
+                      <m:r>
+                        <a:rPr>
+                          <a:latin typeface="Cambria Math" panose="02040503050406030204" pitchFamily="18" charset="0"/>
+                        </a:rPr>
+                        <m:t>=</m:t>
+                      </m:r>
+                      <m:r>
+                        <m:rPr>
+                          <m:sty m:val="p"/>
+                        </m:rPr>
+                        <a:rPr>
+                          <a:latin typeface="Cambria Math" panose="02040503050406030204" pitchFamily="18" charset="0"/>
+                        </a:rPr>
+                        <m:t>E</m:t>
+                      </m:r>
+                      <m:d>
+                        <m:dPr>
+                          <m:begChr m:val="["/>
+                          <m:endChr m:val="]"/>
+                          <m:ctrlPr>
+                            <a:rPr i="1">
+                              <a:latin typeface="Cambria Math" panose="02040503050406030204" pitchFamily="18" charset="0"/>
+                            </a:rPr>
+                          </m:ctrlPr>
+                        </m:dPr>
+                        <m:e>
+                          <m:r>
+                            <a:rPr>
+                              <a:latin typeface="Cambria Math" panose="02040503050406030204" pitchFamily="18" charset="0"/>
+                            </a:rPr>
+                            <m:t>𝐗</m:t>
+                          </m:r>
+                        </m:e>
+                      </m:d>
+                      <m:r>
+                        <a:rPr>
+                          <a:latin typeface="Cambria Math" panose="02040503050406030204" pitchFamily="18" charset="0"/>
+                        </a:rPr>
+                        <m:t>+</m:t>
+                      </m:r>
+                      <m:r>
+                        <m:rPr>
+                          <m:sty m:val="p"/>
+                        </m:rPr>
+                        <a:rPr>
+                          <a:latin typeface="Cambria Math" panose="02040503050406030204" pitchFamily="18" charset="0"/>
+                        </a:rPr>
+                        <m:t>E</m:t>
+                      </m:r>
+                      <m:d>
+                        <m:dPr>
+                          <m:begChr m:val="["/>
+                          <m:endChr m:val="]"/>
+                          <m:ctrlPr>
+                            <a:rPr i="1">
+                              <a:latin typeface="Cambria Math" panose="02040503050406030204" pitchFamily="18" charset="0"/>
+                            </a:rPr>
+                          </m:ctrlPr>
+                        </m:dPr>
+                        <m:e>
+                          <m:r>
+                            <a:rPr>
+                              <a:latin typeface="Cambria Math" panose="02040503050406030204" pitchFamily="18" charset="0"/>
+                            </a:rPr>
+                            <m:t>𝐘</m:t>
+                          </m:r>
+                        </m:e>
+                      </m:d>
+                    </m:oMath>
+                  </m:oMathPara>
+                </a14:m>
+                <a:endParaRPr/>
+              </a:p>
+              <a:p>
+                <a:pPr marL="342900" lvl="0" indent="-342900">
+                  <a:buAutoNum type="arabicPeriod" startAt="3"/>
+                </a:pPr>
+                <a:r>
+                  <a:t>The expectation of an </a:t>
+                </a:r>
+                <a:r>
+                  <a:rPr b="1"/>
+                  <a:t>affine transformation</a:t>
+                </a:r>
+                <a:r>
+                  <a:t> of a random variable, </a:t>
+                </a:r>
+                <a14:m>
+                  <m:oMath xmlns:m="http://schemas.openxmlformats.org/officeDocument/2006/math">
+                    <m:r>
+                      <a:rPr>
+                        <a:latin typeface="Cambria Math" panose="02040503050406030204" pitchFamily="18" charset="0"/>
+                      </a:rPr>
+                      <m:t>𝑋</m:t>
+                    </m:r>
+                  </m:oMath>
+                </a14:m>
+                <a:r>
+                  <a:t>, is an </a:t>
+                </a:r>
+                <a:r>
+                  <a:rPr b="1"/>
+                  <a:t>affine transformation</a:t>
+                </a:r>
+                <a:r>
+                  <a:t> of the expectation:</a:t>
+                </a:r>
+              </a:p>
+              <a:p>
+                <a:pPr marL="0" lvl="0" indent="0">
+                  <a:buNone/>
+                </a:pPr>
+                <a14:m>
+                  <m:oMathPara xmlns:m="http://schemas.openxmlformats.org/officeDocument/2006/math">
+                    <m:oMathParaPr>
+                      <m:jc m:val="center"/>
+                    </m:oMathParaPr>
+                    <m:oMath xmlns:m="http://schemas.openxmlformats.org/officeDocument/2006/math">
+                      <m:r>
+                        <m:rPr>
+                          <m:sty m:val="p"/>
+                        </m:rPr>
+                        <a:rPr>
+                          <a:latin typeface="Cambria Math" panose="02040503050406030204" pitchFamily="18" charset="0"/>
+                        </a:rPr>
+                        <m:t>E</m:t>
+                      </m:r>
+                      <m:d>
+                        <m:dPr>
+                          <m:begChr m:val="["/>
+                          <m:endChr m:val="]"/>
+                          <m:ctrlPr>
+                            <a:rPr i="1">
+                              <a:latin typeface="Cambria Math" panose="02040503050406030204" pitchFamily="18" charset="0"/>
+                            </a:rPr>
+                          </m:ctrlPr>
+                        </m:dPr>
+                        <m:e>
+                          <m:r>
+                            <a:rPr>
+                              <a:latin typeface="Cambria Math" panose="02040503050406030204" pitchFamily="18" charset="0"/>
+                            </a:rPr>
+                            <m:t>𝐚</m:t>
+                          </m:r>
+                          <m:r>
+                            <a:rPr>
+                              <a:latin typeface="Cambria Math" panose="02040503050406030204" pitchFamily="18" charset="0"/>
+                            </a:rPr>
+                            <m:t> </m:t>
+                          </m:r>
+                          <m:r>
+                            <a:rPr>
+                              <a:latin typeface="Cambria Math" panose="02040503050406030204" pitchFamily="18" charset="0"/>
+                            </a:rPr>
+                            <m:t>𝐗</m:t>
+                          </m:r>
+                          <m:r>
+                            <a:rPr>
+                              <a:latin typeface="Cambria Math" panose="02040503050406030204" pitchFamily="18" charset="0"/>
+                            </a:rPr>
+                            <m:t>+</m:t>
+                          </m:r>
+                          <m:r>
+                            <a:rPr>
+                              <a:latin typeface="Cambria Math" panose="02040503050406030204" pitchFamily="18" charset="0"/>
+                            </a:rPr>
+                            <m:t>𝐛</m:t>
+                          </m:r>
+                        </m:e>
+                      </m:d>
+                      <m:r>
+                        <a:rPr>
+                          <a:latin typeface="Cambria Math" panose="02040503050406030204" pitchFamily="18" charset="0"/>
+                        </a:rPr>
+                        <m:t>=</m:t>
+                      </m:r>
+                      <m:r>
+                        <a:rPr>
+                          <a:latin typeface="Cambria Math" panose="02040503050406030204" pitchFamily="18" charset="0"/>
+                        </a:rPr>
+                        <m:t>𝑎</m:t>
+                      </m:r>
+                      <m:r>
+                        <a:rPr>
+                          <a:latin typeface="Cambria Math" panose="02040503050406030204" pitchFamily="18" charset="0"/>
+                        </a:rPr>
+                        <m:t> </m:t>
+                      </m:r>
+                      <m:r>
+                        <m:rPr>
+                          <m:sty m:val="p"/>
+                        </m:rPr>
+                        <a:rPr>
+                          <a:latin typeface="Cambria Math" panose="02040503050406030204" pitchFamily="18" charset="0"/>
+                        </a:rPr>
+                        <m:t>E</m:t>
+                      </m:r>
+                      <m:d>
+                        <m:dPr>
+                          <m:begChr m:val="["/>
+                          <m:endChr m:val="]"/>
+                          <m:ctrlPr>
+                            <a:rPr i="1">
+                              <a:latin typeface="Cambria Math" panose="02040503050406030204" pitchFamily="18" charset="0"/>
+                            </a:rPr>
+                          </m:ctrlPr>
+                        </m:dPr>
+                        <m:e>
+                          <m:r>
+                            <a:rPr>
+                              <a:latin typeface="Cambria Math" panose="02040503050406030204" pitchFamily="18" charset="0"/>
+                            </a:rPr>
+                            <m:t>𝐗</m:t>
+                          </m:r>
+                        </m:e>
+                      </m:d>
+                      <m:r>
+                        <a:rPr>
+                          <a:latin typeface="Cambria Math" panose="02040503050406030204" pitchFamily="18" charset="0"/>
+                        </a:rPr>
+                        <m:t>+</m:t>
+                      </m:r>
+                      <m:r>
+                        <a:rPr>
+                          <a:latin typeface="Cambria Math" panose="02040503050406030204" pitchFamily="18" charset="0"/>
+                        </a:rPr>
+                        <m:t>𝑏</m:t>
+                      </m:r>
+                    </m:oMath>
+                  </m:oMathPara>
+                </a14:m>
+                <a:endParaRPr/>
+              </a:p>
+            </p:txBody>
+          </p:sp>
+        </mc:Choice>
         <mc:Fallback>
           <p:sp>
             <p:nvSpPr>
@@ -25716,7 +25476,7 @@
               <a:blipFill>
                 <a:blip r:embed="rId2"/>
                 <a:stretch>
-                  <a:fillRect l="-741" t="-2693"/>
+                  <a:fillRect l="-1185" t="-1436" r="-1630"/>
                 </a:stretch>
               </a:blipFill>
             </p:spPr>
@@ -25772,367 +25532,761 @@
         </p:nvSpPr>
         <p:spPr/>
         <p:txBody>
-          <a:bodyPr/>
+          <a:bodyPr>
+            <a:normAutofit fontScale="90000"/>
+          </a:bodyPr>
           <a:lstStyle/>
           <a:p>
             <a:pPr marL="0" lvl="0" indent="0">
               <a:buNone/>
             </a:pPr>
             <a:r>
-              <a:t>Properties of Expectation</a:t>
+              <a:t>Axioms of probability for continuous distributions</a:t>
             </a:r>
           </a:p>
         </p:txBody>
       </p:sp>
-      <p:sp>
-        <p:nvSpPr>
-          <p:cNvPr id="3" name="Content Placeholder 2"/>
-          <p:cNvSpPr>
-            <a:spLocks noGrp="1"/>
-          </p:cNvSpPr>
-          <p:nvPr>
-            <p:ph idx="1"/>
-          </p:nvPr>
-        </p:nvSpPr>
-        <p:spPr/>
-        <p:txBody>
-          <a:bodyPr/>
-          <a:lstStyle/>
-          <a:p>
-            <a:pPr marL="0" lvl="0" indent="0">
-              <a:buNone/>
-            </a:pPr>
-            <a:r>
-              <a:t>Useful properties of expectation</a:t>
-            </a:r>
-          </a:p>
-          <a:p>
-            <a:pPr marL="342900" lvl="0" indent="-342900">
-              <a:buAutoNum type="arabicPeriod"/>
-            </a:pPr>
-            <a:r>
-              <a:t>The relationship is linear in probability</a:t>
-            </a:r>
-          </a:p>
-          <a:p>
-            <a:pPr marL="342900" lvl="0" indent="-342900">
-              <a:buAutoNum type="arabicPeriod"/>
-            </a:pPr>
-            <a:r>
-              <a:t>The expectation of the sum of two random variables, </a:t>
-            </a:r>
-            <a14:m xmlns:a14="http://schemas.microsoft.com/office/drawing/2010/main">
-              <m:oMath xmlns:m="http://schemas.openxmlformats.org/officeDocument/2006/math">
-                <m:r>
-                  <a:rPr>
-                    <a:latin typeface="Cambria Math" panose="02040503050406030204" pitchFamily="18" charset="0"/>
-                  </a:rPr>
-                  <m:t>𝑋</m:t>
-                </m:r>
-              </m:oMath>
-            </a14:m>
-            <a:r>
-              <a:t> and </a:t>
-            </a:r>
-            <a14:m xmlns:a14="http://schemas.microsoft.com/office/drawing/2010/main">
-              <m:oMath xmlns:m="http://schemas.openxmlformats.org/officeDocument/2006/math">
-                <m:r>
-                  <a:rPr>
-                    <a:latin typeface="Cambria Math" panose="02040503050406030204" pitchFamily="18" charset="0"/>
-                  </a:rPr>
-                  <m:t>𝑌</m:t>
-                </m:r>
-              </m:oMath>
-            </a14:m>
-            <a:r>
-              <a:t>, is the sum of the expectations:</a:t>
-            </a:r>
-          </a:p>
-          <a:p>
-            <a:pPr marL="0" lvl="0" indent="0">
-              <a:buNone/>
-            </a:pPr>
-            <a14:m xmlns:a14="http://schemas.microsoft.com/office/drawing/2010/main">
-              <m:oMathPara xmlns:m="http://schemas.openxmlformats.org/officeDocument/2006/math">
-                <m:oMathParaPr>
-                  <m:jc m:val="center"/>
-                </m:oMathParaPr>
-                <m:oMath xmlns:m="http://schemas.openxmlformats.org/officeDocument/2006/math">
-                  <m:r>
-                    <m:rPr>
-                      <m:sty m:val="p"/>
-                    </m:rPr>
-                    <a:rPr>
-                      <a:latin typeface="Cambria Math" panose="02040503050406030204" pitchFamily="18" charset="0"/>
-                    </a:rPr>
-                    <m:t>E</m:t>
-                  </m:r>
-                  <m:d>
-                    <m:dPr>
-                      <m:begChr m:val="["/>
-                      <m:endChr m:val="]"/>
-                      <m:ctrlPr>
-                        <a:rPr i="1">
-                          <a:latin typeface="Cambria Math" panose="02040503050406030204" pitchFamily="18" charset="0"/>
-                        </a:rPr>
-                      </m:ctrlPr>
-                    </m:dPr>
-                    <m:e>
+      <mc:AlternateContent xmlns:mc="http://schemas.openxmlformats.org/markup-compatibility/2006" xmlns:a14="http://schemas.microsoft.com/office/drawing/2010/main">
+        <mc:Choice Requires="a14">
+          <p:sp>
+            <p:nvSpPr>
+              <p:cNvPr id="3" name="Content Placeholder 2"/>
+              <p:cNvSpPr>
+                <a:spLocks noGrp="1"/>
+              </p:cNvSpPr>
+              <p:nvPr>
+                <p:ph idx="1"/>
+              </p:nvPr>
+            </p:nvSpPr>
+            <p:spPr>
+              <a:xfrm>
+                <a:off x="457200" y="1063229"/>
+                <a:ext cx="8229600" cy="3874292"/>
+              </a:xfrm>
+            </p:spPr>
+            <p:txBody>
+              <a:bodyPr>
+                <a:normAutofit fontScale="85000" lnSpcReduction="10000"/>
+              </a:bodyPr>
+              <a:lstStyle/>
+              <a:p>
+                <a:pPr marL="0" lvl="0" indent="0">
+                  <a:buNone/>
+                </a:pPr>
+                <a:r>
+                  <a:rPr b="1" dirty="0"/>
+                  <a:t>Axioms of probability</a:t>
+                </a:r>
+                <a:r>
+                  <a:rPr dirty="0"/>
+                  <a:t> for continuous probability density function, </a:t>
+                </a:r>
+                <a14:m>
+                  <m:oMath xmlns:m="http://schemas.openxmlformats.org/officeDocument/2006/math">
+                    <m:r>
+                      <a:rPr>
+                        <a:latin typeface="Cambria Math" panose="02040503050406030204" pitchFamily="18" charset="0"/>
+                      </a:rPr>
+                      <m:t>𝑓</m:t>
+                    </m:r>
+                    <m:d>
+                      <m:dPr>
+                        <m:ctrlPr>
+                          <a:rPr i="1">
+                            <a:latin typeface="Cambria Math" panose="02040503050406030204" pitchFamily="18" charset="0"/>
+                          </a:rPr>
+                        </m:ctrlPr>
+                      </m:dPr>
+                      <m:e>
+                        <m:r>
+                          <a:rPr>
+                            <a:latin typeface="Cambria Math" panose="02040503050406030204" pitchFamily="18" charset="0"/>
+                          </a:rPr>
+                          <m:t>𝑥</m:t>
+                        </m:r>
+                      </m:e>
+                    </m:d>
+                  </m:oMath>
+                </a14:m>
+                <a:endParaRPr dirty="0"/>
+              </a:p>
+              <a:p>
+                <a:pPr marL="342900" lvl="0" indent="-342900">
+                  <a:buAutoNum type="arabicPeriod"/>
+                </a:pPr>
+                <a:r>
+                  <a:rPr dirty="0"/>
+                  <a:t>On the interval, </a:t>
+                </a:r>
+                <a14:m>
+                  <m:oMath xmlns:m="http://schemas.openxmlformats.org/officeDocument/2006/math">
+                    <m:r>
+                      <a:rPr>
+                        <a:latin typeface="Cambria Math" panose="02040503050406030204" pitchFamily="18" charset="0"/>
+                      </a:rPr>
+                      <m:t>{</m:t>
+                    </m:r>
+                    <m:sSub>
+                      <m:sSubPr>
+                        <m:ctrlPr>
+                          <a:rPr i="1">
+                            <a:latin typeface="Cambria Math" panose="02040503050406030204" pitchFamily="18" charset="0"/>
+                          </a:rPr>
+                        </m:ctrlPr>
+                      </m:sSubPr>
+                      <m:e>
+                        <m:r>
+                          <a:rPr>
+                            <a:latin typeface="Cambria Math" panose="02040503050406030204" pitchFamily="18" charset="0"/>
+                          </a:rPr>
+                          <m:t>𝑥</m:t>
+                        </m:r>
+                      </m:e>
+                      <m:sub>
+                        <m:r>
+                          <a:rPr>
+                            <a:latin typeface="Cambria Math" panose="02040503050406030204" pitchFamily="18" charset="0"/>
+                          </a:rPr>
+                          <m:t>1</m:t>
+                        </m:r>
+                      </m:sub>
+                    </m:sSub>
+                    <m:r>
+                      <a:rPr>
+                        <a:latin typeface="Cambria Math" panose="02040503050406030204" pitchFamily="18" charset="0"/>
+                      </a:rPr>
+                      <m:t>,</m:t>
+                    </m:r>
+                    <m:sSub>
+                      <m:sSubPr>
+                        <m:ctrlPr>
+                          <a:rPr i="1">
+                            <a:latin typeface="Cambria Math" panose="02040503050406030204" pitchFamily="18" charset="0"/>
+                          </a:rPr>
+                        </m:ctrlPr>
+                      </m:sSubPr>
+                      <m:e>
+                        <m:r>
+                          <a:rPr>
+                            <a:latin typeface="Cambria Math" panose="02040503050406030204" pitchFamily="18" charset="0"/>
+                          </a:rPr>
+                          <m:t>𝑥</m:t>
+                        </m:r>
+                      </m:e>
+                      <m:sub>
+                        <m:r>
+                          <a:rPr>
+                            <a:latin typeface="Cambria Math" panose="02040503050406030204" pitchFamily="18" charset="0"/>
+                          </a:rPr>
+                          <m:t>2</m:t>
+                        </m:r>
+                      </m:sub>
+                    </m:sSub>
+                    <m:r>
+                      <a:rPr>
+                        <a:latin typeface="Cambria Math" panose="02040503050406030204" pitchFamily="18" charset="0"/>
+                      </a:rPr>
+                      <m:t>}</m:t>
+                    </m:r>
+                  </m:oMath>
+                </a14:m>
+                <a:r>
+                  <a:rPr dirty="0"/>
+                  <a:t>, </a:t>
+                </a:r>
+                <a14:m>
+                  <m:oMath xmlns:m="http://schemas.openxmlformats.org/officeDocument/2006/math">
+                    <m:r>
+                      <a:rPr>
+                        <a:latin typeface="Cambria Math" panose="02040503050406030204" pitchFamily="18" charset="0"/>
+                      </a:rPr>
+                      <m:t>𝑃</m:t>
+                    </m:r>
+                    <m:d>
+                      <m:dPr>
+                        <m:ctrlPr>
+                          <a:rPr i="1">
+                            <a:latin typeface="Cambria Math" panose="02040503050406030204" pitchFamily="18" charset="0"/>
+                          </a:rPr>
+                        </m:ctrlPr>
+                      </m:dPr>
+                      <m:e>
+                        <m:r>
+                          <a:rPr>
+                            <a:latin typeface="Cambria Math" panose="02040503050406030204" pitchFamily="18" charset="0"/>
+                          </a:rPr>
+                          <m:t>𝑥</m:t>
+                        </m:r>
+                      </m:e>
+                    </m:d>
+                  </m:oMath>
+                </a14:m>
+                <a:r>
+                  <a:rPr dirty="0"/>
+                  <a:t>, must be bounded by 0 and 1:</a:t>
+                </a:r>
+              </a:p>
+              <a:p>
+                <a:pPr marL="0" lvl="0" indent="0">
+                  <a:buNone/>
+                </a:pPr>
+                <a14:m>
+                  <m:oMathPara xmlns:m="http://schemas.openxmlformats.org/officeDocument/2006/math">
+                    <m:oMathParaPr>
+                      <m:jc m:val="center"/>
+                    </m:oMathParaPr>
+                    <m:oMath xmlns:m="http://schemas.openxmlformats.org/officeDocument/2006/math">
                       <m:r>
                         <a:rPr>
                           <a:latin typeface="Cambria Math" panose="02040503050406030204" pitchFamily="18" charset="0"/>
                         </a:rPr>
-                        <m:t>𝐗</m:t>
+                        <m:t>0</m:t>
                       </m:r>
                       <m:r>
                         <a:rPr>
                           <a:latin typeface="Cambria Math" panose="02040503050406030204" pitchFamily="18" charset="0"/>
                         </a:rPr>
-                        <m:t>+</m:t>
+                        <m:t>≤</m:t>
+                      </m:r>
+                      <m:nary>
+                        <m:naryPr>
+                          <m:limLoc m:val="subSup"/>
+                          <m:ctrlPr>
+                            <a:rPr i="1">
+                              <a:latin typeface="Cambria Math" panose="02040503050406030204" pitchFamily="18" charset="0"/>
+                            </a:rPr>
+                          </m:ctrlPr>
+                        </m:naryPr>
+                        <m:sub>
+                          <m:sSub>
+                            <m:sSubPr>
+                              <m:ctrlPr>
+                                <a:rPr i="1">
+                                  <a:latin typeface="Cambria Math" panose="02040503050406030204" pitchFamily="18" charset="0"/>
+                                </a:rPr>
+                              </m:ctrlPr>
+                            </m:sSubPr>
+                            <m:e>
+                              <m:r>
+                                <a:rPr>
+                                  <a:latin typeface="Cambria Math" panose="02040503050406030204" pitchFamily="18" charset="0"/>
+                                </a:rPr>
+                                <m:t>𝑥</m:t>
+                              </m:r>
+                            </m:e>
+                            <m:sub>
+                              <m:r>
+                                <a:rPr>
+                                  <a:latin typeface="Cambria Math" panose="02040503050406030204" pitchFamily="18" charset="0"/>
+                                </a:rPr>
+                                <m:t>1</m:t>
+                              </m:r>
+                            </m:sub>
+                          </m:sSub>
+                        </m:sub>
+                        <m:sup>
+                          <m:sSub>
+                            <m:sSubPr>
+                              <m:ctrlPr>
+                                <a:rPr i="1">
+                                  <a:latin typeface="Cambria Math" panose="02040503050406030204" pitchFamily="18" charset="0"/>
+                                </a:rPr>
+                              </m:ctrlPr>
+                            </m:sSubPr>
+                            <m:e>
+                              <m:r>
+                                <a:rPr>
+                                  <a:latin typeface="Cambria Math" panose="02040503050406030204" pitchFamily="18" charset="0"/>
+                                </a:rPr>
+                                <m:t>𝑥</m:t>
+                              </m:r>
+                            </m:e>
+                            <m:sub>
+                              <m:r>
+                                <a:rPr>
+                                  <a:latin typeface="Cambria Math" panose="02040503050406030204" pitchFamily="18" charset="0"/>
+                                </a:rPr>
+                                <m:t>2</m:t>
+                              </m:r>
+                            </m:sub>
+                          </m:sSub>
+                        </m:sup>
+                        <m:e>
+                          <m:r>
+                            <a:rPr>
+                              <a:latin typeface="Cambria Math" panose="02040503050406030204" pitchFamily="18" charset="0"/>
+                            </a:rPr>
+                            <m:t>𝑓</m:t>
+                          </m:r>
+                        </m:e>
+                      </m:nary>
+                      <m:d>
+                        <m:dPr>
+                          <m:ctrlPr>
+                            <a:rPr i="1">
+                              <a:latin typeface="Cambria Math" panose="02040503050406030204" pitchFamily="18" charset="0"/>
+                            </a:rPr>
+                          </m:ctrlPr>
+                        </m:dPr>
+                        <m:e>
+                          <m:r>
+                            <a:rPr>
+                              <a:latin typeface="Cambria Math" panose="02040503050406030204" pitchFamily="18" charset="0"/>
+                            </a:rPr>
+                            <m:t>𝑥</m:t>
+                          </m:r>
+                        </m:e>
+                      </m:d>
+                      <m:r>
+                        <a:rPr>
+                          <a:latin typeface="Cambria Math" panose="02040503050406030204" pitchFamily="18" charset="0"/>
+                        </a:rPr>
+                        <m:t>𝑑𝑥</m:t>
                       </m:r>
                       <m:r>
                         <a:rPr>
                           <a:latin typeface="Cambria Math" panose="02040503050406030204" pitchFamily="18" charset="0"/>
                         </a:rPr>
-                        <m:t>𝐘</m:t>
-                      </m:r>
-                    </m:e>
-                  </m:d>
-                  <m:r>
-                    <a:rPr>
-                      <a:latin typeface="Cambria Math" panose="02040503050406030204" pitchFamily="18" charset="0"/>
-                    </a:rPr>
-                    <m:t>=</m:t>
-                  </m:r>
-                  <m:r>
-                    <m:rPr>
-                      <m:sty m:val="p"/>
-                    </m:rPr>
-                    <a:rPr>
-                      <a:latin typeface="Cambria Math" panose="02040503050406030204" pitchFamily="18" charset="0"/>
-                    </a:rPr>
-                    <m:t>E</m:t>
-                  </m:r>
-                  <m:d>
-                    <m:dPr>
-                      <m:begChr m:val="["/>
-                      <m:endChr m:val="]"/>
-                      <m:ctrlPr>
-                        <a:rPr i="1">
-                          <a:latin typeface="Cambria Math" panose="02040503050406030204" pitchFamily="18" charset="0"/>
-                        </a:rPr>
-                      </m:ctrlPr>
-                    </m:dPr>
-                    <m:e>
-                      <m:r>
-                        <a:rPr>
-                          <a:latin typeface="Cambria Math" panose="02040503050406030204" pitchFamily="18" charset="0"/>
-                        </a:rPr>
-                        <m:t>𝐗</m:t>
-                      </m:r>
-                    </m:e>
-                  </m:d>
-                  <m:r>
-                    <a:rPr>
-                      <a:latin typeface="Cambria Math" panose="02040503050406030204" pitchFamily="18" charset="0"/>
-                    </a:rPr>
-                    <m:t>+</m:t>
-                  </m:r>
-                  <m:r>
-                    <m:rPr>
-                      <m:sty m:val="p"/>
-                    </m:rPr>
-                    <a:rPr>
-                      <a:latin typeface="Cambria Math" panose="02040503050406030204" pitchFamily="18" charset="0"/>
-                    </a:rPr>
-                    <m:t>E</m:t>
-                  </m:r>
-                  <m:d>
-                    <m:dPr>
-                      <m:begChr m:val="["/>
-                      <m:endChr m:val="]"/>
-                      <m:ctrlPr>
-                        <a:rPr i="1">
-                          <a:latin typeface="Cambria Math" panose="02040503050406030204" pitchFamily="18" charset="0"/>
-                        </a:rPr>
-                      </m:ctrlPr>
-                    </m:dPr>
-                    <m:e>
-                      <m:r>
-                        <a:rPr>
-                          <a:latin typeface="Cambria Math" panose="02040503050406030204" pitchFamily="18" charset="0"/>
-                        </a:rPr>
-                        <m:t>𝐘</m:t>
-                      </m:r>
-                    </m:e>
-                  </m:d>
-                </m:oMath>
-              </m:oMathPara>
-            </a14:m>
-            <a:endParaRPr/>
-          </a:p>
-          <a:p>
-            <a:pPr marL="342900" lvl="0" indent="-342900">
-              <a:buAutoNum type="arabicPeriod" startAt="3"/>
-            </a:pPr>
-            <a:r>
-              <a:t>The expectation of an </a:t>
-            </a:r>
-            <a:r>
-              <a:rPr b="1"/>
-              <a:t>affine transformation</a:t>
-            </a:r>
-            <a:r>
-              <a:t> of a random variable, </a:t>
-            </a:r>
-            <a14:m xmlns:a14="http://schemas.microsoft.com/office/drawing/2010/main">
-              <m:oMath xmlns:m="http://schemas.openxmlformats.org/officeDocument/2006/math">
-                <m:r>
-                  <a:rPr>
-                    <a:latin typeface="Cambria Math" panose="02040503050406030204" pitchFamily="18" charset="0"/>
-                  </a:rPr>
-                  <m:t>𝑋</m:t>
-                </m:r>
-              </m:oMath>
-            </a14:m>
-            <a:r>
-              <a:t>, is an </a:t>
-            </a:r>
-            <a:r>
-              <a:rPr b="1"/>
-              <a:t>affine transformation</a:t>
-            </a:r>
-            <a:r>
-              <a:t> of the expectation:</a:t>
-            </a:r>
-          </a:p>
-          <a:p>
-            <a:pPr marL="0" lvl="0" indent="0">
-              <a:buNone/>
-            </a:pPr>
-            <a14:m xmlns:a14="http://schemas.microsoft.com/office/drawing/2010/main">
-              <m:oMathPara xmlns:m="http://schemas.openxmlformats.org/officeDocument/2006/math">
-                <m:oMathParaPr>
-                  <m:jc m:val="center"/>
-                </m:oMathParaPr>
-                <m:oMath xmlns:m="http://schemas.openxmlformats.org/officeDocument/2006/math">
-                  <m:r>
-                    <m:rPr>
-                      <m:sty m:val="p"/>
-                    </m:rPr>
-                    <a:rPr>
-                      <a:latin typeface="Cambria Math" panose="02040503050406030204" pitchFamily="18" charset="0"/>
-                    </a:rPr>
-                    <m:t>E</m:t>
-                  </m:r>
-                  <m:d>
-                    <m:dPr>
-                      <m:begChr m:val="["/>
-                      <m:endChr m:val="]"/>
-                      <m:ctrlPr>
-                        <a:rPr i="1">
-                          <a:latin typeface="Cambria Math" panose="02040503050406030204" pitchFamily="18" charset="0"/>
-                        </a:rPr>
-                      </m:ctrlPr>
-                    </m:dPr>
-                    <m:e>
-                      <m:r>
-                        <a:rPr>
-                          <a:latin typeface="Cambria Math" panose="02040503050406030204" pitchFamily="18" charset="0"/>
-                        </a:rPr>
-                        <m:t>𝐚</m:t>
+                        <m:t> ≤</m:t>
                       </m:r>
                       <m:r>
                         <a:rPr>
                           <a:latin typeface="Cambria Math" panose="02040503050406030204" pitchFamily="18" charset="0"/>
                         </a:rPr>
-                        <m:t> </m:t>
+                        <m:t>1</m:t>
+                      </m:r>
+                    </m:oMath>
+                  </m:oMathPara>
+                </a14:m>
+                <a:endParaRPr dirty="0"/>
+              </a:p>
+              <a:p>
+                <a:pPr marL="0" lvl="0" indent="0">
+                  <a:buNone/>
+                </a:pPr>
+                <a:r>
+                  <a:rPr b="1" dirty="0"/>
+                  <a:t>Note: </a:t>
+                </a:r>
+                <a:r>
+                  <a:rPr dirty="0"/>
+                  <a:t>if </a:t>
+                </a:r>
+                <a14:m>
+                  <m:oMath xmlns:m="http://schemas.openxmlformats.org/officeDocument/2006/math">
+                    <m:sSub>
+                      <m:sSubPr>
+                        <m:ctrlPr>
+                          <a:rPr i="1">
+                            <a:latin typeface="Cambria Math" panose="02040503050406030204" pitchFamily="18" charset="0"/>
+                          </a:rPr>
+                        </m:ctrlPr>
+                      </m:sSubPr>
+                      <m:e>
+                        <m:r>
+                          <a:rPr>
+                            <a:latin typeface="Cambria Math" panose="02040503050406030204" pitchFamily="18" charset="0"/>
+                          </a:rPr>
+                          <m:t>𝑥</m:t>
+                        </m:r>
+                      </m:e>
+                      <m:sub>
+                        <m:r>
+                          <a:rPr>
+                            <a:latin typeface="Cambria Math" panose="02040503050406030204" pitchFamily="18" charset="0"/>
+                          </a:rPr>
+                          <m:t>1</m:t>
+                        </m:r>
+                      </m:sub>
+                    </m:sSub>
+                    <m:r>
+                      <a:rPr>
+                        <a:latin typeface="Cambria Math" panose="02040503050406030204" pitchFamily="18" charset="0"/>
+                      </a:rPr>
+                      <m:t>=</m:t>
+                    </m:r>
+                    <m:sSub>
+                      <m:sSubPr>
+                        <m:ctrlPr>
+                          <a:rPr i="1">
+                            <a:latin typeface="Cambria Math" panose="02040503050406030204" pitchFamily="18" charset="0"/>
+                          </a:rPr>
+                        </m:ctrlPr>
+                      </m:sSubPr>
+                      <m:e>
+                        <m:r>
+                          <a:rPr>
+                            <a:latin typeface="Cambria Math" panose="02040503050406030204" pitchFamily="18" charset="0"/>
+                          </a:rPr>
+                          <m:t>𝑥</m:t>
+                        </m:r>
+                      </m:e>
+                      <m:sub>
+                        <m:r>
+                          <a:rPr>
+                            <a:latin typeface="Cambria Math" panose="02040503050406030204" pitchFamily="18" charset="0"/>
+                          </a:rPr>
+                          <m:t>2</m:t>
+                        </m:r>
+                      </m:sub>
+                    </m:sSub>
+                  </m:oMath>
+                </a14:m>
+                <a:r>
+                  <a:rPr dirty="0"/>
+                  <a:t> the integral is 0</a:t>
+                </a:r>
+              </a:p>
+              <a:p>
+                <a:pPr marL="342900" lvl="0" indent="-342900">
+                  <a:buAutoNum type="arabicPeriod" startAt="2"/>
+                </a:pPr>
+                <a:r>
+                  <a:rPr dirty="0"/>
+                  <a:t>The area under the entire PDF over the limits must be equal to 1:</a:t>
+                </a:r>
+              </a:p>
+              <a:p>
+                <a:pPr marL="0" lvl="0" indent="0">
+                  <a:buNone/>
+                </a:pPr>
+                <a14:m>
+                  <m:oMathPara xmlns:m="http://schemas.openxmlformats.org/officeDocument/2006/math">
+                    <m:oMathParaPr>
+                      <m:jc m:val="center"/>
+                    </m:oMathParaPr>
+                    <m:oMath xmlns:m="http://schemas.openxmlformats.org/officeDocument/2006/math">
+                      <m:nary>
+                        <m:naryPr>
+                          <m:limLoc m:val="subSup"/>
+                          <m:ctrlPr>
+                            <a:rPr i="1">
+                              <a:latin typeface="Cambria Math" panose="02040503050406030204" pitchFamily="18" charset="0"/>
+                            </a:rPr>
+                          </m:ctrlPr>
+                        </m:naryPr>
+                        <m:sub>
+                          <m:r>
+                            <a:rPr>
+                              <a:latin typeface="Cambria Math" panose="02040503050406030204" pitchFamily="18" charset="0"/>
+                            </a:rPr>
+                            <m:t>𝑙𝑜𝑤𝑒𝑟</m:t>
+                          </m:r>
+                        </m:sub>
+                        <m:sup>
+                          <m:r>
+                            <a:rPr>
+                              <a:latin typeface="Cambria Math" panose="02040503050406030204" pitchFamily="18" charset="0"/>
+                            </a:rPr>
+                            <m:t>𝑢𝑝𝑝𝑒𝑟</m:t>
+                          </m:r>
+                        </m:sup>
+                        <m:e>
+                          <m:r>
+                            <a:rPr>
+                              <a:latin typeface="Cambria Math" panose="02040503050406030204" pitchFamily="18" charset="0"/>
+                            </a:rPr>
+                            <m:t>𝑓</m:t>
+                          </m:r>
+                        </m:e>
+                      </m:nary>
+                      <m:d>
+                        <m:dPr>
+                          <m:ctrlPr>
+                            <a:rPr i="1">
+                              <a:latin typeface="Cambria Math" panose="02040503050406030204" pitchFamily="18" charset="0"/>
+                            </a:rPr>
+                          </m:ctrlPr>
+                        </m:dPr>
+                        <m:e>
+                          <m:r>
+                            <a:rPr>
+                              <a:latin typeface="Cambria Math" panose="02040503050406030204" pitchFamily="18" charset="0"/>
+                            </a:rPr>
+                            <m:t>𝑥</m:t>
+                          </m:r>
+                        </m:e>
+                      </m:d>
+                      <m:r>
+                        <a:rPr>
+                          <a:latin typeface="Cambria Math" panose="02040503050406030204" pitchFamily="18" charset="0"/>
+                        </a:rPr>
+                        <m:t>𝑑𝑥</m:t>
                       </m:r>
                       <m:r>
                         <a:rPr>
                           <a:latin typeface="Cambria Math" panose="02040503050406030204" pitchFamily="18" charset="0"/>
                         </a:rPr>
-                        <m:t>𝐗</m:t>
+                        <m:t>=</m:t>
                       </m:r>
                       <m:r>
                         <a:rPr>
                           <a:latin typeface="Cambria Math" panose="02040503050406030204" pitchFamily="18" charset="0"/>
                         </a:rPr>
+                        <m:t>1</m:t>
+                      </m:r>
+                    </m:oMath>
+                  </m:oMathPara>
+                </a14:m>
+                <a:endParaRPr dirty="0"/>
+              </a:p>
+              <a:p>
+                <a:pPr marL="0" lvl="0" indent="0">
+                  <a:buNone/>
+                </a:pPr>
+                <a:r>
+                  <a:rPr b="1" dirty="0"/>
+                  <a:t>Note: </a:t>
+                </a:r>
+                <a:r>
+                  <a:rPr dirty="0"/>
+                  <a:t>many distributions lower = </a:t>
+                </a:r>
+                <a14:m>
+                  <m:oMath xmlns:m="http://schemas.openxmlformats.org/officeDocument/2006/math">
+                    <m:r>
+                      <a:rPr>
+                        <a:latin typeface="Cambria Math" panose="02040503050406030204" pitchFamily="18" charset="0"/>
+                      </a:rPr>
+                      <m:t>0</m:t>
+                    </m:r>
+                  </m:oMath>
+                </a14:m>
+                <a:r>
+                  <a:rPr dirty="0"/>
+                  <a:t> or </a:t>
+                </a:r>
+                <a14:m>
+                  <m:oMath xmlns:m="http://schemas.openxmlformats.org/officeDocument/2006/math">
+                    <m:r>
+                      <a:rPr>
+                        <a:latin typeface="Cambria Math" panose="02040503050406030204" pitchFamily="18" charset="0"/>
+                      </a:rPr>
+                      <m:t>−</m:t>
+                    </m:r>
+                    <m:r>
+                      <a:rPr>
+                        <a:latin typeface="Cambria Math" panose="02040503050406030204" pitchFamily="18" charset="0"/>
+                      </a:rPr>
+                      <m:t>∞</m:t>
+                    </m:r>
+                  </m:oMath>
+                </a14:m>
+                <a:r>
+                  <a:rPr dirty="0"/>
+                  <a:t> and upper = </a:t>
+                </a:r>
+                <a14:m>
+                  <m:oMath xmlns:m="http://schemas.openxmlformats.org/officeDocument/2006/math">
+                    <m:r>
+                      <a:rPr>
+                        <a:latin typeface="Cambria Math" panose="02040503050406030204" pitchFamily="18" charset="0"/>
+                      </a:rPr>
+                      <m:t>∞</m:t>
+                    </m:r>
+                  </m:oMath>
+                </a14:m>
+                <a:endParaRPr dirty="0"/>
+              </a:p>
+              <a:p>
+                <a:pPr marL="342900" lvl="0" indent="-342900">
+                  <a:buAutoNum type="arabicPeriod" startAt="3"/>
+                </a:pPr>
+                <a:r>
+                  <a:rPr dirty="0"/>
+                  <a:t>If events A and B are mutually exclusive:</a:t>
+                </a:r>
+                <a:endParaRPr lang="en-US" dirty="0"/>
+              </a:p>
+              <a:p>
+                <a:pPr marL="0" lvl="0" indent="0">
+                  <a:buNone/>
+                </a:pPr>
+                <a14:m>
+                  <m:oMathPara xmlns:m="http://schemas.openxmlformats.org/officeDocument/2006/math">
+                    <m:oMathParaPr>
+                      <m:jc m:val="centerGroup"/>
+                    </m:oMathParaPr>
+                    <m:oMath xmlns:m="http://schemas.openxmlformats.org/officeDocument/2006/math">
+                      <m:r>
+                        <a:rPr lang="en-US" b="0" i="1" smtClean="0">
+                          <a:latin typeface="Cambria Math" panose="02040503050406030204" pitchFamily="18" charset="0"/>
+                        </a:rPr>
+                        <m:t>𝑃</m:t>
+                      </m:r>
+                      <m:d>
+                        <m:dPr>
+                          <m:ctrlPr>
+                            <a:rPr lang="en-US" b="0" i="1" smtClean="0">
+                              <a:latin typeface="Cambria Math" panose="02040503050406030204" pitchFamily="18" charset="0"/>
+                            </a:rPr>
+                          </m:ctrlPr>
+                        </m:dPr>
+                        <m:e>
+                          <m:r>
+                            <a:rPr lang="en-US" b="0" i="1" smtClean="0">
+                              <a:latin typeface="Cambria Math" panose="02040503050406030204" pitchFamily="18" charset="0"/>
+                            </a:rPr>
+                            <m:t>𝐴</m:t>
+                          </m:r>
+                          <m:r>
+                            <a:rPr lang="en-US" b="0" i="1" smtClean="0">
+                              <a:latin typeface="Cambria Math" panose="02040503050406030204" pitchFamily="18" charset="0"/>
+                              <a:ea typeface="Cambria Math" panose="02040503050406030204" pitchFamily="18" charset="0"/>
+                            </a:rPr>
+                            <m:t>∪</m:t>
+                          </m:r>
+                          <m:r>
+                            <a:rPr lang="en-US" b="0" i="1" smtClean="0">
+                              <a:latin typeface="Cambria Math" panose="02040503050406030204" pitchFamily="18" charset="0"/>
+                              <a:ea typeface="Cambria Math" panose="02040503050406030204" pitchFamily="18" charset="0"/>
+                            </a:rPr>
+                            <m:t>𝐵</m:t>
+                          </m:r>
+                        </m:e>
+                      </m:d>
+                      <m:r>
+                        <a:rPr lang="en-US" b="0" i="1" smtClean="0">
+                          <a:latin typeface="Cambria Math" panose="02040503050406030204" pitchFamily="18" charset="0"/>
+                        </a:rPr>
+                        <m:t>=</m:t>
+                      </m:r>
+                      <m:r>
+                        <a:rPr lang="en-US" b="0" i="1" smtClean="0">
+                          <a:latin typeface="Cambria Math" panose="02040503050406030204" pitchFamily="18" charset="0"/>
+                        </a:rPr>
+                        <m:t>𝑃</m:t>
+                      </m:r>
+                      <m:d>
+                        <m:dPr>
+                          <m:ctrlPr>
+                            <a:rPr lang="en-US" b="0" i="1" smtClean="0">
+                              <a:latin typeface="Cambria Math" panose="02040503050406030204" pitchFamily="18" charset="0"/>
+                            </a:rPr>
+                          </m:ctrlPr>
+                        </m:dPr>
+                        <m:e>
+                          <m:r>
+                            <a:rPr lang="en-US" b="0" i="1" smtClean="0">
+                              <a:latin typeface="Cambria Math" panose="02040503050406030204" pitchFamily="18" charset="0"/>
+                            </a:rPr>
+                            <m:t>𝐴</m:t>
+                          </m:r>
+                        </m:e>
+                      </m:d>
+                      <m:r>
+                        <a:rPr lang="en-US" b="0" i="1" smtClean="0">
+                          <a:latin typeface="Cambria Math" panose="02040503050406030204" pitchFamily="18" charset="0"/>
+                        </a:rPr>
                         <m:t>+</m:t>
                       </m:r>
                       <m:r>
-                        <a:rPr>
+                        <a:rPr lang="en-US" b="0" i="1" smtClean="0">
                           <a:latin typeface="Cambria Math" panose="02040503050406030204" pitchFamily="18" charset="0"/>
                         </a:rPr>
-                        <m:t>𝐛</m:t>
+                        <m:t>𝑃</m:t>
                       </m:r>
-                    </m:e>
-                  </m:d>
-                  <m:r>
-                    <a:rPr>
-                      <a:latin typeface="Cambria Math" panose="02040503050406030204" pitchFamily="18" charset="0"/>
-                    </a:rPr>
-                    <m:t>=</m:t>
-                  </m:r>
-                  <m:r>
-                    <a:rPr>
-                      <a:latin typeface="Cambria Math" panose="02040503050406030204" pitchFamily="18" charset="0"/>
-                    </a:rPr>
-                    <m:t>𝑎</m:t>
-                  </m:r>
-                  <m:r>
-                    <a:rPr>
-                      <a:latin typeface="Cambria Math" panose="02040503050406030204" pitchFamily="18" charset="0"/>
-                    </a:rPr>
-                    <m:t> </m:t>
-                  </m:r>
-                  <m:r>
-                    <m:rPr>
-                      <m:sty m:val="p"/>
-                    </m:rPr>
-                    <a:rPr>
-                      <a:latin typeface="Cambria Math" panose="02040503050406030204" pitchFamily="18" charset="0"/>
-                    </a:rPr>
-                    <m:t>E</m:t>
-                  </m:r>
-                  <m:d>
-                    <m:dPr>
-                      <m:begChr m:val="["/>
-                      <m:endChr m:val="]"/>
-                      <m:ctrlPr>
-                        <a:rPr i="1">
+                      <m:d>
+                        <m:dPr>
+                          <m:ctrlPr>
+                            <a:rPr lang="en-US" b="0" i="1" smtClean="0">
+                              <a:latin typeface="Cambria Math" panose="02040503050406030204" pitchFamily="18" charset="0"/>
+                            </a:rPr>
+                          </m:ctrlPr>
+                        </m:dPr>
+                        <m:e>
+                          <m:r>
+                            <a:rPr lang="en-US" b="0" i="1" smtClean="0">
+                              <a:latin typeface="Cambria Math" panose="02040503050406030204" pitchFamily="18" charset="0"/>
+                            </a:rPr>
+                            <m:t>𝐵</m:t>
+                          </m:r>
+                        </m:e>
+                      </m:d>
+                      <m:r>
+                        <a:rPr lang="en-US" b="0" i="1" smtClean="0">
                           <a:latin typeface="Cambria Math" panose="02040503050406030204" pitchFamily="18" charset="0"/>
                         </a:rPr>
-                      </m:ctrlPr>
-                    </m:dPr>
-                    <m:e>
+                        <m:t>, </m:t>
+                      </m:r>
                       <m:r>
-                        <a:rPr>
+                        <a:rPr lang="en-US" b="0" i="1" smtClean="0">
                           <a:latin typeface="Cambria Math" panose="02040503050406030204" pitchFamily="18" charset="0"/>
                         </a:rPr>
-                        <m:t>𝐗</m:t>
+                        <m:t>𝑖𝑓</m:t>
                       </m:r>
-                    </m:e>
-                  </m:d>
-                  <m:r>
-                    <a:rPr>
-                      <a:latin typeface="Cambria Math" panose="02040503050406030204" pitchFamily="18" charset="0"/>
-                    </a:rPr>
-                    <m:t>+</m:t>
-                  </m:r>
-                  <m:r>
-                    <a:rPr>
-                      <a:latin typeface="Cambria Math" panose="02040503050406030204" pitchFamily="18" charset="0"/>
-                    </a:rPr>
-                    <m:t>𝑏</m:t>
-                  </m:r>
-                </m:oMath>
-              </m:oMathPara>
-            </a14:m>
-            <a:endParaRPr/>
-          </a:p>
-        </p:txBody>
-      </p:sp>
+                      <m:r>
+                        <a:rPr lang="en-US" b="0" i="1" smtClean="0">
+                          <a:latin typeface="Cambria Math" panose="02040503050406030204" pitchFamily="18" charset="0"/>
+                        </a:rPr>
+                        <m:t> </m:t>
+                      </m:r>
+                      <m:r>
+                        <a:rPr lang="en-US" b="0" i="1" smtClean="0">
+                          <a:latin typeface="Cambria Math" panose="02040503050406030204" pitchFamily="18" charset="0"/>
+                        </a:rPr>
+                        <m:t>𝐴</m:t>
+                      </m:r>
+                      <m:r>
+                        <a:rPr lang="en-US" b="0" i="1" smtClean="0">
+                          <a:latin typeface="Cambria Math" panose="02040503050406030204" pitchFamily="18" charset="0"/>
+                          <a:ea typeface="Cambria Math" panose="02040503050406030204" pitchFamily="18" charset="0"/>
+                        </a:rPr>
+                        <m:t>⊥</m:t>
+                      </m:r>
+                      <m:r>
+                        <a:rPr lang="en-US" b="0" i="1" smtClean="0">
+                          <a:latin typeface="Cambria Math" panose="02040503050406030204" pitchFamily="18" charset="0"/>
+                          <a:ea typeface="Cambria Math" panose="02040503050406030204" pitchFamily="18" charset="0"/>
+                        </a:rPr>
+                        <m:t>𝐵</m:t>
+                      </m:r>
+                    </m:oMath>
+                  </m:oMathPara>
+                </a14:m>
+                <a:endParaRPr dirty="0"/>
+              </a:p>
+            </p:txBody>
+          </p:sp>
+        </mc:Choice>
+        <mc:Fallback xmlns="">
+          <p:sp>
+            <p:nvSpPr>
+              <p:cNvPr id="3" name="Content Placeholder 2"/>
+              <p:cNvSpPr>
+                <a:spLocks noGrp="1" noRot="1" noChangeAspect="1" noMove="1" noResize="1" noEditPoints="1" noAdjustHandles="1" noChangeArrowheads="1" noChangeShapeType="1" noTextEdit="1"/>
+              </p:cNvSpPr>
+              <p:nvPr>
+                <p:ph idx="1"/>
+              </p:nvPr>
+            </p:nvSpPr>
+            <p:spPr>
+              <a:xfrm>
+                <a:off x="457200" y="1063229"/>
+                <a:ext cx="8229600" cy="3874292"/>
+              </a:xfrm>
+              <a:blipFill>
+                <a:blip r:embed="rId2"/>
+                <a:stretch>
+                  <a:fillRect l="-815" t="-1572"/>
+                </a:stretch>
+              </a:blipFill>
+            </p:spPr>
+            <p:txBody>
+              <a:bodyPr/>
+              <a:lstStyle/>
+              <a:p>
+                <a:r>
+                  <a:rPr lang="en-US">
+                    <a:noFill/>
+                  </a:rPr>
+                  <a:t> </a:t>
+                </a:r>
+              </a:p>
+            </p:txBody>
+          </p:sp>
+        </mc:Fallback>
+      </mc:AlternateContent>
     </p:spTree>
   </p:cSld>
   <p:clrMapOvr>

--- a/LectureSlides/03a_ReviewOfProbability.pptx
+++ b/LectureSlides/03a_ReviewOfProbability.pptx
@@ -349,7 +349,7 @@
           <a:p>
             <a:fld id="{241EB5C9-1307-BA42-ABA2-0BC069CD8E7F}" type="datetimeFigureOut">
               <a:rPr lang="en-US" smtClean="0"/>
-              <a:t>9/7/2024</a:t>
+              <a:t>9/8/2024</a:t>
             </a:fld>
             <a:endParaRPr lang="en-US"/>
           </a:p>
@@ -517,7 +517,7 @@
           <a:p>
             <a:fld id="{241EB5C9-1307-BA42-ABA2-0BC069CD8E7F}" type="datetimeFigureOut">
               <a:rPr lang="en-US" smtClean="0"/>
-              <a:t>9/7/2024</a:t>
+              <a:t>9/8/2024</a:t>
             </a:fld>
             <a:endParaRPr lang="en-US"/>
           </a:p>
@@ -695,7 +695,7 @@
           <a:p>
             <a:fld id="{241EB5C9-1307-BA42-ABA2-0BC069CD8E7F}" type="datetimeFigureOut">
               <a:rPr lang="en-US" smtClean="0"/>
-              <a:t>9/7/2024</a:t>
+              <a:t>9/8/2024</a:t>
             </a:fld>
             <a:endParaRPr lang="en-US"/>
           </a:p>
@@ -863,7 +863,7 @@
           <a:p>
             <a:fld id="{241EB5C9-1307-BA42-ABA2-0BC069CD8E7F}" type="datetimeFigureOut">
               <a:rPr lang="en-US" smtClean="0"/>
-              <a:t>9/7/2024</a:t>
+              <a:t>9/8/2024</a:t>
             </a:fld>
             <a:endParaRPr lang="en-US"/>
           </a:p>
@@ -1108,7 +1108,7 @@
           <a:p>
             <a:fld id="{241EB5C9-1307-BA42-ABA2-0BC069CD8E7F}" type="datetimeFigureOut">
               <a:rPr lang="en-US" smtClean="0"/>
-              <a:t>9/7/2024</a:t>
+              <a:t>9/8/2024</a:t>
             </a:fld>
             <a:endParaRPr lang="en-US"/>
           </a:p>
@@ -1393,7 +1393,7 @@
           <a:p>
             <a:fld id="{241EB5C9-1307-BA42-ABA2-0BC069CD8E7F}" type="datetimeFigureOut">
               <a:rPr lang="en-US" smtClean="0"/>
-              <a:t>9/7/2024</a:t>
+              <a:t>9/8/2024</a:t>
             </a:fld>
             <a:endParaRPr lang="en-US"/>
           </a:p>
@@ -1812,7 +1812,7 @@
           <a:p>
             <a:fld id="{241EB5C9-1307-BA42-ABA2-0BC069CD8E7F}" type="datetimeFigureOut">
               <a:rPr lang="en-US" smtClean="0"/>
-              <a:t>9/7/2024</a:t>
+              <a:t>9/8/2024</a:t>
             </a:fld>
             <a:endParaRPr lang="en-US"/>
           </a:p>
@@ -1929,7 +1929,7 @@
           <a:p>
             <a:fld id="{241EB5C9-1307-BA42-ABA2-0BC069CD8E7F}" type="datetimeFigureOut">
               <a:rPr lang="en-US" smtClean="0"/>
-              <a:t>9/7/2024</a:t>
+              <a:t>9/8/2024</a:t>
             </a:fld>
             <a:endParaRPr lang="en-US"/>
           </a:p>
@@ -2024,7 +2024,7 @@
           <a:p>
             <a:fld id="{241EB5C9-1307-BA42-ABA2-0BC069CD8E7F}" type="datetimeFigureOut">
               <a:rPr lang="en-US" smtClean="0"/>
-              <a:t>9/7/2024</a:t>
+              <a:t>9/8/2024</a:t>
             </a:fld>
             <a:endParaRPr lang="en-US"/>
           </a:p>
@@ -2299,7 +2299,7 @@
           <a:p>
             <a:fld id="{241EB5C9-1307-BA42-ABA2-0BC069CD8E7F}" type="datetimeFigureOut">
               <a:rPr lang="en-US" smtClean="0"/>
-              <a:t>9/7/2024</a:t>
+              <a:t>9/8/2024</a:t>
             </a:fld>
             <a:endParaRPr lang="en-US"/>
           </a:p>
@@ -2551,7 +2551,7 @@
           <a:p>
             <a:fld id="{241EB5C9-1307-BA42-ABA2-0BC069CD8E7F}" type="datetimeFigureOut">
               <a:rPr lang="en-US" smtClean="0"/>
-              <a:t>9/7/2024</a:t>
+              <a:t>9/8/2024</a:t>
             </a:fld>
             <a:endParaRPr lang="en-US"/>
           </a:p>
@@ -2762,7 +2762,7 @@
           <a:p>
             <a:fld id="{241EB5C9-1307-BA42-ABA2-0BC069CD8E7F}" type="datetimeFigureOut">
               <a:rPr lang="en-US" smtClean="0"/>
-              <a:t>9/7/2024</a:t>
+              <a:t>9/8/2024</a:t>
             </a:fld>
             <a:endParaRPr lang="en-US"/>
           </a:p>
@@ -3722,8 +3722,8 @@
           </a:p>
         </p:txBody>
       </p:sp>
-      <mc:AlternateContent xmlns:mc="http://schemas.openxmlformats.org/markup-compatibility/2006">
-        <mc:Choice xmlns:a14="http://schemas.microsoft.com/office/drawing/2010/main" Requires="a14">
+      <mc:AlternateContent xmlns:mc="http://schemas.openxmlformats.org/markup-compatibility/2006" xmlns:a14="http://schemas.microsoft.com/office/drawing/2010/main">
+        <mc:Choice Requires="a14">
           <p:sp>
             <p:nvSpPr>
               <p:cNvPr id="3" name="Content Placeholder 2"/>
@@ -4227,7 +4227,7 @@
             </p:txBody>
           </p:sp>
         </mc:Choice>
-        <mc:Fallback>
+        <mc:Fallback xmlns="">
           <p:sp>
             <p:nvSpPr>
               <p:cNvPr id="3" name="Content Placeholder 2"/>
@@ -4311,8 +4311,8 @@
           </a:p>
         </p:txBody>
       </p:sp>
-      <mc:AlternateContent xmlns:mc="http://schemas.openxmlformats.org/markup-compatibility/2006">
-        <mc:Choice xmlns:a14="http://schemas.microsoft.com/office/drawing/2010/main" Requires="a14">
+      <mc:AlternateContent xmlns:mc="http://schemas.openxmlformats.org/markup-compatibility/2006" xmlns:a14="http://schemas.microsoft.com/office/drawing/2010/main">
+        <mc:Choice Requires="a14">
           <p:sp>
             <p:nvSpPr>
               <p:cNvPr id="3" name="Content Placeholder 2"/>
@@ -4817,7 +4817,7 @@
             </p:txBody>
           </p:sp>
         </mc:Choice>
-        <mc:Fallback>
+        <mc:Fallback xmlns="">
           <p:sp>
             <p:nvSpPr>
               <p:cNvPr id="3" name="Content Placeholder 2"/>
@@ -5008,8 +5008,8 @@
           </a:p>
         </p:txBody>
       </p:sp>
-      <mc:AlternateContent xmlns:mc="http://schemas.openxmlformats.org/markup-compatibility/2006">
-        <mc:Choice xmlns:a14="http://schemas.microsoft.com/office/drawing/2010/main" Requires="a14">
+      <mc:AlternateContent xmlns:mc="http://schemas.openxmlformats.org/markup-compatibility/2006" xmlns:a14="http://schemas.microsoft.com/office/drawing/2010/main">
+        <mc:Choice Requires="a14">
           <p:sp>
             <p:nvSpPr>
               <p:cNvPr id="3" name="Content Placeholder 2"/>
@@ -5382,7 +5382,7 @@
             </p:txBody>
           </p:sp>
         </mc:Choice>
-        <mc:Fallback>
+        <mc:Fallback xmlns="">
           <p:sp>
             <p:nvSpPr>
               <p:cNvPr id="3" name="Content Placeholder 2"/>
@@ -6198,8 +6198,8 @@
           </a:p>
         </p:txBody>
       </p:sp>
-      <mc:AlternateContent xmlns:mc="http://schemas.openxmlformats.org/markup-compatibility/2006">
-        <mc:Choice xmlns:a14="http://schemas.microsoft.com/office/drawing/2010/main" Requires="a14">
+      <mc:AlternateContent xmlns:mc="http://schemas.openxmlformats.org/markup-compatibility/2006" xmlns:a14="http://schemas.microsoft.com/office/drawing/2010/main">
+        <mc:Choice Requires="a14">
           <p:sp>
             <p:nvSpPr>
               <p:cNvPr id="3" name="Content Placeholder 2"/>
@@ -6803,7 +6803,7 @@
             </p:txBody>
           </p:sp>
         </mc:Choice>
-        <mc:Fallback>
+        <mc:Fallback xmlns="">
           <p:sp>
             <p:nvSpPr>
               <p:cNvPr id="3" name="Content Placeholder 2"/>
@@ -6916,8 +6916,8 @@
           </a:prstGeom>
         </p:spPr>
       </p:pic>
-      <mc:AlternateContent xmlns:mc="http://schemas.openxmlformats.org/markup-compatibility/2006">
-        <mc:Choice xmlns:a14="http://schemas.microsoft.com/office/drawing/2010/main" Requires="a14">
+      <mc:AlternateContent xmlns:mc="http://schemas.openxmlformats.org/markup-compatibility/2006" xmlns:a14="http://schemas.microsoft.com/office/drawing/2010/main">
+        <mc:Choice Requires="a14">
           <p:sp>
             <p:nvSpPr>
               <p:cNvPr id="10" name="TextBox 9">
@@ -6962,13 +6962,7 @@
                       <a:rPr lang="en-US" sz="2200" b="0" i="1" smtClean="0">
                         <a:latin typeface="Cambria Math" panose="02040503050406030204" pitchFamily="18" charset="0"/>
                       </a:rPr>
-                      <m:t>=</m:t>
-                    </m:r>
-                    <m:r>
-                      <a:rPr lang="en-US" sz="2200" b="0" i="1" smtClean="0">
-                        <a:latin typeface="Cambria Math" panose="02040503050406030204" pitchFamily="18" charset="0"/>
-                      </a:rPr>
-                      <m:t>3</m:t>
+                      <m:t>=3</m:t>
                     </m:r>
                   </m:oMath>
                 </a14:m>
@@ -7257,7 +7251,7 @@
             </p:txBody>
           </p:sp>
         </mc:Choice>
-        <mc:Fallback>
+        <mc:Fallback xmlns="">
           <p:sp>
             <p:nvSpPr>
               <p:cNvPr id="10" name="TextBox 9">
@@ -7356,8 +7350,8 @@
           </a:p>
         </p:txBody>
       </p:sp>
-      <mc:AlternateContent xmlns:mc="http://schemas.openxmlformats.org/markup-compatibility/2006">
-        <mc:Choice xmlns:a14="http://schemas.microsoft.com/office/drawing/2010/main" Requires="a14">
+      <mc:AlternateContent xmlns:mc="http://schemas.openxmlformats.org/markup-compatibility/2006" xmlns:a14="http://schemas.microsoft.com/office/drawing/2010/main">
+        <mc:Choice Requires="a14">
           <p:sp>
             <p:nvSpPr>
               <p:cNvPr id="3" name="Content Placeholder 2"/>
@@ -7706,7 +7700,7 @@
             </p:txBody>
           </p:sp>
         </mc:Choice>
-        <mc:Fallback>
+        <mc:Fallback xmlns="">
           <p:sp>
             <p:nvSpPr>
               <p:cNvPr id="3" name="Content Placeholder 2"/>
@@ -7793,8 +7787,8 @@
           </a:p>
         </p:txBody>
       </p:sp>
-      <mc:AlternateContent xmlns:mc="http://schemas.openxmlformats.org/markup-compatibility/2006">
-        <mc:Choice xmlns:a14="http://schemas.microsoft.com/office/drawing/2010/main" Requires="a14">
+      <mc:AlternateContent xmlns:mc="http://schemas.openxmlformats.org/markup-compatibility/2006" xmlns:a14="http://schemas.microsoft.com/office/drawing/2010/main">
+        <mc:Choice Requires="a14">
           <p:sp>
             <p:nvSpPr>
               <p:cNvPr id="3" name="Content Placeholder 2"/>
@@ -7870,7 +7864,7 @@
             </p:txBody>
           </p:sp>
         </mc:Choice>
-        <mc:Fallback>
+        <mc:Fallback xmlns="">
           <p:sp>
             <p:nvSpPr>
               <p:cNvPr id="3" name="Content Placeholder 2"/>
@@ -8126,8 +8120,8 @@
           </a:p>
         </p:txBody>
       </p:sp>
-      <mc:AlternateContent xmlns:mc="http://schemas.openxmlformats.org/markup-compatibility/2006">
-        <mc:Choice xmlns:a14="http://schemas.microsoft.com/office/drawing/2010/main" Requires="a14">
+      <mc:AlternateContent xmlns:mc="http://schemas.openxmlformats.org/markup-compatibility/2006" xmlns:a14="http://schemas.microsoft.com/office/drawing/2010/main">
+        <mc:Choice Requires="a14">
           <p:sp>
             <p:nvSpPr>
               <p:cNvPr id="3" name="Content Placeholder 2"/>
@@ -8611,7 +8605,7 @@
             </p:txBody>
           </p:sp>
         </mc:Choice>
-        <mc:Fallback>
+        <mc:Fallback xmlns="">
           <p:sp>
             <p:nvSpPr>
               <p:cNvPr id="3" name="Content Placeholder 2"/>
@@ -9346,8 +9340,8 @@
           </a:p>
         </p:txBody>
       </p:sp>
-      <mc:AlternateContent xmlns:mc="http://schemas.openxmlformats.org/markup-compatibility/2006">
-        <mc:Choice xmlns:a14="http://schemas.microsoft.com/office/drawing/2010/main" Requires="a14">
+      <mc:AlternateContent xmlns:mc="http://schemas.openxmlformats.org/markup-compatibility/2006" xmlns:a14="http://schemas.microsoft.com/office/drawing/2010/main">
+        <mc:Choice Requires="a14">
           <p:sp>
             <p:nvSpPr>
               <p:cNvPr id="3" name="Content Placeholder 2"/>
@@ -9803,7 +9797,7 @@
             </p:txBody>
           </p:sp>
         </mc:Choice>
-        <mc:Fallback>
+        <mc:Fallback xmlns="">
           <p:sp>
             <p:nvSpPr>
               <p:cNvPr id="3" name="Content Placeholder 2"/>
@@ -10004,8 +9998,8 @@
           </a:p>
         </p:txBody>
       </p:sp>
-      <mc:AlternateContent xmlns:mc="http://schemas.openxmlformats.org/markup-compatibility/2006">
-        <mc:Choice xmlns:a14="http://schemas.microsoft.com/office/drawing/2010/main" Requires="a14">
+      <mc:AlternateContent xmlns:mc="http://schemas.openxmlformats.org/markup-compatibility/2006" xmlns:a14="http://schemas.microsoft.com/office/drawing/2010/main">
+        <mc:Choice Requires="a14">
           <p:sp>
             <p:nvSpPr>
               <p:cNvPr id="3" name="Content Placeholder 2"/>
@@ -10740,7 +10734,7 @@
             </p:txBody>
           </p:sp>
         </mc:Choice>
-        <mc:Fallback>
+        <mc:Fallback xmlns="">
           <p:sp>
             <p:nvSpPr>
               <p:cNvPr id="3" name="Content Placeholder 2"/>
@@ -16645,8 +16639,8 @@
           <a:chExt cx="0" cy="0"/>
         </a:xfrm>
       </p:grpSpPr>
-      <mc:AlternateContent xmlns:mc="http://schemas.openxmlformats.org/markup-compatibility/2006">
-        <mc:Choice xmlns:a14="http://schemas.microsoft.com/office/drawing/2010/main" Requires="a14">
+      <mc:AlternateContent xmlns:mc="http://schemas.openxmlformats.org/markup-compatibility/2006" xmlns:a14="http://schemas.microsoft.com/office/drawing/2010/main">
+        <mc:Choice Requires="a14">
           <p:sp>
             <p:nvSpPr>
               <p:cNvPr id="2" name="Title 1"/>
@@ -16715,7 +16709,7 @@
             </p:txBody>
           </p:sp>
         </mc:Choice>
-        <mc:Fallback>
+        <mc:Fallback xmlns="">
           <p:sp>
             <p:nvSpPr>
               <p:cNvPr id="2" name="Title 1"/>
@@ -18608,8 +18602,8 @@
           </a:p>
         </p:txBody>
       </p:sp>
-      <mc:AlternateContent xmlns:mc="http://schemas.openxmlformats.org/markup-compatibility/2006">
-        <mc:Choice xmlns:a14="http://schemas.microsoft.com/office/drawing/2010/main" Requires="a14">
+      <mc:AlternateContent xmlns:mc="http://schemas.openxmlformats.org/markup-compatibility/2006" xmlns:a14="http://schemas.microsoft.com/office/drawing/2010/main">
+        <mc:Choice Requires="a14">
           <p:sp>
             <p:nvSpPr>
               <p:cNvPr id="3" name="Content Placeholder 2"/>
@@ -18804,7 +18798,7 @@
             </p:txBody>
           </p:sp>
         </mc:Choice>
-        <mc:Fallback>
+        <mc:Fallback xmlns="">
           <p:sp>
             <p:nvSpPr>
               <p:cNvPr id="3" name="Content Placeholder 2"/>
@@ -21359,8 +21353,8 @@
           </a:p>
         </p:txBody>
       </p:sp>
-      <mc:AlternateContent xmlns:mc="http://schemas.openxmlformats.org/markup-compatibility/2006">
-        <mc:Choice xmlns:a14="http://schemas.microsoft.com/office/drawing/2010/main" Requires="a14">
+      <mc:AlternateContent xmlns:mc="http://schemas.openxmlformats.org/markup-compatibility/2006" xmlns:a14="http://schemas.microsoft.com/office/drawing/2010/main">
+        <mc:Choice Requires="a14">
           <p:sp>
             <p:nvSpPr>
               <p:cNvPr id="3" name="Content Placeholder 2"/>
@@ -21473,7 +21467,7 @@
             </p:txBody>
           </p:sp>
         </mc:Choice>
-        <mc:Fallback>
+        <mc:Fallback xmlns="">
           <p:sp>
             <p:nvSpPr>
               <p:cNvPr id="3" name="Content Placeholder 2"/>
@@ -23028,8 +23022,8 @@
           </a:p>
         </p:txBody>
       </p:sp>
-      <mc:AlternateContent xmlns:mc="http://schemas.openxmlformats.org/markup-compatibility/2006" xmlns:a14="http://schemas.microsoft.com/office/drawing/2010/main">
-        <mc:Choice Requires="a14">
+      <mc:AlternateContent xmlns:mc="http://schemas.openxmlformats.org/markup-compatibility/2006">
+        <mc:Choice xmlns:a14="http://schemas.microsoft.com/office/drawing/2010/main" Requires="a14">
           <p:sp>
             <p:nvSpPr>
               <p:cNvPr id="3" name="Content Placeholder 2"/>
@@ -23040,10 +23034,15 @@
                 <p:ph idx="1"/>
               </p:nvPr>
             </p:nvSpPr>
-            <p:spPr/>
+            <p:spPr>
+              <a:xfrm>
+                <a:off x="457200" y="1063230"/>
+                <a:ext cx="8229600" cy="3802684"/>
+              </a:xfrm>
+            </p:spPr>
             <p:txBody>
               <a:bodyPr>
-                <a:normAutofit fontScale="77500" lnSpcReduction="20000"/>
+                <a:normAutofit fontScale="85000" lnSpcReduction="10000"/>
               </a:bodyPr>
               <a:lstStyle/>
               <a:p>
@@ -23842,7 +23841,7 @@
             </p:txBody>
           </p:sp>
         </mc:Choice>
-        <mc:Fallback xmlns="">
+        <mc:Fallback>
           <p:sp>
             <p:nvSpPr>
               <p:cNvPr id="3" name="Content Placeholder 2"/>
@@ -23854,10 +23853,14 @@
               </p:nvPr>
             </p:nvSpPr>
             <p:spPr>
+              <a:xfrm>
+                <a:off x="457200" y="1063230"/>
+                <a:ext cx="8229600" cy="3802684"/>
+              </a:xfrm>
               <a:blipFill>
                 <a:blip r:embed="rId2"/>
                 <a:stretch>
-                  <a:fillRect l="-519" t="-2334"/>
+                  <a:fillRect l="-667" t="-1603"/>
                 </a:stretch>
               </a:blipFill>
             </p:spPr>
@@ -25109,8 +25112,8 @@
           </a:p>
         </p:txBody>
       </p:sp>
-      <mc:AlternateContent xmlns:mc="http://schemas.openxmlformats.org/markup-compatibility/2006">
-        <mc:Choice xmlns:a14="http://schemas.microsoft.com/office/drawing/2010/main" Requires="a14">
+      <mc:AlternateContent xmlns:mc="http://schemas.openxmlformats.org/markup-compatibility/2006" xmlns:a14="http://schemas.microsoft.com/office/drawing/2010/main">
+        <mc:Choice Requires="a14">
           <p:sp>
             <p:nvSpPr>
               <p:cNvPr id="3" name="Content Placeholder 2"/>
@@ -25461,7 +25464,7 @@
             </p:txBody>
           </p:sp>
         </mc:Choice>
-        <mc:Fallback>
+        <mc:Fallback xmlns="">
           <p:sp>
             <p:nvSpPr>
               <p:cNvPr id="3" name="Content Placeholder 2"/>
@@ -25740,13 +25743,7 @@
                         <a:rPr>
                           <a:latin typeface="Cambria Math" panose="02040503050406030204" pitchFamily="18" charset="0"/>
                         </a:rPr>
-                        <m:t>0</m:t>
-                      </m:r>
-                      <m:r>
-                        <a:rPr>
-                          <a:latin typeface="Cambria Math" panose="02040503050406030204" pitchFamily="18" charset="0"/>
-                        </a:rPr>
-                        <m:t>≤</m:t>
+                        <m:t>0≤</m:t>
                       </m:r>
                       <m:nary>
                         <m:naryPr>
@@ -25847,13 +25844,7 @@
                         <a:rPr>
                           <a:latin typeface="Cambria Math" panose="02040503050406030204" pitchFamily="18" charset="0"/>
                         </a:rPr>
-                        <m:t> ≤</m:t>
-                      </m:r>
-                      <m:r>
-                        <a:rPr>
-                          <a:latin typeface="Cambria Math" panose="02040503050406030204" pitchFamily="18" charset="0"/>
-                        </a:rPr>
-                        <m:t>1</m:t>
+                        <m:t> ≤1</m:t>
                       </m:r>
                     </m:oMath>
                   </m:oMathPara>
@@ -26017,13 +26008,7 @@
                         <a:rPr>
                           <a:latin typeface="Cambria Math" panose="02040503050406030204" pitchFamily="18" charset="0"/>
                         </a:rPr>
-                        <m:t>=</m:t>
-                      </m:r>
-                      <m:r>
-                        <a:rPr>
-                          <a:latin typeface="Cambria Math" panose="02040503050406030204" pitchFamily="18" charset="0"/>
-                        </a:rPr>
-                        <m:t>1</m:t>
+                        <m:t>=1</m:t>
                       </m:r>
                     </m:oMath>
                   </m:oMathPara>
@@ -26062,13 +26047,7 @@
                       <a:rPr>
                         <a:latin typeface="Cambria Math" panose="02040503050406030204" pitchFamily="18" charset="0"/>
                       </a:rPr>
-                      <m:t>−</m:t>
-                    </m:r>
-                    <m:r>
-                      <a:rPr>
-                        <a:latin typeface="Cambria Math" panose="02040503050406030204" pitchFamily="18" charset="0"/>
-                      </a:rPr>
-                      <m:t>∞</m:t>
+                      <m:t>−∞</m:t>
                     </m:r>
                   </m:oMath>
                 </a14:m>

--- a/LectureSlides/03a_ReviewOfProbability.pptx
+++ b/LectureSlides/03a_ReviewOfProbability.pptx
@@ -45,14 +45,13 @@
     <p:sldId id="313" r:id="rId39"/>
     <p:sldId id="314" r:id="rId40"/>
     <p:sldId id="316" r:id="rId41"/>
-    <p:sldId id="317" r:id="rId42"/>
-    <p:sldId id="318" r:id="rId43"/>
-    <p:sldId id="319" r:id="rId44"/>
-    <p:sldId id="320" r:id="rId45"/>
-    <p:sldId id="300" r:id="rId46"/>
-    <p:sldId id="301" r:id="rId47"/>
-    <p:sldId id="302" r:id="rId48"/>
-    <p:sldId id="303" r:id="rId49"/>
+    <p:sldId id="318" r:id="rId42"/>
+    <p:sldId id="319" r:id="rId43"/>
+    <p:sldId id="320" r:id="rId44"/>
+    <p:sldId id="300" r:id="rId45"/>
+    <p:sldId id="301" r:id="rId46"/>
+    <p:sldId id="302" r:id="rId47"/>
+    <p:sldId id="303" r:id="rId48"/>
   </p:sldIdLst>
   <p:sldSz cx="9144000" cy="5143500" type="screen16x9"/>
   <p:notesSz cx="6858000" cy="9144000"/>
@@ -349,7 +348,7 @@
           <a:p>
             <a:fld id="{241EB5C9-1307-BA42-ABA2-0BC069CD8E7F}" type="datetimeFigureOut">
               <a:rPr lang="en-US" smtClean="0"/>
-              <a:t>9/8/2024</a:t>
+              <a:t>9/12/2024</a:t>
             </a:fld>
             <a:endParaRPr lang="en-US"/>
           </a:p>
@@ -517,7 +516,7 @@
           <a:p>
             <a:fld id="{241EB5C9-1307-BA42-ABA2-0BC069CD8E7F}" type="datetimeFigureOut">
               <a:rPr lang="en-US" smtClean="0"/>
-              <a:t>9/8/2024</a:t>
+              <a:t>9/12/2024</a:t>
             </a:fld>
             <a:endParaRPr lang="en-US"/>
           </a:p>
@@ -695,7 +694,7 @@
           <a:p>
             <a:fld id="{241EB5C9-1307-BA42-ABA2-0BC069CD8E7F}" type="datetimeFigureOut">
               <a:rPr lang="en-US" smtClean="0"/>
-              <a:t>9/8/2024</a:t>
+              <a:t>9/12/2024</a:t>
             </a:fld>
             <a:endParaRPr lang="en-US"/>
           </a:p>
@@ -863,7 +862,7 @@
           <a:p>
             <a:fld id="{241EB5C9-1307-BA42-ABA2-0BC069CD8E7F}" type="datetimeFigureOut">
               <a:rPr lang="en-US" smtClean="0"/>
-              <a:t>9/8/2024</a:t>
+              <a:t>9/12/2024</a:t>
             </a:fld>
             <a:endParaRPr lang="en-US"/>
           </a:p>
@@ -1108,7 +1107,7 @@
           <a:p>
             <a:fld id="{241EB5C9-1307-BA42-ABA2-0BC069CD8E7F}" type="datetimeFigureOut">
               <a:rPr lang="en-US" smtClean="0"/>
-              <a:t>9/8/2024</a:t>
+              <a:t>9/12/2024</a:t>
             </a:fld>
             <a:endParaRPr lang="en-US"/>
           </a:p>
@@ -1393,7 +1392,7 @@
           <a:p>
             <a:fld id="{241EB5C9-1307-BA42-ABA2-0BC069CD8E7F}" type="datetimeFigureOut">
               <a:rPr lang="en-US" smtClean="0"/>
-              <a:t>9/8/2024</a:t>
+              <a:t>9/12/2024</a:t>
             </a:fld>
             <a:endParaRPr lang="en-US"/>
           </a:p>
@@ -1812,7 +1811,7 @@
           <a:p>
             <a:fld id="{241EB5C9-1307-BA42-ABA2-0BC069CD8E7F}" type="datetimeFigureOut">
               <a:rPr lang="en-US" smtClean="0"/>
-              <a:t>9/8/2024</a:t>
+              <a:t>9/12/2024</a:t>
             </a:fld>
             <a:endParaRPr lang="en-US"/>
           </a:p>
@@ -1929,7 +1928,7 @@
           <a:p>
             <a:fld id="{241EB5C9-1307-BA42-ABA2-0BC069CD8E7F}" type="datetimeFigureOut">
               <a:rPr lang="en-US" smtClean="0"/>
-              <a:t>9/8/2024</a:t>
+              <a:t>9/12/2024</a:t>
             </a:fld>
             <a:endParaRPr lang="en-US"/>
           </a:p>
@@ -2024,7 +2023,7 @@
           <a:p>
             <a:fld id="{241EB5C9-1307-BA42-ABA2-0BC069CD8E7F}" type="datetimeFigureOut">
               <a:rPr lang="en-US" smtClean="0"/>
-              <a:t>9/8/2024</a:t>
+              <a:t>9/12/2024</a:t>
             </a:fld>
             <a:endParaRPr lang="en-US"/>
           </a:p>
@@ -2299,7 +2298,7 @@
           <a:p>
             <a:fld id="{241EB5C9-1307-BA42-ABA2-0BC069CD8E7F}" type="datetimeFigureOut">
               <a:rPr lang="en-US" smtClean="0"/>
-              <a:t>9/8/2024</a:t>
+              <a:t>9/12/2024</a:t>
             </a:fld>
             <a:endParaRPr lang="en-US"/>
           </a:p>
@@ -2551,7 +2550,7 @@
           <a:p>
             <a:fld id="{241EB5C9-1307-BA42-ABA2-0BC069CD8E7F}" type="datetimeFigureOut">
               <a:rPr lang="en-US" smtClean="0"/>
-              <a:t>9/8/2024</a:t>
+              <a:t>9/12/2024</a:t>
             </a:fld>
             <a:endParaRPr lang="en-US"/>
           </a:p>
@@ -2762,7 +2761,7 @@
           <a:p>
             <a:fld id="{241EB5C9-1307-BA42-ABA2-0BC069CD8E7F}" type="datetimeFigureOut">
               <a:rPr lang="en-US" smtClean="0"/>
-              <a:t>9/8/2024</a:t>
+              <a:t>9/12/2024</a:t>
             </a:fld>
             <a:endParaRPr lang="en-US"/>
           </a:p>
@@ -6881,6 +6880,7 @@
               <a:buNone/>
             </a:pPr>
             <a:r>
+              <a:rPr dirty="0"/>
               <a:t>The Categorical distribution</a:t>
             </a:r>
           </a:p>
@@ -6916,8 +6916,8 @@
           </a:prstGeom>
         </p:spPr>
       </p:pic>
-      <mc:AlternateContent xmlns:mc="http://schemas.openxmlformats.org/markup-compatibility/2006" xmlns:a14="http://schemas.microsoft.com/office/drawing/2010/main">
-        <mc:Choice Requires="a14">
+      <mc:AlternateContent xmlns:mc="http://schemas.openxmlformats.org/markup-compatibility/2006">
+        <mc:Choice xmlns:a14="http://schemas.microsoft.com/office/drawing/2010/main" Requires="a14">
           <p:sp>
             <p:nvSpPr>
               <p:cNvPr id="10" name="TextBox 9">
@@ -6962,7 +6962,13 @@
                       <a:rPr lang="en-US" sz="2200" b="0" i="1" smtClean="0">
                         <a:latin typeface="Cambria Math" panose="02040503050406030204" pitchFamily="18" charset="0"/>
                       </a:rPr>
-                      <m:t>=3</m:t>
+                      <m:t>=</m:t>
+                    </m:r>
+                    <m:r>
+                      <a:rPr lang="en-US" sz="2200" b="0" i="1" smtClean="0">
+                        <a:latin typeface="Cambria Math" panose="02040503050406030204" pitchFamily="18" charset="0"/>
+                      </a:rPr>
+                      <m:t>3</m:t>
                     </m:r>
                   </m:oMath>
                 </a14:m>
@@ -6996,15 +7002,7 @@
                 </a:pPr>
                 <a:r>
                   <a:rPr lang="en-US" sz="2200" dirty="0"/>
-                  <a:t>The probabilities of </a:t>
-                </a:r>
-                <a:r>
-                  <a:rPr lang="en-US" sz="2200" dirty="0" err="1"/>
-                  <a:t>of</a:t>
-                </a:r>
-                <a:r>
-                  <a:rPr lang="en-US" sz="2200" dirty="0"/>
-                  <a:t> each outcome is </a:t>
+                  <a:t>The expected outcomes are </a:t>
                 </a:r>
                 <a14:m>
                   <m:oMath xmlns:m="http://schemas.openxmlformats.org/officeDocument/2006/math">
@@ -7251,7 +7249,7 @@
             </p:txBody>
           </p:sp>
         </mc:Choice>
-        <mc:Fallback xmlns="">
+        <mc:Fallback>
           <p:sp>
             <p:nvSpPr>
               <p:cNvPr id="10" name="TextBox 9">
@@ -10821,8 +10819,8 @@
           </a:p>
         </p:txBody>
       </p:sp>
-      <mc:AlternateContent xmlns:mc="http://schemas.openxmlformats.org/markup-compatibility/2006" xmlns:a14="http://schemas.microsoft.com/office/drawing/2010/main">
-        <mc:Choice Requires="a14">
+      <mc:AlternateContent xmlns:mc="http://schemas.openxmlformats.org/markup-compatibility/2006">
+        <mc:Choice xmlns:a14="http://schemas.microsoft.com/office/drawing/2010/main" Requires="a14">
           <p:sp>
             <p:nvSpPr>
               <p:cNvPr id="3" name="Content Placeholder 2"/>
@@ -12193,6 +12191,43 @@
                             </a:rPr>
                             <m:t>−</m:t>
                           </m:r>
+                          <m:acc>
+                            <m:accPr>
+                              <m:chr m:val="̅"/>
+                              <m:ctrlPr>
+                                <a:rPr lang="en-US" i="1">
+                                  <a:latin typeface="Cambria Math" panose="02040503050406030204" pitchFamily="18" charset="0"/>
+                                </a:rPr>
+                              </m:ctrlPr>
+                            </m:accPr>
+                            <m:e>
+                              <m:sSub>
+                                <m:sSubPr>
+                                  <m:ctrlPr>
+                                    <a:rPr lang="en-US" i="1" smtClean="0">
+                                      <a:latin typeface="Cambria Math" panose="02040503050406030204" pitchFamily="18" charset="0"/>
+                                    </a:rPr>
+                                  </m:ctrlPr>
+                                </m:sSubPr>
+                                <m:e>
+                                  <m:r>
+                                    <a:rPr lang="en-US" i="1">
+                                      <a:latin typeface="Cambria Math" panose="02040503050406030204" pitchFamily="18" charset="0"/>
+                                    </a:rPr>
+                                    <m:t>𝑥</m:t>
+                                  </m:r>
+                                </m:e>
+                                <m:sub>
+                                  <m:r>
+                                    <a:rPr lang="en-US" b="0" i="1" smtClean="0">
+                                      <a:latin typeface="Cambria Math" panose="02040503050406030204" pitchFamily="18" charset="0"/>
+                                    </a:rPr>
+                                    <m:t>𝑗</m:t>
+                                  </m:r>
+                                </m:sub>
+                              </m:sSub>
+                            </m:e>
+                          </m:acc>
                         </m:e>
                       </m:d>
                     </m:oMath>
@@ -12321,7 +12356,7 @@
             </p:txBody>
           </p:sp>
         </mc:Choice>
-        <mc:Fallback xmlns="">
+        <mc:Fallback>
           <p:sp>
             <p:nvSpPr>
               <p:cNvPr id="3" name="Content Placeholder 2"/>
@@ -15149,7 +15184,7 @@
                       <m:f>
                         <m:fPr>
                           <m:ctrlPr>
-                            <a:rPr lang="ar-AE" i="1">
+                            <a:rPr lang="ar-AE" i="1" smtClean="0">
                               <a:latin typeface="Cambria Math" panose="02040503050406030204" pitchFamily="18" charset="0"/>
                             </a:rPr>
                           </m:ctrlPr>
@@ -15164,7 +15199,7 @@
                         </m:num>
                         <m:den>
                           <m:r>
-                            <a:rPr lang="ar-AE">
+                            <a:rPr lang="ar-AE" smtClean="0">
                               <a:latin typeface="Cambria Math" panose="02040503050406030204" pitchFamily="18" charset="0"/>
                             </a:rPr>
                             <m:t>𝑥</m:t>
@@ -15555,8 +15590,8 @@
           </a:p>
         </p:txBody>
       </p:sp>
-      <mc:AlternateContent xmlns:mc="http://schemas.openxmlformats.org/markup-compatibility/2006" xmlns:a14="http://schemas.microsoft.com/office/drawing/2010/main">
-        <mc:Choice Requires="a14">
+      <mc:AlternateContent xmlns:mc="http://schemas.openxmlformats.org/markup-compatibility/2006">
+        <mc:Choice xmlns:a14="http://schemas.microsoft.com/office/drawing/2010/main" Requires="a14">
           <p:sp>
             <p:nvSpPr>
               <p:cNvPr id="3" name="Content Placeholder 2"/>
@@ -15618,7 +15653,7 @@
                 <a:pPr lvl="0"/>
                 <a:r>
                   <a:rPr lang="en-US" dirty="0"/>
-                  <a:t>The PDF of the t-distribution is a rather complex looking result:</a:t>
+                  <a:t>The PDF of the t-distribution is rather complex looking:</a:t>
                 </a:r>
               </a:p>
               <a:p>
@@ -16057,7 +16092,7 @@
             </p:txBody>
           </p:sp>
         </mc:Choice>
-        <mc:Fallback xmlns="">
+        <mc:Fallback>
           <p:sp>
             <p:nvSpPr>
               <p:cNvPr id="3" name="Content Placeholder 2"/>
@@ -16441,8 +16476,8 @@
           </p:sp>
         </mc:Fallback>
       </mc:AlternateContent>
-      <mc:AlternateContent xmlns:mc="http://schemas.openxmlformats.org/markup-compatibility/2006" xmlns:a14="http://schemas.microsoft.com/office/drawing/2010/main">
-        <mc:Choice Requires="a14">
+      <mc:AlternateContent xmlns:mc="http://schemas.openxmlformats.org/markup-compatibility/2006">
+        <mc:Choice xmlns:a14="http://schemas.microsoft.com/office/drawing/2010/main" Requires="a14">
           <p:sp>
             <p:nvSpPr>
               <p:cNvPr id="3" name="Title 1">
@@ -16563,13 +16598,13 @@
                 </a:pPr>
                 <a:r>
                   <a:rPr lang="en-US" sz="2400" dirty="0"/>
-                  <a:t>Gamma family are used in problems, ranging from measurements of physical systems to hypothesis testing</a:t>
+                  <a:t>Gamma family is used for problems, ranging from measurements of physical systems to hypothesis testing</a:t>
                 </a:r>
               </a:p>
             </p:txBody>
           </p:sp>
         </mc:Choice>
-        <mc:Fallback xmlns="">
+        <mc:Fallback>
           <p:sp>
             <p:nvSpPr>
               <p:cNvPr id="3" name="Title 1">
@@ -16743,8 +16778,8 @@
           </p:sp>
         </mc:Fallback>
       </mc:AlternateContent>
-      <mc:AlternateContent xmlns:mc="http://schemas.openxmlformats.org/markup-compatibility/2006" xmlns:a14="http://schemas.microsoft.com/office/drawing/2010/main">
-        <mc:Choice Requires="a14">
+      <mc:AlternateContent xmlns:mc="http://schemas.openxmlformats.org/markup-compatibility/2006">
+        <mc:Choice xmlns:a14="http://schemas.microsoft.com/office/drawing/2010/main" Requires="a14">
           <p:sp>
             <p:nvSpPr>
               <p:cNvPr id="3" name="Content Placeholder 2"/>
@@ -16767,7 +16802,7 @@
                 </a:pPr>
                 <a:r>
                   <a:rPr lang="en-US" dirty="0"/>
-                  <a:t>Gamma family can be parameterized in several ways; we will use:  </a:t>
+                  <a:t>Gamma family can be parameterized in several ways; we will use the following:  </a:t>
                 </a:r>
               </a:p>
               <a:p>
@@ -17289,7 +17324,7 @@
             </p:txBody>
           </p:sp>
         </mc:Choice>
-        <mc:Fallback xmlns="">
+        <mc:Fallback>
           <p:sp>
             <p:nvSpPr>
               <p:cNvPr id="3" name="Content Placeholder 2"/>
@@ -17304,7 +17339,7 @@
               <a:blipFill>
                 <a:blip r:embed="rId3"/>
                 <a:stretch>
-                  <a:fillRect l="-1111" t="-1436" b="-180"/>
+                  <a:fillRect l="-1111" t="-1436" r="-222" b="-180"/>
                 </a:stretch>
               </a:blipFill>
             </p:spPr>
@@ -17453,8 +17488,8 @@
           </p:sp>
         </mc:Fallback>
       </mc:AlternateContent>
-      <mc:AlternateContent xmlns:mc="http://schemas.openxmlformats.org/markup-compatibility/2006" xmlns:a14="http://schemas.microsoft.com/office/drawing/2010/main">
-        <mc:Choice Requires="a14">
+      <mc:AlternateContent xmlns:mc="http://schemas.openxmlformats.org/markup-compatibility/2006">
+        <mc:Choice xmlns:a14="http://schemas.microsoft.com/office/drawing/2010/main" Requires="a14">
           <p:sp>
             <p:nvSpPr>
               <p:cNvPr id="3" name="Content Placeholder 2"/>
@@ -17465,10 +17500,15 @@
                 <p:ph idx="1"/>
               </p:nvPr>
             </p:nvSpPr>
-            <p:spPr/>
+            <p:spPr>
+              <a:xfrm>
+                <a:off x="457200" y="1200151"/>
+                <a:ext cx="8229600" cy="3567792"/>
+              </a:xfrm>
+            </p:spPr>
             <p:txBody>
               <a:bodyPr>
-                <a:normAutofit fontScale="85000" lnSpcReduction="10000"/>
+                <a:normAutofit fontScale="92500" lnSpcReduction="10000"/>
               </a:bodyPr>
               <a:lstStyle/>
               <a:p>
@@ -17477,7 +17517,7 @@
                 </a:pPr>
                 <a:r>
                   <a:rPr lang="en-US" dirty="0"/>
-                  <a:t>Two useful special cases of the Gamma distribution are:    - </a:t>
+                  <a:t>Two useful special cases of the Gamma distribution are:   </a:t>
                 </a:r>
               </a:p>
               <a:p>
@@ -17866,13 +17906,6 @@
                 <a:r>
                   <a:rPr lang="en-US" dirty="0"/>
                   <a:t>distribution has many uses in statistics</a:t>
-                </a:r>
-              </a:p>
-              <a:p>
-                <a:pPr lvl="1"/>
-                <a:r>
-                  <a:rPr lang="en-US" dirty="0"/>
-                  <a:t>Used for estimates of the variance of the Normal distribution     </a:t>
                 </a:r>
               </a:p>
               <a:p>
@@ -18263,7 +18296,7 @@
             </p:txBody>
           </p:sp>
         </mc:Choice>
-        <mc:Fallback xmlns="">
+        <mc:Fallback>
           <p:sp>
             <p:nvSpPr>
               <p:cNvPr id="3" name="Content Placeholder 2"/>
@@ -18275,10 +18308,14 @@
               </p:nvPr>
             </p:nvSpPr>
             <p:spPr>
+              <a:xfrm>
+                <a:off x="457200" y="1200151"/>
+                <a:ext cx="8229600" cy="3567792"/>
+              </a:xfrm>
               <a:blipFill>
                 <a:blip r:embed="rId3"/>
                 <a:stretch>
-                  <a:fillRect l="-741" t="-1975" r="-370"/>
+                  <a:fillRect l="-963" t="-2222"/>
                 </a:stretch>
               </a:blipFill>
             </p:spPr>
@@ -18957,8 +18994,8 @@
           </p:sp>
         </mc:Fallback>
       </mc:AlternateContent>
-      <mc:AlternateContent xmlns:mc="http://schemas.openxmlformats.org/markup-compatibility/2006" xmlns:a14="http://schemas.microsoft.com/office/drawing/2010/main">
-        <mc:Choice Requires="a14">
+      <mc:AlternateContent xmlns:mc="http://schemas.openxmlformats.org/markup-compatibility/2006">
+        <mc:Choice xmlns:a14="http://schemas.microsoft.com/office/drawing/2010/main" Requires="a14">
           <p:sp>
             <p:nvSpPr>
               <p:cNvPr id="3" name="Content Placeholder 2"/>
@@ -19040,11 +19077,23 @@
                       </a:rPr>
                       <m:t>𝑛</m:t>
                     </m:r>
+                    <m:r>
+                      <a:rPr lang="en-US" b="0" i="1" smtClean="0">
+                        <a:latin typeface="Cambria Math" panose="02040503050406030204" pitchFamily="18" charset="0"/>
+                      </a:rPr>
+                      <m:t>−</m:t>
+                    </m:r>
+                    <m:r>
+                      <a:rPr lang="en-US" b="0" i="1" smtClean="0">
+                        <a:latin typeface="Cambria Math" panose="02040503050406030204" pitchFamily="18" charset="0"/>
+                      </a:rPr>
+                      <m:t>1</m:t>
+                    </m:r>
                   </m:oMath>
                 </a14:m>
                 <a:r>
                   <a:rPr lang="en-US" dirty="0"/>
-                  <a:t>,number of possible outcomes – 1</a:t>
+                  <a:t>, number of possible outcomes – 1</a:t>
                 </a:r>
               </a:p>
               <a:p>
@@ -19291,31 +19340,58 @@
                           </m:r>
                         </m:sup>
                         <m:e>
-                          <m:sSub>
-                            <m:sSubPr>
+                          <m:sSup>
+                            <m:sSupPr>
                               <m:ctrlPr>
-                                <a:rPr lang="en-US" i="1">
+                                <a:rPr lang="en-US" b="0" i="1" smtClean="0">
                                   <a:latin typeface="Cambria Math" panose="02040503050406030204" pitchFamily="18" charset="0"/>
                                 </a:rPr>
                               </m:ctrlPr>
-                            </m:sSubPr>
+                            </m:sSupPr>
                             <m:e>
-                              <m:r>
-                                <a:rPr lang="en-US" i="1">
-                                  <a:latin typeface="Cambria Math" panose="02040503050406030204" pitchFamily="18" charset="0"/>
-                                </a:rPr>
-                                <m:t>𝑧</m:t>
-                              </m:r>
+                              <m:sSubSup>
+                                <m:sSubSupPr>
+                                  <m:ctrlPr>
+                                    <a:rPr lang="en-US" i="1">
+                                      <a:latin typeface="Cambria Math" panose="02040503050406030204" pitchFamily="18" charset="0"/>
+                                    </a:rPr>
+                                  </m:ctrlPr>
+                                </m:sSubSupPr>
+                                <m:e>
+                                  <m:r>
+                                    <a:rPr lang="en-US" i="1">
+                                      <a:latin typeface="Cambria Math" panose="02040503050406030204" pitchFamily="18" charset="0"/>
+                                    </a:rPr>
+                                    <m:t>𝑧</m:t>
+                                  </m:r>
+                                </m:e>
+                                <m:sub>
+                                  <m:r>
+                                    <a:rPr lang="en-US" i="1">
+                                      <a:latin typeface="Cambria Math" panose="02040503050406030204" pitchFamily="18" charset="0"/>
+                                    </a:rPr>
+                                    <m:t>𝑖</m:t>
+                                  </m:r>
+                                </m:sub>
+                                <m:sup>
+                                  <m:r>
+                                    <a:rPr lang="en-US" i="1">
+                                      <a:latin typeface="Cambria Math" panose="02040503050406030204" pitchFamily="18" charset="0"/>
+                                    </a:rPr>
+                                    <m:t>2</m:t>
+                                  </m:r>
+                                </m:sup>
+                              </m:sSubSup>
                             </m:e>
-                            <m:sub>
+                            <m:sup>
                               <m:r>
                                 <a:rPr lang="en-US" b="0" i="1" smtClean="0">
                                   <a:latin typeface="Cambria Math" panose="02040503050406030204" pitchFamily="18" charset="0"/>
                                 </a:rPr>
-                                <m:t>𝑖</m:t>
+                                <m:t> </m:t>
                               </m:r>
-                            </m:sub>
-                          </m:sSub>
+                            </m:sup>
+                          </m:sSup>
                         </m:e>
                       </m:nary>
                     </m:oMath>
@@ -19505,7 +19581,7 @@
             </p:txBody>
           </p:sp>
         </mc:Choice>
-        <mc:Fallback xmlns="">
+        <mc:Fallback>
           <p:sp>
             <p:nvSpPr>
               <p:cNvPr id="3" name="Content Placeholder 2"/>
@@ -19681,718 +19757,6 @@
                 <p:ph idx="1"/>
               </p:nvPr>
             </p:nvSpPr>
-            <p:spPr/>
-            <p:txBody>
-              <a:bodyPr>
-                <a:normAutofit fontScale="92500" lnSpcReduction="10000"/>
-              </a:bodyPr>
-              <a:lstStyle/>
-              <a:p>
-                <a:pPr marL="0" indent="0">
-                  <a:buNone/>
-                </a:pPr>
-                <a:r>
-                  <a:rPr lang="en-US" dirty="0"/>
-                  <a:t>The </a:t>
-                </a:r>
-                <a14:m>
-                  <m:oMath xmlns:m="http://schemas.openxmlformats.org/officeDocument/2006/math">
-                    <m:sSup>
-                      <m:sSupPr>
-                        <m:ctrlPr>
-                          <a:rPr lang="en-US" i="1" smtClean="0">
-                            <a:latin typeface="Cambria Math" panose="02040503050406030204" pitchFamily="18" charset="0"/>
-                          </a:rPr>
-                        </m:ctrlPr>
-                      </m:sSupPr>
-                      <m:e>
-                        <m:r>
-                          <m:rPr>
-                            <m:sty m:val="p"/>
-                          </m:rPr>
-                          <a:rPr lang="el-GR" i="1" smtClean="0">
-                            <a:latin typeface="Cambria Math" panose="02040503050406030204" pitchFamily="18" charset="0"/>
-                            <a:ea typeface="Cambria Math" panose="02040503050406030204" pitchFamily="18" charset="0"/>
-                          </a:rPr>
-                          <m:t>Χ</m:t>
-                        </m:r>
-                      </m:e>
-                      <m:sup>
-                        <m:r>
-                          <a:rPr lang="en-US" b="0" i="1" smtClean="0">
-                            <a:latin typeface="Cambria Math" panose="02040503050406030204" pitchFamily="18" charset="0"/>
-                          </a:rPr>
-                          <m:t>2</m:t>
-                        </m:r>
-                      </m:sup>
-                    </m:sSup>
-                  </m:oMath>
-                </a14:m>
-                <a:r>
-                  <a:rPr lang="en-US" dirty="0"/>
-                  <a:t> distribution is a parametric distribution with a single parameter, the degrees of freedom, </a:t>
-                </a:r>
-                <a14:m>
-                  <m:oMath xmlns:m="http://schemas.openxmlformats.org/officeDocument/2006/math">
-                    <m:r>
-                      <a:rPr lang="en-US" b="0" i="1" smtClean="0">
-                        <a:latin typeface="Cambria Math" panose="02040503050406030204" pitchFamily="18" charset="0"/>
-                      </a:rPr>
-                      <m:t>𝑘</m:t>
-                    </m:r>
-                    <m:r>
-                      <a:rPr lang="en-US" b="0" i="1" smtClean="0">
-                        <a:latin typeface="Cambria Math" panose="02040503050406030204" pitchFamily="18" charset="0"/>
-                      </a:rPr>
-                      <m:t>=</m:t>
-                    </m:r>
-                    <m:r>
-                      <a:rPr lang="en-US" b="0" i="1" smtClean="0">
-                        <a:latin typeface="Cambria Math" panose="02040503050406030204" pitchFamily="18" charset="0"/>
-                      </a:rPr>
-                      <m:t>𝑛</m:t>
-                    </m:r>
-                  </m:oMath>
-                </a14:m>
-                <a:r>
-                  <a:rPr lang="en-US" dirty="0"/>
-                  <a:t>,number of possible outcomes – 1</a:t>
-                </a:r>
-              </a:p>
-              <a:p>
-                <a:r>
-                  <a:rPr lang="en-US" dirty="0"/>
-                  <a:t>For </a:t>
-                </a:r>
-                <a:r>
-                  <a:rPr lang="en-US" i="1" dirty="0"/>
-                  <a:t>n</a:t>
-                </a:r>
-                <a:r>
-                  <a:rPr lang="en-US" dirty="0"/>
-                  <a:t> </a:t>
-                </a:r>
-                <a:r>
-                  <a:rPr lang="en-US" dirty="0" err="1"/>
-                  <a:t>iid</a:t>
-                </a:r>
-                <a:r>
-                  <a:rPr lang="en-US" dirty="0"/>
-                  <a:t>  Normal random variables, </a:t>
-                </a:r>
-                <a14:m>
-                  <m:oMath xmlns:m="http://schemas.openxmlformats.org/officeDocument/2006/math">
-                    <m:sSub>
-                      <m:sSubPr>
-                        <m:ctrlPr>
-                          <a:rPr lang="en-US" i="1" smtClean="0">
-                            <a:latin typeface="Cambria Math" panose="02040503050406030204" pitchFamily="18" charset="0"/>
-                          </a:rPr>
-                        </m:ctrlPr>
-                      </m:sSubPr>
-                      <m:e>
-                        <m:r>
-                          <a:rPr lang="en-US" b="0" i="1" smtClean="0">
-                            <a:latin typeface="Cambria Math" panose="02040503050406030204" pitchFamily="18" charset="0"/>
-                          </a:rPr>
-                          <m:t>𝑧</m:t>
-                        </m:r>
-                      </m:e>
-                      <m:sub>
-                        <m:r>
-                          <a:rPr lang="en-US" b="0" i="1" smtClean="0">
-                            <a:latin typeface="Cambria Math" panose="02040503050406030204" pitchFamily="18" charset="0"/>
-                          </a:rPr>
-                          <m:t>1</m:t>
-                        </m:r>
-                      </m:sub>
-                    </m:sSub>
-                    <m:r>
-                      <a:rPr lang="en-US" b="0" i="1" smtClean="0">
-                        <a:latin typeface="Cambria Math" panose="02040503050406030204" pitchFamily="18" charset="0"/>
-                      </a:rPr>
-                      <m:t>,</m:t>
-                    </m:r>
-                    <m:sSub>
-                      <m:sSubPr>
-                        <m:ctrlPr>
-                          <a:rPr lang="en-US" i="1">
-                            <a:latin typeface="Cambria Math" panose="02040503050406030204" pitchFamily="18" charset="0"/>
-                          </a:rPr>
-                        </m:ctrlPr>
-                      </m:sSubPr>
-                      <m:e>
-                        <m:r>
-                          <a:rPr lang="en-US" i="1">
-                            <a:latin typeface="Cambria Math" panose="02040503050406030204" pitchFamily="18" charset="0"/>
-                          </a:rPr>
-                          <m:t>𝑧</m:t>
-                        </m:r>
-                      </m:e>
-                      <m:sub>
-                        <m:r>
-                          <a:rPr lang="en-US" b="0" i="1" smtClean="0">
-                            <a:latin typeface="Cambria Math" panose="02040503050406030204" pitchFamily="18" charset="0"/>
-                          </a:rPr>
-                          <m:t>2</m:t>
-                        </m:r>
-                      </m:sub>
-                    </m:sSub>
-                    <m:r>
-                      <a:rPr lang="en-US" i="1">
-                        <a:latin typeface="Cambria Math" panose="02040503050406030204" pitchFamily="18" charset="0"/>
-                      </a:rPr>
-                      <m:t>,</m:t>
-                    </m:r>
-                  </m:oMath>
-                </a14:m>
-                <a:r>
-                  <a:rPr lang="en-US" dirty="0"/>
-                  <a:t> </a:t>
-                </a:r>
-                <a14:m>
-                  <m:oMath xmlns:m="http://schemas.openxmlformats.org/officeDocument/2006/math">
-                    <m:sSub>
-                      <m:sSubPr>
-                        <m:ctrlPr>
-                          <a:rPr lang="en-US" i="1">
-                            <a:latin typeface="Cambria Math" panose="02040503050406030204" pitchFamily="18" charset="0"/>
-                          </a:rPr>
-                        </m:ctrlPr>
-                      </m:sSubPr>
-                      <m:e>
-                        <m:r>
-                          <a:rPr lang="en-US" i="1">
-                            <a:latin typeface="Cambria Math" panose="02040503050406030204" pitchFamily="18" charset="0"/>
-                          </a:rPr>
-                          <m:t>𝑧</m:t>
-                        </m:r>
-                      </m:e>
-                      <m:sub>
-                        <m:r>
-                          <a:rPr lang="en-US" b="0" i="1" smtClean="0">
-                            <a:latin typeface="Cambria Math" panose="02040503050406030204" pitchFamily="18" charset="0"/>
-                          </a:rPr>
-                          <m:t>3</m:t>
-                        </m:r>
-                      </m:sub>
-                    </m:sSub>
-                    <m:r>
-                      <a:rPr lang="en-US" i="1">
-                        <a:latin typeface="Cambria Math" panose="02040503050406030204" pitchFamily="18" charset="0"/>
-                      </a:rPr>
-                      <m:t>,</m:t>
-                    </m:r>
-                  </m:oMath>
-                </a14:m>
-                <a:r>
-                  <a:rPr lang="en-US" dirty="0"/>
-                  <a:t> …, </a:t>
-                </a:r>
-                <a14:m>
-                  <m:oMath xmlns:m="http://schemas.openxmlformats.org/officeDocument/2006/math">
-                    <m:sSub>
-                      <m:sSubPr>
-                        <m:ctrlPr>
-                          <a:rPr lang="en-US" i="1">
-                            <a:latin typeface="Cambria Math" panose="02040503050406030204" pitchFamily="18" charset="0"/>
-                          </a:rPr>
-                        </m:ctrlPr>
-                      </m:sSubPr>
-                      <m:e>
-                        <m:r>
-                          <a:rPr lang="en-US" i="1">
-                            <a:latin typeface="Cambria Math" panose="02040503050406030204" pitchFamily="18" charset="0"/>
-                          </a:rPr>
-                          <m:t>𝑧</m:t>
-                        </m:r>
-                      </m:e>
-                      <m:sub>
-                        <m:r>
-                          <a:rPr lang="en-US" b="0" i="1" smtClean="0">
-                            <a:latin typeface="Cambria Math" panose="02040503050406030204" pitchFamily="18" charset="0"/>
-                          </a:rPr>
-                          <m:t>𝑛</m:t>
-                        </m:r>
-                      </m:sub>
-                    </m:sSub>
-                  </m:oMath>
-                </a14:m>
-                <a:r>
-                  <a:rPr lang="en-US" dirty="0"/>
-                  <a:t>, define a statistic, </a:t>
-                </a:r>
-                <a14:m>
-                  <m:oMath xmlns:m="http://schemas.openxmlformats.org/officeDocument/2006/math">
-                    <m:r>
-                      <a:rPr lang="en-US" i="1">
-                        <a:latin typeface="Cambria Math" panose="02040503050406030204" pitchFamily="18" charset="0"/>
-                      </a:rPr>
-                      <m:t>𝑄</m:t>
-                    </m:r>
-                  </m:oMath>
-                </a14:m>
-                <a:r>
-                  <a:rPr lang="en-US" dirty="0"/>
-                  <a:t>, as the sum of squares:   </a:t>
-                </a:r>
-              </a:p>
-              <a:p>
-                <a:pPr marL="0" indent="0">
-                  <a:buNone/>
-                </a:pPr>
-                <a14:m>
-                  <m:oMathPara xmlns:m="http://schemas.openxmlformats.org/officeDocument/2006/math">
-                    <m:oMathParaPr>
-                      <m:jc m:val="centerGroup"/>
-                    </m:oMathParaPr>
-                    <m:oMath xmlns:m="http://schemas.openxmlformats.org/officeDocument/2006/math">
-                      <m:r>
-                        <a:rPr lang="en-US" b="0" i="1" smtClean="0">
-                          <a:latin typeface="Cambria Math" panose="02040503050406030204" pitchFamily="18" charset="0"/>
-                        </a:rPr>
-                        <m:t>𝑄</m:t>
-                      </m:r>
-                      <m:r>
-                        <a:rPr lang="en-US" b="0" i="1" smtClean="0">
-                          <a:latin typeface="Cambria Math" panose="02040503050406030204" pitchFamily="18" charset="0"/>
-                        </a:rPr>
-                        <m:t>=</m:t>
-                      </m:r>
-                      <m:nary>
-                        <m:naryPr>
-                          <m:chr m:val="∑"/>
-                          <m:ctrlPr>
-                            <a:rPr lang="en-US" b="0" i="1" smtClean="0">
-                              <a:latin typeface="Cambria Math" panose="02040503050406030204" pitchFamily="18" charset="0"/>
-                            </a:rPr>
-                          </m:ctrlPr>
-                        </m:naryPr>
-                        <m:sub>
-                          <m:r>
-                            <m:rPr>
-                              <m:brk m:alnAt="23"/>
-                            </m:rPr>
-                            <a:rPr lang="en-US" b="0" i="1" smtClean="0">
-                              <a:latin typeface="Cambria Math" panose="02040503050406030204" pitchFamily="18" charset="0"/>
-                            </a:rPr>
-                            <m:t>𝑖</m:t>
-                          </m:r>
-                          <m:r>
-                            <a:rPr lang="en-US" b="0" i="1" smtClean="0">
-                              <a:latin typeface="Cambria Math" panose="02040503050406030204" pitchFamily="18" charset="0"/>
-                            </a:rPr>
-                            <m:t>=</m:t>
-                          </m:r>
-                          <m:r>
-                            <m:rPr>
-                              <m:brk m:alnAt="23"/>
-                            </m:rPr>
-                            <a:rPr lang="en-US" b="0" i="1" smtClean="0">
-                              <a:latin typeface="Cambria Math" panose="02040503050406030204" pitchFamily="18" charset="0"/>
-                            </a:rPr>
-                            <m:t>1</m:t>
-                          </m:r>
-                        </m:sub>
-                        <m:sup>
-                          <m:r>
-                            <a:rPr lang="en-US" b="0" i="1" smtClean="0">
-                              <a:latin typeface="Cambria Math" panose="02040503050406030204" pitchFamily="18" charset="0"/>
-                            </a:rPr>
-                            <m:t>𝑛</m:t>
-                          </m:r>
-                        </m:sup>
-                        <m:e>
-                          <m:sSub>
-                            <m:sSubPr>
-                              <m:ctrlPr>
-                                <a:rPr lang="en-US" i="1">
-                                  <a:latin typeface="Cambria Math" panose="02040503050406030204" pitchFamily="18" charset="0"/>
-                                </a:rPr>
-                              </m:ctrlPr>
-                            </m:sSubPr>
-                            <m:e>
-                              <m:r>
-                                <a:rPr lang="en-US" i="1">
-                                  <a:latin typeface="Cambria Math" panose="02040503050406030204" pitchFamily="18" charset="0"/>
-                                </a:rPr>
-                                <m:t>𝑧</m:t>
-                              </m:r>
-                            </m:e>
-                            <m:sub>
-                              <m:r>
-                                <a:rPr lang="en-US" b="0" i="1" smtClean="0">
-                                  <a:latin typeface="Cambria Math" panose="02040503050406030204" pitchFamily="18" charset="0"/>
-                                </a:rPr>
-                                <m:t>𝑖</m:t>
-                              </m:r>
-                            </m:sub>
-                          </m:sSub>
-                        </m:e>
-                      </m:nary>
-                    </m:oMath>
-                  </m:oMathPara>
-                </a14:m>
-                <a:endParaRPr lang="en-US" dirty="0"/>
-              </a:p>
-              <a:p>
-                <a14:m>
-                  <m:oMath xmlns:m="http://schemas.openxmlformats.org/officeDocument/2006/math">
-                    <m:r>
-                      <a:rPr lang="en-US" b="0" i="1" smtClean="0">
-                        <a:latin typeface="Cambria Math" panose="02040503050406030204" pitchFamily="18" charset="0"/>
-                      </a:rPr>
-                      <m:t>𝑄</m:t>
-                    </m:r>
-                  </m:oMath>
-                </a14:m>
-                <a:r>
-                  <a:rPr lang="en-US" dirty="0"/>
-                  <a:t> is said to be </a:t>
-                </a:r>
-                <a14:m>
-                  <m:oMath xmlns:m="http://schemas.openxmlformats.org/officeDocument/2006/math">
-                    <m:sSubSup>
-                      <m:sSubSupPr>
-                        <m:ctrlPr>
-                          <a:rPr lang="en-US" b="1" i="1">
-                            <a:latin typeface="Cambria Math" panose="02040503050406030204" pitchFamily="18" charset="0"/>
-                          </a:rPr>
-                        </m:ctrlPr>
-                      </m:sSubSupPr>
-                      <m:e>
-                        <m:r>
-                          <a:rPr lang="en-US" b="1" i="1">
-                            <a:latin typeface="Cambria Math" panose="02040503050406030204" pitchFamily="18" charset="0"/>
-                          </a:rPr>
-                          <m:t>𝑿</m:t>
-                        </m:r>
-                      </m:e>
-                      <m:sub>
-                        <m:r>
-                          <a:rPr lang="en-US" b="1" i="1" smtClean="0">
-                            <a:latin typeface="Cambria Math" panose="02040503050406030204" pitchFamily="18" charset="0"/>
-                          </a:rPr>
-                          <m:t>𝒌</m:t>
-                        </m:r>
-                      </m:sub>
-                      <m:sup>
-                        <m:r>
-                          <a:rPr lang="en-US" b="1" i="1">
-                            <a:latin typeface="Cambria Math" panose="02040503050406030204" pitchFamily="18" charset="0"/>
-                          </a:rPr>
-                          <m:t>𝟐</m:t>
-                        </m:r>
-                      </m:sup>
-                    </m:sSubSup>
-                    <m:r>
-                      <a:rPr lang="en-US" b="1" i="1">
-                        <a:latin typeface="Cambria Math" panose="02040503050406030204" pitchFamily="18" charset="0"/>
-                      </a:rPr>
-                      <m:t> </m:t>
-                    </m:r>
-                  </m:oMath>
-                </a14:m>
-                <a:r>
-                  <a:rPr lang="en-US" b="1" dirty="0"/>
-                  <a:t>distributed </a:t>
-                </a:r>
-                <a:r>
-                  <a:rPr lang="en-US" dirty="0"/>
-                  <a:t>with </a:t>
-                </a:r>
-                <a14:m>
-                  <m:oMath xmlns:m="http://schemas.openxmlformats.org/officeDocument/2006/math">
-                    <m:r>
-                      <a:rPr lang="en-US" b="1" i="1">
-                        <a:latin typeface="Cambria Math" panose="02040503050406030204" pitchFamily="18" charset="0"/>
-                      </a:rPr>
-                      <m:t>𝒌</m:t>
-                    </m:r>
-                    <m:r>
-                      <a:rPr lang="en-US" b="1" i="1">
-                        <a:latin typeface="Cambria Math" panose="02040503050406030204" pitchFamily="18" charset="0"/>
-                      </a:rPr>
-                      <m:t>=</m:t>
-                    </m:r>
-                    <m:r>
-                      <a:rPr lang="en-US" b="1" i="1">
-                        <a:latin typeface="Cambria Math" panose="02040503050406030204" pitchFamily="18" charset="0"/>
-                      </a:rPr>
-                      <m:t>𝒏</m:t>
-                    </m:r>
-                    <m:r>
-                      <a:rPr lang="en-US" b="1" i="1" smtClean="0">
-                        <a:latin typeface="Cambria Math" panose="02040503050406030204" pitchFamily="18" charset="0"/>
-                      </a:rPr>
-                      <m:t>−</m:t>
-                    </m:r>
-                    <m:r>
-                      <a:rPr lang="en-US" b="1" i="1" smtClean="0">
-                        <a:latin typeface="Cambria Math" panose="02040503050406030204" pitchFamily="18" charset="0"/>
-                      </a:rPr>
-                      <m:t>𝟏</m:t>
-                    </m:r>
-                  </m:oMath>
-                </a14:m>
-                <a:r>
-                  <a:rPr lang="en-US" b="1" dirty="0"/>
-                  <a:t> degrees of freedom  </a:t>
-                </a:r>
-              </a:p>
-              <a:p>
-                <a:pPr marL="0" indent="0">
-                  <a:buNone/>
-                </a:pPr>
-                <a14:m>
-                  <m:oMathPara xmlns:m="http://schemas.openxmlformats.org/officeDocument/2006/math">
-                    <m:oMathParaPr>
-                      <m:jc m:val="centerGroup"/>
-                    </m:oMathParaPr>
-                    <m:oMath xmlns:m="http://schemas.openxmlformats.org/officeDocument/2006/math">
-                      <m:r>
-                        <a:rPr lang="en-US" b="0" i="1" smtClean="0">
-                          <a:latin typeface="Cambria Math" panose="02040503050406030204" pitchFamily="18" charset="0"/>
-                        </a:rPr>
-                        <m:t>𝑄</m:t>
-                      </m:r>
-                      <m:r>
-                        <a:rPr lang="en-US" b="0" i="1" smtClean="0">
-                          <a:latin typeface="Cambria Math" panose="02040503050406030204" pitchFamily="18" charset="0"/>
-                        </a:rPr>
-                        <m:t>=</m:t>
-                      </m:r>
-                      <m:sSup>
-                        <m:sSupPr>
-                          <m:ctrlPr>
-                            <a:rPr lang="en-US" i="1">
-                              <a:latin typeface="Cambria Math" panose="02040503050406030204" pitchFamily="18" charset="0"/>
-                            </a:rPr>
-                          </m:ctrlPr>
-                        </m:sSupPr>
-                        <m:e>
-                          <m:r>
-                            <m:rPr>
-                              <m:sty m:val="p"/>
-                            </m:rPr>
-                            <a:rPr lang="el-GR" i="1">
-                              <a:latin typeface="Cambria Math" panose="02040503050406030204" pitchFamily="18" charset="0"/>
-                              <a:ea typeface="Cambria Math" panose="02040503050406030204" pitchFamily="18" charset="0"/>
-                            </a:rPr>
-                            <m:t>Χ</m:t>
-                          </m:r>
-                        </m:e>
-                        <m:sup>
-                          <m:r>
-                            <a:rPr lang="en-US" i="1">
-                              <a:latin typeface="Cambria Math" panose="02040503050406030204" pitchFamily="18" charset="0"/>
-                            </a:rPr>
-                            <m:t>2</m:t>
-                          </m:r>
-                        </m:sup>
-                      </m:sSup>
-                      <m:r>
-                        <a:rPr lang="en-US" b="0" i="1" smtClean="0">
-                          <a:latin typeface="Cambria Math" panose="02040503050406030204" pitchFamily="18" charset="0"/>
-                        </a:rPr>
-                        <m:t>(</m:t>
-                      </m:r>
-                      <m:r>
-                        <a:rPr lang="en-US" b="0" i="1" smtClean="0">
-                          <a:latin typeface="Cambria Math" panose="02040503050406030204" pitchFamily="18" charset="0"/>
-                        </a:rPr>
-                        <m:t>𝑘</m:t>
-                      </m:r>
-                      <m:r>
-                        <a:rPr lang="en-US" b="0" i="1" smtClean="0">
-                          <a:latin typeface="Cambria Math" panose="02040503050406030204" pitchFamily="18" charset="0"/>
-                        </a:rPr>
-                        <m:t>)</m:t>
-                      </m:r>
-                    </m:oMath>
-                  </m:oMathPara>
-                </a14:m>
-                <a:endParaRPr lang="en-US" b="1" dirty="0"/>
-              </a:p>
-            </p:txBody>
-          </p:sp>
-        </mc:Choice>
-        <mc:Fallback xmlns="">
-          <p:sp>
-            <p:nvSpPr>
-              <p:cNvPr id="3" name="Content Placeholder 2"/>
-              <p:cNvSpPr>
-                <a:spLocks noGrp="1" noRot="1" noChangeAspect="1" noMove="1" noResize="1" noEditPoints="1" noAdjustHandles="1" noChangeArrowheads="1" noChangeShapeType="1" noTextEdit="1"/>
-              </p:cNvSpPr>
-              <p:nvPr>
-                <p:ph idx="1"/>
-              </p:nvPr>
-            </p:nvSpPr>
-            <p:spPr>
-              <a:blipFill>
-                <a:blip r:embed="rId3"/>
-                <a:stretch>
-                  <a:fillRect l="-963" t="-2154" r="-74"/>
-                </a:stretch>
-              </a:blipFill>
-            </p:spPr>
-            <p:txBody>
-              <a:bodyPr/>
-              <a:lstStyle/>
-              <a:p>
-                <a:r>
-                  <a:rPr lang="en-US">
-                    <a:noFill/>
-                  </a:rPr>
-                  <a:t> </a:t>
-                </a:r>
-              </a:p>
-            </p:txBody>
-          </p:sp>
-        </mc:Fallback>
-      </mc:AlternateContent>
-    </p:spTree>
-    <p:extLst>
-      <p:ext uri="{BB962C8B-B14F-4D97-AF65-F5344CB8AC3E}">
-        <p14:creationId xmlns:p14="http://schemas.microsoft.com/office/powerpoint/2010/main" val="642117844"/>
-      </p:ext>
-    </p:extLst>
-  </p:cSld>
-  <p:clrMapOvr>
-    <a:masterClrMapping/>
-  </p:clrMapOvr>
-</p:sld>
-</file>
-
-<file path=ppt/slides/slide42.xml><?xml version="1.0" encoding="utf-8"?>
-<p:sld xmlns:a="http://schemas.openxmlformats.org/drawingml/2006/main" xmlns:r="http://schemas.openxmlformats.org/officeDocument/2006/relationships" xmlns:p="http://schemas.openxmlformats.org/presentationml/2006/main">
-  <p:cSld>
-    <p:spTree>
-      <p:nvGrpSpPr>
-        <p:cNvPr id="1" name=""/>
-        <p:cNvGrpSpPr/>
-        <p:nvPr/>
-      </p:nvGrpSpPr>
-      <p:grpSpPr>
-        <a:xfrm>
-          <a:off x="0" y="0"/>
-          <a:ext cx="0" cy="0"/>
-          <a:chOff x="0" y="0"/>
-          <a:chExt cx="0" cy="0"/>
-        </a:xfrm>
-      </p:grpSpPr>
-      <mc:AlternateContent xmlns:mc="http://schemas.openxmlformats.org/markup-compatibility/2006" xmlns:a14="http://schemas.microsoft.com/office/drawing/2010/main">
-        <mc:Choice Requires="a14">
-          <p:sp>
-            <p:nvSpPr>
-              <p:cNvPr id="2" name="Title 1"/>
-              <p:cNvSpPr>
-                <a:spLocks noGrp="1"/>
-              </p:cNvSpPr>
-              <p:nvPr>
-                <p:ph type="title"/>
-              </p:nvPr>
-            </p:nvSpPr>
-            <p:spPr/>
-            <p:txBody>
-              <a:bodyPr/>
-              <a:lstStyle/>
-              <a:p>
-                <a:pPr marL="0" lvl="0" indent="0">
-                  <a:buNone/>
-                </a:pPr>
-                <a:r>
-                  <a:rPr lang="en-US" dirty="0"/>
-                  <a:t>The </a:t>
-                </a:r>
-                <a14:m>
-                  <m:oMath xmlns:m="http://schemas.openxmlformats.org/officeDocument/2006/math">
-                    <m:sSup>
-                      <m:sSupPr>
-                        <m:ctrlPr>
-                          <a:rPr lang="en-US" i="1" smtClean="0">
-                            <a:latin typeface="Cambria Math" panose="02040503050406030204" pitchFamily="18" charset="0"/>
-                          </a:rPr>
-                        </m:ctrlPr>
-                      </m:sSupPr>
-                      <m:e>
-                        <m:r>
-                          <m:rPr>
-                            <m:sty m:val="p"/>
-                          </m:rPr>
-                          <a:rPr lang="el-GR" i="1" smtClean="0">
-                            <a:latin typeface="Cambria Math" panose="02040503050406030204" pitchFamily="18" charset="0"/>
-                            <a:ea typeface="Cambria Math" panose="02040503050406030204" pitchFamily="18" charset="0"/>
-                          </a:rPr>
-                          <m:t>Χ</m:t>
-                        </m:r>
-                      </m:e>
-                      <m:sup>
-                        <m:r>
-                          <a:rPr lang="en-US" b="0" i="1" smtClean="0">
-                            <a:latin typeface="Cambria Math" panose="02040503050406030204" pitchFamily="18" charset="0"/>
-                          </a:rPr>
-                          <m:t>2</m:t>
-                        </m:r>
-                      </m:sup>
-                    </m:sSup>
-                  </m:oMath>
-                </a14:m>
-                <a:r>
-                  <a:rPr lang="en-US" dirty="0"/>
-                  <a:t>distribution</a:t>
-                </a:r>
-                <a:endParaRPr dirty="0"/>
-              </a:p>
-            </p:txBody>
-          </p:sp>
-        </mc:Choice>
-        <mc:Fallback xmlns="">
-          <p:sp>
-            <p:nvSpPr>
-              <p:cNvPr id="2" name="Title 1"/>
-              <p:cNvSpPr>
-                <a:spLocks noGrp="1" noRot="1" noChangeAspect="1" noMove="1" noResize="1" noEditPoints="1" noAdjustHandles="1" noChangeArrowheads="1" noChangeShapeType="1" noTextEdit="1"/>
-              </p:cNvSpPr>
-              <p:nvPr>
-                <p:ph type="title"/>
-              </p:nvPr>
-            </p:nvSpPr>
-            <p:spPr>
-              <a:blipFill>
-                <a:blip r:embed="rId2"/>
-                <a:stretch>
-                  <a:fillRect b="-10714"/>
-                </a:stretch>
-              </a:blipFill>
-            </p:spPr>
-            <p:txBody>
-              <a:bodyPr/>
-              <a:lstStyle/>
-              <a:p>
-                <a:r>
-                  <a:rPr lang="en-US">
-                    <a:noFill/>
-                  </a:rPr>
-                  <a:t> </a:t>
-                </a:r>
-              </a:p>
-            </p:txBody>
-          </p:sp>
-        </mc:Fallback>
-      </mc:AlternateContent>
-      <mc:AlternateContent xmlns:mc="http://schemas.openxmlformats.org/markup-compatibility/2006" xmlns:a14="http://schemas.microsoft.com/office/drawing/2010/main">
-        <mc:Choice Requires="a14">
-          <p:sp>
-            <p:nvSpPr>
-              <p:cNvPr id="3" name="Content Placeholder 2"/>
-              <p:cNvSpPr>
-                <a:spLocks noGrp="1"/>
-              </p:cNvSpPr>
-              <p:nvPr>
-                <p:ph idx="1"/>
-              </p:nvPr>
-            </p:nvSpPr>
             <p:spPr>
               <a:xfrm>
                 <a:off x="457200" y="1188334"/>
@@ -20664,7 +20028,7 @@
 </p:sld>
 </file>
 
-<file path=ppt/slides/slide43.xml><?xml version="1.0" encoding="utf-8"?>
+<file path=ppt/slides/slide42.xml><?xml version="1.0" encoding="utf-8"?>
 <p:sld xmlns:a="http://schemas.openxmlformats.org/drawingml/2006/main" xmlns:r="http://schemas.openxmlformats.org/officeDocument/2006/relationships" xmlns:p="http://schemas.openxmlformats.org/presentationml/2006/main">
   <p:cSld>
     <p:spTree>
@@ -20781,8 +20145,8 @@
           </p:sp>
         </mc:Fallback>
       </mc:AlternateContent>
-      <mc:AlternateContent xmlns:mc="http://schemas.openxmlformats.org/markup-compatibility/2006" xmlns:a14="http://schemas.microsoft.com/office/drawing/2010/main">
-        <mc:Choice Requires="a14">
+      <mc:AlternateContent xmlns:mc="http://schemas.openxmlformats.org/markup-compatibility/2006">
+        <mc:Choice xmlns:a14="http://schemas.microsoft.com/office/drawing/2010/main" Requires="a14">
           <p:sp>
             <p:nvSpPr>
               <p:cNvPr id="3" name="Content Placeholder 2"/>
@@ -20878,14 +20242,42 @@
                 </a:r>
                 <a:r>
                   <a:rPr lang="en-US" dirty="0"/>
-                  <a:t> values the density starts at 0 and rises to a maximum or mode and then decay back toward 0 </a:t>
+                  <a:t> values, </a:t>
+                </a:r>
+                <a14:m>
+                  <m:oMath xmlns:m="http://schemas.openxmlformats.org/officeDocument/2006/math">
+                    <m:r>
+                      <a:rPr lang="en-US" b="0" i="1" smtClean="0">
+                        <a:latin typeface="Cambria Math" panose="02040503050406030204" pitchFamily="18" charset="0"/>
+                      </a:rPr>
+                      <m:t>𝑘</m:t>
+                    </m:r>
+                    <m:r>
+                      <a:rPr lang="en-US" b="0" i="1" smtClean="0">
+                        <a:latin typeface="Cambria Math" panose="02040503050406030204" pitchFamily="18" charset="0"/>
+                        <a:ea typeface="Cambria Math" panose="02040503050406030204" pitchFamily="18" charset="0"/>
+                      </a:rPr>
+                      <m:t>&gt;</m:t>
+                    </m:r>
+                    <m:r>
+                      <a:rPr lang="en-US" b="0" i="1" smtClean="0">
+                        <a:latin typeface="Cambria Math" panose="02040503050406030204" pitchFamily="18" charset="0"/>
+                        <a:ea typeface="Cambria Math" panose="02040503050406030204" pitchFamily="18" charset="0"/>
+                      </a:rPr>
+                      <m:t>2</m:t>
+                    </m:r>
+                  </m:oMath>
+                </a14:m>
+                <a:r>
+                  <a:rPr lang="en-US" dirty="0"/>
+                  <a:t>, the density starts at 0, rises to a maximum or mode and then decays toward 0 </a:t>
                 </a:r>
                 <a:endParaRPr dirty="0"/>
               </a:p>
             </p:txBody>
           </p:sp>
         </mc:Choice>
-        <mc:Fallback xmlns="">
+        <mc:Fallback>
           <p:sp>
             <p:nvSpPr>
               <p:cNvPr id="3" name="Content Placeholder 2"/>
@@ -20904,7 +20296,7 @@
               <a:blipFill>
                 <a:blip r:embed="rId3"/>
                 <a:stretch>
-                  <a:fillRect l="-3110" t="-2222" r="-3828" b="-855"/>
+                  <a:fillRect l="-3110" t="-2222" r="-1914" b="-855"/>
                 </a:stretch>
               </a:blipFill>
             </p:spPr>
@@ -20966,7 +20358,7 @@
 </p:sld>
 </file>
 
-<file path=ppt/slides/slide44.xml><?xml version="1.0" encoding="utf-8"?>
+<file path=ppt/slides/slide43.xml><?xml version="1.0" encoding="utf-8"?>
 <p:sld xmlns:a="http://schemas.openxmlformats.org/drawingml/2006/main" xmlns:r="http://schemas.openxmlformats.org/officeDocument/2006/relationships" xmlns:p="http://schemas.openxmlformats.org/presentationml/2006/main">
   <p:cSld>
     <p:spTree>
@@ -21312,7 +20704,7 @@
 </p:sld>
 </file>
 
-<file path=ppt/slides/slide45.xml><?xml version="1.0" encoding="utf-8"?>
+<file path=ppt/slides/slide44.xml><?xml version="1.0" encoding="utf-8"?>
 <p:sld xmlns:a="http://schemas.openxmlformats.org/drawingml/2006/main" xmlns:r="http://schemas.openxmlformats.org/officeDocument/2006/relationships" xmlns:p="http://schemas.openxmlformats.org/presentationml/2006/main">
   <p:cSld>
     <p:spTree>
@@ -21509,7 +20901,7 @@
 </p:sld>
 </file>
 
-<file path=ppt/slides/slide46.xml><?xml version="1.0" encoding="utf-8"?>
+<file path=ppt/slides/slide45.xml><?xml version="1.0" encoding="utf-8"?>
 <p:sld xmlns:a="http://schemas.openxmlformats.org/drawingml/2006/main" xmlns:r="http://schemas.openxmlformats.org/officeDocument/2006/relationships" xmlns:p="http://schemas.openxmlformats.org/presentationml/2006/main">
   <p:cSld>
     <p:spTree>
@@ -21545,6 +20937,7 @@
               <a:buNone/>
             </a:pPr>
             <a:r>
+              <a:rPr dirty="0"/>
               <a:t>Odds</a:t>
             </a:r>
           </a:p>
@@ -22332,7 +21725,7 @@
 </p:sld>
 </file>
 
-<file path=ppt/slides/slide47.xml><?xml version="1.0" encoding="utf-8"?>
+<file path=ppt/slides/slide46.xml><?xml version="1.0" encoding="utf-8"?>
 <p:sld xmlns:a="http://schemas.openxmlformats.org/drawingml/2006/main" xmlns:r="http://schemas.openxmlformats.org/officeDocument/2006/relationships" xmlns:p="http://schemas.openxmlformats.org/presentationml/2006/main">
   <p:cSld>
     <p:spTree>
@@ -22981,7 +22374,7 @@
 </p:sld>
 </file>
 
-<file path=ppt/slides/slide48.xml><?xml version="1.0" encoding="utf-8"?>
+<file path=ppt/slides/slide47.xml><?xml version="1.0" encoding="utf-8"?>
 <p:sld xmlns:a="http://schemas.openxmlformats.org/drawingml/2006/main" xmlns:r="http://schemas.openxmlformats.org/officeDocument/2006/relationships" xmlns:p="http://schemas.openxmlformats.org/presentationml/2006/main">
   <p:cSld>
     <p:spTree>
@@ -23022,8 +22415,8 @@
           </a:p>
         </p:txBody>
       </p:sp>
-      <mc:AlternateContent xmlns:mc="http://schemas.openxmlformats.org/markup-compatibility/2006">
-        <mc:Choice xmlns:a14="http://schemas.microsoft.com/office/drawing/2010/main" Requires="a14">
+      <mc:AlternateContent xmlns:mc="http://schemas.openxmlformats.org/markup-compatibility/2006" xmlns:a14="http://schemas.microsoft.com/office/drawing/2010/main">
+        <mc:Choice Requires="a14">
           <p:sp>
             <p:nvSpPr>
               <p:cNvPr id="3" name="Content Placeholder 2"/>
@@ -23841,7 +23234,7 @@
             </p:txBody>
           </p:sp>
         </mc:Choice>
-        <mc:Fallback>
+        <mc:Fallback xmlns="">
           <p:sp>
             <p:nvSpPr>
               <p:cNvPr id="3" name="Content Placeholder 2"/>
@@ -25743,7 +25136,13 @@
                         <a:rPr>
                           <a:latin typeface="Cambria Math" panose="02040503050406030204" pitchFamily="18" charset="0"/>
                         </a:rPr>
-                        <m:t>0≤</m:t>
+                        <m:t>0</m:t>
+                      </m:r>
+                      <m:r>
+                        <a:rPr>
+                          <a:latin typeface="Cambria Math" panose="02040503050406030204" pitchFamily="18" charset="0"/>
+                        </a:rPr>
+                        <m:t>≤</m:t>
                       </m:r>
                       <m:nary>
                         <m:naryPr>
@@ -25844,7 +25243,13 @@
                         <a:rPr>
                           <a:latin typeface="Cambria Math" panose="02040503050406030204" pitchFamily="18" charset="0"/>
                         </a:rPr>
-                        <m:t> ≤1</m:t>
+                        <m:t> ≤</m:t>
+                      </m:r>
+                      <m:r>
+                        <a:rPr>
+                          <a:latin typeface="Cambria Math" panose="02040503050406030204" pitchFamily="18" charset="0"/>
+                        </a:rPr>
+                        <m:t>1</m:t>
                       </m:r>
                     </m:oMath>
                   </m:oMathPara>
@@ -26008,7 +25413,13 @@
                         <a:rPr>
                           <a:latin typeface="Cambria Math" panose="02040503050406030204" pitchFamily="18" charset="0"/>
                         </a:rPr>
-                        <m:t>=1</m:t>
+                        <m:t>=</m:t>
+                      </m:r>
+                      <m:r>
+                        <a:rPr>
+                          <a:latin typeface="Cambria Math" panose="02040503050406030204" pitchFamily="18" charset="0"/>
+                        </a:rPr>
+                        <m:t>1</m:t>
                       </m:r>
                     </m:oMath>
                   </m:oMathPara>
@@ -26047,7 +25458,13 @@
                       <a:rPr>
                         <a:latin typeface="Cambria Math" panose="02040503050406030204" pitchFamily="18" charset="0"/>
                       </a:rPr>
-                      <m:t>−∞</m:t>
+                      <m:t>−</m:t>
+                    </m:r>
+                    <m:r>
+                      <a:rPr>
+                        <a:latin typeface="Cambria Math" panose="02040503050406030204" pitchFamily="18" charset="0"/>
+                      </a:rPr>
+                      <m:t>∞</m:t>
                     </m:r>
                   </m:oMath>
                 </a14:m>

--- a/LectureSlides/03a_ReviewOfProbability.pptx
+++ b/LectureSlides/03a_ReviewOfProbability.pptx
@@ -348,7 +348,7 @@
           <a:p>
             <a:fld id="{241EB5C9-1307-BA42-ABA2-0BC069CD8E7F}" type="datetimeFigureOut">
               <a:rPr lang="en-US" smtClean="0"/>
-              <a:t>9/12/2024</a:t>
+              <a:t>9/16/2025</a:t>
             </a:fld>
             <a:endParaRPr lang="en-US"/>
           </a:p>
@@ -516,7 +516,7 @@
           <a:p>
             <a:fld id="{241EB5C9-1307-BA42-ABA2-0BC069CD8E7F}" type="datetimeFigureOut">
               <a:rPr lang="en-US" smtClean="0"/>
-              <a:t>9/12/2024</a:t>
+              <a:t>9/16/2025</a:t>
             </a:fld>
             <a:endParaRPr lang="en-US"/>
           </a:p>
@@ -694,7 +694,7 @@
           <a:p>
             <a:fld id="{241EB5C9-1307-BA42-ABA2-0BC069CD8E7F}" type="datetimeFigureOut">
               <a:rPr lang="en-US" smtClean="0"/>
-              <a:t>9/12/2024</a:t>
+              <a:t>9/16/2025</a:t>
             </a:fld>
             <a:endParaRPr lang="en-US"/>
           </a:p>
@@ -862,7 +862,7 @@
           <a:p>
             <a:fld id="{241EB5C9-1307-BA42-ABA2-0BC069CD8E7F}" type="datetimeFigureOut">
               <a:rPr lang="en-US" smtClean="0"/>
-              <a:t>9/12/2024</a:t>
+              <a:t>9/16/2025</a:t>
             </a:fld>
             <a:endParaRPr lang="en-US"/>
           </a:p>
@@ -1107,7 +1107,7 @@
           <a:p>
             <a:fld id="{241EB5C9-1307-BA42-ABA2-0BC069CD8E7F}" type="datetimeFigureOut">
               <a:rPr lang="en-US" smtClean="0"/>
-              <a:t>9/12/2024</a:t>
+              <a:t>9/16/2025</a:t>
             </a:fld>
             <a:endParaRPr lang="en-US"/>
           </a:p>
@@ -1392,7 +1392,7 @@
           <a:p>
             <a:fld id="{241EB5C9-1307-BA42-ABA2-0BC069CD8E7F}" type="datetimeFigureOut">
               <a:rPr lang="en-US" smtClean="0"/>
-              <a:t>9/12/2024</a:t>
+              <a:t>9/16/2025</a:t>
             </a:fld>
             <a:endParaRPr lang="en-US"/>
           </a:p>
@@ -1811,7 +1811,7 @@
           <a:p>
             <a:fld id="{241EB5C9-1307-BA42-ABA2-0BC069CD8E7F}" type="datetimeFigureOut">
               <a:rPr lang="en-US" smtClean="0"/>
-              <a:t>9/12/2024</a:t>
+              <a:t>9/16/2025</a:t>
             </a:fld>
             <a:endParaRPr lang="en-US"/>
           </a:p>
@@ -1928,7 +1928,7 @@
           <a:p>
             <a:fld id="{241EB5C9-1307-BA42-ABA2-0BC069CD8E7F}" type="datetimeFigureOut">
               <a:rPr lang="en-US" smtClean="0"/>
-              <a:t>9/12/2024</a:t>
+              <a:t>9/16/2025</a:t>
             </a:fld>
             <a:endParaRPr lang="en-US"/>
           </a:p>
@@ -2023,7 +2023,7 @@
           <a:p>
             <a:fld id="{241EB5C9-1307-BA42-ABA2-0BC069CD8E7F}" type="datetimeFigureOut">
               <a:rPr lang="en-US" smtClean="0"/>
-              <a:t>9/12/2024</a:t>
+              <a:t>9/16/2025</a:t>
             </a:fld>
             <a:endParaRPr lang="en-US"/>
           </a:p>
@@ -2298,7 +2298,7 @@
           <a:p>
             <a:fld id="{241EB5C9-1307-BA42-ABA2-0BC069CD8E7F}" type="datetimeFigureOut">
               <a:rPr lang="en-US" smtClean="0"/>
-              <a:t>9/12/2024</a:t>
+              <a:t>9/16/2025</a:t>
             </a:fld>
             <a:endParaRPr lang="en-US"/>
           </a:p>
@@ -2550,7 +2550,7 @@
           <a:p>
             <a:fld id="{241EB5C9-1307-BA42-ABA2-0BC069CD8E7F}" type="datetimeFigureOut">
               <a:rPr lang="en-US" smtClean="0"/>
-              <a:t>9/12/2024</a:t>
+              <a:t>9/16/2025</a:t>
             </a:fld>
             <a:endParaRPr lang="en-US"/>
           </a:p>
@@ -2761,7 +2761,7 @@
           <a:p>
             <a:fld id="{241EB5C9-1307-BA42-ABA2-0BC069CD8E7F}" type="datetimeFigureOut">
               <a:rPr lang="en-US" smtClean="0"/>
-              <a:t>9/12/2024</a:t>
+              <a:t>9/16/2025</a:t>
             </a:fld>
             <a:endParaRPr lang="en-US"/>
           </a:p>
@@ -4924,35 +4924,52 @@
               <a:buNone/>
             </a:pPr>
             <a:r>
+              <a:rPr dirty="0"/>
               <a:t>Many real-world cases have many possible outcomes</a:t>
             </a:r>
           </a:p>
           <a:p>
             <a:pPr lvl="0"/>
             <a:r>
-              <a:t>In these cases need a probability distribution for multiple outcomes</a:t>
+              <a:rPr dirty="0"/>
+              <a:t>In these cases</a:t>
+            </a:r>
+            <a:r>
+              <a:rPr lang="en-US" dirty="0"/>
+              <a:t>,</a:t>
+            </a:r>
+            <a:r>
+              <a:rPr dirty="0"/>
+              <a:t> need a probability distribution for multiple outcomes</a:t>
             </a:r>
           </a:p>
           <a:p>
             <a:pPr lvl="0"/>
             <a:r>
-              <a:rPr b="1"/>
+              <a:rPr b="1" dirty="0"/>
               <a:t>Categorical distribution</a:t>
             </a:r>
             <a:r>
+              <a:rPr dirty="0"/>
               <a:t> models multiple outcomes</a:t>
             </a:r>
           </a:p>
           <a:p>
             <a:pPr lvl="0"/>
             <a:r>
+              <a:rPr dirty="0"/>
               <a:t>Categorical Distribution is the multiple-outcome extension of the Bernoulli distribution, and is sometimes call the </a:t>
             </a:r>
             <a:r>
-              <a:rPr b="1"/>
-              <a:t>Multinoulli distribution</a:t>
+              <a:rPr b="1" dirty="0" err="1"/>
+              <a:t>Multinoulli</a:t>
             </a:r>
             <a:r>
+              <a:rPr b="1" dirty="0"/>
+              <a:t> distribution</a:t>
+            </a:r>
+            <a:r>
+              <a:rPr dirty="0"/>
               <a:t>.</a:t>
             </a:r>
           </a:p>
@@ -6933,7 +6950,7 @@
             <p:spPr>
               <a:xfrm>
                 <a:off x="582592" y="1359234"/>
-                <a:ext cx="4336649" cy="3578287"/>
+                <a:ext cx="4188913" cy="3314049"/>
               </a:xfrm>
               <a:prstGeom prst="rect">
                 <a:avLst/>
@@ -7009,7 +7026,7 @@
                     <m:d>
                       <m:dPr>
                         <m:ctrlPr>
-                          <a:rPr lang="el-GR" sz="3200" b="0" i="1" smtClean="0">
+                          <a:rPr lang="el-GR" sz="2800" b="0" i="1" smtClean="0">
                             <a:latin typeface="Cambria Math" panose="02040503050406030204" pitchFamily="18" charset="0"/>
                             <a:ea typeface="Cambria Math" panose="02040503050406030204" pitchFamily="18" charset="0"/>
                           </a:rPr>
@@ -7019,7 +7036,7 @@
                         <m:sSub>
                           <m:sSubPr>
                             <m:ctrlPr>
-                              <a:rPr lang="el-GR" sz="3200" i="1">
+                              <a:rPr lang="el-GR" sz="2800" i="1">
                                 <a:latin typeface="Cambria Math" panose="02040503050406030204" pitchFamily="18" charset="0"/>
                                 <a:ea typeface="Cambria Math" panose="02040503050406030204" pitchFamily="18" charset="0"/>
                               </a:rPr>
@@ -7027,7 +7044,7 @@
                           </m:sSubPr>
                           <m:e>
                             <m:r>
-                              <a:rPr lang="en-US" sz="3200" i="1">
+                              <a:rPr lang="en-US" sz="2800" i="1">
                                 <a:latin typeface="Cambria Math" panose="02040503050406030204" pitchFamily="18" charset="0"/>
                                 <a:ea typeface="Cambria Math" panose="02040503050406030204" pitchFamily="18" charset="0"/>
                               </a:rPr>
@@ -7036,7 +7053,7 @@
                           </m:e>
                           <m:sub>
                             <m:r>
-                              <a:rPr lang="en-US" sz="3200" i="1">
+                              <a:rPr lang="en-US" sz="2800" i="1">
                                 <a:latin typeface="Cambria Math" panose="02040503050406030204" pitchFamily="18" charset="0"/>
                                 <a:ea typeface="Cambria Math" panose="02040503050406030204" pitchFamily="18" charset="0"/>
                               </a:rPr>
@@ -7045,7 +7062,7 @@
                           </m:sub>
                         </m:sSub>
                         <m:r>
-                          <a:rPr lang="en-US" sz="3200" b="0" i="1" smtClean="0">
+                          <a:rPr lang="en-US" sz="2800" b="0" i="1" smtClean="0">
                             <a:latin typeface="Cambria Math" panose="02040503050406030204" pitchFamily="18" charset="0"/>
                             <a:ea typeface="Cambria Math" panose="02040503050406030204" pitchFamily="18" charset="0"/>
                           </a:rPr>
@@ -7054,7 +7071,7 @@
                         <m:sSub>
                           <m:sSubPr>
                             <m:ctrlPr>
-                              <a:rPr lang="el-GR" sz="3200" b="0" i="1" smtClean="0">
+                              <a:rPr lang="el-GR" sz="2800" b="0" i="1" smtClean="0">
                                 <a:latin typeface="Cambria Math" panose="02040503050406030204" pitchFamily="18" charset="0"/>
                                 <a:ea typeface="Cambria Math" panose="02040503050406030204" pitchFamily="18" charset="0"/>
                               </a:rPr>
@@ -7062,7 +7079,7 @@
                           </m:sSubPr>
                           <m:e>
                             <m:r>
-                              <a:rPr lang="el-GR" sz="3200" b="0" i="1" smtClean="0">
+                              <a:rPr lang="el-GR" sz="2800" b="0" i="1" smtClean="0">
                                 <a:latin typeface="Cambria Math" panose="02040503050406030204" pitchFamily="18" charset="0"/>
                                 <a:ea typeface="Cambria Math" panose="02040503050406030204" pitchFamily="18" charset="0"/>
                               </a:rPr>
@@ -7071,7 +7088,7 @@
                           </m:e>
                           <m:sub>
                             <m:r>
-                              <a:rPr lang="en-US" sz="3200" b="0" i="1" smtClean="0">
+                              <a:rPr lang="en-US" sz="2800" b="0" i="1" smtClean="0">
                                 <a:latin typeface="Cambria Math" panose="02040503050406030204" pitchFamily="18" charset="0"/>
                                 <a:ea typeface="Cambria Math" panose="02040503050406030204" pitchFamily="18" charset="0"/>
                               </a:rPr>
@@ -7080,14 +7097,14 @@
                           </m:sub>
                         </m:sSub>
                         <m:r>
-                          <a:rPr lang="en-US" sz="3200" b="0" i="1" smtClean="0">
+                          <a:rPr lang="en-US" sz="2800" b="0" i="1" smtClean="0">
                             <a:latin typeface="Cambria Math" panose="02040503050406030204" pitchFamily="18" charset="0"/>
                             <a:ea typeface="Cambria Math" panose="02040503050406030204" pitchFamily="18" charset="0"/>
                           </a:rPr>
                           <m:t>𝑁</m:t>
                         </m:r>
                         <m:r>
-                          <a:rPr lang="en-US" sz="3200" b="0" i="1" smtClean="0">
+                          <a:rPr lang="en-US" sz="2800" b="0" i="1" smtClean="0">
                             <a:latin typeface="Cambria Math" panose="02040503050406030204" pitchFamily="18" charset="0"/>
                             <a:ea typeface="Cambria Math" panose="02040503050406030204" pitchFamily="18" charset="0"/>
                           </a:rPr>
@@ -7096,7 +7113,7 @@
                         <m:sSub>
                           <m:sSubPr>
                             <m:ctrlPr>
-                              <a:rPr lang="el-GR" sz="3200" i="1">
+                              <a:rPr lang="el-GR" sz="2800" i="1">
                                 <a:latin typeface="Cambria Math" panose="02040503050406030204" pitchFamily="18" charset="0"/>
                                 <a:ea typeface="Cambria Math" panose="02040503050406030204" pitchFamily="18" charset="0"/>
                               </a:rPr>
@@ -7106,7 +7123,7 @@
                             <m:sSub>
                               <m:sSubPr>
                                 <m:ctrlPr>
-                                  <a:rPr lang="el-GR" sz="3200" i="1">
+                                  <a:rPr lang="el-GR" sz="2800" i="1">
                                     <a:latin typeface="Cambria Math" panose="02040503050406030204" pitchFamily="18" charset="0"/>
                                     <a:ea typeface="Cambria Math" panose="02040503050406030204" pitchFamily="18" charset="0"/>
                                   </a:rPr>
@@ -7114,7 +7131,7 @@
                               </m:sSubPr>
                               <m:e>
                                 <m:r>
-                                  <a:rPr lang="en-US" sz="3200" i="1">
+                                  <a:rPr lang="en-US" sz="2800" i="1">
                                     <a:latin typeface="Cambria Math" panose="02040503050406030204" pitchFamily="18" charset="0"/>
                                     <a:ea typeface="Cambria Math" panose="02040503050406030204" pitchFamily="18" charset="0"/>
                                   </a:rPr>
@@ -7123,7 +7140,7 @@
                               </m:e>
                               <m:sub>
                                 <m:r>
-                                  <a:rPr lang="en-US" sz="3200" b="0" i="1" smtClean="0">
+                                  <a:rPr lang="en-US" sz="2800" b="0" i="1" smtClean="0">
                                     <a:latin typeface="Cambria Math" panose="02040503050406030204" pitchFamily="18" charset="0"/>
                                     <a:ea typeface="Cambria Math" panose="02040503050406030204" pitchFamily="18" charset="0"/>
                                   </a:rPr>
@@ -7132,14 +7149,14 @@
                               </m:sub>
                             </m:sSub>
                             <m:r>
-                              <a:rPr lang="en-US" sz="3200" b="0" i="1" smtClean="0">
+                              <a:rPr lang="en-US" sz="2800" b="0" i="1" smtClean="0">
                                 <a:latin typeface="Cambria Math" panose="02040503050406030204" pitchFamily="18" charset="0"/>
                                 <a:ea typeface="Cambria Math" panose="02040503050406030204" pitchFamily="18" charset="0"/>
                               </a:rPr>
                               <m:t>=</m:t>
                             </m:r>
                             <m:r>
-                              <a:rPr lang="el-GR" sz="3200" i="1">
+                              <a:rPr lang="el-GR" sz="2800" i="1">
                                 <a:latin typeface="Cambria Math" panose="02040503050406030204" pitchFamily="18" charset="0"/>
                                 <a:ea typeface="Cambria Math" panose="02040503050406030204" pitchFamily="18" charset="0"/>
                               </a:rPr>
@@ -7148,7 +7165,7 @@
                           </m:e>
                           <m:sub>
                             <m:r>
-                              <a:rPr lang="en-US" sz="3200" b="0" i="1" smtClean="0">
+                              <a:rPr lang="en-US" sz="2800" b="0" i="1" smtClean="0">
                                 <a:latin typeface="Cambria Math" panose="02040503050406030204" pitchFamily="18" charset="0"/>
                                 <a:ea typeface="Cambria Math" panose="02040503050406030204" pitchFamily="18" charset="0"/>
                               </a:rPr>
@@ -7157,14 +7174,14 @@
                           </m:sub>
                         </m:sSub>
                         <m:r>
-                          <a:rPr lang="en-US" sz="3200" b="0" i="1" smtClean="0">
+                          <a:rPr lang="en-US" sz="2800" b="0" i="1" smtClean="0">
                             <a:latin typeface="Cambria Math" panose="02040503050406030204" pitchFamily="18" charset="0"/>
                             <a:ea typeface="Cambria Math" panose="02040503050406030204" pitchFamily="18" charset="0"/>
                           </a:rPr>
                           <m:t>𝑁</m:t>
                         </m:r>
                         <m:r>
-                          <a:rPr lang="en-US" sz="3200" b="0" i="1" smtClean="0">
+                          <a:rPr lang="en-US" sz="2800" b="0" i="1" smtClean="0">
                             <a:latin typeface="Cambria Math" panose="02040503050406030204" pitchFamily="18" charset="0"/>
                             <a:ea typeface="Cambria Math" panose="02040503050406030204" pitchFamily="18" charset="0"/>
                           </a:rPr>
@@ -7173,7 +7190,7 @@
                         <m:sSub>
                           <m:sSubPr>
                             <m:ctrlPr>
-                              <a:rPr lang="el-GR" sz="3200" i="1">
+                              <a:rPr lang="el-GR" sz="2800" i="1">
                                 <a:latin typeface="Cambria Math" panose="02040503050406030204" pitchFamily="18" charset="0"/>
                                 <a:ea typeface="Cambria Math" panose="02040503050406030204" pitchFamily="18" charset="0"/>
                               </a:rPr>
@@ -7181,7 +7198,14 @@
                           </m:sSubPr>
                           <m:e>
                             <m:r>
-                              <a:rPr lang="en-US" sz="3200" i="1">
+                              <a:rPr lang="en-US" sz="2800" b="0" i="1" smtClean="0">
+                                <a:latin typeface="Cambria Math" panose="02040503050406030204" pitchFamily="18" charset="0"/>
+                                <a:ea typeface="Cambria Math" panose="02040503050406030204" pitchFamily="18" charset="0"/>
+                              </a:rPr>
+                              <m:t> </m:t>
+                            </m:r>
+                            <m:r>
+                              <a:rPr lang="en-US" sz="2800" i="1">
                                 <a:latin typeface="Cambria Math" panose="02040503050406030204" pitchFamily="18" charset="0"/>
                                 <a:ea typeface="Cambria Math" panose="02040503050406030204" pitchFamily="18" charset="0"/>
                               </a:rPr>
@@ -7190,7 +7214,7 @@
                           </m:e>
                           <m:sub>
                             <m:r>
-                              <a:rPr lang="en-US" sz="3200" b="0" i="1" smtClean="0">
+                              <a:rPr lang="en-US" sz="2800" b="0" i="1" smtClean="0">
                                 <a:latin typeface="Cambria Math" panose="02040503050406030204" pitchFamily="18" charset="0"/>
                                 <a:ea typeface="Cambria Math" panose="02040503050406030204" pitchFamily="18" charset="0"/>
                               </a:rPr>
@@ -7199,7 +7223,7 @@
                           </m:sub>
                         </m:sSub>
                         <m:r>
-                          <a:rPr lang="en-US" sz="3200" b="0" i="1" smtClean="0">
+                          <a:rPr lang="en-US" sz="2800" b="0" i="1" smtClean="0">
                             <a:latin typeface="Cambria Math" panose="02040503050406030204" pitchFamily="18" charset="0"/>
                             <a:ea typeface="Cambria Math" panose="02040503050406030204" pitchFamily="18" charset="0"/>
                           </a:rPr>
@@ -7208,7 +7232,7 @@
                         <m:sSub>
                           <m:sSubPr>
                             <m:ctrlPr>
-                              <a:rPr lang="el-GR" sz="3200" i="1">
+                              <a:rPr lang="el-GR" sz="2800" i="1">
                                 <a:latin typeface="Cambria Math" panose="02040503050406030204" pitchFamily="18" charset="0"/>
                                 <a:ea typeface="Cambria Math" panose="02040503050406030204" pitchFamily="18" charset="0"/>
                               </a:rPr>
@@ -7216,7 +7240,7 @@
                           </m:sSubPr>
                           <m:e>
                             <m:r>
-                              <a:rPr lang="el-GR" sz="3200" i="1">
+                              <a:rPr lang="el-GR" sz="2800" i="1">
                                 <a:latin typeface="Cambria Math" panose="02040503050406030204" pitchFamily="18" charset="0"/>
                                 <a:ea typeface="Cambria Math" panose="02040503050406030204" pitchFamily="18" charset="0"/>
                               </a:rPr>
@@ -7225,7 +7249,7 @@
                           </m:e>
                           <m:sub>
                             <m:r>
-                              <a:rPr lang="en-US" sz="3200" b="0" i="1" smtClean="0">
+                              <a:rPr lang="en-US" sz="2800" b="0" i="1" smtClean="0">
                                 <a:latin typeface="Cambria Math" panose="02040503050406030204" pitchFamily="18" charset="0"/>
                                 <a:ea typeface="Cambria Math" panose="02040503050406030204" pitchFamily="18" charset="0"/>
                               </a:rPr>
@@ -7234,7 +7258,7 @@
                           </m:sub>
                         </m:sSub>
                         <m:r>
-                          <a:rPr lang="en-US" sz="3200" b="0" i="1" smtClean="0">
+                          <a:rPr lang="en-US" sz="2800" b="0" i="1" smtClean="0">
                             <a:latin typeface="Cambria Math" panose="02040503050406030204" pitchFamily="18" charset="0"/>
                             <a:ea typeface="Cambria Math" panose="02040503050406030204" pitchFamily="18" charset="0"/>
                           </a:rPr>
@@ -7244,7 +7268,7 @@
                     </m:d>
                   </m:oMath>
                 </a14:m>
-                <a:endParaRPr lang="en-US" sz="2200" dirty="0"/>
+                <a:endParaRPr lang="en-US" sz="2800" dirty="0"/>
               </a:p>
             </p:txBody>
           </p:sp>
@@ -7267,7 +7291,7 @@
             <p:spPr>
               <a:xfrm>
                 <a:off x="582592" y="1359234"/>
-                <a:ext cx="4336649" cy="3578287"/>
+                <a:ext cx="4188913" cy="3314049"/>
               </a:xfrm>
               <a:prstGeom prst="rect">
                 <a:avLst/>
@@ -7275,7 +7299,7 @@
               <a:blipFill>
                 <a:blip r:embed="rId3"/>
                 <a:stretch>
-                  <a:fillRect l="-1828" t="-1193" r="-1125"/>
+                  <a:fillRect l="-1892" t="-1287" r="-582"/>
                 </a:stretch>
               </a:blipFill>
             </p:spPr>
@@ -8026,7 +8050,9 @@
           </a:bodyPr>
           <a:lstStyle/>
           <a:p>
-            <a:pPr lvl="0"/>
+            <a:pPr marL="0" lvl="0" indent="0">
+              <a:buNone/>
+            </a:pPr>
             <a:r>
               <a:rPr dirty="0"/>
               <a:t>Probability theory is the basis of statistics, machine learning, and much AI</a:t>
@@ -8690,8 +8716,8 @@
           </a:p>
         </p:txBody>
       </p:sp>
-      <mc:AlternateContent xmlns:mc="http://schemas.openxmlformats.org/markup-compatibility/2006" xmlns:a14="http://schemas.microsoft.com/office/drawing/2010/main">
-        <mc:Choice Requires="a14">
+      <mc:AlternateContent xmlns:mc="http://schemas.openxmlformats.org/markup-compatibility/2006">
+        <mc:Choice xmlns:a14="http://schemas.microsoft.com/office/drawing/2010/main" Requires="a14">
           <p:sp>
             <p:nvSpPr>
               <p:cNvPr id="3" name="Content Placeholder 2"/>
@@ -8924,6 +8950,54 @@
                         </a:rPr>
                         <m:t>=</m:t>
                       </m:r>
+                      <m:f>
+                        <m:fPr>
+                          <m:ctrlPr>
+                            <a:rPr lang="ar-AE" i="1">
+                              <a:latin typeface="Cambria Math" panose="02040503050406030204" pitchFamily="18" charset="0"/>
+                            </a:rPr>
+                          </m:ctrlPr>
+                        </m:fPr>
+                        <m:num>
+                          <m:r>
+                            <a:rPr lang="ar-AE">
+                              <a:latin typeface="Cambria Math" panose="02040503050406030204" pitchFamily="18" charset="0"/>
+                            </a:rPr>
+                            <m:t>1</m:t>
+                          </m:r>
+                        </m:num>
+                        <m:den>
+                          <m:d>
+                            <m:dPr>
+                              <m:ctrlPr>
+                                <a:rPr lang="ar-AE" i="1">
+                                  <a:latin typeface="Cambria Math" panose="02040503050406030204" pitchFamily="18" charset="0"/>
+                                </a:rPr>
+                              </m:ctrlPr>
+                            </m:dPr>
+                            <m:e>
+                              <m:r>
+                                <a:rPr lang="ar-AE">
+                                  <a:latin typeface="Cambria Math" panose="02040503050406030204" pitchFamily="18" charset="0"/>
+                                </a:rPr>
+                                <m:t>𝑏</m:t>
+                              </m:r>
+                              <m:r>
+                                <a:rPr lang="ar-AE">
+                                  <a:latin typeface="Cambria Math" panose="02040503050406030204" pitchFamily="18" charset="0"/>
+                                </a:rPr>
+                                <m:t>−</m:t>
+                              </m:r>
+                              <m:r>
+                                <a:rPr lang="ar-AE">
+                                  <a:latin typeface="Cambria Math" panose="02040503050406030204" pitchFamily="18" charset="0"/>
+                                </a:rPr>
+                                <m:t>𝑎</m:t>
+                              </m:r>
+                            </m:e>
+                          </m:d>
+                        </m:den>
+                      </m:f>
                       <m:nary>
                         <m:naryPr>
                           <m:ctrlPr>
@@ -8993,6 +9067,54 @@
                         </a:rPr>
                         <m:t>=</m:t>
                       </m:r>
+                      <m:f>
+                        <m:fPr>
+                          <m:ctrlPr>
+                            <a:rPr lang="ar-AE" i="1">
+                              <a:latin typeface="Cambria Math" panose="02040503050406030204" pitchFamily="18" charset="0"/>
+                            </a:rPr>
+                          </m:ctrlPr>
+                        </m:fPr>
+                        <m:num>
+                          <m:r>
+                            <a:rPr lang="ar-AE">
+                              <a:latin typeface="Cambria Math" panose="02040503050406030204" pitchFamily="18" charset="0"/>
+                            </a:rPr>
+                            <m:t>1</m:t>
+                          </m:r>
+                        </m:num>
+                        <m:den>
+                          <m:d>
+                            <m:dPr>
+                              <m:ctrlPr>
+                                <a:rPr lang="ar-AE" i="1">
+                                  <a:latin typeface="Cambria Math" panose="02040503050406030204" pitchFamily="18" charset="0"/>
+                                </a:rPr>
+                              </m:ctrlPr>
+                            </m:dPr>
+                            <m:e>
+                              <m:r>
+                                <a:rPr lang="ar-AE">
+                                  <a:latin typeface="Cambria Math" panose="02040503050406030204" pitchFamily="18" charset="0"/>
+                                </a:rPr>
+                                <m:t>𝑏</m:t>
+                              </m:r>
+                              <m:r>
+                                <a:rPr lang="ar-AE">
+                                  <a:latin typeface="Cambria Math" panose="02040503050406030204" pitchFamily="18" charset="0"/>
+                                </a:rPr>
+                                <m:t>−</m:t>
+                              </m:r>
+                              <m:r>
+                                <a:rPr lang="ar-AE">
+                                  <a:latin typeface="Cambria Math" panose="02040503050406030204" pitchFamily="18" charset="0"/>
+                                </a:rPr>
+                                <m:t>𝑎</m:t>
+                              </m:r>
+                            </m:e>
+                          </m:d>
+                        </m:den>
+                      </m:f>
                       <m:f>
                         <m:fPr>
                           <m:ctrlPr>
@@ -9146,7 +9268,7 @@
             </p:txBody>
           </p:sp>
         </mc:Choice>
-        <mc:Fallback xmlns="">
+        <mc:Fallback>
           <p:sp>
             <p:nvSpPr>
               <p:cNvPr id="3" name="Content Placeholder 2"/>
@@ -9161,7 +9283,7 @@
               <a:blipFill>
                 <a:blip r:embed="rId2"/>
                 <a:stretch>
-                  <a:fillRect l="-667" t="-2334"/>
+                  <a:fillRect l="-667" t="-2334" b="-1257"/>
                 </a:stretch>
               </a:blipFill>
             </p:spPr>
@@ -9338,8 +9460,8 @@
           </a:p>
         </p:txBody>
       </p:sp>
-      <mc:AlternateContent xmlns:mc="http://schemas.openxmlformats.org/markup-compatibility/2006" xmlns:a14="http://schemas.microsoft.com/office/drawing/2010/main">
-        <mc:Choice Requires="a14">
+      <mc:AlternateContent xmlns:mc="http://schemas.openxmlformats.org/markup-compatibility/2006">
+        <mc:Choice xmlns:a14="http://schemas.microsoft.com/office/drawing/2010/main" Requires="a14">
           <p:sp>
             <p:nvSpPr>
               <p:cNvPr id="3" name="Content Placeholder 2"/>
@@ -9360,7 +9482,7 @@
                 </a:pPr>
                 <a:r>
                   <a:rPr lang="en-US" dirty="0"/>
-                  <a:t>For a univariate Normal distribution we can write the density function as:</a:t>
+                  <a:t>For a univariate Normal distribution, we can write the density function as:</a:t>
                 </a:r>
               </a:p>
               <a:p>
@@ -9795,7 +9917,7 @@
             </p:txBody>
           </p:sp>
         </mc:Choice>
-        <mc:Fallback xmlns="">
+        <mc:Fallback>
           <p:sp>
             <p:nvSpPr>
               <p:cNvPr id="3" name="Content Placeholder 2"/>
@@ -10819,8 +10941,8 @@
           </a:p>
         </p:txBody>
       </p:sp>
-      <mc:AlternateContent xmlns:mc="http://schemas.openxmlformats.org/markup-compatibility/2006">
-        <mc:Choice xmlns:a14="http://schemas.microsoft.com/office/drawing/2010/main" Requires="a14">
+      <mc:AlternateContent xmlns:mc="http://schemas.openxmlformats.org/markup-compatibility/2006" xmlns:a14="http://schemas.microsoft.com/office/drawing/2010/main">
+        <mc:Choice Requires="a14">
           <p:sp>
             <p:nvSpPr>
               <p:cNvPr id="3" name="Content Placeholder 2"/>
@@ -12356,7 +12478,7 @@
             </p:txBody>
           </p:sp>
         </mc:Choice>
-        <mc:Fallback>
+        <mc:Fallback xmlns="">
           <p:sp>
             <p:nvSpPr>
               <p:cNvPr id="3" name="Content Placeholder 2"/>
@@ -15590,8 +15712,8 @@
           </a:p>
         </p:txBody>
       </p:sp>
-      <mc:AlternateContent xmlns:mc="http://schemas.openxmlformats.org/markup-compatibility/2006">
-        <mc:Choice xmlns:a14="http://schemas.microsoft.com/office/drawing/2010/main" Requires="a14">
+      <mc:AlternateContent xmlns:mc="http://schemas.openxmlformats.org/markup-compatibility/2006" xmlns:a14="http://schemas.microsoft.com/office/drawing/2010/main">
+        <mc:Choice Requires="a14">
           <p:sp>
             <p:nvSpPr>
               <p:cNvPr id="3" name="Content Placeholder 2"/>
@@ -16092,7 +16214,7 @@
             </p:txBody>
           </p:sp>
         </mc:Choice>
-        <mc:Fallback>
+        <mc:Fallback xmlns="">
           <p:sp>
             <p:nvSpPr>
               <p:cNvPr id="3" name="Content Placeholder 2"/>
@@ -16476,8 +16598,8 @@
           </p:sp>
         </mc:Fallback>
       </mc:AlternateContent>
-      <mc:AlternateContent xmlns:mc="http://schemas.openxmlformats.org/markup-compatibility/2006">
-        <mc:Choice xmlns:a14="http://schemas.microsoft.com/office/drawing/2010/main" Requires="a14">
+      <mc:AlternateContent xmlns:mc="http://schemas.openxmlformats.org/markup-compatibility/2006" xmlns:a14="http://schemas.microsoft.com/office/drawing/2010/main">
+        <mc:Choice Requires="a14">
           <p:sp>
             <p:nvSpPr>
               <p:cNvPr id="3" name="Title 1">
@@ -16604,7 +16726,7 @@
             </p:txBody>
           </p:sp>
         </mc:Choice>
-        <mc:Fallback>
+        <mc:Fallback xmlns="">
           <p:sp>
             <p:nvSpPr>
               <p:cNvPr id="3" name="Title 1">
@@ -16778,8 +16900,8 @@
           </p:sp>
         </mc:Fallback>
       </mc:AlternateContent>
-      <mc:AlternateContent xmlns:mc="http://schemas.openxmlformats.org/markup-compatibility/2006">
-        <mc:Choice xmlns:a14="http://schemas.microsoft.com/office/drawing/2010/main" Requires="a14">
+      <mc:AlternateContent xmlns:mc="http://schemas.openxmlformats.org/markup-compatibility/2006" xmlns:a14="http://schemas.microsoft.com/office/drawing/2010/main">
+        <mc:Choice Requires="a14">
           <p:sp>
             <p:nvSpPr>
               <p:cNvPr id="3" name="Content Placeholder 2"/>
@@ -17324,7 +17446,7 @@
             </p:txBody>
           </p:sp>
         </mc:Choice>
-        <mc:Fallback>
+        <mc:Fallback xmlns="">
           <p:sp>
             <p:nvSpPr>
               <p:cNvPr id="3" name="Content Placeholder 2"/>
@@ -17488,8 +17610,8 @@
           </p:sp>
         </mc:Fallback>
       </mc:AlternateContent>
-      <mc:AlternateContent xmlns:mc="http://schemas.openxmlformats.org/markup-compatibility/2006">
-        <mc:Choice xmlns:a14="http://schemas.microsoft.com/office/drawing/2010/main" Requires="a14">
+      <mc:AlternateContent xmlns:mc="http://schemas.openxmlformats.org/markup-compatibility/2006" xmlns:a14="http://schemas.microsoft.com/office/drawing/2010/main">
+        <mc:Choice Requires="a14">
           <p:sp>
             <p:nvSpPr>
               <p:cNvPr id="3" name="Content Placeholder 2"/>
@@ -18296,7 +18418,7 @@
             </p:txBody>
           </p:sp>
         </mc:Choice>
-        <mc:Fallback>
+        <mc:Fallback xmlns="">
           <p:sp>
             <p:nvSpPr>
               <p:cNvPr id="3" name="Content Placeholder 2"/>
@@ -18994,8 +19116,8 @@
           </p:sp>
         </mc:Fallback>
       </mc:AlternateContent>
-      <mc:AlternateContent xmlns:mc="http://schemas.openxmlformats.org/markup-compatibility/2006">
-        <mc:Choice xmlns:a14="http://schemas.microsoft.com/office/drawing/2010/main" Requires="a14">
+      <mc:AlternateContent xmlns:mc="http://schemas.openxmlformats.org/markup-compatibility/2006" xmlns:a14="http://schemas.microsoft.com/office/drawing/2010/main">
+        <mc:Choice Requires="a14">
           <p:sp>
             <p:nvSpPr>
               <p:cNvPr id="3" name="Content Placeholder 2"/>
@@ -19581,7 +19703,7 @@
             </p:txBody>
           </p:sp>
         </mc:Choice>
-        <mc:Fallback>
+        <mc:Fallback xmlns="">
           <p:sp>
             <p:nvSpPr>
               <p:cNvPr id="3" name="Content Placeholder 2"/>
@@ -20145,8 +20267,8 @@
           </p:sp>
         </mc:Fallback>
       </mc:AlternateContent>
-      <mc:AlternateContent xmlns:mc="http://schemas.openxmlformats.org/markup-compatibility/2006">
-        <mc:Choice xmlns:a14="http://schemas.microsoft.com/office/drawing/2010/main" Requires="a14">
+      <mc:AlternateContent xmlns:mc="http://schemas.openxmlformats.org/markup-compatibility/2006" xmlns:a14="http://schemas.microsoft.com/office/drawing/2010/main">
+        <mc:Choice Requires="a14">
           <p:sp>
             <p:nvSpPr>
               <p:cNvPr id="3" name="Content Placeholder 2"/>
@@ -20277,7 +20399,7 @@
             </p:txBody>
           </p:sp>
         </mc:Choice>
-        <mc:Fallback>
+        <mc:Fallback xmlns="">
           <p:sp>
             <p:nvSpPr>
               <p:cNvPr id="3" name="Content Placeholder 2"/>
